--- a/ETL_Presentation.pptx
+++ b/ETL_Presentation.pptx
@@ -9,10 +9,10 @@
     <p:sldId id="258" r:id="rId3"/>
     <p:sldId id="257" r:id="rId4"/>
     <p:sldId id="259" r:id="rId5"/>
-    <p:sldId id="260" r:id="rId6"/>
-    <p:sldId id="261" r:id="rId7"/>
-    <p:sldId id="262" r:id="rId8"/>
-    <p:sldId id="264" r:id="rId9"/>
+    <p:sldId id="264" r:id="rId6"/>
+    <p:sldId id="262" r:id="rId7"/>
+    <p:sldId id="260" r:id="rId8"/>
+    <p:sldId id="261" r:id="rId9"/>
     <p:sldId id="263" r:id="rId10"/>
   </p:sldIdLst>
   <p:sldSz cx="12192000" cy="6858000"/>
@@ -112,7 +112,6093 @@
       </a:defRPr>
     </a:lvl9pPr>
   </p:defaultTextStyle>
+  <p:extLst>
+    <p:ext uri="{EFAFB233-063F-42B5-8137-9DF3F51BA10A}">
+      <p15:sldGuideLst xmlns:p15="http://schemas.microsoft.com/office/powerpoint/2012/main"/>
+    </p:ext>
+  </p:extLst>
 </p:presentation>
+</file>
+
+<file path=ppt/diagrams/colors1.xml><?xml version="1.0" encoding="utf-8"?>
+<dgm:colorsDef xmlns:dgm="http://schemas.openxmlformats.org/drawingml/2006/diagram" xmlns:a="http://schemas.openxmlformats.org/drawingml/2006/main" uniqueId="urn:microsoft.com/office/officeart/2018/5/colors/Iconchunking_neutralbg_colorful1">
+  <dgm:title val=""/>
+  <dgm:desc val=""/>
+  <dgm:catLst>
+    <dgm:cat type="colorful" pri="10100"/>
+  </dgm:catLst>
+  <dgm:styleLbl name="node0">
+    <dgm:fillClrLst meth="repeat">
+      <a:schemeClr val="accent1"/>
+    </dgm:fillClrLst>
+    <dgm:linClrLst meth="repeat">
+      <a:schemeClr val="lt1"/>
+    </dgm:linClrLst>
+    <dgm:effectClrLst/>
+    <dgm:txLinClrLst/>
+    <dgm:txFillClrLst/>
+    <dgm:txEffectClrLst/>
+  </dgm:styleLbl>
+  <dgm:styleLbl name="node1">
+    <dgm:fillClrLst meth="repeat">
+      <a:schemeClr val="accent2"/>
+      <a:schemeClr val="accent3"/>
+      <a:schemeClr val="accent4"/>
+      <a:schemeClr val="accent5"/>
+      <a:schemeClr val="accent6"/>
+    </dgm:fillClrLst>
+    <dgm:linClrLst meth="repeat">
+      <a:schemeClr val="lt1">
+        <a:alpha val="0"/>
+      </a:schemeClr>
+    </dgm:linClrLst>
+    <dgm:effectClrLst/>
+    <dgm:txLinClrLst/>
+    <dgm:txFillClrLst/>
+    <dgm:txEffectClrLst/>
+  </dgm:styleLbl>
+  <dgm:styleLbl name="alignNode1">
+    <dgm:fillClrLst meth="repeat">
+      <a:schemeClr val="accent2"/>
+      <a:schemeClr val="accent3"/>
+      <a:schemeClr val="accent4"/>
+      <a:schemeClr val="accent5"/>
+      <a:schemeClr val="accent6"/>
+    </dgm:fillClrLst>
+    <dgm:linClrLst meth="repeat">
+      <a:schemeClr val="accent2"/>
+      <a:schemeClr val="accent3"/>
+      <a:schemeClr val="accent4"/>
+      <a:schemeClr val="accent5"/>
+      <a:schemeClr val="accent6"/>
+    </dgm:linClrLst>
+    <dgm:effectClrLst/>
+    <dgm:txLinClrLst/>
+    <dgm:txFillClrLst/>
+    <dgm:txEffectClrLst/>
+  </dgm:styleLbl>
+  <dgm:styleLbl name="lnNode1">
+    <dgm:fillClrLst meth="repeat">
+      <a:schemeClr val="accent2"/>
+      <a:schemeClr val="accent3"/>
+      <a:schemeClr val="accent4"/>
+      <a:schemeClr val="accent5"/>
+      <a:schemeClr val="accent6"/>
+    </dgm:fillClrLst>
+    <dgm:linClrLst meth="repeat">
+      <a:schemeClr val="lt1"/>
+    </dgm:linClrLst>
+    <dgm:effectClrLst/>
+    <dgm:txLinClrLst/>
+    <dgm:txFillClrLst/>
+    <dgm:txEffectClrLst/>
+  </dgm:styleLbl>
+  <dgm:styleLbl name="vennNode1">
+    <dgm:fillClrLst meth="repeat">
+      <a:schemeClr val="accent2">
+        <a:alpha val="50000"/>
+      </a:schemeClr>
+      <a:schemeClr val="accent3">
+        <a:alpha val="50000"/>
+      </a:schemeClr>
+      <a:schemeClr val="accent4">
+        <a:alpha val="50000"/>
+      </a:schemeClr>
+      <a:schemeClr val="accent5">
+        <a:alpha val="50000"/>
+      </a:schemeClr>
+      <a:schemeClr val="accent6">
+        <a:alpha val="50000"/>
+      </a:schemeClr>
+    </dgm:fillClrLst>
+    <dgm:linClrLst meth="repeat">
+      <a:schemeClr val="lt1"/>
+    </dgm:linClrLst>
+    <dgm:effectClrLst/>
+    <dgm:txLinClrLst/>
+    <dgm:txFillClrLst/>
+    <dgm:txEffectClrLst/>
+  </dgm:styleLbl>
+  <dgm:styleLbl name="node2">
+    <dgm:fillClrLst>
+      <a:schemeClr val="accent2"/>
+    </dgm:fillClrLst>
+    <dgm:linClrLst meth="repeat">
+      <a:schemeClr val="lt1"/>
+    </dgm:linClrLst>
+    <dgm:effectClrLst/>
+    <dgm:txLinClrLst/>
+    <dgm:txFillClrLst/>
+    <dgm:txEffectClrLst/>
+  </dgm:styleLbl>
+  <dgm:styleLbl name="node3">
+    <dgm:fillClrLst>
+      <a:schemeClr val="accent3"/>
+    </dgm:fillClrLst>
+    <dgm:linClrLst meth="repeat">
+      <a:schemeClr val="lt1"/>
+    </dgm:linClrLst>
+    <dgm:effectClrLst/>
+    <dgm:txLinClrLst/>
+    <dgm:txFillClrLst/>
+    <dgm:txEffectClrLst/>
+  </dgm:styleLbl>
+  <dgm:styleLbl name="node4">
+    <dgm:fillClrLst>
+      <a:schemeClr val="accent4"/>
+    </dgm:fillClrLst>
+    <dgm:linClrLst meth="repeat">
+      <a:schemeClr val="lt1"/>
+    </dgm:linClrLst>
+    <dgm:effectClrLst/>
+    <dgm:txLinClrLst/>
+    <dgm:txFillClrLst/>
+    <dgm:txEffectClrLst/>
+  </dgm:styleLbl>
+  <dgm:styleLbl name="fgImgPlace1">
+    <dgm:fillClrLst meth="repeat">
+      <a:schemeClr val="accent2">
+        <a:tint val="50000"/>
+      </a:schemeClr>
+      <a:schemeClr val="accent3">
+        <a:tint val="50000"/>
+      </a:schemeClr>
+      <a:schemeClr val="accent4">
+        <a:tint val="50000"/>
+      </a:schemeClr>
+      <a:schemeClr val="accent5">
+        <a:tint val="50000"/>
+      </a:schemeClr>
+      <a:schemeClr val="accent6">
+        <a:tint val="50000"/>
+      </a:schemeClr>
+    </dgm:fillClrLst>
+    <dgm:linClrLst meth="repeat">
+      <a:schemeClr val="lt1"/>
+    </dgm:linClrLst>
+    <dgm:effectClrLst/>
+    <dgm:txLinClrLst/>
+    <dgm:txFillClrLst meth="repeat">
+      <a:schemeClr val="lt1"/>
+    </dgm:txFillClrLst>
+    <dgm:txEffectClrLst/>
+  </dgm:styleLbl>
+  <dgm:styleLbl name="alignImgPlace1">
+    <dgm:fillClrLst>
+      <a:schemeClr val="accent1">
+        <a:tint val="50000"/>
+      </a:schemeClr>
+      <a:schemeClr val="accent2">
+        <a:tint val="20000"/>
+      </a:schemeClr>
+    </dgm:fillClrLst>
+    <dgm:linClrLst meth="repeat">
+      <a:schemeClr val="lt1"/>
+    </dgm:linClrLst>
+    <dgm:effectClrLst/>
+    <dgm:txLinClrLst/>
+    <dgm:txFillClrLst meth="repeat">
+      <a:schemeClr val="lt1"/>
+    </dgm:txFillClrLst>
+    <dgm:txEffectClrLst/>
+  </dgm:styleLbl>
+  <dgm:styleLbl name="bgImgPlace1">
+    <dgm:fillClrLst>
+      <a:schemeClr val="accent1">
+        <a:tint val="50000"/>
+      </a:schemeClr>
+      <a:schemeClr val="accent2">
+        <a:tint val="20000"/>
+      </a:schemeClr>
+    </dgm:fillClrLst>
+    <dgm:linClrLst meth="repeat">
+      <a:schemeClr val="lt1"/>
+    </dgm:linClrLst>
+    <dgm:effectClrLst/>
+    <dgm:txLinClrLst/>
+    <dgm:txFillClrLst meth="repeat">
+      <a:schemeClr val="lt1"/>
+    </dgm:txFillClrLst>
+    <dgm:txEffectClrLst/>
+  </dgm:styleLbl>
+  <dgm:styleLbl name="sibTrans2D1">
+    <dgm:fillClrLst meth="repeat">
+      <a:schemeClr val="accent2"/>
+      <a:schemeClr val="accent3"/>
+      <a:schemeClr val="accent4"/>
+      <a:schemeClr val="accent5"/>
+      <a:schemeClr val="accent6"/>
+    </dgm:fillClrLst>
+    <dgm:linClrLst meth="cycle">
+      <a:schemeClr val="lt1"/>
+    </dgm:linClrLst>
+    <dgm:effectClrLst/>
+    <dgm:txLinClrLst/>
+    <dgm:txFillClrLst/>
+    <dgm:txEffectClrLst/>
+  </dgm:styleLbl>
+  <dgm:styleLbl name="fgSibTrans2D1">
+    <dgm:fillClrLst meth="repeat">
+      <a:schemeClr val="accent2"/>
+      <a:schemeClr val="accent3"/>
+      <a:schemeClr val="accent4"/>
+      <a:schemeClr val="accent5"/>
+      <a:schemeClr val="accent6"/>
+    </dgm:fillClrLst>
+    <dgm:linClrLst meth="cycle">
+      <a:schemeClr val="lt1"/>
+    </dgm:linClrLst>
+    <dgm:effectClrLst/>
+    <dgm:txLinClrLst/>
+    <dgm:txFillClrLst meth="repeat">
+      <a:schemeClr val="lt1"/>
+    </dgm:txFillClrLst>
+    <dgm:txEffectClrLst/>
+  </dgm:styleLbl>
+  <dgm:styleLbl name="bgSibTrans2D1">
+    <dgm:fillClrLst meth="repeat">
+      <a:schemeClr val="accent2"/>
+      <a:schemeClr val="accent3"/>
+      <a:schemeClr val="accent4"/>
+      <a:schemeClr val="accent5"/>
+      <a:schemeClr val="accent6"/>
+    </dgm:fillClrLst>
+    <dgm:linClrLst meth="cycle">
+      <a:schemeClr val="lt1"/>
+    </dgm:linClrLst>
+    <dgm:effectClrLst/>
+    <dgm:txLinClrLst/>
+    <dgm:txFillClrLst meth="repeat">
+      <a:schemeClr val="lt1"/>
+    </dgm:txFillClrLst>
+    <dgm:txEffectClrLst/>
+  </dgm:styleLbl>
+  <dgm:styleLbl name="sibTrans1D1">
+    <dgm:fillClrLst meth="repeat">
+      <a:schemeClr val="accent2"/>
+      <a:schemeClr val="accent3"/>
+      <a:schemeClr val="accent4"/>
+      <a:schemeClr val="accent5"/>
+      <a:schemeClr val="accent6"/>
+    </dgm:fillClrLst>
+    <dgm:linClrLst meth="repeat">
+      <a:schemeClr val="accent2"/>
+      <a:schemeClr val="accent3"/>
+      <a:schemeClr val="accent4"/>
+      <a:schemeClr val="accent5"/>
+      <a:schemeClr val="accent6"/>
+    </dgm:linClrLst>
+    <dgm:effectClrLst/>
+    <dgm:txLinClrLst/>
+    <dgm:txFillClrLst meth="repeat">
+      <a:schemeClr val="tx1"/>
+    </dgm:txFillClrLst>
+    <dgm:txEffectClrLst/>
+  </dgm:styleLbl>
+  <dgm:styleLbl name="callout">
+    <dgm:fillClrLst meth="repeat">
+      <a:schemeClr val="accent2"/>
+    </dgm:fillClrLst>
+    <dgm:linClrLst meth="repeat">
+      <a:schemeClr val="accent2">
+        <a:tint val="50000"/>
+      </a:schemeClr>
+    </dgm:linClrLst>
+    <dgm:effectClrLst/>
+    <dgm:txLinClrLst/>
+    <dgm:txFillClrLst meth="repeat">
+      <a:schemeClr val="tx1"/>
+    </dgm:txFillClrLst>
+    <dgm:txEffectClrLst/>
+  </dgm:styleLbl>
+  <dgm:styleLbl name="asst0">
+    <dgm:fillClrLst meth="repeat">
+      <a:schemeClr val="accent1"/>
+    </dgm:fillClrLst>
+    <dgm:linClrLst meth="repeat">
+      <a:schemeClr val="lt1"/>
+    </dgm:linClrLst>
+    <dgm:effectClrLst/>
+    <dgm:txLinClrLst/>
+    <dgm:txFillClrLst/>
+    <dgm:txEffectClrLst/>
+  </dgm:styleLbl>
+  <dgm:styleLbl name="asst1">
+    <dgm:fillClrLst meth="repeat">
+      <a:schemeClr val="accent2"/>
+    </dgm:fillClrLst>
+    <dgm:linClrLst meth="repeat">
+      <a:schemeClr val="lt1"/>
+    </dgm:linClrLst>
+    <dgm:effectClrLst/>
+    <dgm:txLinClrLst/>
+    <dgm:txFillClrLst/>
+    <dgm:txEffectClrLst/>
+  </dgm:styleLbl>
+  <dgm:styleLbl name="asst2">
+    <dgm:fillClrLst>
+      <a:schemeClr val="accent3"/>
+    </dgm:fillClrLst>
+    <dgm:linClrLst meth="repeat">
+      <a:schemeClr val="lt1"/>
+    </dgm:linClrLst>
+    <dgm:effectClrLst/>
+    <dgm:txLinClrLst/>
+    <dgm:txFillClrLst/>
+    <dgm:txEffectClrLst/>
+  </dgm:styleLbl>
+  <dgm:styleLbl name="asst3">
+    <dgm:fillClrLst>
+      <a:schemeClr val="accent4"/>
+    </dgm:fillClrLst>
+    <dgm:linClrLst meth="repeat">
+      <a:schemeClr val="lt1"/>
+    </dgm:linClrLst>
+    <dgm:effectClrLst/>
+    <dgm:txLinClrLst/>
+    <dgm:txFillClrLst/>
+    <dgm:txEffectClrLst/>
+  </dgm:styleLbl>
+  <dgm:styleLbl name="asst4">
+    <dgm:fillClrLst>
+      <a:schemeClr val="accent5"/>
+    </dgm:fillClrLst>
+    <dgm:linClrLst meth="repeat">
+      <a:schemeClr val="lt1"/>
+    </dgm:linClrLst>
+    <dgm:effectClrLst/>
+    <dgm:txLinClrLst/>
+    <dgm:txFillClrLst/>
+    <dgm:txEffectClrLst/>
+  </dgm:styleLbl>
+  <dgm:styleLbl name="parChTrans2D1">
+    <dgm:fillClrLst meth="repeat">
+      <a:schemeClr val="accent2"/>
+    </dgm:fillClrLst>
+    <dgm:linClrLst meth="repeat">
+      <a:schemeClr val="lt1"/>
+    </dgm:linClrLst>
+    <dgm:effectClrLst/>
+    <dgm:txLinClrLst/>
+    <dgm:txFillClrLst meth="repeat">
+      <a:schemeClr val="lt1"/>
+    </dgm:txFillClrLst>
+    <dgm:txEffectClrLst/>
+  </dgm:styleLbl>
+  <dgm:styleLbl name="parChTrans2D2">
+    <dgm:fillClrLst meth="repeat">
+      <a:schemeClr val="accent3"/>
+    </dgm:fillClrLst>
+    <dgm:linClrLst meth="repeat">
+      <a:schemeClr val="lt1"/>
+    </dgm:linClrLst>
+    <dgm:effectClrLst/>
+    <dgm:txLinClrLst/>
+    <dgm:txFillClrLst/>
+    <dgm:txEffectClrLst/>
+  </dgm:styleLbl>
+  <dgm:styleLbl name="parChTrans2D3">
+    <dgm:fillClrLst meth="repeat">
+      <a:schemeClr val="accent4"/>
+    </dgm:fillClrLst>
+    <dgm:linClrLst meth="repeat">
+      <a:schemeClr val="lt1"/>
+    </dgm:linClrLst>
+    <dgm:effectClrLst/>
+    <dgm:txLinClrLst/>
+    <dgm:txFillClrLst/>
+    <dgm:txEffectClrLst/>
+  </dgm:styleLbl>
+  <dgm:styleLbl name="parChTrans2D4">
+    <dgm:fillClrLst meth="repeat">
+      <a:schemeClr val="accent5"/>
+    </dgm:fillClrLst>
+    <dgm:linClrLst meth="repeat">
+      <a:schemeClr val="lt1"/>
+    </dgm:linClrLst>
+    <dgm:effectClrLst/>
+    <dgm:txLinClrLst/>
+    <dgm:txFillClrLst meth="repeat">
+      <a:schemeClr val="lt1"/>
+    </dgm:txFillClrLst>
+    <dgm:txEffectClrLst/>
+  </dgm:styleLbl>
+  <dgm:styleLbl name="parChTrans1D1">
+    <dgm:fillClrLst meth="repeat">
+      <a:schemeClr val="accent2"/>
+    </dgm:fillClrLst>
+    <dgm:linClrLst meth="repeat">
+      <a:schemeClr val="accent1"/>
+    </dgm:linClrLst>
+    <dgm:effectClrLst/>
+    <dgm:txLinClrLst/>
+    <dgm:txFillClrLst meth="repeat">
+      <a:schemeClr val="tx1"/>
+    </dgm:txFillClrLst>
+    <dgm:txEffectClrLst/>
+  </dgm:styleLbl>
+  <dgm:styleLbl name="parChTrans1D2">
+    <dgm:fillClrLst meth="repeat">
+      <a:schemeClr val="accent3">
+        <a:tint val="90000"/>
+      </a:schemeClr>
+    </dgm:fillClrLst>
+    <dgm:linClrLst meth="repeat">
+      <a:schemeClr val="accent2"/>
+    </dgm:linClrLst>
+    <dgm:effectClrLst/>
+    <dgm:txLinClrLst/>
+    <dgm:txFillClrLst meth="repeat">
+      <a:schemeClr val="tx1"/>
+    </dgm:txFillClrLst>
+    <dgm:txEffectClrLst/>
+  </dgm:styleLbl>
+  <dgm:styleLbl name="parChTrans1D3">
+    <dgm:fillClrLst meth="repeat">
+      <a:schemeClr val="accent4">
+        <a:tint val="70000"/>
+      </a:schemeClr>
+    </dgm:fillClrLst>
+    <dgm:linClrLst meth="repeat">
+      <a:schemeClr val="accent3"/>
+    </dgm:linClrLst>
+    <dgm:effectClrLst/>
+    <dgm:txLinClrLst/>
+    <dgm:txFillClrLst meth="repeat">
+      <a:schemeClr val="tx1"/>
+    </dgm:txFillClrLst>
+    <dgm:txEffectClrLst/>
+  </dgm:styleLbl>
+  <dgm:styleLbl name="parChTrans1D4">
+    <dgm:fillClrLst meth="repeat">
+      <a:schemeClr val="accent5">
+        <a:tint val="50000"/>
+      </a:schemeClr>
+    </dgm:fillClrLst>
+    <dgm:linClrLst meth="repeat">
+      <a:schemeClr val="accent4"/>
+    </dgm:linClrLst>
+    <dgm:effectClrLst/>
+    <dgm:txLinClrLst/>
+    <dgm:txFillClrLst meth="repeat">
+      <a:schemeClr val="tx1"/>
+    </dgm:txFillClrLst>
+    <dgm:txEffectClrLst/>
+  </dgm:styleLbl>
+  <dgm:styleLbl name="fgAcc1">
+    <dgm:fillClrLst meth="repeat">
+      <a:schemeClr val="lt1">
+        <a:alpha val="90000"/>
+      </a:schemeClr>
+    </dgm:fillClrLst>
+    <dgm:linClrLst meth="repeat">
+      <a:schemeClr val="accent2"/>
+      <a:schemeClr val="accent3"/>
+      <a:schemeClr val="accent4"/>
+      <a:schemeClr val="accent5"/>
+      <a:schemeClr val="accent6"/>
+    </dgm:linClrLst>
+    <dgm:effectClrLst/>
+    <dgm:txLinClrLst/>
+    <dgm:txFillClrLst meth="repeat">
+      <a:schemeClr val="dk1"/>
+    </dgm:txFillClrLst>
+    <dgm:txEffectClrLst/>
+  </dgm:styleLbl>
+  <dgm:styleLbl name="conFgAcc1">
+    <dgm:fillClrLst meth="repeat">
+      <a:schemeClr val="lt1">
+        <a:alpha val="90000"/>
+      </a:schemeClr>
+    </dgm:fillClrLst>
+    <dgm:linClrLst meth="repeat">
+      <a:schemeClr val="accent2"/>
+      <a:schemeClr val="accent3"/>
+      <a:schemeClr val="accent4"/>
+      <a:schemeClr val="accent5"/>
+      <a:schemeClr val="accent6"/>
+    </dgm:linClrLst>
+    <dgm:effectClrLst/>
+    <dgm:txLinClrLst/>
+    <dgm:txFillClrLst meth="repeat">
+      <a:schemeClr val="dk1"/>
+    </dgm:txFillClrLst>
+    <dgm:txEffectClrLst/>
+  </dgm:styleLbl>
+  <dgm:styleLbl name="alignAcc1">
+    <dgm:fillClrLst meth="repeat">
+      <a:schemeClr val="lt1">
+        <a:alpha val="90000"/>
+      </a:schemeClr>
+    </dgm:fillClrLst>
+    <dgm:linClrLst meth="repeat">
+      <a:schemeClr val="accent2"/>
+      <a:schemeClr val="accent3"/>
+      <a:schemeClr val="accent4"/>
+      <a:schemeClr val="accent5"/>
+      <a:schemeClr val="accent6"/>
+    </dgm:linClrLst>
+    <dgm:effectClrLst/>
+    <dgm:txLinClrLst/>
+    <dgm:txFillClrLst meth="repeat">
+      <a:schemeClr val="dk1"/>
+    </dgm:txFillClrLst>
+    <dgm:txEffectClrLst/>
+  </dgm:styleLbl>
+  <dgm:styleLbl name="trAlignAcc1">
+    <dgm:fillClrLst meth="repeat">
+      <a:schemeClr val="lt1">
+        <a:alpha val="40000"/>
+      </a:schemeClr>
+    </dgm:fillClrLst>
+    <dgm:linClrLst meth="repeat">
+      <a:schemeClr val="accent1"/>
+    </dgm:linClrLst>
+    <dgm:effectClrLst/>
+    <dgm:txLinClrLst/>
+    <dgm:txFillClrLst meth="repeat">
+      <a:schemeClr val="dk1"/>
+    </dgm:txFillClrLst>
+    <dgm:txEffectClrLst/>
+  </dgm:styleLbl>
+  <dgm:styleLbl name="bgAcc1">
+    <dgm:fillClrLst meth="repeat">
+      <a:schemeClr val="lt1">
+        <a:alpha val="90000"/>
+      </a:schemeClr>
+    </dgm:fillClrLst>
+    <dgm:linClrLst meth="repeat">
+      <a:schemeClr val="accent2"/>
+      <a:schemeClr val="accent3"/>
+      <a:schemeClr val="accent4"/>
+      <a:schemeClr val="accent5"/>
+      <a:schemeClr val="accent6"/>
+    </dgm:linClrLst>
+    <dgm:effectClrLst/>
+    <dgm:txLinClrLst/>
+    <dgm:txFillClrLst meth="repeat">
+      <a:schemeClr val="dk1"/>
+    </dgm:txFillClrLst>
+    <dgm:txEffectClrLst/>
+  </dgm:styleLbl>
+  <dgm:styleLbl name="solidFgAcc1">
+    <dgm:fillClrLst meth="repeat">
+      <a:schemeClr val="lt1"/>
+    </dgm:fillClrLst>
+    <dgm:linClrLst meth="repeat">
+      <a:schemeClr val="accent2"/>
+      <a:schemeClr val="accent3"/>
+      <a:schemeClr val="accent4"/>
+      <a:schemeClr val="accent5"/>
+      <a:schemeClr val="accent6"/>
+    </dgm:linClrLst>
+    <dgm:effectClrLst/>
+    <dgm:txLinClrLst/>
+    <dgm:txFillClrLst meth="repeat">
+      <a:schemeClr val="dk1"/>
+    </dgm:txFillClrLst>
+    <dgm:txEffectClrLst/>
+  </dgm:styleLbl>
+  <dgm:styleLbl name="solidAlignAcc1">
+    <dgm:fillClrLst meth="repeat">
+      <a:schemeClr val="lt1"/>
+    </dgm:fillClrLst>
+    <dgm:linClrLst meth="repeat">
+      <a:schemeClr val="accent2"/>
+      <a:schemeClr val="accent3"/>
+      <a:schemeClr val="accent4"/>
+      <a:schemeClr val="accent5"/>
+      <a:schemeClr val="accent6"/>
+    </dgm:linClrLst>
+    <dgm:effectClrLst/>
+    <dgm:txLinClrLst/>
+    <dgm:txFillClrLst meth="repeat">
+      <a:schemeClr val="dk1"/>
+    </dgm:txFillClrLst>
+    <dgm:txEffectClrLst/>
+  </dgm:styleLbl>
+  <dgm:styleLbl name="solidBgAcc1">
+    <dgm:fillClrLst meth="repeat">
+      <a:schemeClr val="lt1"/>
+    </dgm:fillClrLst>
+    <dgm:linClrLst meth="repeat">
+      <a:schemeClr val="accent2"/>
+      <a:schemeClr val="accent3"/>
+      <a:schemeClr val="accent4"/>
+      <a:schemeClr val="accent5"/>
+      <a:schemeClr val="accent6"/>
+    </dgm:linClrLst>
+    <dgm:effectClrLst/>
+    <dgm:txLinClrLst/>
+    <dgm:txFillClrLst meth="repeat">
+      <a:schemeClr val="dk1"/>
+    </dgm:txFillClrLst>
+    <dgm:txEffectClrLst/>
+  </dgm:styleLbl>
+  <dgm:styleLbl name="fgAccFollowNode1">
+    <dgm:fillClrLst meth="repeat">
+      <a:schemeClr val="accent2">
+        <a:tint val="40000"/>
+        <a:alpha val="90000"/>
+      </a:schemeClr>
+      <a:schemeClr val="accent3">
+        <a:tint val="40000"/>
+        <a:alpha val="90000"/>
+      </a:schemeClr>
+      <a:schemeClr val="accent4">
+        <a:tint val="40000"/>
+        <a:alpha val="90000"/>
+      </a:schemeClr>
+      <a:schemeClr val="accent5">
+        <a:tint val="40000"/>
+        <a:alpha val="90000"/>
+      </a:schemeClr>
+      <a:schemeClr val="accent6">
+        <a:tint val="40000"/>
+        <a:alpha val="90000"/>
+      </a:schemeClr>
+    </dgm:fillClrLst>
+    <dgm:linClrLst meth="repeat">
+      <a:schemeClr val="accent2">
+        <a:tint val="40000"/>
+        <a:alpha val="90000"/>
+      </a:schemeClr>
+      <a:schemeClr val="accent3">
+        <a:tint val="40000"/>
+        <a:alpha val="90000"/>
+      </a:schemeClr>
+      <a:schemeClr val="accent4">
+        <a:tint val="40000"/>
+        <a:alpha val="90000"/>
+      </a:schemeClr>
+      <a:schemeClr val="accent5">
+        <a:tint val="40000"/>
+        <a:alpha val="90000"/>
+      </a:schemeClr>
+      <a:schemeClr val="accent6">
+        <a:tint val="40000"/>
+        <a:alpha val="90000"/>
+      </a:schemeClr>
+    </dgm:linClrLst>
+    <dgm:effectClrLst/>
+    <dgm:txLinClrLst/>
+    <dgm:txFillClrLst meth="repeat">
+      <a:schemeClr val="dk1"/>
+    </dgm:txFillClrLst>
+    <dgm:txEffectClrLst/>
+  </dgm:styleLbl>
+  <dgm:styleLbl name="alignAccFollowNode1">
+    <dgm:fillClrLst meth="repeat">
+      <a:schemeClr val="accent2">
+        <a:tint val="40000"/>
+        <a:alpha val="90000"/>
+      </a:schemeClr>
+      <a:schemeClr val="accent3">
+        <a:tint val="40000"/>
+        <a:alpha val="90000"/>
+      </a:schemeClr>
+      <a:schemeClr val="accent4">
+        <a:tint val="40000"/>
+        <a:alpha val="90000"/>
+      </a:schemeClr>
+      <a:schemeClr val="accent5">
+        <a:tint val="40000"/>
+        <a:alpha val="90000"/>
+      </a:schemeClr>
+      <a:schemeClr val="accent6">
+        <a:tint val="40000"/>
+        <a:alpha val="90000"/>
+      </a:schemeClr>
+    </dgm:fillClrLst>
+    <dgm:linClrLst meth="repeat">
+      <a:schemeClr val="accent2">
+        <a:tint val="40000"/>
+        <a:alpha val="90000"/>
+      </a:schemeClr>
+      <a:schemeClr val="accent3">
+        <a:tint val="40000"/>
+        <a:alpha val="90000"/>
+      </a:schemeClr>
+      <a:schemeClr val="accent4">
+        <a:tint val="40000"/>
+        <a:alpha val="90000"/>
+      </a:schemeClr>
+      <a:schemeClr val="accent5">
+        <a:tint val="40000"/>
+        <a:alpha val="90000"/>
+      </a:schemeClr>
+      <a:schemeClr val="accent6">
+        <a:tint val="40000"/>
+        <a:alpha val="90000"/>
+      </a:schemeClr>
+    </dgm:linClrLst>
+    <dgm:effectClrLst/>
+    <dgm:txLinClrLst/>
+    <dgm:txFillClrLst meth="repeat">
+      <a:schemeClr val="dk1"/>
+    </dgm:txFillClrLst>
+    <dgm:txEffectClrLst/>
+  </dgm:styleLbl>
+  <dgm:styleLbl name="bgAccFollowNode1">
+    <dgm:fillClrLst meth="repeat">
+      <a:schemeClr val="accent2">
+        <a:tint val="40000"/>
+        <a:alpha val="90000"/>
+      </a:schemeClr>
+      <a:schemeClr val="accent3">
+        <a:tint val="40000"/>
+        <a:alpha val="90000"/>
+      </a:schemeClr>
+      <a:schemeClr val="accent4">
+        <a:tint val="40000"/>
+        <a:alpha val="90000"/>
+      </a:schemeClr>
+      <a:schemeClr val="accent5">
+        <a:tint val="40000"/>
+        <a:alpha val="90000"/>
+      </a:schemeClr>
+      <a:schemeClr val="accent6">
+        <a:tint val="40000"/>
+        <a:alpha val="90000"/>
+      </a:schemeClr>
+    </dgm:fillClrLst>
+    <dgm:linClrLst meth="repeat">
+      <a:schemeClr val="accent2">
+        <a:tint val="40000"/>
+        <a:alpha val="90000"/>
+      </a:schemeClr>
+      <a:schemeClr val="accent3">
+        <a:tint val="40000"/>
+        <a:alpha val="90000"/>
+      </a:schemeClr>
+      <a:schemeClr val="accent4">
+        <a:tint val="40000"/>
+        <a:alpha val="90000"/>
+      </a:schemeClr>
+      <a:schemeClr val="accent5">
+        <a:tint val="40000"/>
+        <a:alpha val="90000"/>
+      </a:schemeClr>
+      <a:schemeClr val="accent6">
+        <a:tint val="40000"/>
+        <a:alpha val="90000"/>
+      </a:schemeClr>
+    </dgm:linClrLst>
+    <dgm:effectClrLst/>
+    <dgm:txLinClrLst/>
+    <dgm:txFillClrLst meth="repeat">
+      <a:schemeClr val="dk1"/>
+    </dgm:txFillClrLst>
+    <dgm:txEffectClrLst/>
+  </dgm:styleLbl>
+  <dgm:styleLbl name="fgAcc0">
+    <dgm:fillClrLst meth="repeat">
+      <a:schemeClr val="lt1">
+        <a:alpha val="90000"/>
+      </a:schemeClr>
+    </dgm:fillClrLst>
+    <dgm:linClrLst>
+      <a:schemeClr val="accent1"/>
+    </dgm:linClrLst>
+    <dgm:effectClrLst/>
+    <dgm:txLinClrLst/>
+    <dgm:txFillClrLst meth="repeat">
+      <a:schemeClr val="dk1"/>
+    </dgm:txFillClrLst>
+    <dgm:txEffectClrLst/>
+  </dgm:styleLbl>
+  <dgm:styleLbl name="fgAcc2">
+    <dgm:fillClrLst meth="repeat">
+      <a:schemeClr val="lt1">
+        <a:alpha val="90000"/>
+      </a:schemeClr>
+    </dgm:fillClrLst>
+    <dgm:linClrLst>
+      <a:schemeClr val="accent2"/>
+    </dgm:linClrLst>
+    <dgm:effectClrLst/>
+    <dgm:txLinClrLst/>
+    <dgm:txFillClrLst meth="repeat">
+      <a:schemeClr val="dk1"/>
+    </dgm:txFillClrLst>
+    <dgm:txEffectClrLst/>
+  </dgm:styleLbl>
+  <dgm:styleLbl name="fgAcc3">
+    <dgm:fillClrLst meth="repeat">
+      <a:schemeClr val="lt1">
+        <a:alpha val="90000"/>
+      </a:schemeClr>
+    </dgm:fillClrLst>
+    <dgm:linClrLst>
+      <a:schemeClr val="accent3"/>
+    </dgm:linClrLst>
+    <dgm:effectClrLst/>
+    <dgm:txLinClrLst/>
+    <dgm:txFillClrLst meth="repeat">
+      <a:schemeClr val="dk1"/>
+    </dgm:txFillClrLst>
+    <dgm:txEffectClrLst/>
+  </dgm:styleLbl>
+  <dgm:styleLbl name="fgAcc4">
+    <dgm:fillClrLst meth="repeat">
+      <a:schemeClr val="lt1">
+        <a:alpha val="90000"/>
+      </a:schemeClr>
+    </dgm:fillClrLst>
+    <dgm:linClrLst>
+      <a:schemeClr val="accent4"/>
+    </dgm:linClrLst>
+    <dgm:effectClrLst/>
+    <dgm:txLinClrLst/>
+    <dgm:txFillClrLst meth="repeat">
+      <a:schemeClr val="dk1"/>
+    </dgm:txFillClrLst>
+    <dgm:txEffectClrLst/>
+  </dgm:styleLbl>
+  <dgm:styleLbl name="bgShp">
+    <dgm:fillClrLst meth="repeat">
+      <a:schemeClr val="bg1">
+        <a:lumMod val="95000"/>
+      </a:schemeClr>
+    </dgm:fillClrLst>
+    <dgm:linClrLst meth="repeat">
+      <a:schemeClr val="dk1"/>
+    </dgm:linClrLst>
+    <dgm:effectClrLst/>
+    <dgm:txLinClrLst/>
+    <dgm:txFillClrLst meth="repeat">
+      <a:schemeClr val="dk1"/>
+    </dgm:txFillClrLst>
+    <dgm:txEffectClrLst/>
+  </dgm:styleLbl>
+  <dgm:styleLbl name="dkBgShp">
+    <dgm:fillClrLst meth="repeat">
+      <a:schemeClr val="accent2">
+        <a:shade val="90000"/>
+      </a:schemeClr>
+    </dgm:fillClrLst>
+    <dgm:linClrLst meth="repeat">
+      <a:schemeClr val="dk1"/>
+    </dgm:linClrLst>
+    <dgm:effectClrLst/>
+    <dgm:txLinClrLst/>
+    <dgm:txFillClrLst meth="repeat">
+      <a:schemeClr val="lt1"/>
+    </dgm:txFillClrLst>
+    <dgm:txEffectClrLst/>
+  </dgm:styleLbl>
+  <dgm:styleLbl name="trBgShp">
+    <dgm:fillClrLst meth="repeat">
+      <a:schemeClr val="accent1">
+        <a:tint val="50000"/>
+        <a:alpha val="40000"/>
+      </a:schemeClr>
+    </dgm:fillClrLst>
+    <dgm:linClrLst meth="repeat">
+      <a:schemeClr val="accent2"/>
+    </dgm:linClrLst>
+    <dgm:effectClrLst/>
+    <dgm:txLinClrLst/>
+    <dgm:txFillClrLst meth="repeat">
+      <a:schemeClr val="lt1"/>
+    </dgm:txFillClrLst>
+    <dgm:txEffectClrLst/>
+  </dgm:styleLbl>
+  <dgm:styleLbl name="fgShp">
+    <dgm:fillClrLst meth="repeat">
+      <a:schemeClr val="accent2">
+        <a:tint val="40000"/>
+      </a:schemeClr>
+    </dgm:fillClrLst>
+    <dgm:linClrLst meth="repeat">
+      <a:schemeClr val="lt1"/>
+    </dgm:linClrLst>
+    <dgm:effectClrLst/>
+    <dgm:txLinClrLst/>
+    <dgm:txFillClrLst meth="repeat">
+      <a:schemeClr val="dk1"/>
+    </dgm:txFillClrLst>
+    <dgm:txEffectClrLst/>
+  </dgm:styleLbl>
+  <dgm:styleLbl name="revTx">
+    <dgm:fillClrLst meth="repeat">
+      <a:schemeClr val="lt1">
+        <a:alpha val="0"/>
+      </a:schemeClr>
+    </dgm:fillClrLst>
+    <dgm:linClrLst meth="repeat">
+      <a:schemeClr val="dk1">
+        <a:alpha val="0"/>
+      </a:schemeClr>
+    </dgm:linClrLst>
+    <dgm:effectClrLst/>
+    <dgm:txLinClrLst/>
+    <dgm:txFillClrLst meth="repeat">
+      <a:schemeClr val="tx1"/>
+    </dgm:txFillClrLst>
+    <dgm:txEffectClrLst/>
+  </dgm:styleLbl>
+</dgm:colorsDef>
+</file>
+
+<file path=ppt/diagrams/colors2.xml><?xml version="1.0" encoding="utf-8"?>
+<dgm:colorsDef xmlns:dgm="http://schemas.openxmlformats.org/drawingml/2006/diagram" xmlns:a="http://schemas.openxmlformats.org/drawingml/2006/main" uniqueId="urn:microsoft.com/office/officeart/2005/8/colors/colorful2">
+  <dgm:title val=""/>
+  <dgm:desc val=""/>
+  <dgm:catLst>
+    <dgm:cat type="colorful" pri="10200"/>
+  </dgm:catLst>
+  <dgm:styleLbl name="node0">
+    <dgm:fillClrLst meth="repeat">
+      <a:schemeClr val="accent1"/>
+    </dgm:fillClrLst>
+    <dgm:linClrLst meth="repeat">
+      <a:schemeClr val="lt1"/>
+    </dgm:linClrLst>
+    <dgm:effectClrLst/>
+    <dgm:txLinClrLst/>
+    <dgm:txFillClrLst/>
+    <dgm:txEffectClrLst/>
+  </dgm:styleLbl>
+  <dgm:styleLbl name="node1">
+    <dgm:fillClrLst>
+      <a:schemeClr val="accent2"/>
+      <a:schemeClr val="accent3"/>
+    </dgm:fillClrLst>
+    <dgm:linClrLst meth="repeat">
+      <a:schemeClr val="lt1"/>
+    </dgm:linClrLst>
+    <dgm:effectClrLst/>
+    <dgm:txLinClrLst/>
+    <dgm:txFillClrLst/>
+    <dgm:txEffectClrLst/>
+  </dgm:styleLbl>
+  <dgm:styleLbl name="alignNode1">
+    <dgm:fillClrLst>
+      <a:schemeClr val="accent2"/>
+      <a:schemeClr val="accent3"/>
+    </dgm:fillClrLst>
+    <dgm:linClrLst>
+      <a:schemeClr val="accent2"/>
+      <a:schemeClr val="accent3"/>
+    </dgm:linClrLst>
+    <dgm:effectClrLst/>
+    <dgm:txLinClrLst/>
+    <dgm:txFillClrLst/>
+    <dgm:txEffectClrLst/>
+  </dgm:styleLbl>
+  <dgm:styleLbl name="lnNode1">
+    <dgm:fillClrLst>
+      <a:schemeClr val="accent2"/>
+      <a:schemeClr val="accent3"/>
+    </dgm:fillClrLst>
+    <dgm:linClrLst meth="repeat">
+      <a:schemeClr val="lt1"/>
+    </dgm:linClrLst>
+    <dgm:effectClrLst/>
+    <dgm:txLinClrLst/>
+    <dgm:txFillClrLst/>
+    <dgm:txEffectClrLst/>
+  </dgm:styleLbl>
+  <dgm:styleLbl name="vennNode1">
+    <dgm:fillClrLst>
+      <a:schemeClr val="accent2">
+        <a:alpha val="50000"/>
+      </a:schemeClr>
+      <a:schemeClr val="accent3">
+        <a:alpha val="50000"/>
+      </a:schemeClr>
+    </dgm:fillClrLst>
+    <dgm:linClrLst meth="repeat">
+      <a:schemeClr val="lt1"/>
+    </dgm:linClrLst>
+    <dgm:effectClrLst/>
+    <dgm:txLinClrLst/>
+    <dgm:txFillClrLst/>
+    <dgm:txEffectClrLst/>
+  </dgm:styleLbl>
+  <dgm:styleLbl name="node2">
+    <dgm:fillClrLst>
+      <a:schemeClr val="accent3"/>
+    </dgm:fillClrLst>
+    <dgm:linClrLst meth="repeat">
+      <a:schemeClr val="lt1"/>
+    </dgm:linClrLst>
+    <dgm:effectClrLst/>
+    <dgm:txLinClrLst/>
+    <dgm:txFillClrLst/>
+    <dgm:txEffectClrLst/>
+  </dgm:styleLbl>
+  <dgm:styleLbl name="node3">
+    <dgm:fillClrLst>
+      <a:schemeClr val="accent4"/>
+    </dgm:fillClrLst>
+    <dgm:linClrLst meth="repeat">
+      <a:schemeClr val="lt1"/>
+    </dgm:linClrLst>
+    <dgm:effectClrLst/>
+    <dgm:txLinClrLst/>
+    <dgm:txFillClrLst/>
+    <dgm:txEffectClrLst/>
+  </dgm:styleLbl>
+  <dgm:styleLbl name="node4">
+    <dgm:fillClrLst>
+      <a:schemeClr val="accent5"/>
+    </dgm:fillClrLst>
+    <dgm:linClrLst meth="repeat">
+      <a:schemeClr val="lt1"/>
+    </dgm:linClrLst>
+    <dgm:effectClrLst/>
+    <dgm:txLinClrLst/>
+    <dgm:txFillClrLst/>
+    <dgm:txEffectClrLst/>
+  </dgm:styleLbl>
+  <dgm:styleLbl name="fgImgPlace1">
+    <dgm:fillClrLst>
+      <a:schemeClr val="accent2">
+        <a:tint val="50000"/>
+      </a:schemeClr>
+      <a:schemeClr val="accent3">
+        <a:tint val="50000"/>
+      </a:schemeClr>
+    </dgm:fillClrLst>
+    <dgm:linClrLst meth="repeat">
+      <a:schemeClr val="lt1"/>
+    </dgm:linClrLst>
+    <dgm:effectClrLst/>
+    <dgm:txLinClrLst/>
+    <dgm:txFillClrLst meth="repeat">
+      <a:schemeClr val="lt1"/>
+    </dgm:txFillClrLst>
+    <dgm:txEffectClrLst/>
+  </dgm:styleLbl>
+  <dgm:styleLbl name="alignImgPlace1">
+    <dgm:fillClrLst>
+      <a:schemeClr val="accent2">
+        <a:tint val="50000"/>
+      </a:schemeClr>
+      <a:schemeClr val="accent3">
+        <a:tint val="20000"/>
+      </a:schemeClr>
+    </dgm:fillClrLst>
+    <dgm:linClrLst meth="repeat">
+      <a:schemeClr val="lt1"/>
+    </dgm:linClrLst>
+    <dgm:effectClrLst/>
+    <dgm:txLinClrLst/>
+    <dgm:txFillClrLst meth="repeat">
+      <a:schemeClr val="lt1"/>
+    </dgm:txFillClrLst>
+    <dgm:txEffectClrLst/>
+  </dgm:styleLbl>
+  <dgm:styleLbl name="bgImgPlace1">
+    <dgm:fillClrLst>
+      <a:schemeClr val="accent2">
+        <a:tint val="50000"/>
+      </a:schemeClr>
+      <a:schemeClr val="accent3">
+        <a:tint val="20000"/>
+      </a:schemeClr>
+    </dgm:fillClrLst>
+    <dgm:linClrLst meth="repeat">
+      <a:schemeClr val="lt1"/>
+    </dgm:linClrLst>
+    <dgm:effectClrLst/>
+    <dgm:txLinClrLst/>
+    <dgm:txFillClrLst meth="repeat">
+      <a:schemeClr val="lt1"/>
+    </dgm:txFillClrLst>
+    <dgm:txEffectClrLst/>
+  </dgm:styleLbl>
+  <dgm:styleLbl name="sibTrans2D1">
+    <dgm:fillClrLst>
+      <a:schemeClr val="accent2"/>
+      <a:schemeClr val="accent3"/>
+    </dgm:fillClrLst>
+    <dgm:linClrLst meth="repeat">
+      <a:schemeClr val="lt1"/>
+    </dgm:linClrLst>
+    <dgm:effectClrLst/>
+    <dgm:txLinClrLst/>
+    <dgm:txFillClrLst/>
+    <dgm:txEffectClrLst/>
+  </dgm:styleLbl>
+  <dgm:styleLbl name="fgSibTrans2D1">
+    <dgm:fillClrLst>
+      <a:schemeClr val="accent2"/>
+      <a:schemeClr val="accent3"/>
+    </dgm:fillClrLst>
+    <dgm:linClrLst meth="repeat">
+      <a:schemeClr val="lt1"/>
+    </dgm:linClrLst>
+    <dgm:effectClrLst/>
+    <dgm:txLinClrLst/>
+    <dgm:txFillClrLst meth="repeat">
+      <a:schemeClr val="lt1"/>
+    </dgm:txFillClrLst>
+    <dgm:txEffectClrLst/>
+  </dgm:styleLbl>
+  <dgm:styleLbl name="bgSibTrans2D1">
+    <dgm:fillClrLst>
+      <a:schemeClr val="accent2"/>
+      <a:schemeClr val="accent3"/>
+    </dgm:fillClrLst>
+    <dgm:linClrLst meth="repeat">
+      <a:schemeClr val="lt1"/>
+    </dgm:linClrLst>
+    <dgm:effectClrLst/>
+    <dgm:txLinClrLst/>
+    <dgm:txFillClrLst meth="repeat">
+      <a:schemeClr val="lt1"/>
+    </dgm:txFillClrLst>
+    <dgm:txEffectClrLst/>
+  </dgm:styleLbl>
+  <dgm:styleLbl name="sibTrans1D1">
+    <dgm:fillClrLst/>
+    <dgm:linClrLst>
+      <a:schemeClr val="accent2"/>
+      <a:schemeClr val="accent3"/>
+    </dgm:linClrLst>
+    <dgm:effectClrLst/>
+    <dgm:txLinClrLst/>
+    <dgm:txFillClrLst meth="repeat">
+      <a:schemeClr val="tx1"/>
+    </dgm:txFillClrLst>
+    <dgm:txEffectClrLst/>
+  </dgm:styleLbl>
+  <dgm:styleLbl name="callout">
+    <dgm:fillClrLst meth="repeat">
+      <a:schemeClr val="accent2"/>
+    </dgm:fillClrLst>
+    <dgm:linClrLst meth="repeat">
+      <a:schemeClr val="accent2">
+        <a:tint val="50000"/>
+      </a:schemeClr>
+    </dgm:linClrLst>
+    <dgm:effectClrLst/>
+    <dgm:txLinClrLst/>
+    <dgm:txFillClrLst meth="repeat">
+      <a:schemeClr val="tx1"/>
+    </dgm:txFillClrLst>
+    <dgm:txEffectClrLst/>
+  </dgm:styleLbl>
+  <dgm:styleLbl name="asst0">
+    <dgm:fillClrLst meth="repeat">
+      <a:schemeClr val="accent2"/>
+    </dgm:fillClrLst>
+    <dgm:linClrLst meth="repeat">
+      <a:schemeClr val="lt1">
+        <a:shade val="80000"/>
+      </a:schemeClr>
+    </dgm:linClrLst>
+    <dgm:effectClrLst/>
+    <dgm:txLinClrLst/>
+    <dgm:txFillClrLst/>
+    <dgm:txEffectClrLst/>
+  </dgm:styleLbl>
+  <dgm:styleLbl name="asst1">
+    <dgm:fillClrLst meth="repeat">
+      <a:schemeClr val="accent3"/>
+    </dgm:fillClrLst>
+    <dgm:linClrLst meth="repeat">
+      <a:schemeClr val="lt1">
+        <a:shade val="80000"/>
+      </a:schemeClr>
+    </dgm:linClrLst>
+    <dgm:effectClrLst/>
+    <dgm:txLinClrLst/>
+    <dgm:txFillClrLst/>
+    <dgm:txEffectClrLst/>
+  </dgm:styleLbl>
+  <dgm:styleLbl name="asst2">
+    <dgm:fillClrLst>
+      <a:schemeClr val="accent4"/>
+    </dgm:fillClrLst>
+    <dgm:linClrLst meth="repeat">
+      <a:schemeClr val="lt1"/>
+    </dgm:linClrLst>
+    <dgm:effectClrLst/>
+    <dgm:txLinClrLst/>
+    <dgm:txFillClrLst/>
+    <dgm:txEffectClrLst/>
+  </dgm:styleLbl>
+  <dgm:styleLbl name="asst3">
+    <dgm:fillClrLst>
+      <a:schemeClr val="accent5"/>
+    </dgm:fillClrLst>
+    <dgm:linClrLst meth="repeat">
+      <a:schemeClr val="lt1"/>
+    </dgm:linClrLst>
+    <dgm:effectClrLst/>
+    <dgm:txLinClrLst/>
+    <dgm:txFillClrLst/>
+    <dgm:txEffectClrLst/>
+  </dgm:styleLbl>
+  <dgm:styleLbl name="asst4">
+    <dgm:fillClrLst>
+      <a:schemeClr val="accent6"/>
+    </dgm:fillClrLst>
+    <dgm:linClrLst meth="repeat">
+      <a:schemeClr val="lt1"/>
+    </dgm:linClrLst>
+    <dgm:effectClrLst/>
+    <dgm:txLinClrLst/>
+    <dgm:txFillClrLst/>
+    <dgm:txEffectClrLst/>
+  </dgm:styleLbl>
+  <dgm:styleLbl name="parChTrans2D1">
+    <dgm:fillClrLst meth="repeat">
+      <a:schemeClr val="accent2"/>
+    </dgm:fillClrLst>
+    <dgm:linClrLst meth="repeat">
+      <a:schemeClr val="lt1"/>
+    </dgm:linClrLst>
+    <dgm:effectClrLst/>
+    <dgm:txLinClrLst/>
+    <dgm:txFillClrLst meth="repeat">
+      <a:schemeClr val="lt1"/>
+    </dgm:txFillClrLst>
+    <dgm:txEffectClrLst/>
+  </dgm:styleLbl>
+  <dgm:styleLbl name="parChTrans2D2">
+    <dgm:fillClrLst meth="repeat">
+      <a:schemeClr val="accent3"/>
+    </dgm:fillClrLst>
+    <dgm:linClrLst meth="repeat">
+      <a:schemeClr val="lt1"/>
+    </dgm:linClrLst>
+    <dgm:effectClrLst/>
+    <dgm:txLinClrLst/>
+    <dgm:txFillClrLst/>
+    <dgm:txEffectClrLst/>
+  </dgm:styleLbl>
+  <dgm:styleLbl name="parChTrans2D3">
+    <dgm:fillClrLst meth="repeat">
+      <a:schemeClr val="accent4"/>
+    </dgm:fillClrLst>
+    <dgm:linClrLst meth="repeat">
+      <a:schemeClr val="lt1"/>
+    </dgm:linClrLst>
+    <dgm:effectClrLst/>
+    <dgm:txLinClrLst/>
+    <dgm:txFillClrLst/>
+    <dgm:txEffectClrLst/>
+  </dgm:styleLbl>
+  <dgm:styleLbl name="parChTrans2D4">
+    <dgm:fillClrLst meth="repeat">
+      <a:schemeClr val="accent5"/>
+    </dgm:fillClrLst>
+    <dgm:linClrLst meth="repeat">
+      <a:schemeClr val="lt1"/>
+    </dgm:linClrLst>
+    <dgm:effectClrLst/>
+    <dgm:txLinClrLst/>
+    <dgm:txFillClrLst meth="repeat">
+      <a:schemeClr val="lt1"/>
+    </dgm:txFillClrLst>
+    <dgm:txEffectClrLst/>
+  </dgm:styleLbl>
+  <dgm:styleLbl name="parChTrans1D1">
+    <dgm:fillClrLst meth="repeat">
+      <a:schemeClr val="accent2"/>
+    </dgm:fillClrLst>
+    <dgm:linClrLst meth="repeat">
+      <a:schemeClr val="accent2"/>
+    </dgm:linClrLst>
+    <dgm:effectClrLst/>
+    <dgm:txLinClrLst/>
+    <dgm:txFillClrLst meth="repeat">
+      <a:schemeClr val="tx1"/>
+    </dgm:txFillClrLst>
+    <dgm:txEffectClrLst/>
+  </dgm:styleLbl>
+  <dgm:styleLbl name="parChTrans1D2">
+    <dgm:fillClrLst meth="repeat">
+      <a:schemeClr val="accent2">
+        <a:tint val="90000"/>
+      </a:schemeClr>
+    </dgm:fillClrLst>
+    <dgm:linClrLst meth="repeat">
+      <a:schemeClr val="accent3"/>
+    </dgm:linClrLst>
+    <dgm:effectClrLst/>
+    <dgm:txLinClrLst/>
+    <dgm:txFillClrLst meth="repeat">
+      <a:schemeClr val="tx1"/>
+    </dgm:txFillClrLst>
+    <dgm:txEffectClrLst/>
+  </dgm:styleLbl>
+  <dgm:styleLbl name="parChTrans1D3">
+    <dgm:fillClrLst meth="repeat">
+      <a:schemeClr val="accent2">
+        <a:tint val="70000"/>
+      </a:schemeClr>
+    </dgm:fillClrLst>
+    <dgm:linClrLst meth="repeat">
+      <a:schemeClr val="accent4"/>
+    </dgm:linClrLst>
+    <dgm:effectClrLst/>
+    <dgm:txLinClrLst/>
+    <dgm:txFillClrLst meth="repeat">
+      <a:schemeClr val="tx1"/>
+    </dgm:txFillClrLst>
+    <dgm:txEffectClrLst/>
+  </dgm:styleLbl>
+  <dgm:styleLbl name="parChTrans1D4">
+    <dgm:fillClrLst meth="repeat">
+      <a:schemeClr val="accent2">
+        <a:tint val="50000"/>
+      </a:schemeClr>
+    </dgm:fillClrLst>
+    <dgm:linClrLst meth="repeat">
+      <a:schemeClr val="accent5"/>
+    </dgm:linClrLst>
+    <dgm:effectClrLst/>
+    <dgm:txLinClrLst/>
+    <dgm:txFillClrLst meth="repeat">
+      <a:schemeClr val="tx1"/>
+    </dgm:txFillClrLst>
+    <dgm:txEffectClrLst/>
+  </dgm:styleLbl>
+  <dgm:styleLbl name="fgAcc1">
+    <dgm:fillClrLst meth="repeat">
+      <a:schemeClr val="lt1">
+        <a:alpha val="90000"/>
+      </a:schemeClr>
+    </dgm:fillClrLst>
+    <dgm:linClrLst>
+      <a:schemeClr val="accent2"/>
+      <a:schemeClr val="accent3"/>
+    </dgm:linClrLst>
+    <dgm:effectClrLst/>
+    <dgm:txLinClrLst/>
+    <dgm:txFillClrLst meth="repeat">
+      <a:schemeClr val="dk1"/>
+    </dgm:txFillClrLst>
+    <dgm:txEffectClrLst/>
+  </dgm:styleLbl>
+  <dgm:styleLbl name="conFgAcc1">
+    <dgm:fillClrLst meth="repeat">
+      <a:schemeClr val="lt1">
+        <a:alpha val="90000"/>
+      </a:schemeClr>
+    </dgm:fillClrLst>
+    <dgm:linClrLst>
+      <a:schemeClr val="accent2"/>
+      <a:schemeClr val="accent3"/>
+    </dgm:linClrLst>
+    <dgm:effectClrLst/>
+    <dgm:txLinClrLst/>
+    <dgm:txFillClrLst meth="repeat">
+      <a:schemeClr val="dk1"/>
+    </dgm:txFillClrLst>
+    <dgm:txEffectClrLst/>
+  </dgm:styleLbl>
+  <dgm:styleLbl name="alignAcc1">
+    <dgm:fillClrLst meth="repeat">
+      <a:schemeClr val="lt1">
+        <a:alpha val="90000"/>
+      </a:schemeClr>
+    </dgm:fillClrLst>
+    <dgm:linClrLst>
+      <a:schemeClr val="accent2"/>
+      <a:schemeClr val="accent3"/>
+    </dgm:linClrLst>
+    <dgm:effectClrLst/>
+    <dgm:txLinClrLst/>
+    <dgm:txFillClrLst meth="repeat">
+      <a:schemeClr val="dk1"/>
+    </dgm:txFillClrLst>
+    <dgm:txEffectClrLst/>
+  </dgm:styleLbl>
+  <dgm:styleLbl name="trAlignAcc1">
+    <dgm:fillClrLst meth="repeat">
+      <a:schemeClr val="lt1">
+        <a:alpha val="40000"/>
+      </a:schemeClr>
+    </dgm:fillClrLst>
+    <dgm:linClrLst meth="repeat">
+      <a:schemeClr val="accent2"/>
+    </dgm:linClrLst>
+    <dgm:effectClrLst/>
+    <dgm:txLinClrLst/>
+    <dgm:txFillClrLst meth="repeat">
+      <a:schemeClr val="dk1"/>
+    </dgm:txFillClrLst>
+    <dgm:txEffectClrLst/>
+  </dgm:styleLbl>
+  <dgm:styleLbl name="bgAcc1">
+    <dgm:fillClrLst meth="repeat">
+      <a:schemeClr val="lt1">
+        <a:alpha val="90000"/>
+      </a:schemeClr>
+    </dgm:fillClrLst>
+    <dgm:linClrLst>
+      <a:schemeClr val="accent2"/>
+      <a:schemeClr val="accent3"/>
+    </dgm:linClrLst>
+    <dgm:effectClrLst/>
+    <dgm:txLinClrLst/>
+    <dgm:txFillClrLst meth="repeat">
+      <a:schemeClr val="dk1"/>
+    </dgm:txFillClrLst>
+    <dgm:txEffectClrLst/>
+  </dgm:styleLbl>
+  <dgm:styleLbl name="solidFgAcc1">
+    <dgm:fillClrLst meth="repeat">
+      <a:schemeClr val="lt1"/>
+    </dgm:fillClrLst>
+    <dgm:linClrLst>
+      <a:schemeClr val="accent2"/>
+      <a:schemeClr val="accent3"/>
+    </dgm:linClrLst>
+    <dgm:effectClrLst/>
+    <dgm:txLinClrLst/>
+    <dgm:txFillClrLst meth="repeat">
+      <a:schemeClr val="dk1"/>
+    </dgm:txFillClrLst>
+    <dgm:txEffectClrLst/>
+  </dgm:styleLbl>
+  <dgm:styleLbl name="solidAlignAcc1">
+    <dgm:fillClrLst meth="repeat">
+      <a:schemeClr val="lt1"/>
+    </dgm:fillClrLst>
+    <dgm:linClrLst>
+      <a:schemeClr val="accent2"/>
+      <a:schemeClr val="accent3"/>
+    </dgm:linClrLst>
+    <dgm:effectClrLst/>
+    <dgm:txLinClrLst/>
+    <dgm:txFillClrLst meth="repeat">
+      <a:schemeClr val="dk1"/>
+    </dgm:txFillClrLst>
+    <dgm:txEffectClrLst/>
+  </dgm:styleLbl>
+  <dgm:styleLbl name="solidBgAcc1">
+    <dgm:fillClrLst meth="repeat">
+      <a:schemeClr val="lt1"/>
+    </dgm:fillClrLst>
+    <dgm:linClrLst>
+      <a:schemeClr val="accent2"/>
+      <a:schemeClr val="accent3"/>
+    </dgm:linClrLst>
+    <dgm:effectClrLst/>
+    <dgm:txLinClrLst/>
+    <dgm:txFillClrLst meth="repeat">
+      <a:schemeClr val="dk1"/>
+    </dgm:txFillClrLst>
+    <dgm:txEffectClrLst/>
+  </dgm:styleLbl>
+  <dgm:styleLbl name="fgAccFollowNode1">
+    <dgm:fillClrLst>
+      <a:schemeClr val="accent2">
+        <a:tint val="40000"/>
+        <a:alpha val="90000"/>
+      </a:schemeClr>
+      <a:schemeClr val="accent3">
+        <a:tint val="40000"/>
+        <a:alpha val="90000"/>
+      </a:schemeClr>
+    </dgm:fillClrLst>
+    <dgm:linClrLst>
+      <a:schemeClr val="accent2">
+        <a:tint val="40000"/>
+        <a:alpha val="90000"/>
+      </a:schemeClr>
+      <a:schemeClr val="accent3">
+        <a:tint val="40000"/>
+        <a:alpha val="90000"/>
+      </a:schemeClr>
+    </dgm:linClrLst>
+    <dgm:effectClrLst/>
+    <dgm:txLinClrLst/>
+    <dgm:txFillClrLst meth="repeat">
+      <a:schemeClr val="dk1"/>
+    </dgm:txFillClrLst>
+    <dgm:txEffectClrLst/>
+  </dgm:styleLbl>
+  <dgm:styleLbl name="alignAccFollowNode1">
+    <dgm:fillClrLst>
+      <a:schemeClr val="accent2">
+        <a:tint val="40000"/>
+        <a:alpha val="90000"/>
+      </a:schemeClr>
+      <a:schemeClr val="accent3">
+        <a:tint val="40000"/>
+        <a:alpha val="90000"/>
+      </a:schemeClr>
+    </dgm:fillClrLst>
+    <dgm:linClrLst>
+      <a:schemeClr val="accent2">
+        <a:tint val="40000"/>
+        <a:alpha val="90000"/>
+      </a:schemeClr>
+      <a:schemeClr val="accent3">
+        <a:tint val="40000"/>
+        <a:alpha val="90000"/>
+      </a:schemeClr>
+    </dgm:linClrLst>
+    <dgm:effectClrLst/>
+    <dgm:txLinClrLst/>
+    <dgm:txFillClrLst meth="repeat">
+      <a:schemeClr val="dk1"/>
+    </dgm:txFillClrLst>
+    <dgm:txEffectClrLst/>
+  </dgm:styleLbl>
+  <dgm:styleLbl name="bgAccFollowNode1">
+    <dgm:fillClrLst>
+      <a:schemeClr val="accent2">
+        <a:tint val="40000"/>
+        <a:alpha val="90000"/>
+      </a:schemeClr>
+      <a:schemeClr val="accent3">
+        <a:tint val="40000"/>
+        <a:alpha val="90000"/>
+      </a:schemeClr>
+    </dgm:fillClrLst>
+    <dgm:linClrLst>
+      <a:schemeClr val="accent2">
+        <a:tint val="40000"/>
+        <a:alpha val="90000"/>
+      </a:schemeClr>
+      <a:schemeClr val="accent3">
+        <a:tint val="40000"/>
+        <a:alpha val="90000"/>
+      </a:schemeClr>
+    </dgm:linClrLst>
+    <dgm:effectClrLst/>
+    <dgm:txLinClrLst/>
+    <dgm:txFillClrLst meth="repeat">
+      <a:schemeClr val="dk1"/>
+    </dgm:txFillClrLst>
+    <dgm:txEffectClrLst/>
+  </dgm:styleLbl>
+  <dgm:styleLbl name="fgAcc0">
+    <dgm:fillClrLst meth="repeat">
+      <a:schemeClr val="lt1">
+        <a:alpha val="90000"/>
+      </a:schemeClr>
+    </dgm:fillClrLst>
+    <dgm:linClrLst>
+      <a:schemeClr val="accent1"/>
+    </dgm:linClrLst>
+    <dgm:effectClrLst/>
+    <dgm:txLinClrLst/>
+    <dgm:txFillClrLst meth="repeat">
+      <a:schemeClr val="dk1"/>
+    </dgm:txFillClrLst>
+    <dgm:txEffectClrLst/>
+  </dgm:styleLbl>
+  <dgm:styleLbl name="fgAcc2">
+    <dgm:fillClrLst meth="repeat">
+      <a:schemeClr val="lt1">
+        <a:alpha val="90000"/>
+      </a:schemeClr>
+    </dgm:fillClrLst>
+    <dgm:linClrLst>
+      <a:schemeClr val="accent3"/>
+    </dgm:linClrLst>
+    <dgm:effectClrLst/>
+    <dgm:txLinClrLst/>
+    <dgm:txFillClrLst meth="repeat">
+      <a:schemeClr val="dk1"/>
+    </dgm:txFillClrLst>
+    <dgm:txEffectClrLst/>
+  </dgm:styleLbl>
+  <dgm:styleLbl name="fgAcc3">
+    <dgm:fillClrLst meth="repeat">
+      <a:schemeClr val="lt1">
+        <a:alpha val="90000"/>
+      </a:schemeClr>
+    </dgm:fillClrLst>
+    <dgm:linClrLst>
+      <a:schemeClr val="accent4"/>
+    </dgm:linClrLst>
+    <dgm:effectClrLst/>
+    <dgm:txLinClrLst/>
+    <dgm:txFillClrLst meth="repeat">
+      <a:schemeClr val="dk1"/>
+    </dgm:txFillClrLst>
+    <dgm:txEffectClrLst/>
+  </dgm:styleLbl>
+  <dgm:styleLbl name="fgAcc4">
+    <dgm:fillClrLst meth="repeat">
+      <a:schemeClr val="lt1">
+        <a:alpha val="90000"/>
+      </a:schemeClr>
+    </dgm:fillClrLst>
+    <dgm:linClrLst>
+      <a:schemeClr val="accent5"/>
+    </dgm:linClrLst>
+    <dgm:effectClrLst/>
+    <dgm:txLinClrLst/>
+    <dgm:txFillClrLst meth="repeat">
+      <a:schemeClr val="dk1"/>
+    </dgm:txFillClrLst>
+    <dgm:txEffectClrLst/>
+  </dgm:styleLbl>
+  <dgm:styleLbl name="bgShp">
+    <dgm:fillClrLst meth="repeat">
+      <a:schemeClr val="accent2">
+        <a:tint val="40000"/>
+      </a:schemeClr>
+    </dgm:fillClrLst>
+    <dgm:linClrLst meth="repeat">
+      <a:schemeClr val="dk1"/>
+    </dgm:linClrLst>
+    <dgm:effectClrLst/>
+    <dgm:txLinClrLst/>
+    <dgm:txFillClrLst meth="repeat">
+      <a:schemeClr val="dk1"/>
+    </dgm:txFillClrLst>
+    <dgm:txEffectClrLst/>
+  </dgm:styleLbl>
+  <dgm:styleLbl name="dkBgShp">
+    <dgm:fillClrLst meth="repeat">
+      <a:schemeClr val="accent2">
+        <a:shade val="90000"/>
+      </a:schemeClr>
+    </dgm:fillClrLst>
+    <dgm:linClrLst meth="repeat">
+      <a:schemeClr val="dk1"/>
+    </dgm:linClrLst>
+    <dgm:effectClrLst/>
+    <dgm:txLinClrLst/>
+    <dgm:txFillClrLst meth="repeat">
+      <a:schemeClr val="lt1"/>
+    </dgm:txFillClrLst>
+    <dgm:txEffectClrLst/>
+  </dgm:styleLbl>
+  <dgm:styleLbl name="trBgShp">
+    <dgm:fillClrLst meth="repeat">
+      <a:schemeClr val="accent2">
+        <a:tint val="50000"/>
+        <a:alpha val="40000"/>
+      </a:schemeClr>
+    </dgm:fillClrLst>
+    <dgm:linClrLst meth="repeat">
+      <a:schemeClr val="accent2"/>
+    </dgm:linClrLst>
+    <dgm:effectClrLst/>
+    <dgm:txLinClrLst/>
+    <dgm:txFillClrLst meth="repeat">
+      <a:schemeClr val="lt1"/>
+    </dgm:txFillClrLst>
+    <dgm:txEffectClrLst/>
+  </dgm:styleLbl>
+  <dgm:styleLbl name="fgShp">
+    <dgm:fillClrLst meth="repeat">
+      <a:schemeClr val="accent2">
+        <a:tint val="40000"/>
+      </a:schemeClr>
+    </dgm:fillClrLst>
+    <dgm:linClrLst meth="repeat">
+      <a:schemeClr val="lt1"/>
+    </dgm:linClrLst>
+    <dgm:effectClrLst/>
+    <dgm:txLinClrLst/>
+    <dgm:txFillClrLst meth="repeat">
+      <a:schemeClr val="dk1"/>
+    </dgm:txFillClrLst>
+    <dgm:txEffectClrLst/>
+  </dgm:styleLbl>
+  <dgm:styleLbl name="revTx">
+    <dgm:fillClrLst meth="repeat">
+      <a:schemeClr val="lt1">
+        <a:alpha val="0"/>
+      </a:schemeClr>
+    </dgm:fillClrLst>
+    <dgm:linClrLst meth="repeat">
+      <a:schemeClr val="dk1">
+        <a:alpha val="0"/>
+      </a:schemeClr>
+    </dgm:linClrLst>
+    <dgm:effectClrLst/>
+    <dgm:txLinClrLst/>
+    <dgm:txFillClrLst meth="repeat">
+      <a:schemeClr val="tx1"/>
+    </dgm:txFillClrLst>
+    <dgm:txEffectClrLst/>
+  </dgm:styleLbl>
+</dgm:colorsDef>
+</file>
+
+<file path=ppt/diagrams/data1.xml><?xml version="1.0" encoding="utf-8"?>
+<dgm:dataModel xmlns:dgm="http://schemas.openxmlformats.org/drawingml/2006/diagram" xmlns:a="http://schemas.openxmlformats.org/drawingml/2006/main">
+  <dgm:ptLst>
+    <dgm:pt modelId="{C5EF4CAF-201F-4F9C-8581-797B91E60FE6}" type="doc">
+      <dgm:prSet loTypeId="urn:microsoft.com/office/officeart/2018/2/layout/IconVerticalSolidList" loCatId="icon" qsTypeId="urn:microsoft.com/office/officeart/2005/8/quickstyle/simple4" qsCatId="simple" csTypeId="urn:microsoft.com/office/officeart/2018/5/colors/Iconchunking_neutralbg_colorful1" csCatId="colorful" phldr="1"/>
+      <dgm:spPr/>
+      <dgm:t>
+        <a:bodyPr/>
+        <a:lstStyle/>
+        <a:p>
+          <a:endParaRPr lang="en-US"/>
+        </a:p>
+      </dgm:t>
+    </dgm:pt>
+    <dgm:pt modelId="{D7AAD429-94A5-4440-B1B0-02BCD44CAD76}">
+      <dgm:prSet/>
+      <dgm:spPr/>
+      <dgm:t>
+        <a:bodyPr/>
+        <a:lstStyle/>
+        <a:p>
+          <a:r>
+            <a:rPr lang="en-US" dirty="0"/>
+            <a:t>Yahoo Finance using Pandas </a:t>
+          </a:r>
+          <a:r>
+            <a:rPr lang="en-US" dirty="0" err="1"/>
+            <a:t>DataReader</a:t>
+          </a:r>
+          <a:endParaRPr lang="en-US" dirty="0"/>
+        </a:p>
+      </dgm:t>
+    </dgm:pt>
+    <dgm:pt modelId="{DCEAE704-C98C-4C2D-8080-5F468985E78D}" type="parTrans" cxnId="{13465B19-0A6D-45FE-9936-6C642306A25F}">
+      <dgm:prSet/>
+      <dgm:spPr/>
+      <dgm:t>
+        <a:bodyPr/>
+        <a:lstStyle/>
+        <a:p>
+          <a:endParaRPr lang="en-US"/>
+        </a:p>
+      </dgm:t>
+    </dgm:pt>
+    <dgm:pt modelId="{EEBDA63F-DD74-4244-A827-C42ADC285747}" type="sibTrans" cxnId="{13465B19-0A6D-45FE-9936-6C642306A25F}">
+      <dgm:prSet/>
+      <dgm:spPr/>
+      <dgm:t>
+        <a:bodyPr/>
+        <a:lstStyle/>
+        <a:p>
+          <a:endParaRPr lang="en-US"/>
+        </a:p>
+      </dgm:t>
+    </dgm:pt>
+    <dgm:pt modelId="{43939905-99F2-48C5-B6F4-4B764CDD9781}">
+      <dgm:prSet/>
+      <dgm:spPr/>
+      <dgm:t>
+        <a:bodyPr/>
+        <a:lstStyle/>
+        <a:p>
+          <a:r>
+            <a:rPr lang="en-US" dirty="0"/>
+            <a:t>Bureau of Labor Statistics for Unemployment Rate (CSV Download)</a:t>
+          </a:r>
+        </a:p>
+      </dgm:t>
+    </dgm:pt>
+    <dgm:pt modelId="{493B5147-54CD-4131-AFD6-D5A78F009098}" type="parTrans" cxnId="{DA1EB6A1-3FBD-41E7-9F40-A7F23BEF6B53}">
+      <dgm:prSet/>
+      <dgm:spPr/>
+      <dgm:t>
+        <a:bodyPr/>
+        <a:lstStyle/>
+        <a:p>
+          <a:endParaRPr lang="en-US"/>
+        </a:p>
+      </dgm:t>
+    </dgm:pt>
+    <dgm:pt modelId="{186CAFA5-EB12-487F-9DD4-DEE7B10F86F3}" type="sibTrans" cxnId="{DA1EB6A1-3FBD-41E7-9F40-A7F23BEF6B53}">
+      <dgm:prSet/>
+      <dgm:spPr/>
+      <dgm:t>
+        <a:bodyPr/>
+        <a:lstStyle/>
+        <a:p>
+          <a:endParaRPr lang="en-US"/>
+        </a:p>
+      </dgm:t>
+    </dgm:pt>
+    <dgm:pt modelId="{AD819022-03E9-4047-BEC4-8AC2168CE8EB}" type="pres">
+      <dgm:prSet presAssocID="{C5EF4CAF-201F-4F9C-8581-797B91E60FE6}" presName="root" presStyleCnt="0">
+        <dgm:presLayoutVars>
+          <dgm:dir/>
+          <dgm:resizeHandles val="exact"/>
+        </dgm:presLayoutVars>
+      </dgm:prSet>
+      <dgm:spPr/>
+    </dgm:pt>
+    <dgm:pt modelId="{F0B23FBB-4509-4D3A-AF0F-0BD7F0D4A73C}" type="pres">
+      <dgm:prSet presAssocID="{D7AAD429-94A5-4440-B1B0-02BCD44CAD76}" presName="compNode" presStyleCnt="0"/>
+      <dgm:spPr/>
+    </dgm:pt>
+    <dgm:pt modelId="{6A4D1FBB-4F65-4BC5-A9FF-D976CA8255BF}" type="pres">
+      <dgm:prSet presAssocID="{D7AAD429-94A5-4440-B1B0-02BCD44CAD76}" presName="bgRect" presStyleLbl="bgShp" presStyleIdx="0" presStyleCnt="2"/>
+      <dgm:spPr/>
+    </dgm:pt>
+    <dgm:pt modelId="{3E2B99F6-A7F6-4283-9CA2-781C7AA08C35}" type="pres">
+      <dgm:prSet presAssocID="{D7AAD429-94A5-4440-B1B0-02BCD44CAD76}" presName="iconRect" presStyleLbl="node1" presStyleIdx="0" presStyleCnt="2"/>
+      <dgm:spPr>
+        <a:blipFill>
+          <a:blip xmlns:r="http://schemas.openxmlformats.org/officeDocument/2006/relationships" r:embed="rId1">
+            <a:extLst>
+              <a:ext uri="{28A0092B-C50C-407E-A947-70E740481C1C}">
+                <a14:useLocalDpi xmlns:a14="http://schemas.microsoft.com/office/drawing/2010/main" val="0"/>
+              </a:ext>
+              <a:ext uri="{96DAC541-7B7A-43D3-8B79-37D633B846F1}">
+                <asvg:svgBlip xmlns:asvg="http://schemas.microsoft.com/office/drawing/2016/SVG/main" r:embed="rId2"/>
+              </a:ext>
+            </a:extLst>
+          </a:blip>
+          <a:stretch>
+            <a:fillRect/>
+          </a:stretch>
+        </a:blipFill>
+        <a:ln>
+          <a:noFill/>
+        </a:ln>
+      </dgm:spPr>
+      <dgm:extLst>
+        <a:ext uri="{E40237B7-FDA0-4F09-8148-C483321AD2D9}">
+          <dgm14:cNvPr xmlns:dgm14="http://schemas.microsoft.com/office/drawing/2010/diagram" id="0" name="" descr="User"/>
+        </a:ext>
+      </dgm:extLst>
+    </dgm:pt>
+    <dgm:pt modelId="{1E512758-27A1-4FB6-BF5B-102ED53FC2CD}" type="pres">
+      <dgm:prSet presAssocID="{D7AAD429-94A5-4440-B1B0-02BCD44CAD76}" presName="spaceRect" presStyleCnt="0"/>
+      <dgm:spPr/>
+    </dgm:pt>
+    <dgm:pt modelId="{A03A0B19-C089-46A3-A98D-BF3D7340210D}" type="pres">
+      <dgm:prSet presAssocID="{D7AAD429-94A5-4440-B1B0-02BCD44CAD76}" presName="parTx" presStyleLbl="revTx" presStyleIdx="0" presStyleCnt="2">
+        <dgm:presLayoutVars>
+          <dgm:chMax val="0"/>
+          <dgm:chPref val="0"/>
+        </dgm:presLayoutVars>
+      </dgm:prSet>
+      <dgm:spPr/>
+    </dgm:pt>
+    <dgm:pt modelId="{94563D4C-086A-4F3F-A1BA-BF23CF8A200F}" type="pres">
+      <dgm:prSet presAssocID="{EEBDA63F-DD74-4244-A827-C42ADC285747}" presName="sibTrans" presStyleCnt="0"/>
+      <dgm:spPr/>
+    </dgm:pt>
+    <dgm:pt modelId="{5AF06B20-E380-4ED8-92C6-15C65BE0487F}" type="pres">
+      <dgm:prSet presAssocID="{43939905-99F2-48C5-B6F4-4B764CDD9781}" presName="compNode" presStyleCnt="0"/>
+      <dgm:spPr/>
+    </dgm:pt>
+    <dgm:pt modelId="{E4708A45-D395-4E07-88EB-43D2E084777A}" type="pres">
+      <dgm:prSet presAssocID="{43939905-99F2-48C5-B6F4-4B764CDD9781}" presName="bgRect" presStyleLbl="bgShp" presStyleIdx="1" presStyleCnt="2"/>
+      <dgm:spPr/>
+    </dgm:pt>
+    <dgm:pt modelId="{FCFDBB70-DE29-47F0-9373-58C763F6F9F8}" type="pres">
+      <dgm:prSet presAssocID="{43939905-99F2-48C5-B6F4-4B764CDD9781}" presName="iconRect" presStyleLbl="node1" presStyleIdx="1" presStyleCnt="2"/>
+      <dgm:spPr>
+        <a:blipFill>
+          <a:blip xmlns:r="http://schemas.openxmlformats.org/officeDocument/2006/relationships" r:embed="rId3">
+            <a:extLst>
+              <a:ext uri="{28A0092B-C50C-407E-A947-70E740481C1C}">
+                <a14:useLocalDpi xmlns:a14="http://schemas.microsoft.com/office/drawing/2010/main" val="0"/>
+              </a:ext>
+              <a:ext uri="{96DAC541-7B7A-43D3-8B79-37D633B846F1}">
+                <asvg:svgBlip xmlns:asvg="http://schemas.microsoft.com/office/drawing/2016/SVG/main" r:embed="rId4"/>
+              </a:ext>
+            </a:extLst>
+          </a:blip>
+          <a:stretch>
+            <a:fillRect/>
+          </a:stretch>
+        </a:blipFill>
+        <a:ln>
+          <a:noFill/>
+        </a:ln>
+      </dgm:spPr>
+      <dgm:extLst>
+        <a:ext uri="{E40237B7-FDA0-4F09-8148-C483321AD2D9}">
+          <dgm14:cNvPr xmlns:dgm14="http://schemas.microsoft.com/office/drawing/2010/diagram" id="0" name="" descr="Upward trend"/>
+        </a:ext>
+      </dgm:extLst>
+    </dgm:pt>
+    <dgm:pt modelId="{B960A12F-8B6C-46B0-AD61-D9B95749AA20}" type="pres">
+      <dgm:prSet presAssocID="{43939905-99F2-48C5-B6F4-4B764CDD9781}" presName="spaceRect" presStyleCnt="0"/>
+      <dgm:spPr/>
+    </dgm:pt>
+    <dgm:pt modelId="{C4459146-A3CF-4606-9E76-B9B3CDF08BF2}" type="pres">
+      <dgm:prSet presAssocID="{43939905-99F2-48C5-B6F4-4B764CDD9781}" presName="parTx" presStyleLbl="revTx" presStyleIdx="1" presStyleCnt="2">
+        <dgm:presLayoutVars>
+          <dgm:chMax val="0"/>
+          <dgm:chPref val="0"/>
+        </dgm:presLayoutVars>
+      </dgm:prSet>
+      <dgm:spPr/>
+    </dgm:pt>
+  </dgm:ptLst>
+  <dgm:cxnLst>
+    <dgm:cxn modelId="{80626B0C-9AFA-494D-8FC4-235B09BAE890}" type="presOf" srcId="{43939905-99F2-48C5-B6F4-4B764CDD9781}" destId="{C4459146-A3CF-4606-9E76-B9B3CDF08BF2}" srcOrd="0" destOrd="0" presId="urn:microsoft.com/office/officeart/2018/2/layout/IconVerticalSolidList"/>
+    <dgm:cxn modelId="{13465B19-0A6D-45FE-9936-6C642306A25F}" srcId="{C5EF4CAF-201F-4F9C-8581-797B91E60FE6}" destId="{D7AAD429-94A5-4440-B1B0-02BCD44CAD76}" srcOrd="0" destOrd="0" parTransId="{DCEAE704-C98C-4C2D-8080-5F468985E78D}" sibTransId="{EEBDA63F-DD74-4244-A827-C42ADC285747}"/>
+    <dgm:cxn modelId="{51E5B425-39D2-4EDA-8FA5-006AFE298FA3}" type="presOf" srcId="{D7AAD429-94A5-4440-B1B0-02BCD44CAD76}" destId="{A03A0B19-C089-46A3-A98D-BF3D7340210D}" srcOrd="0" destOrd="0" presId="urn:microsoft.com/office/officeart/2018/2/layout/IconVerticalSolidList"/>
+    <dgm:cxn modelId="{DA1EB6A1-3FBD-41E7-9F40-A7F23BEF6B53}" srcId="{C5EF4CAF-201F-4F9C-8581-797B91E60FE6}" destId="{43939905-99F2-48C5-B6F4-4B764CDD9781}" srcOrd="1" destOrd="0" parTransId="{493B5147-54CD-4131-AFD6-D5A78F009098}" sibTransId="{186CAFA5-EB12-487F-9DD4-DEE7B10F86F3}"/>
+    <dgm:cxn modelId="{272763D2-A747-4E01-97B8-8EC15401BD27}" type="presOf" srcId="{C5EF4CAF-201F-4F9C-8581-797B91E60FE6}" destId="{AD819022-03E9-4047-BEC4-8AC2168CE8EB}" srcOrd="0" destOrd="0" presId="urn:microsoft.com/office/officeart/2018/2/layout/IconVerticalSolidList"/>
+    <dgm:cxn modelId="{584EF15B-EEE5-4287-96E3-B2B7DC4388AF}" type="presParOf" srcId="{AD819022-03E9-4047-BEC4-8AC2168CE8EB}" destId="{F0B23FBB-4509-4D3A-AF0F-0BD7F0D4A73C}" srcOrd="0" destOrd="0" presId="urn:microsoft.com/office/officeart/2018/2/layout/IconVerticalSolidList"/>
+    <dgm:cxn modelId="{30663268-555A-4C85-AE05-81C5A0282D3C}" type="presParOf" srcId="{F0B23FBB-4509-4D3A-AF0F-0BD7F0D4A73C}" destId="{6A4D1FBB-4F65-4BC5-A9FF-D976CA8255BF}" srcOrd="0" destOrd="0" presId="urn:microsoft.com/office/officeart/2018/2/layout/IconVerticalSolidList"/>
+    <dgm:cxn modelId="{9286E123-36C5-4C3C-AD00-0D8EE259FA93}" type="presParOf" srcId="{F0B23FBB-4509-4D3A-AF0F-0BD7F0D4A73C}" destId="{3E2B99F6-A7F6-4283-9CA2-781C7AA08C35}" srcOrd="1" destOrd="0" presId="urn:microsoft.com/office/officeart/2018/2/layout/IconVerticalSolidList"/>
+    <dgm:cxn modelId="{1FC061F1-4D6D-445B-9CBD-ADBA09F2C9BB}" type="presParOf" srcId="{F0B23FBB-4509-4D3A-AF0F-0BD7F0D4A73C}" destId="{1E512758-27A1-4FB6-BF5B-102ED53FC2CD}" srcOrd="2" destOrd="0" presId="urn:microsoft.com/office/officeart/2018/2/layout/IconVerticalSolidList"/>
+    <dgm:cxn modelId="{4F2C7431-508E-48FA-8DD8-7FA83E640273}" type="presParOf" srcId="{F0B23FBB-4509-4D3A-AF0F-0BD7F0D4A73C}" destId="{A03A0B19-C089-46A3-A98D-BF3D7340210D}" srcOrd="3" destOrd="0" presId="urn:microsoft.com/office/officeart/2018/2/layout/IconVerticalSolidList"/>
+    <dgm:cxn modelId="{10B76EB1-1751-4509-9BF1-F91FA8C7A9DF}" type="presParOf" srcId="{AD819022-03E9-4047-BEC4-8AC2168CE8EB}" destId="{94563D4C-086A-4F3F-A1BA-BF23CF8A200F}" srcOrd="1" destOrd="0" presId="urn:microsoft.com/office/officeart/2018/2/layout/IconVerticalSolidList"/>
+    <dgm:cxn modelId="{1EAFB162-C4E7-4758-B257-876C3D30B8BD}" type="presParOf" srcId="{AD819022-03E9-4047-BEC4-8AC2168CE8EB}" destId="{5AF06B20-E380-4ED8-92C6-15C65BE0487F}" srcOrd="2" destOrd="0" presId="urn:microsoft.com/office/officeart/2018/2/layout/IconVerticalSolidList"/>
+    <dgm:cxn modelId="{269E1CC6-026B-4891-8B7E-9D9CB9F13424}" type="presParOf" srcId="{5AF06B20-E380-4ED8-92C6-15C65BE0487F}" destId="{E4708A45-D395-4E07-88EB-43D2E084777A}" srcOrd="0" destOrd="0" presId="urn:microsoft.com/office/officeart/2018/2/layout/IconVerticalSolidList"/>
+    <dgm:cxn modelId="{2FF28429-1381-40E3-A5BC-7F0A25F1A082}" type="presParOf" srcId="{5AF06B20-E380-4ED8-92C6-15C65BE0487F}" destId="{FCFDBB70-DE29-47F0-9373-58C763F6F9F8}" srcOrd="1" destOrd="0" presId="urn:microsoft.com/office/officeart/2018/2/layout/IconVerticalSolidList"/>
+    <dgm:cxn modelId="{FFFE3D2D-5BD6-433B-A3FE-4C623F09E03C}" type="presParOf" srcId="{5AF06B20-E380-4ED8-92C6-15C65BE0487F}" destId="{B960A12F-8B6C-46B0-AD61-D9B95749AA20}" srcOrd="2" destOrd="0" presId="urn:microsoft.com/office/officeart/2018/2/layout/IconVerticalSolidList"/>
+    <dgm:cxn modelId="{A3F7C16A-FC8F-42FD-8B7E-C78F94C2152D}" type="presParOf" srcId="{5AF06B20-E380-4ED8-92C6-15C65BE0487F}" destId="{C4459146-A3CF-4606-9E76-B9B3CDF08BF2}" srcOrd="3" destOrd="0" presId="urn:microsoft.com/office/officeart/2018/2/layout/IconVerticalSolidList"/>
+  </dgm:cxnLst>
+  <dgm:bg/>
+  <dgm:whole/>
+  <dgm:extLst>
+    <a:ext uri="http://schemas.microsoft.com/office/drawing/2008/diagram">
+      <dsp:dataModelExt xmlns:dsp="http://schemas.microsoft.com/office/drawing/2008/diagram" relId="rId6" minVer="http://schemas.openxmlformats.org/drawingml/2006/diagram"/>
+    </a:ext>
+  </dgm:extLst>
+</dgm:dataModel>
+</file>
+
+<file path=ppt/diagrams/data2.xml><?xml version="1.0" encoding="utf-8"?>
+<dgm:dataModel xmlns:dgm="http://schemas.openxmlformats.org/drawingml/2006/diagram" xmlns:a="http://schemas.openxmlformats.org/drawingml/2006/main">
+  <dgm:ptLst>
+    <dgm:pt modelId="{45F77B33-08EF-4743-8FFB-CA6F68AF0058}" type="doc">
+      <dgm:prSet loTypeId="urn:microsoft.com/office/officeart/2016/7/layout/RepeatingBendingProcessNew" loCatId="process" qsTypeId="urn:microsoft.com/office/officeart/2005/8/quickstyle/simple1" qsCatId="simple" csTypeId="urn:microsoft.com/office/officeart/2005/8/colors/colorful2" csCatId="colorful"/>
+      <dgm:spPr/>
+      <dgm:t>
+        <a:bodyPr/>
+        <a:lstStyle/>
+        <a:p>
+          <a:endParaRPr lang="en-US"/>
+        </a:p>
+      </dgm:t>
+    </dgm:pt>
+    <dgm:pt modelId="{D80CC5A9-452E-40DB-959D-2EA6BC5F0465}">
+      <dgm:prSet/>
+      <dgm:spPr/>
+      <dgm:t>
+        <a:bodyPr/>
+        <a:lstStyle/>
+        <a:p>
+          <a:r>
+            <a:rPr lang="en-US"/>
+            <a:t>Pulled SPY and VIX data from pd.datareader and saved to CSV.</a:t>
+          </a:r>
+        </a:p>
+      </dgm:t>
+    </dgm:pt>
+    <dgm:pt modelId="{C1A48C7C-5111-43E1-B790-9DE691B9B624}" type="parTrans" cxnId="{C69594E2-07F4-4219-9276-D976D8733349}">
+      <dgm:prSet/>
+      <dgm:spPr/>
+      <dgm:t>
+        <a:bodyPr/>
+        <a:lstStyle/>
+        <a:p>
+          <a:endParaRPr lang="en-US"/>
+        </a:p>
+      </dgm:t>
+    </dgm:pt>
+    <dgm:pt modelId="{DE23B3AF-46F0-42E4-BA6C-3586F342DC2F}" type="sibTrans" cxnId="{C69594E2-07F4-4219-9276-D976D8733349}">
+      <dgm:prSet/>
+      <dgm:spPr/>
+      <dgm:t>
+        <a:bodyPr/>
+        <a:lstStyle/>
+        <a:p>
+          <a:endParaRPr lang="en-US"/>
+        </a:p>
+      </dgm:t>
+    </dgm:pt>
+    <dgm:pt modelId="{5AF9DFC9-4F87-4780-8CE8-7A6A291620F3}">
+      <dgm:prSet/>
+      <dgm:spPr/>
+      <dgm:t>
+        <a:bodyPr/>
+        <a:lstStyle/>
+        <a:p>
+          <a:r>
+            <a:rPr lang="en-US"/>
+            <a:t>Renamed and removed columns from both tables.</a:t>
+          </a:r>
+        </a:p>
+      </dgm:t>
+    </dgm:pt>
+    <dgm:pt modelId="{38AC6F20-57FA-4330-B0A4-9ABA650C75BD}" type="parTrans" cxnId="{B6539390-2DF5-492E-98BB-EA53B29930E3}">
+      <dgm:prSet/>
+      <dgm:spPr/>
+      <dgm:t>
+        <a:bodyPr/>
+        <a:lstStyle/>
+        <a:p>
+          <a:endParaRPr lang="en-US"/>
+        </a:p>
+      </dgm:t>
+    </dgm:pt>
+    <dgm:pt modelId="{611353E4-D413-468A-B257-0E849539E483}" type="sibTrans" cxnId="{B6539390-2DF5-492E-98BB-EA53B29930E3}">
+      <dgm:prSet/>
+      <dgm:spPr/>
+      <dgm:t>
+        <a:bodyPr/>
+        <a:lstStyle/>
+        <a:p>
+          <a:endParaRPr lang="en-US"/>
+        </a:p>
+      </dgm:t>
+    </dgm:pt>
+    <dgm:pt modelId="{7134362D-AE7E-4789-9BD0-467A70E2E9CB}">
+      <dgm:prSet/>
+      <dgm:spPr/>
+      <dgm:t>
+        <a:bodyPr/>
+        <a:lstStyle/>
+        <a:p>
+          <a:r>
+            <a:rPr lang="en-US"/>
+            <a:t>Calculated a rolling 100 Day Moving Average for the SPY and VIX.</a:t>
+          </a:r>
+        </a:p>
+      </dgm:t>
+    </dgm:pt>
+    <dgm:pt modelId="{0C6A264C-F80E-4541-A673-D9C07D247E3B}" type="parTrans" cxnId="{32698C7F-0734-4874-8658-D31606AB5528}">
+      <dgm:prSet/>
+      <dgm:spPr/>
+      <dgm:t>
+        <a:bodyPr/>
+        <a:lstStyle/>
+        <a:p>
+          <a:endParaRPr lang="en-US"/>
+        </a:p>
+      </dgm:t>
+    </dgm:pt>
+    <dgm:pt modelId="{784CB280-7F0F-41F3-AE4E-12BC380D0231}" type="sibTrans" cxnId="{32698C7F-0734-4874-8658-D31606AB5528}">
+      <dgm:prSet/>
+      <dgm:spPr/>
+      <dgm:t>
+        <a:bodyPr/>
+        <a:lstStyle/>
+        <a:p>
+          <a:endParaRPr lang="en-US"/>
+        </a:p>
+      </dgm:t>
+    </dgm:pt>
+    <dgm:pt modelId="{3C0013D8-5874-436C-BD4B-C8C5231F5E45}">
+      <dgm:prSet/>
+      <dgm:spPr/>
+      <dgm:t>
+        <a:bodyPr/>
+        <a:lstStyle/>
+        <a:p>
+          <a:r>
+            <a:rPr lang="en-US"/>
+            <a:t>Joined the tables on data and sent to MongoDB</a:t>
+          </a:r>
+        </a:p>
+      </dgm:t>
+    </dgm:pt>
+    <dgm:pt modelId="{A9D982E5-23DF-4305-B222-4BB930271313}" type="parTrans" cxnId="{6697F905-5C7C-46C2-9F7F-C66065A89716}">
+      <dgm:prSet/>
+      <dgm:spPr/>
+      <dgm:t>
+        <a:bodyPr/>
+        <a:lstStyle/>
+        <a:p>
+          <a:endParaRPr lang="en-US"/>
+        </a:p>
+      </dgm:t>
+    </dgm:pt>
+    <dgm:pt modelId="{F3B53786-EB04-40F7-BF76-B9F4AF4EDCDE}" type="sibTrans" cxnId="{6697F905-5C7C-46C2-9F7F-C66065A89716}">
+      <dgm:prSet/>
+      <dgm:spPr/>
+      <dgm:t>
+        <a:bodyPr/>
+        <a:lstStyle/>
+        <a:p>
+          <a:endParaRPr lang="en-US"/>
+        </a:p>
+      </dgm:t>
+    </dgm:pt>
+    <dgm:pt modelId="{E52333A2-1AA8-4FB4-BA32-E7B03A3E6AB8}">
+      <dgm:prSet/>
+      <dgm:spPr/>
+      <dgm:t>
+        <a:bodyPr/>
+        <a:lstStyle/>
+        <a:p>
+          <a:r>
+            <a:rPr lang="en-US"/>
+            <a:t>Downloaded Unemployment CSV and saved to MongoDB</a:t>
+          </a:r>
+        </a:p>
+      </dgm:t>
+    </dgm:pt>
+    <dgm:pt modelId="{801D502D-CFF3-42E4-AF5D-CC99900E131A}" type="parTrans" cxnId="{E817ACEA-1E8E-4445-BAE1-C03C718BCDF5}">
+      <dgm:prSet/>
+      <dgm:spPr/>
+      <dgm:t>
+        <a:bodyPr/>
+        <a:lstStyle/>
+        <a:p>
+          <a:endParaRPr lang="en-US"/>
+        </a:p>
+      </dgm:t>
+    </dgm:pt>
+    <dgm:pt modelId="{3020DBD1-74DC-49FB-8A63-1C0518ABCF67}" type="sibTrans" cxnId="{E817ACEA-1E8E-4445-BAE1-C03C718BCDF5}">
+      <dgm:prSet/>
+      <dgm:spPr/>
+      <dgm:t>
+        <a:bodyPr/>
+        <a:lstStyle/>
+        <a:p>
+          <a:endParaRPr lang="en-US"/>
+        </a:p>
+      </dgm:t>
+    </dgm:pt>
+    <dgm:pt modelId="{E012D84E-F4C3-4CBB-A6FA-E0AB9482A2D8}">
+      <dgm:prSet/>
+      <dgm:spPr/>
+      <dgm:t>
+        <a:bodyPr/>
+        <a:lstStyle/>
+        <a:p>
+          <a:r>
+            <a:rPr lang="en-US"/>
+            <a:t>Extracted from MongoDB and plotted charts to view correlations.</a:t>
+          </a:r>
+        </a:p>
+      </dgm:t>
+    </dgm:pt>
+    <dgm:pt modelId="{23E8B01D-EDC5-497B-84F2-7C7C13EC68F4}" type="parTrans" cxnId="{582A53B9-0B55-4917-8DE9-6BE54186E7D9}">
+      <dgm:prSet/>
+      <dgm:spPr/>
+      <dgm:t>
+        <a:bodyPr/>
+        <a:lstStyle/>
+        <a:p>
+          <a:endParaRPr lang="en-US"/>
+        </a:p>
+      </dgm:t>
+    </dgm:pt>
+    <dgm:pt modelId="{0B7BED70-D1A3-4FC9-BDF9-62E60274034C}" type="sibTrans" cxnId="{582A53B9-0B55-4917-8DE9-6BE54186E7D9}">
+      <dgm:prSet/>
+      <dgm:spPr/>
+      <dgm:t>
+        <a:bodyPr/>
+        <a:lstStyle/>
+        <a:p>
+          <a:endParaRPr lang="en-US"/>
+        </a:p>
+      </dgm:t>
+    </dgm:pt>
+    <dgm:pt modelId="{FBD88F1E-5CCE-42D3-A587-C76F35A570BF}" type="pres">
+      <dgm:prSet presAssocID="{45F77B33-08EF-4743-8FFB-CA6F68AF0058}" presName="Name0" presStyleCnt="0">
+        <dgm:presLayoutVars>
+          <dgm:dir/>
+          <dgm:resizeHandles val="exact"/>
+        </dgm:presLayoutVars>
+      </dgm:prSet>
+      <dgm:spPr/>
+    </dgm:pt>
+    <dgm:pt modelId="{675352BB-AD3C-4AB6-B009-76507FE4871A}" type="pres">
+      <dgm:prSet presAssocID="{D80CC5A9-452E-40DB-959D-2EA6BC5F0465}" presName="node" presStyleLbl="node1" presStyleIdx="0" presStyleCnt="6">
+        <dgm:presLayoutVars>
+          <dgm:bulletEnabled val="1"/>
+        </dgm:presLayoutVars>
+      </dgm:prSet>
+      <dgm:spPr/>
+    </dgm:pt>
+    <dgm:pt modelId="{746886A5-7084-48AF-82FF-99F8CC74E193}" type="pres">
+      <dgm:prSet presAssocID="{DE23B3AF-46F0-42E4-BA6C-3586F342DC2F}" presName="sibTrans" presStyleLbl="sibTrans1D1" presStyleIdx="0" presStyleCnt="5"/>
+      <dgm:spPr/>
+    </dgm:pt>
+    <dgm:pt modelId="{D78F3D87-B62D-48A4-A5EB-B2C6C7466DEE}" type="pres">
+      <dgm:prSet presAssocID="{DE23B3AF-46F0-42E4-BA6C-3586F342DC2F}" presName="connectorText" presStyleLbl="sibTrans1D1" presStyleIdx="0" presStyleCnt="5"/>
+      <dgm:spPr/>
+    </dgm:pt>
+    <dgm:pt modelId="{3D7A7EC7-63C4-480B-A7F8-3751F4D9A9E8}" type="pres">
+      <dgm:prSet presAssocID="{5AF9DFC9-4F87-4780-8CE8-7A6A291620F3}" presName="node" presStyleLbl="node1" presStyleIdx="1" presStyleCnt="6">
+        <dgm:presLayoutVars>
+          <dgm:bulletEnabled val="1"/>
+        </dgm:presLayoutVars>
+      </dgm:prSet>
+      <dgm:spPr/>
+    </dgm:pt>
+    <dgm:pt modelId="{2596B30B-7EBB-429B-85AB-36E03508091C}" type="pres">
+      <dgm:prSet presAssocID="{611353E4-D413-468A-B257-0E849539E483}" presName="sibTrans" presStyleLbl="sibTrans1D1" presStyleIdx="1" presStyleCnt="5"/>
+      <dgm:spPr/>
+    </dgm:pt>
+    <dgm:pt modelId="{9B3A4B8B-4716-430A-94C3-4BFA3707A0C2}" type="pres">
+      <dgm:prSet presAssocID="{611353E4-D413-468A-B257-0E849539E483}" presName="connectorText" presStyleLbl="sibTrans1D1" presStyleIdx="1" presStyleCnt="5"/>
+      <dgm:spPr/>
+    </dgm:pt>
+    <dgm:pt modelId="{3D1B528B-8595-4F73-A86B-974EED9BBB31}" type="pres">
+      <dgm:prSet presAssocID="{7134362D-AE7E-4789-9BD0-467A70E2E9CB}" presName="node" presStyleLbl="node1" presStyleIdx="2" presStyleCnt="6">
+        <dgm:presLayoutVars>
+          <dgm:bulletEnabled val="1"/>
+        </dgm:presLayoutVars>
+      </dgm:prSet>
+      <dgm:spPr/>
+    </dgm:pt>
+    <dgm:pt modelId="{F081081D-2EDC-4D4D-8035-03DBB432AE87}" type="pres">
+      <dgm:prSet presAssocID="{784CB280-7F0F-41F3-AE4E-12BC380D0231}" presName="sibTrans" presStyleLbl="sibTrans1D1" presStyleIdx="2" presStyleCnt="5"/>
+      <dgm:spPr/>
+    </dgm:pt>
+    <dgm:pt modelId="{683C1ACB-EC92-49E2-AAE4-0A8CE0F9AD9A}" type="pres">
+      <dgm:prSet presAssocID="{784CB280-7F0F-41F3-AE4E-12BC380D0231}" presName="connectorText" presStyleLbl="sibTrans1D1" presStyleIdx="2" presStyleCnt="5"/>
+      <dgm:spPr/>
+    </dgm:pt>
+    <dgm:pt modelId="{D2CD3171-B51C-4E09-B388-6EAF002701C1}" type="pres">
+      <dgm:prSet presAssocID="{3C0013D8-5874-436C-BD4B-C8C5231F5E45}" presName="node" presStyleLbl="node1" presStyleIdx="3" presStyleCnt="6">
+        <dgm:presLayoutVars>
+          <dgm:bulletEnabled val="1"/>
+        </dgm:presLayoutVars>
+      </dgm:prSet>
+      <dgm:spPr/>
+    </dgm:pt>
+    <dgm:pt modelId="{E4C7D2A4-432F-4997-8590-2B2E58F97587}" type="pres">
+      <dgm:prSet presAssocID="{F3B53786-EB04-40F7-BF76-B9F4AF4EDCDE}" presName="sibTrans" presStyleLbl="sibTrans1D1" presStyleIdx="3" presStyleCnt="5"/>
+      <dgm:spPr/>
+    </dgm:pt>
+    <dgm:pt modelId="{33F9E8B1-6BB2-45A6-82D4-A2265808AD89}" type="pres">
+      <dgm:prSet presAssocID="{F3B53786-EB04-40F7-BF76-B9F4AF4EDCDE}" presName="connectorText" presStyleLbl="sibTrans1D1" presStyleIdx="3" presStyleCnt="5"/>
+      <dgm:spPr/>
+    </dgm:pt>
+    <dgm:pt modelId="{0D09EFBF-CAE6-47B1-902C-1BB3C3A35A38}" type="pres">
+      <dgm:prSet presAssocID="{E52333A2-1AA8-4FB4-BA32-E7B03A3E6AB8}" presName="node" presStyleLbl="node1" presStyleIdx="4" presStyleCnt="6">
+        <dgm:presLayoutVars>
+          <dgm:bulletEnabled val="1"/>
+        </dgm:presLayoutVars>
+      </dgm:prSet>
+      <dgm:spPr/>
+    </dgm:pt>
+    <dgm:pt modelId="{9127662E-9BE0-4717-B9C2-7829BC8B7B62}" type="pres">
+      <dgm:prSet presAssocID="{3020DBD1-74DC-49FB-8A63-1C0518ABCF67}" presName="sibTrans" presStyleLbl="sibTrans1D1" presStyleIdx="4" presStyleCnt="5"/>
+      <dgm:spPr/>
+    </dgm:pt>
+    <dgm:pt modelId="{0FB81687-E045-42BF-8753-E45E7AE4F884}" type="pres">
+      <dgm:prSet presAssocID="{3020DBD1-74DC-49FB-8A63-1C0518ABCF67}" presName="connectorText" presStyleLbl="sibTrans1D1" presStyleIdx="4" presStyleCnt="5"/>
+      <dgm:spPr/>
+    </dgm:pt>
+    <dgm:pt modelId="{F3918773-BAF7-44AE-B373-330BA435B88E}" type="pres">
+      <dgm:prSet presAssocID="{E012D84E-F4C3-4CBB-A6FA-E0AB9482A2D8}" presName="node" presStyleLbl="node1" presStyleIdx="5" presStyleCnt="6">
+        <dgm:presLayoutVars>
+          <dgm:bulletEnabled val="1"/>
+        </dgm:presLayoutVars>
+      </dgm:prSet>
+      <dgm:spPr/>
+    </dgm:pt>
+  </dgm:ptLst>
+  <dgm:cxnLst>
+    <dgm:cxn modelId="{C6B47004-42DD-4604-96BF-883D0ECA8A6A}" type="presOf" srcId="{784CB280-7F0F-41F3-AE4E-12BC380D0231}" destId="{683C1ACB-EC92-49E2-AAE4-0A8CE0F9AD9A}" srcOrd="1" destOrd="0" presId="urn:microsoft.com/office/officeart/2016/7/layout/RepeatingBendingProcessNew"/>
+    <dgm:cxn modelId="{6697F905-5C7C-46C2-9F7F-C66065A89716}" srcId="{45F77B33-08EF-4743-8FFB-CA6F68AF0058}" destId="{3C0013D8-5874-436C-BD4B-C8C5231F5E45}" srcOrd="3" destOrd="0" parTransId="{A9D982E5-23DF-4305-B222-4BB930271313}" sibTransId="{F3B53786-EB04-40F7-BF76-B9F4AF4EDCDE}"/>
+    <dgm:cxn modelId="{B0E2840B-0043-453C-978C-C9299744B2BD}" type="presOf" srcId="{DE23B3AF-46F0-42E4-BA6C-3586F342DC2F}" destId="{D78F3D87-B62D-48A4-A5EB-B2C6C7466DEE}" srcOrd="1" destOrd="0" presId="urn:microsoft.com/office/officeart/2016/7/layout/RepeatingBendingProcessNew"/>
+    <dgm:cxn modelId="{35566531-EDBA-4718-8D85-2217D7D0DC65}" type="presOf" srcId="{D80CC5A9-452E-40DB-959D-2EA6BC5F0465}" destId="{675352BB-AD3C-4AB6-B009-76507FE4871A}" srcOrd="0" destOrd="0" presId="urn:microsoft.com/office/officeart/2016/7/layout/RepeatingBendingProcessNew"/>
+    <dgm:cxn modelId="{403DF662-993F-48BA-A391-A2BB35CCFED0}" type="presOf" srcId="{5AF9DFC9-4F87-4780-8CE8-7A6A291620F3}" destId="{3D7A7EC7-63C4-480B-A7F8-3751F4D9A9E8}" srcOrd="0" destOrd="0" presId="urn:microsoft.com/office/officeart/2016/7/layout/RepeatingBendingProcessNew"/>
+    <dgm:cxn modelId="{0C2C5A45-ADC5-4834-8FA6-E8E6565F4763}" type="presOf" srcId="{45F77B33-08EF-4743-8FFB-CA6F68AF0058}" destId="{FBD88F1E-5CCE-42D3-A587-C76F35A570BF}" srcOrd="0" destOrd="0" presId="urn:microsoft.com/office/officeart/2016/7/layout/RepeatingBendingProcessNew"/>
+    <dgm:cxn modelId="{88FCFD76-C160-4EAD-9C6C-81A93E94B5C1}" type="presOf" srcId="{3C0013D8-5874-436C-BD4B-C8C5231F5E45}" destId="{D2CD3171-B51C-4E09-B388-6EAF002701C1}" srcOrd="0" destOrd="0" presId="urn:microsoft.com/office/officeart/2016/7/layout/RepeatingBendingProcessNew"/>
+    <dgm:cxn modelId="{BEA6EC79-D9CB-452F-B68E-FF2D6DCC070F}" type="presOf" srcId="{611353E4-D413-468A-B257-0E849539E483}" destId="{9B3A4B8B-4716-430A-94C3-4BFA3707A0C2}" srcOrd="1" destOrd="0" presId="urn:microsoft.com/office/officeart/2016/7/layout/RepeatingBendingProcessNew"/>
+    <dgm:cxn modelId="{32698C7F-0734-4874-8658-D31606AB5528}" srcId="{45F77B33-08EF-4743-8FFB-CA6F68AF0058}" destId="{7134362D-AE7E-4789-9BD0-467A70E2E9CB}" srcOrd="2" destOrd="0" parTransId="{0C6A264C-F80E-4541-A673-D9C07D247E3B}" sibTransId="{784CB280-7F0F-41F3-AE4E-12BC380D0231}"/>
+    <dgm:cxn modelId="{9CF3CA83-412B-4725-B54B-52B3F0966BCC}" type="presOf" srcId="{3020DBD1-74DC-49FB-8A63-1C0518ABCF67}" destId="{9127662E-9BE0-4717-B9C2-7829BC8B7B62}" srcOrd="0" destOrd="0" presId="urn:microsoft.com/office/officeart/2016/7/layout/RepeatingBendingProcessNew"/>
+    <dgm:cxn modelId="{F45B8484-4AE2-4C94-9486-357F02D46D39}" type="presOf" srcId="{784CB280-7F0F-41F3-AE4E-12BC380D0231}" destId="{F081081D-2EDC-4D4D-8035-03DBB432AE87}" srcOrd="0" destOrd="0" presId="urn:microsoft.com/office/officeart/2016/7/layout/RepeatingBendingProcessNew"/>
+    <dgm:cxn modelId="{895EBB8F-9D6B-45E1-877E-2FE01A742152}" type="presOf" srcId="{3020DBD1-74DC-49FB-8A63-1C0518ABCF67}" destId="{0FB81687-E045-42BF-8753-E45E7AE4F884}" srcOrd="1" destOrd="0" presId="urn:microsoft.com/office/officeart/2016/7/layout/RepeatingBendingProcessNew"/>
+    <dgm:cxn modelId="{B6539390-2DF5-492E-98BB-EA53B29930E3}" srcId="{45F77B33-08EF-4743-8FFB-CA6F68AF0058}" destId="{5AF9DFC9-4F87-4780-8CE8-7A6A291620F3}" srcOrd="1" destOrd="0" parTransId="{38AC6F20-57FA-4330-B0A4-9ABA650C75BD}" sibTransId="{611353E4-D413-468A-B257-0E849539E483}"/>
+    <dgm:cxn modelId="{BC58FB93-17D5-40BB-8E80-B853FC64C4C0}" type="presOf" srcId="{E012D84E-F4C3-4CBB-A6FA-E0AB9482A2D8}" destId="{F3918773-BAF7-44AE-B373-330BA435B88E}" srcOrd="0" destOrd="0" presId="urn:microsoft.com/office/officeart/2016/7/layout/RepeatingBendingProcessNew"/>
+    <dgm:cxn modelId="{582A53B9-0B55-4917-8DE9-6BE54186E7D9}" srcId="{45F77B33-08EF-4743-8FFB-CA6F68AF0058}" destId="{E012D84E-F4C3-4CBB-A6FA-E0AB9482A2D8}" srcOrd="5" destOrd="0" parTransId="{23E8B01D-EDC5-497B-84F2-7C7C13EC68F4}" sibTransId="{0B7BED70-D1A3-4FC9-BDF9-62E60274034C}"/>
+    <dgm:cxn modelId="{3D42E6BB-DF56-4CC7-9AD6-19A85A2B38B4}" type="presOf" srcId="{F3B53786-EB04-40F7-BF76-B9F4AF4EDCDE}" destId="{E4C7D2A4-432F-4997-8590-2B2E58F97587}" srcOrd="0" destOrd="0" presId="urn:microsoft.com/office/officeart/2016/7/layout/RepeatingBendingProcessNew"/>
+    <dgm:cxn modelId="{EC72ABC1-772D-4927-81AF-014AD1C26C2B}" type="presOf" srcId="{DE23B3AF-46F0-42E4-BA6C-3586F342DC2F}" destId="{746886A5-7084-48AF-82FF-99F8CC74E193}" srcOrd="0" destOrd="0" presId="urn:microsoft.com/office/officeart/2016/7/layout/RepeatingBendingProcessNew"/>
+    <dgm:cxn modelId="{2790A0C2-D305-41EA-B983-2C55585EDFBC}" type="presOf" srcId="{E52333A2-1AA8-4FB4-BA32-E7B03A3E6AB8}" destId="{0D09EFBF-CAE6-47B1-902C-1BB3C3A35A38}" srcOrd="0" destOrd="0" presId="urn:microsoft.com/office/officeart/2016/7/layout/RepeatingBendingProcessNew"/>
+    <dgm:cxn modelId="{A463E5C2-30E8-46B1-A13D-1CD696AF59C5}" type="presOf" srcId="{7134362D-AE7E-4789-9BD0-467A70E2E9CB}" destId="{3D1B528B-8595-4F73-A86B-974EED9BBB31}" srcOrd="0" destOrd="0" presId="urn:microsoft.com/office/officeart/2016/7/layout/RepeatingBendingProcessNew"/>
+    <dgm:cxn modelId="{9EE538D3-D70E-4BEC-9C71-B8D99927CB96}" type="presOf" srcId="{611353E4-D413-468A-B257-0E849539E483}" destId="{2596B30B-7EBB-429B-85AB-36E03508091C}" srcOrd="0" destOrd="0" presId="urn:microsoft.com/office/officeart/2016/7/layout/RepeatingBendingProcessNew"/>
+    <dgm:cxn modelId="{C69594E2-07F4-4219-9276-D976D8733349}" srcId="{45F77B33-08EF-4743-8FFB-CA6F68AF0058}" destId="{D80CC5A9-452E-40DB-959D-2EA6BC5F0465}" srcOrd="0" destOrd="0" parTransId="{C1A48C7C-5111-43E1-B790-9DE691B9B624}" sibTransId="{DE23B3AF-46F0-42E4-BA6C-3586F342DC2F}"/>
+    <dgm:cxn modelId="{E817ACEA-1E8E-4445-BAE1-C03C718BCDF5}" srcId="{45F77B33-08EF-4743-8FFB-CA6F68AF0058}" destId="{E52333A2-1AA8-4FB4-BA32-E7B03A3E6AB8}" srcOrd="4" destOrd="0" parTransId="{801D502D-CFF3-42E4-AF5D-CC99900E131A}" sibTransId="{3020DBD1-74DC-49FB-8A63-1C0518ABCF67}"/>
+    <dgm:cxn modelId="{E2F671EC-58E9-49DD-9140-CE69B956A023}" type="presOf" srcId="{F3B53786-EB04-40F7-BF76-B9F4AF4EDCDE}" destId="{33F9E8B1-6BB2-45A6-82D4-A2265808AD89}" srcOrd="1" destOrd="0" presId="urn:microsoft.com/office/officeart/2016/7/layout/RepeatingBendingProcessNew"/>
+    <dgm:cxn modelId="{341446BC-C349-48BF-B313-A707EF135ED1}" type="presParOf" srcId="{FBD88F1E-5CCE-42D3-A587-C76F35A570BF}" destId="{675352BB-AD3C-4AB6-B009-76507FE4871A}" srcOrd="0" destOrd="0" presId="urn:microsoft.com/office/officeart/2016/7/layout/RepeatingBendingProcessNew"/>
+    <dgm:cxn modelId="{A48817AC-7E43-48A3-AFBC-CCA50881B484}" type="presParOf" srcId="{FBD88F1E-5CCE-42D3-A587-C76F35A570BF}" destId="{746886A5-7084-48AF-82FF-99F8CC74E193}" srcOrd="1" destOrd="0" presId="urn:microsoft.com/office/officeart/2016/7/layout/RepeatingBendingProcessNew"/>
+    <dgm:cxn modelId="{8880640F-7725-4EEE-B57E-3A7BF77383BF}" type="presParOf" srcId="{746886A5-7084-48AF-82FF-99F8CC74E193}" destId="{D78F3D87-B62D-48A4-A5EB-B2C6C7466DEE}" srcOrd="0" destOrd="0" presId="urn:microsoft.com/office/officeart/2016/7/layout/RepeatingBendingProcessNew"/>
+    <dgm:cxn modelId="{16F1CA57-C729-4A67-B55C-EF878C637FA0}" type="presParOf" srcId="{FBD88F1E-5CCE-42D3-A587-C76F35A570BF}" destId="{3D7A7EC7-63C4-480B-A7F8-3751F4D9A9E8}" srcOrd="2" destOrd="0" presId="urn:microsoft.com/office/officeart/2016/7/layout/RepeatingBendingProcessNew"/>
+    <dgm:cxn modelId="{74BAF472-7B64-4D9F-8AD7-443A6FA3A65E}" type="presParOf" srcId="{FBD88F1E-5CCE-42D3-A587-C76F35A570BF}" destId="{2596B30B-7EBB-429B-85AB-36E03508091C}" srcOrd="3" destOrd="0" presId="urn:microsoft.com/office/officeart/2016/7/layout/RepeatingBendingProcessNew"/>
+    <dgm:cxn modelId="{1BC79799-502B-4BF9-9B10-14D192DB4458}" type="presParOf" srcId="{2596B30B-7EBB-429B-85AB-36E03508091C}" destId="{9B3A4B8B-4716-430A-94C3-4BFA3707A0C2}" srcOrd="0" destOrd="0" presId="urn:microsoft.com/office/officeart/2016/7/layout/RepeatingBendingProcessNew"/>
+    <dgm:cxn modelId="{CD82F7C1-430B-4538-9FFA-CE1681923C17}" type="presParOf" srcId="{FBD88F1E-5CCE-42D3-A587-C76F35A570BF}" destId="{3D1B528B-8595-4F73-A86B-974EED9BBB31}" srcOrd="4" destOrd="0" presId="urn:microsoft.com/office/officeart/2016/7/layout/RepeatingBendingProcessNew"/>
+    <dgm:cxn modelId="{4C1A1830-1633-48BD-AB9B-17F557EA8962}" type="presParOf" srcId="{FBD88F1E-5CCE-42D3-A587-C76F35A570BF}" destId="{F081081D-2EDC-4D4D-8035-03DBB432AE87}" srcOrd="5" destOrd="0" presId="urn:microsoft.com/office/officeart/2016/7/layout/RepeatingBendingProcessNew"/>
+    <dgm:cxn modelId="{3F73462D-282A-4CD9-9A73-E646F7E32D7A}" type="presParOf" srcId="{F081081D-2EDC-4D4D-8035-03DBB432AE87}" destId="{683C1ACB-EC92-49E2-AAE4-0A8CE0F9AD9A}" srcOrd="0" destOrd="0" presId="urn:microsoft.com/office/officeart/2016/7/layout/RepeatingBendingProcessNew"/>
+    <dgm:cxn modelId="{D0DC3475-BF98-4BB7-8A9A-2A2B059BDA77}" type="presParOf" srcId="{FBD88F1E-5CCE-42D3-A587-C76F35A570BF}" destId="{D2CD3171-B51C-4E09-B388-6EAF002701C1}" srcOrd="6" destOrd="0" presId="urn:microsoft.com/office/officeart/2016/7/layout/RepeatingBendingProcessNew"/>
+    <dgm:cxn modelId="{A35EDC94-ABCF-4C42-A995-33AE7F908207}" type="presParOf" srcId="{FBD88F1E-5CCE-42D3-A587-C76F35A570BF}" destId="{E4C7D2A4-432F-4997-8590-2B2E58F97587}" srcOrd="7" destOrd="0" presId="urn:microsoft.com/office/officeart/2016/7/layout/RepeatingBendingProcessNew"/>
+    <dgm:cxn modelId="{71D19F2E-A4AC-4E99-A673-DD5489FB3EFA}" type="presParOf" srcId="{E4C7D2A4-432F-4997-8590-2B2E58F97587}" destId="{33F9E8B1-6BB2-45A6-82D4-A2265808AD89}" srcOrd="0" destOrd="0" presId="urn:microsoft.com/office/officeart/2016/7/layout/RepeatingBendingProcessNew"/>
+    <dgm:cxn modelId="{BE4C26B3-2731-41F0-8C95-5A49492C7172}" type="presParOf" srcId="{FBD88F1E-5CCE-42D3-A587-C76F35A570BF}" destId="{0D09EFBF-CAE6-47B1-902C-1BB3C3A35A38}" srcOrd="8" destOrd="0" presId="urn:microsoft.com/office/officeart/2016/7/layout/RepeatingBendingProcessNew"/>
+    <dgm:cxn modelId="{82B1BE54-5E09-4077-875A-81F2F13A4092}" type="presParOf" srcId="{FBD88F1E-5CCE-42D3-A587-C76F35A570BF}" destId="{9127662E-9BE0-4717-B9C2-7829BC8B7B62}" srcOrd="9" destOrd="0" presId="urn:microsoft.com/office/officeart/2016/7/layout/RepeatingBendingProcessNew"/>
+    <dgm:cxn modelId="{31275C2B-D1D2-4BB1-8B11-43383317818D}" type="presParOf" srcId="{9127662E-9BE0-4717-B9C2-7829BC8B7B62}" destId="{0FB81687-E045-42BF-8753-E45E7AE4F884}" srcOrd="0" destOrd="0" presId="urn:microsoft.com/office/officeart/2016/7/layout/RepeatingBendingProcessNew"/>
+    <dgm:cxn modelId="{8BF900BD-2286-4783-B443-4AD3BFEB0832}" type="presParOf" srcId="{FBD88F1E-5CCE-42D3-A587-C76F35A570BF}" destId="{F3918773-BAF7-44AE-B373-330BA435B88E}" srcOrd="10" destOrd="0" presId="urn:microsoft.com/office/officeart/2016/7/layout/RepeatingBendingProcessNew"/>
+  </dgm:cxnLst>
+  <dgm:bg/>
+  <dgm:whole/>
+  <dgm:extLst>
+    <a:ext uri="http://schemas.microsoft.com/office/drawing/2008/diagram">
+      <dsp:dataModelExt xmlns:dsp="http://schemas.microsoft.com/office/drawing/2008/diagram" relId="rId6" minVer="http://schemas.openxmlformats.org/drawingml/2006/diagram"/>
+    </a:ext>
+  </dgm:extLst>
+</dgm:dataModel>
+</file>
+
+<file path=ppt/diagrams/drawing1.xml><?xml version="1.0" encoding="utf-8"?>
+<dsp:drawing xmlns:dgm="http://schemas.openxmlformats.org/drawingml/2006/diagram" xmlns:dsp="http://schemas.microsoft.com/office/drawing/2008/diagram" xmlns:a="http://schemas.openxmlformats.org/drawingml/2006/main">
+  <dsp:spTree>
+    <dsp:nvGrpSpPr>
+      <dsp:cNvPr id="0" name=""/>
+      <dsp:cNvGrpSpPr/>
+    </dsp:nvGrpSpPr>
+    <dsp:grpSpPr/>
+    <dsp:sp modelId="{6A4D1FBB-4F65-4BC5-A9FF-D976CA8255BF}">
+      <dsp:nvSpPr>
+        <dsp:cNvPr id="0" name=""/>
+        <dsp:cNvSpPr/>
+      </dsp:nvSpPr>
+      <dsp:spPr>
+        <a:xfrm>
+          <a:off x="0" y="956381"/>
+          <a:ext cx="6513603" cy="1765627"/>
+        </a:xfrm>
+        <a:prstGeom prst="roundRect">
+          <a:avLst>
+            <a:gd name="adj" fmla="val 10000"/>
+          </a:avLst>
+        </a:prstGeom>
+        <a:solidFill>
+          <a:schemeClr val="bg1">
+            <a:lumMod val="95000"/>
+            <a:hueOff val="0"/>
+            <a:satOff val="0"/>
+            <a:lumOff val="0"/>
+            <a:alphaOff val="0"/>
+          </a:schemeClr>
+        </a:solidFill>
+        <a:ln>
+          <a:noFill/>
+        </a:ln>
+        <a:effectLst/>
+      </dsp:spPr>
+      <dsp:style>
+        <a:lnRef idx="0">
+          <a:scrgbClr r="0" g="0" b="0"/>
+        </a:lnRef>
+        <a:fillRef idx="1">
+          <a:scrgbClr r="0" g="0" b="0"/>
+        </a:fillRef>
+        <a:effectRef idx="2">
+          <a:scrgbClr r="0" g="0" b="0"/>
+        </a:effectRef>
+        <a:fontRef idx="minor"/>
+      </dsp:style>
+    </dsp:sp>
+    <dsp:sp modelId="{3E2B99F6-A7F6-4283-9CA2-781C7AA08C35}">
+      <dsp:nvSpPr>
+        <dsp:cNvPr id="0" name=""/>
+        <dsp:cNvSpPr/>
+      </dsp:nvSpPr>
+      <dsp:spPr>
+        <a:xfrm>
+          <a:off x="534102" y="1353647"/>
+          <a:ext cx="971095" cy="971095"/>
+        </a:xfrm>
+        <a:prstGeom prst="rect">
+          <a:avLst/>
+        </a:prstGeom>
+        <a:blipFill>
+          <a:blip xmlns:r="http://schemas.openxmlformats.org/officeDocument/2006/relationships" r:embed="rId1">
+            <a:extLst>
+              <a:ext uri="{28A0092B-C50C-407E-A947-70E740481C1C}">
+                <a14:useLocalDpi xmlns:a14="http://schemas.microsoft.com/office/drawing/2010/main" val="0"/>
+              </a:ext>
+              <a:ext uri="{96DAC541-7B7A-43D3-8B79-37D633B846F1}">
+                <asvg:svgBlip xmlns:asvg="http://schemas.microsoft.com/office/drawing/2016/SVG/main" r:embed="rId2"/>
+              </a:ext>
+            </a:extLst>
+          </a:blip>
+          <a:stretch>
+            <a:fillRect/>
+          </a:stretch>
+        </a:blipFill>
+        <a:ln>
+          <a:noFill/>
+        </a:ln>
+        <a:effectLst/>
+      </dsp:spPr>
+      <dsp:style>
+        <a:lnRef idx="0">
+          <a:scrgbClr r="0" g="0" b="0"/>
+        </a:lnRef>
+        <a:fillRef idx="3">
+          <a:scrgbClr r="0" g="0" b="0"/>
+        </a:fillRef>
+        <a:effectRef idx="2">
+          <a:scrgbClr r="0" g="0" b="0"/>
+        </a:effectRef>
+        <a:fontRef idx="minor">
+          <a:schemeClr val="lt1"/>
+        </a:fontRef>
+      </dsp:style>
+    </dsp:sp>
+    <dsp:sp modelId="{A03A0B19-C089-46A3-A98D-BF3D7340210D}">
+      <dsp:nvSpPr>
+        <dsp:cNvPr id="0" name=""/>
+        <dsp:cNvSpPr/>
+      </dsp:nvSpPr>
+      <dsp:spPr>
+        <a:xfrm>
+          <a:off x="2039300" y="956381"/>
+          <a:ext cx="4474303" cy="1765627"/>
+        </a:xfrm>
+        <a:prstGeom prst="rect">
+          <a:avLst/>
+        </a:prstGeom>
+        <a:noFill/>
+        <a:ln>
+          <a:noFill/>
+        </a:ln>
+        <a:effectLst/>
+      </dsp:spPr>
+      <dsp:style>
+        <a:lnRef idx="0">
+          <a:scrgbClr r="0" g="0" b="0"/>
+        </a:lnRef>
+        <a:fillRef idx="0">
+          <a:scrgbClr r="0" g="0" b="0"/>
+        </a:fillRef>
+        <a:effectRef idx="0">
+          <a:scrgbClr r="0" g="0" b="0"/>
+        </a:effectRef>
+        <a:fontRef idx="minor"/>
+      </dsp:style>
+      <dsp:txBody>
+        <a:bodyPr spcFirstLastPara="0" vert="horz" wrap="square" lIns="186862" tIns="186862" rIns="186862" bIns="186862" numCol="1" spcCol="1270" anchor="ctr" anchorCtr="0">
+          <a:noAutofit/>
+        </a:bodyPr>
+        <a:lstStyle/>
+        <a:p>
+          <a:pPr marL="0" lvl="0" indent="0" algn="l" defTabSz="1111250">
+            <a:lnSpc>
+              <a:spcPct val="90000"/>
+            </a:lnSpc>
+            <a:spcBef>
+              <a:spcPct val="0"/>
+            </a:spcBef>
+            <a:spcAft>
+              <a:spcPct val="35000"/>
+            </a:spcAft>
+            <a:buNone/>
+          </a:pPr>
+          <a:r>
+            <a:rPr lang="en-US" sz="2500" kern="1200" dirty="0"/>
+            <a:t>Yahoo Finance using Pandas </a:t>
+          </a:r>
+          <a:r>
+            <a:rPr lang="en-US" sz="2500" kern="1200" dirty="0" err="1"/>
+            <a:t>DataReader</a:t>
+          </a:r>
+          <a:endParaRPr lang="en-US" sz="2500" kern="1200" dirty="0"/>
+        </a:p>
+      </dsp:txBody>
+      <dsp:txXfrm>
+        <a:off x="2039300" y="956381"/>
+        <a:ext cx="4474303" cy="1765627"/>
+      </dsp:txXfrm>
+    </dsp:sp>
+    <dsp:sp modelId="{E4708A45-D395-4E07-88EB-43D2E084777A}">
+      <dsp:nvSpPr>
+        <dsp:cNvPr id="0" name=""/>
+        <dsp:cNvSpPr/>
+      </dsp:nvSpPr>
+      <dsp:spPr>
+        <a:xfrm>
+          <a:off x="0" y="3163416"/>
+          <a:ext cx="6513603" cy="1765627"/>
+        </a:xfrm>
+        <a:prstGeom prst="roundRect">
+          <a:avLst>
+            <a:gd name="adj" fmla="val 10000"/>
+          </a:avLst>
+        </a:prstGeom>
+        <a:solidFill>
+          <a:schemeClr val="bg1">
+            <a:lumMod val="95000"/>
+            <a:hueOff val="0"/>
+            <a:satOff val="0"/>
+            <a:lumOff val="0"/>
+            <a:alphaOff val="0"/>
+          </a:schemeClr>
+        </a:solidFill>
+        <a:ln>
+          <a:noFill/>
+        </a:ln>
+        <a:effectLst/>
+      </dsp:spPr>
+      <dsp:style>
+        <a:lnRef idx="0">
+          <a:scrgbClr r="0" g="0" b="0"/>
+        </a:lnRef>
+        <a:fillRef idx="1">
+          <a:scrgbClr r="0" g="0" b="0"/>
+        </a:fillRef>
+        <a:effectRef idx="2">
+          <a:scrgbClr r="0" g="0" b="0"/>
+        </a:effectRef>
+        <a:fontRef idx="minor"/>
+      </dsp:style>
+    </dsp:sp>
+    <dsp:sp modelId="{FCFDBB70-DE29-47F0-9373-58C763F6F9F8}">
+      <dsp:nvSpPr>
+        <dsp:cNvPr id="0" name=""/>
+        <dsp:cNvSpPr/>
+      </dsp:nvSpPr>
+      <dsp:spPr>
+        <a:xfrm>
+          <a:off x="534102" y="3560682"/>
+          <a:ext cx="971095" cy="971095"/>
+        </a:xfrm>
+        <a:prstGeom prst="rect">
+          <a:avLst/>
+        </a:prstGeom>
+        <a:blipFill>
+          <a:blip xmlns:r="http://schemas.openxmlformats.org/officeDocument/2006/relationships" r:embed="rId3">
+            <a:extLst>
+              <a:ext uri="{28A0092B-C50C-407E-A947-70E740481C1C}">
+                <a14:useLocalDpi xmlns:a14="http://schemas.microsoft.com/office/drawing/2010/main" val="0"/>
+              </a:ext>
+              <a:ext uri="{96DAC541-7B7A-43D3-8B79-37D633B846F1}">
+                <asvg:svgBlip xmlns:asvg="http://schemas.microsoft.com/office/drawing/2016/SVG/main" r:embed="rId4"/>
+              </a:ext>
+            </a:extLst>
+          </a:blip>
+          <a:stretch>
+            <a:fillRect/>
+          </a:stretch>
+        </a:blipFill>
+        <a:ln>
+          <a:noFill/>
+        </a:ln>
+        <a:effectLst/>
+      </dsp:spPr>
+      <dsp:style>
+        <a:lnRef idx="0">
+          <a:scrgbClr r="0" g="0" b="0"/>
+        </a:lnRef>
+        <a:fillRef idx="3">
+          <a:scrgbClr r="0" g="0" b="0"/>
+        </a:fillRef>
+        <a:effectRef idx="2">
+          <a:scrgbClr r="0" g="0" b="0"/>
+        </a:effectRef>
+        <a:fontRef idx="minor">
+          <a:schemeClr val="lt1"/>
+        </a:fontRef>
+      </dsp:style>
+    </dsp:sp>
+    <dsp:sp modelId="{C4459146-A3CF-4606-9E76-B9B3CDF08BF2}">
+      <dsp:nvSpPr>
+        <dsp:cNvPr id="0" name=""/>
+        <dsp:cNvSpPr/>
+      </dsp:nvSpPr>
+      <dsp:spPr>
+        <a:xfrm>
+          <a:off x="2039300" y="3163416"/>
+          <a:ext cx="4474303" cy="1765627"/>
+        </a:xfrm>
+        <a:prstGeom prst="rect">
+          <a:avLst/>
+        </a:prstGeom>
+        <a:noFill/>
+        <a:ln>
+          <a:noFill/>
+        </a:ln>
+        <a:effectLst/>
+      </dsp:spPr>
+      <dsp:style>
+        <a:lnRef idx="0">
+          <a:scrgbClr r="0" g="0" b="0"/>
+        </a:lnRef>
+        <a:fillRef idx="0">
+          <a:scrgbClr r="0" g="0" b="0"/>
+        </a:fillRef>
+        <a:effectRef idx="0">
+          <a:scrgbClr r="0" g="0" b="0"/>
+        </a:effectRef>
+        <a:fontRef idx="minor"/>
+      </dsp:style>
+      <dsp:txBody>
+        <a:bodyPr spcFirstLastPara="0" vert="horz" wrap="square" lIns="186862" tIns="186862" rIns="186862" bIns="186862" numCol="1" spcCol="1270" anchor="ctr" anchorCtr="0">
+          <a:noAutofit/>
+        </a:bodyPr>
+        <a:lstStyle/>
+        <a:p>
+          <a:pPr marL="0" lvl="0" indent="0" algn="l" defTabSz="1111250">
+            <a:lnSpc>
+              <a:spcPct val="90000"/>
+            </a:lnSpc>
+            <a:spcBef>
+              <a:spcPct val="0"/>
+            </a:spcBef>
+            <a:spcAft>
+              <a:spcPct val="35000"/>
+            </a:spcAft>
+            <a:buNone/>
+          </a:pPr>
+          <a:r>
+            <a:rPr lang="en-US" sz="2500" kern="1200" dirty="0"/>
+            <a:t>Bureau of Labor Statistics for Unemployment Rate (CSV Download)</a:t>
+          </a:r>
+        </a:p>
+      </dsp:txBody>
+      <dsp:txXfrm>
+        <a:off x="2039300" y="3163416"/>
+        <a:ext cx="4474303" cy="1765627"/>
+      </dsp:txXfrm>
+    </dsp:sp>
+  </dsp:spTree>
+</dsp:drawing>
+</file>
+
+<file path=ppt/diagrams/drawing2.xml><?xml version="1.0" encoding="utf-8"?>
+<dsp:drawing xmlns:dgm="http://schemas.openxmlformats.org/drawingml/2006/diagram" xmlns:dsp="http://schemas.microsoft.com/office/drawing/2008/diagram" xmlns:a="http://schemas.openxmlformats.org/drawingml/2006/main">
+  <dsp:spTree>
+    <dsp:nvGrpSpPr>
+      <dsp:cNvPr id="0" name=""/>
+      <dsp:cNvGrpSpPr/>
+    </dsp:nvGrpSpPr>
+    <dsp:grpSpPr/>
+    <dsp:sp modelId="{746886A5-7084-48AF-82FF-99F8CC74E193}">
+      <dsp:nvSpPr>
+        <dsp:cNvPr id="0" name=""/>
+        <dsp:cNvSpPr/>
+      </dsp:nvSpPr>
+      <dsp:spPr>
+        <a:xfrm>
+          <a:off x="2955815" y="737644"/>
+          <a:ext cx="567773" cy="91440"/>
+        </a:xfrm>
+        <a:custGeom>
+          <a:avLst/>
+          <a:gdLst/>
+          <a:ahLst/>
+          <a:cxnLst/>
+          <a:rect l="0" t="0" r="0" b="0"/>
+          <a:pathLst>
+            <a:path>
+              <a:moveTo>
+                <a:pt x="0" y="45720"/>
+              </a:moveTo>
+              <a:lnTo>
+                <a:pt x="567773" y="45720"/>
+              </a:lnTo>
+            </a:path>
+          </a:pathLst>
+        </a:custGeom>
+        <a:noFill/>
+        <a:ln w="6350" cap="flat" cmpd="sng" algn="ctr">
+          <a:solidFill>
+            <a:schemeClr val="accent2">
+              <a:hueOff val="0"/>
+              <a:satOff val="0"/>
+              <a:lumOff val="0"/>
+              <a:alphaOff val="0"/>
+            </a:schemeClr>
+          </a:solidFill>
+          <a:prstDash val="solid"/>
+          <a:miter lim="800000"/>
+          <a:tailEnd type="arrow"/>
+        </a:ln>
+        <a:effectLst/>
+      </dsp:spPr>
+      <dsp:style>
+        <a:lnRef idx="1">
+          <a:scrgbClr r="0" g="0" b="0"/>
+        </a:lnRef>
+        <a:fillRef idx="0">
+          <a:scrgbClr r="0" g="0" b="0"/>
+        </a:fillRef>
+        <a:effectRef idx="0">
+          <a:scrgbClr r="0" g="0" b="0"/>
+        </a:effectRef>
+        <a:fontRef idx="minor"/>
+      </dsp:style>
+      <dsp:txBody>
+        <a:bodyPr spcFirstLastPara="0" vert="horz" wrap="square" lIns="12700" tIns="0" rIns="12700" bIns="0" numCol="1" spcCol="1270" anchor="ctr" anchorCtr="0">
+          <a:noAutofit/>
+        </a:bodyPr>
+        <a:lstStyle/>
+        <a:p>
+          <a:pPr marL="0" lvl="0" indent="0" algn="ctr" defTabSz="222250">
+            <a:lnSpc>
+              <a:spcPct val="90000"/>
+            </a:lnSpc>
+            <a:spcBef>
+              <a:spcPct val="0"/>
+            </a:spcBef>
+            <a:spcAft>
+              <a:spcPct val="35000"/>
+            </a:spcAft>
+            <a:buNone/>
+          </a:pPr>
+          <a:endParaRPr lang="en-US" sz="500" kern="1200"/>
+        </a:p>
+      </dsp:txBody>
+      <dsp:txXfrm>
+        <a:off x="3224742" y="780372"/>
+        <a:ext cx="29918" cy="5983"/>
+      </dsp:txXfrm>
+    </dsp:sp>
+    <dsp:sp modelId="{675352BB-AD3C-4AB6-B009-76507FE4871A}">
+      <dsp:nvSpPr>
+        <dsp:cNvPr id="0" name=""/>
+        <dsp:cNvSpPr/>
+      </dsp:nvSpPr>
+      <dsp:spPr>
+        <a:xfrm>
+          <a:off x="355990" y="2876"/>
+          <a:ext cx="2601625" cy="1560975"/>
+        </a:xfrm>
+        <a:prstGeom prst="rect">
+          <a:avLst/>
+        </a:prstGeom>
+        <a:solidFill>
+          <a:schemeClr val="accent2">
+            <a:hueOff val="0"/>
+            <a:satOff val="0"/>
+            <a:lumOff val="0"/>
+            <a:alphaOff val="0"/>
+          </a:schemeClr>
+        </a:solidFill>
+        <a:ln w="12700" cap="flat" cmpd="sng" algn="ctr">
+          <a:solidFill>
+            <a:schemeClr val="lt1">
+              <a:hueOff val="0"/>
+              <a:satOff val="0"/>
+              <a:lumOff val="0"/>
+              <a:alphaOff val="0"/>
+            </a:schemeClr>
+          </a:solidFill>
+          <a:prstDash val="solid"/>
+          <a:miter lim="800000"/>
+        </a:ln>
+        <a:effectLst/>
+      </dsp:spPr>
+      <dsp:style>
+        <a:lnRef idx="2">
+          <a:scrgbClr r="0" g="0" b="0"/>
+        </a:lnRef>
+        <a:fillRef idx="1">
+          <a:scrgbClr r="0" g="0" b="0"/>
+        </a:fillRef>
+        <a:effectRef idx="0">
+          <a:scrgbClr r="0" g="0" b="0"/>
+        </a:effectRef>
+        <a:fontRef idx="minor">
+          <a:schemeClr val="lt1"/>
+        </a:fontRef>
+      </dsp:style>
+      <dsp:txBody>
+        <a:bodyPr spcFirstLastPara="0" vert="horz" wrap="square" lIns="127482" tIns="133815" rIns="127482" bIns="133815" numCol="1" spcCol="1270" anchor="ctr" anchorCtr="0">
+          <a:noAutofit/>
+        </a:bodyPr>
+        <a:lstStyle/>
+        <a:p>
+          <a:pPr marL="0" lvl="0" indent="0" algn="ctr" defTabSz="1022350">
+            <a:lnSpc>
+              <a:spcPct val="90000"/>
+            </a:lnSpc>
+            <a:spcBef>
+              <a:spcPct val="0"/>
+            </a:spcBef>
+            <a:spcAft>
+              <a:spcPct val="35000"/>
+            </a:spcAft>
+            <a:buNone/>
+          </a:pPr>
+          <a:r>
+            <a:rPr lang="en-US" sz="2300" kern="1200"/>
+            <a:t>Pulled SPY and VIX data from pd.datareader and saved to CSV.</a:t>
+          </a:r>
+        </a:p>
+      </dsp:txBody>
+      <dsp:txXfrm>
+        <a:off x="355990" y="2876"/>
+        <a:ext cx="2601625" cy="1560975"/>
+      </dsp:txXfrm>
+    </dsp:sp>
+    <dsp:sp modelId="{2596B30B-7EBB-429B-85AB-36E03508091C}">
+      <dsp:nvSpPr>
+        <dsp:cNvPr id="0" name=""/>
+        <dsp:cNvSpPr/>
+      </dsp:nvSpPr>
+      <dsp:spPr>
+        <a:xfrm>
+          <a:off x="1656802" y="1562051"/>
+          <a:ext cx="3199998" cy="567773"/>
+        </a:xfrm>
+        <a:custGeom>
+          <a:avLst/>
+          <a:gdLst/>
+          <a:ahLst/>
+          <a:cxnLst/>
+          <a:rect l="0" t="0" r="0" b="0"/>
+          <a:pathLst>
+            <a:path>
+              <a:moveTo>
+                <a:pt x="3199998" y="0"/>
+              </a:moveTo>
+              <a:lnTo>
+                <a:pt x="3199998" y="300986"/>
+              </a:lnTo>
+              <a:lnTo>
+                <a:pt x="0" y="300986"/>
+              </a:lnTo>
+              <a:lnTo>
+                <a:pt x="0" y="567773"/>
+              </a:lnTo>
+            </a:path>
+          </a:pathLst>
+        </a:custGeom>
+        <a:noFill/>
+        <a:ln w="6350" cap="flat" cmpd="sng" algn="ctr">
+          <a:solidFill>
+            <a:schemeClr val="accent2">
+              <a:hueOff val="-363841"/>
+              <a:satOff val="-20982"/>
+              <a:lumOff val="2157"/>
+              <a:alphaOff val="0"/>
+            </a:schemeClr>
+          </a:solidFill>
+          <a:prstDash val="solid"/>
+          <a:miter lim="800000"/>
+          <a:tailEnd type="arrow"/>
+        </a:ln>
+        <a:effectLst/>
+      </dsp:spPr>
+      <dsp:style>
+        <a:lnRef idx="1">
+          <a:scrgbClr r="0" g="0" b="0"/>
+        </a:lnRef>
+        <a:fillRef idx="0">
+          <a:scrgbClr r="0" g="0" b="0"/>
+        </a:fillRef>
+        <a:effectRef idx="0">
+          <a:scrgbClr r="0" g="0" b="0"/>
+        </a:effectRef>
+        <a:fontRef idx="minor"/>
+      </dsp:style>
+      <dsp:txBody>
+        <a:bodyPr spcFirstLastPara="0" vert="horz" wrap="square" lIns="12700" tIns="0" rIns="12700" bIns="0" numCol="1" spcCol="1270" anchor="ctr" anchorCtr="0">
+          <a:noAutofit/>
+        </a:bodyPr>
+        <a:lstStyle/>
+        <a:p>
+          <a:pPr marL="0" lvl="0" indent="0" algn="ctr" defTabSz="222250">
+            <a:lnSpc>
+              <a:spcPct val="90000"/>
+            </a:lnSpc>
+            <a:spcBef>
+              <a:spcPct val="0"/>
+            </a:spcBef>
+            <a:spcAft>
+              <a:spcPct val="35000"/>
+            </a:spcAft>
+            <a:buNone/>
+          </a:pPr>
+          <a:endParaRPr lang="en-US" sz="500" kern="1200"/>
+        </a:p>
+      </dsp:txBody>
+      <dsp:txXfrm>
+        <a:off x="3175415" y="1842946"/>
+        <a:ext cx="162773" cy="5983"/>
+      </dsp:txXfrm>
+    </dsp:sp>
+    <dsp:sp modelId="{3D7A7EC7-63C4-480B-A7F8-3751F4D9A9E8}">
+      <dsp:nvSpPr>
+        <dsp:cNvPr id="0" name=""/>
+        <dsp:cNvSpPr/>
+      </dsp:nvSpPr>
+      <dsp:spPr>
+        <a:xfrm>
+          <a:off x="3555988" y="2876"/>
+          <a:ext cx="2601625" cy="1560975"/>
+        </a:xfrm>
+        <a:prstGeom prst="rect">
+          <a:avLst/>
+        </a:prstGeom>
+        <a:solidFill>
+          <a:schemeClr val="accent2">
+            <a:hueOff val="-291073"/>
+            <a:satOff val="-16786"/>
+            <a:lumOff val="1726"/>
+            <a:alphaOff val="0"/>
+          </a:schemeClr>
+        </a:solidFill>
+        <a:ln w="12700" cap="flat" cmpd="sng" algn="ctr">
+          <a:solidFill>
+            <a:schemeClr val="lt1">
+              <a:hueOff val="0"/>
+              <a:satOff val="0"/>
+              <a:lumOff val="0"/>
+              <a:alphaOff val="0"/>
+            </a:schemeClr>
+          </a:solidFill>
+          <a:prstDash val="solid"/>
+          <a:miter lim="800000"/>
+        </a:ln>
+        <a:effectLst/>
+      </dsp:spPr>
+      <dsp:style>
+        <a:lnRef idx="2">
+          <a:scrgbClr r="0" g="0" b="0"/>
+        </a:lnRef>
+        <a:fillRef idx="1">
+          <a:scrgbClr r="0" g="0" b="0"/>
+        </a:fillRef>
+        <a:effectRef idx="0">
+          <a:scrgbClr r="0" g="0" b="0"/>
+        </a:effectRef>
+        <a:fontRef idx="minor">
+          <a:schemeClr val="lt1"/>
+        </a:fontRef>
+      </dsp:style>
+      <dsp:txBody>
+        <a:bodyPr spcFirstLastPara="0" vert="horz" wrap="square" lIns="127482" tIns="133815" rIns="127482" bIns="133815" numCol="1" spcCol="1270" anchor="ctr" anchorCtr="0">
+          <a:noAutofit/>
+        </a:bodyPr>
+        <a:lstStyle/>
+        <a:p>
+          <a:pPr marL="0" lvl="0" indent="0" algn="ctr" defTabSz="1022350">
+            <a:lnSpc>
+              <a:spcPct val="90000"/>
+            </a:lnSpc>
+            <a:spcBef>
+              <a:spcPct val="0"/>
+            </a:spcBef>
+            <a:spcAft>
+              <a:spcPct val="35000"/>
+            </a:spcAft>
+            <a:buNone/>
+          </a:pPr>
+          <a:r>
+            <a:rPr lang="en-US" sz="2300" kern="1200"/>
+            <a:t>Renamed and removed columns from both tables.</a:t>
+          </a:r>
+        </a:p>
+      </dsp:txBody>
+      <dsp:txXfrm>
+        <a:off x="3555988" y="2876"/>
+        <a:ext cx="2601625" cy="1560975"/>
+      </dsp:txXfrm>
+    </dsp:sp>
+    <dsp:sp modelId="{F081081D-2EDC-4D4D-8035-03DBB432AE87}">
+      <dsp:nvSpPr>
+        <dsp:cNvPr id="0" name=""/>
+        <dsp:cNvSpPr/>
+      </dsp:nvSpPr>
+      <dsp:spPr>
+        <a:xfrm>
+          <a:off x="2955815" y="2896993"/>
+          <a:ext cx="567773" cy="91440"/>
+        </a:xfrm>
+        <a:custGeom>
+          <a:avLst/>
+          <a:gdLst/>
+          <a:ahLst/>
+          <a:cxnLst/>
+          <a:rect l="0" t="0" r="0" b="0"/>
+          <a:pathLst>
+            <a:path>
+              <a:moveTo>
+                <a:pt x="0" y="45720"/>
+              </a:moveTo>
+              <a:lnTo>
+                <a:pt x="567773" y="45720"/>
+              </a:lnTo>
+            </a:path>
+          </a:pathLst>
+        </a:custGeom>
+        <a:noFill/>
+        <a:ln w="6350" cap="flat" cmpd="sng" algn="ctr">
+          <a:solidFill>
+            <a:schemeClr val="accent2">
+              <a:hueOff val="-727682"/>
+              <a:satOff val="-41964"/>
+              <a:lumOff val="4314"/>
+              <a:alphaOff val="0"/>
+            </a:schemeClr>
+          </a:solidFill>
+          <a:prstDash val="solid"/>
+          <a:miter lim="800000"/>
+          <a:tailEnd type="arrow"/>
+        </a:ln>
+        <a:effectLst/>
+      </dsp:spPr>
+      <dsp:style>
+        <a:lnRef idx="1">
+          <a:scrgbClr r="0" g="0" b="0"/>
+        </a:lnRef>
+        <a:fillRef idx="0">
+          <a:scrgbClr r="0" g="0" b="0"/>
+        </a:fillRef>
+        <a:effectRef idx="0">
+          <a:scrgbClr r="0" g="0" b="0"/>
+        </a:effectRef>
+        <a:fontRef idx="minor"/>
+      </dsp:style>
+      <dsp:txBody>
+        <a:bodyPr spcFirstLastPara="0" vert="horz" wrap="square" lIns="12700" tIns="0" rIns="12700" bIns="0" numCol="1" spcCol="1270" anchor="ctr" anchorCtr="0">
+          <a:noAutofit/>
+        </a:bodyPr>
+        <a:lstStyle/>
+        <a:p>
+          <a:pPr marL="0" lvl="0" indent="0" algn="ctr" defTabSz="222250">
+            <a:lnSpc>
+              <a:spcPct val="90000"/>
+            </a:lnSpc>
+            <a:spcBef>
+              <a:spcPct val="0"/>
+            </a:spcBef>
+            <a:spcAft>
+              <a:spcPct val="35000"/>
+            </a:spcAft>
+            <a:buNone/>
+          </a:pPr>
+          <a:endParaRPr lang="en-US" sz="500" kern="1200"/>
+        </a:p>
+      </dsp:txBody>
+      <dsp:txXfrm>
+        <a:off x="3224742" y="2939721"/>
+        <a:ext cx="29918" cy="5983"/>
+      </dsp:txXfrm>
+    </dsp:sp>
+    <dsp:sp modelId="{3D1B528B-8595-4F73-A86B-974EED9BBB31}">
+      <dsp:nvSpPr>
+        <dsp:cNvPr id="0" name=""/>
+        <dsp:cNvSpPr/>
+      </dsp:nvSpPr>
+      <dsp:spPr>
+        <a:xfrm>
+          <a:off x="355990" y="2162225"/>
+          <a:ext cx="2601625" cy="1560975"/>
+        </a:xfrm>
+        <a:prstGeom prst="rect">
+          <a:avLst/>
+        </a:prstGeom>
+        <a:solidFill>
+          <a:schemeClr val="accent2">
+            <a:hueOff val="-582145"/>
+            <a:satOff val="-33571"/>
+            <a:lumOff val="3451"/>
+            <a:alphaOff val="0"/>
+          </a:schemeClr>
+        </a:solidFill>
+        <a:ln w="12700" cap="flat" cmpd="sng" algn="ctr">
+          <a:solidFill>
+            <a:schemeClr val="lt1">
+              <a:hueOff val="0"/>
+              <a:satOff val="0"/>
+              <a:lumOff val="0"/>
+              <a:alphaOff val="0"/>
+            </a:schemeClr>
+          </a:solidFill>
+          <a:prstDash val="solid"/>
+          <a:miter lim="800000"/>
+        </a:ln>
+        <a:effectLst/>
+      </dsp:spPr>
+      <dsp:style>
+        <a:lnRef idx="2">
+          <a:scrgbClr r="0" g="0" b="0"/>
+        </a:lnRef>
+        <a:fillRef idx="1">
+          <a:scrgbClr r="0" g="0" b="0"/>
+        </a:fillRef>
+        <a:effectRef idx="0">
+          <a:scrgbClr r="0" g="0" b="0"/>
+        </a:effectRef>
+        <a:fontRef idx="minor">
+          <a:schemeClr val="lt1"/>
+        </a:fontRef>
+      </dsp:style>
+      <dsp:txBody>
+        <a:bodyPr spcFirstLastPara="0" vert="horz" wrap="square" lIns="127482" tIns="133815" rIns="127482" bIns="133815" numCol="1" spcCol="1270" anchor="ctr" anchorCtr="0">
+          <a:noAutofit/>
+        </a:bodyPr>
+        <a:lstStyle/>
+        <a:p>
+          <a:pPr marL="0" lvl="0" indent="0" algn="ctr" defTabSz="1022350">
+            <a:lnSpc>
+              <a:spcPct val="90000"/>
+            </a:lnSpc>
+            <a:spcBef>
+              <a:spcPct val="0"/>
+            </a:spcBef>
+            <a:spcAft>
+              <a:spcPct val="35000"/>
+            </a:spcAft>
+            <a:buNone/>
+          </a:pPr>
+          <a:r>
+            <a:rPr lang="en-US" sz="2300" kern="1200"/>
+            <a:t>Calculated a rolling 100 Day Moving Average for the SPY and VIX.</a:t>
+          </a:r>
+        </a:p>
+      </dsp:txBody>
+      <dsp:txXfrm>
+        <a:off x="355990" y="2162225"/>
+        <a:ext cx="2601625" cy="1560975"/>
+      </dsp:txXfrm>
+    </dsp:sp>
+    <dsp:sp modelId="{E4C7D2A4-432F-4997-8590-2B2E58F97587}">
+      <dsp:nvSpPr>
+        <dsp:cNvPr id="0" name=""/>
+        <dsp:cNvSpPr/>
+      </dsp:nvSpPr>
+      <dsp:spPr>
+        <a:xfrm>
+          <a:off x="1656802" y="3721400"/>
+          <a:ext cx="3199998" cy="567773"/>
+        </a:xfrm>
+        <a:custGeom>
+          <a:avLst/>
+          <a:gdLst/>
+          <a:ahLst/>
+          <a:cxnLst/>
+          <a:rect l="0" t="0" r="0" b="0"/>
+          <a:pathLst>
+            <a:path>
+              <a:moveTo>
+                <a:pt x="3199998" y="0"/>
+              </a:moveTo>
+              <a:lnTo>
+                <a:pt x="3199998" y="300986"/>
+              </a:lnTo>
+              <a:lnTo>
+                <a:pt x="0" y="300986"/>
+              </a:lnTo>
+              <a:lnTo>
+                <a:pt x="0" y="567773"/>
+              </a:lnTo>
+            </a:path>
+          </a:pathLst>
+        </a:custGeom>
+        <a:noFill/>
+        <a:ln w="6350" cap="flat" cmpd="sng" algn="ctr">
+          <a:solidFill>
+            <a:schemeClr val="accent2">
+              <a:hueOff val="-1091522"/>
+              <a:satOff val="-62946"/>
+              <a:lumOff val="6471"/>
+              <a:alphaOff val="0"/>
+            </a:schemeClr>
+          </a:solidFill>
+          <a:prstDash val="solid"/>
+          <a:miter lim="800000"/>
+          <a:tailEnd type="arrow"/>
+        </a:ln>
+        <a:effectLst/>
+      </dsp:spPr>
+      <dsp:style>
+        <a:lnRef idx="1">
+          <a:scrgbClr r="0" g="0" b="0"/>
+        </a:lnRef>
+        <a:fillRef idx="0">
+          <a:scrgbClr r="0" g="0" b="0"/>
+        </a:fillRef>
+        <a:effectRef idx="0">
+          <a:scrgbClr r="0" g="0" b="0"/>
+        </a:effectRef>
+        <a:fontRef idx="minor"/>
+      </dsp:style>
+      <dsp:txBody>
+        <a:bodyPr spcFirstLastPara="0" vert="horz" wrap="square" lIns="12700" tIns="0" rIns="12700" bIns="0" numCol="1" spcCol="1270" anchor="ctr" anchorCtr="0">
+          <a:noAutofit/>
+        </a:bodyPr>
+        <a:lstStyle/>
+        <a:p>
+          <a:pPr marL="0" lvl="0" indent="0" algn="ctr" defTabSz="222250">
+            <a:lnSpc>
+              <a:spcPct val="90000"/>
+            </a:lnSpc>
+            <a:spcBef>
+              <a:spcPct val="0"/>
+            </a:spcBef>
+            <a:spcAft>
+              <a:spcPct val="35000"/>
+            </a:spcAft>
+            <a:buNone/>
+          </a:pPr>
+          <a:endParaRPr lang="en-US" sz="500" kern="1200"/>
+        </a:p>
+      </dsp:txBody>
+      <dsp:txXfrm>
+        <a:off x="3175415" y="4002295"/>
+        <a:ext cx="162773" cy="5983"/>
+      </dsp:txXfrm>
+    </dsp:sp>
+    <dsp:sp modelId="{D2CD3171-B51C-4E09-B388-6EAF002701C1}">
+      <dsp:nvSpPr>
+        <dsp:cNvPr id="0" name=""/>
+        <dsp:cNvSpPr/>
+      </dsp:nvSpPr>
+      <dsp:spPr>
+        <a:xfrm>
+          <a:off x="3555988" y="2162225"/>
+          <a:ext cx="2601625" cy="1560975"/>
+        </a:xfrm>
+        <a:prstGeom prst="rect">
+          <a:avLst/>
+        </a:prstGeom>
+        <a:solidFill>
+          <a:schemeClr val="accent2">
+            <a:hueOff val="-873218"/>
+            <a:satOff val="-50357"/>
+            <a:lumOff val="5177"/>
+            <a:alphaOff val="0"/>
+          </a:schemeClr>
+        </a:solidFill>
+        <a:ln w="12700" cap="flat" cmpd="sng" algn="ctr">
+          <a:solidFill>
+            <a:schemeClr val="lt1">
+              <a:hueOff val="0"/>
+              <a:satOff val="0"/>
+              <a:lumOff val="0"/>
+              <a:alphaOff val="0"/>
+            </a:schemeClr>
+          </a:solidFill>
+          <a:prstDash val="solid"/>
+          <a:miter lim="800000"/>
+        </a:ln>
+        <a:effectLst/>
+      </dsp:spPr>
+      <dsp:style>
+        <a:lnRef idx="2">
+          <a:scrgbClr r="0" g="0" b="0"/>
+        </a:lnRef>
+        <a:fillRef idx="1">
+          <a:scrgbClr r="0" g="0" b="0"/>
+        </a:fillRef>
+        <a:effectRef idx="0">
+          <a:scrgbClr r="0" g="0" b="0"/>
+        </a:effectRef>
+        <a:fontRef idx="minor">
+          <a:schemeClr val="lt1"/>
+        </a:fontRef>
+      </dsp:style>
+      <dsp:txBody>
+        <a:bodyPr spcFirstLastPara="0" vert="horz" wrap="square" lIns="127482" tIns="133815" rIns="127482" bIns="133815" numCol="1" spcCol="1270" anchor="ctr" anchorCtr="0">
+          <a:noAutofit/>
+        </a:bodyPr>
+        <a:lstStyle/>
+        <a:p>
+          <a:pPr marL="0" lvl="0" indent="0" algn="ctr" defTabSz="1022350">
+            <a:lnSpc>
+              <a:spcPct val="90000"/>
+            </a:lnSpc>
+            <a:spcBef>
+              <a:spcPct val="0"/>
+            </a:spcBef>
+            <a:spcAft>
+              <a:spcPct val="35000"/>
+            </a:spcAft>
+            <a:buNone/>
+          </a:pPr>
+          <a:r>
+            <a:rPr lang="en-US" sz="2300" kern="1200"/>
+            <a:t>Joined the tables on data and sent to MongoDB</a:t>
+          </a:r>
+        </a:p>
+      </dsp:txBody>
+      <dsp:txXfrm>
+        <a:off x="3555988" y="2162225"/>
+        <a:ext cx="2601625" cy="1560975"/>
+      </dsp:txXfrm>
+    </dsp:sp>
+    <dsp:sp modelId="{9127662E-9BE0-4717-B9C2-7829BC8B7B62}">
+      <dsp:nvSpPr>
+        <dsp:cNvPr id="0" name=""/>
+        <dsp:cNvSpPr/>
+      </dsp:nvSpPr>
+      <dsp:spPr>
+        <a:xfrm>
+          <a:off x="2955815" y="5056341"/>
+          <a:ext cx="567773" cy="91440"/>
+        </a:xfrm>
+        <a:custGeom>
+          <a:avLst/>
+          <a:gdLst/>
+          <a:ahLst/>
+          <a:cxnLst/>
+          <a:rect l="0" t="0" r="0" b="0"/>
+          <a:pathLst>
+            <a:path>
+              <a:moveTo>
+                <a:pt x="0" y="45720"/>
+              </a:moveTo>
+              <a:lnTo>
+                <a:pt x="567773" y="45720"/>
+              </a:lnTo>
+            </a:path>
+          </a:pathLst>
+        </a:custGeom>
+        <a:noFill/>
+        <a:ln w="6350" cap="flat" cmpd="sng" algn="ctr">
+          <a:solidFill>
+            <a:schemeClr val="accent2">
+              <a:hueOff val="-1455363"/>
+              <a:satOff val="-83928"/>
+              <a:lumOff val="8628"/>
+              <a:alphaOff val="0"/>
+            </a:schemeClr>
+          </a:solidFill>
+          <a:prstDash val="solid"/>
+          <a:miter lim="800000"/>
+          <a:tailEnd type="arrow"/>
+        </a:ln>
+        <a:effectLst/>
+      </dsp:spPr>
+      <dsp:style>
+        <a:lnRef idx="1">
+          <a:scrgbClr r="0" g="0" b="0"/>
+        </a:lnRef>
+        <a:fillRef idx="0">
+          <a:scrgbClr r="0" g="0" b="0"/>
+        </a:fillRef>
+        <a:effectRef idx="0">
+          <a:scrgbClr r="0" g="0" b="0"/>
+        </a:effectRef>
+        <a:fontRef idx="minor"/>
+      </dsp:style>
+      <dsp:txBody>
+        <a:bodyPr spcFirstLastPara="0" vert="horz" wrap="square" lIns="12700" tIns="0" rIns="12700" bIns="0" numCol="1" spcCol="1270" anchor="ctr" anchorCtr="0">
+          <a:noAutofit/>
+        </a:bodyPr>
+        <a:lstStyle/>
+        <a:p>
+          <a:pPr marL="0" lvl="0" indent="0" algn="ctr" defTabSz="222250">
+            <a:lnSpc>
+              <a:spcPct val="90000"/>
+            </a:lnSpc>
+            <a:spcBef>
+              <a:spcPct val="0"/>
+            </a:spcBef>
+            <a:spcAft>
+              <a:spcPct val="35000"/>
+            </a:spcAft>
+            <a:buNone/>
+          </a:pPr>
+          <a:endParaRPr lang="en-US" sz="500" kern="1200"/>
+        </a:p>
+      </dsp:txBody>
+      <dsp:txXfrm>
+        <a:off x="3224742" y="5099069"/>
+        <a:ext cx="29918" cy="5983"/>
+      </dsp:txXfrm>
+    </dsp:sp>
+    <dsp:sp modelId="{0D09EFBF-CAE6-47B1-902C-1BB3C3A35A38}">
+      <dsp:nvSpPr>
+        <dsp:cNvPr id="0" name=""/>
+        <dsp:cNvSpPr/>
+      </dsp:nvSpPr>
+      <dsp:spPr>
+        <a:xfrm>
+          <a:off x="355990" y="4321574"/>
+          <a:ext cx="2601625" cy="1560975"/>
+        </a:xfrm>
+        <a:prstGeom prst="rect">
+          <a:avLst/>
+        </a:prstGeom>
+        <a:solidFill>
+          <a:schemeClr val="accent2">
+            <a:hueOff val="-1164290"/>
+            <a:satOff val="-67142"/>
+            <a:lumOff val="6902"/>
+            <a:alphaOff val="0"/>
+          </a:schemeClr>
+        </a:solidFill>
+        <a:ln w="12700" cap="flat" cmpd="sng" algn="ctr">
+          <a:solidFill>
+            <a:schemeClr val="lt1">
+              <a:hueOff val="0"/>
+              <a:satOff val="0"/>
+              <a:lumOff val="0"/>
+              <a:alphaOff val="0"/>
+            </a:schemeClr>
+          </a:solidFill>
+          <a:prstDash val="solid"/>
+          <a:miter lim="800000"/>
+        </a:ln>
+        <a:effectLst/>
+      </dsp:spPr>
+      <dsp:style>
+        <a:lnRef idx="2">
+          <a:scrgbClr r="0" g="0" b="0"/>
+        </a:lnRef>
+        <a:fillRef idx="1">
+          <a:scrgbClr r="0" g="0" b="0"/>
+        </a:fillRef>
+        <a:effectRef idx="0">
+          <a:scrgbClr r="0" g="0" b="0"/>
+        </a:effectRef>
+        <a:fontRef idx="minor">
+          <a:schemeClr val="lt1"/>
+        </a:fontRef>
+      </dsp:style>
+      <dsp:txBody>
+        <a:bodyPr spcFirstLastPara="0" vert="horz" wrap="square" lIns="127482" tIns="133815" rIns="127482" bIns="133815" numCol="1" spcCol="1270" anchor="ctr" anchorCtr="0">
+          <a:noAutofit/>
+        </a:bodyPr>
+        <a:lstStyle/>
+        <a:p>
+          <a:pPr marL="0" lvl="0" indent="0" algn="ctr" defTabSz="1022350">
+            <a:lnSpc>
+              <a:spcPct val="90000"/>
+            </a:lnSpc>
+            <a:spcBef>
+              <a:spcPct val="0"/>
+            </a:spcBef>
+            <a:spcAft>
+              <a:spcPct val="35000"/>
+            </a:spcAft>
+            <a:buNone/>
+          </a:pPr>
+          <a:r>
+            <a:rPr lang="en-US" sz="2300" kern="1200"/>
+            <a:t>Downloaded Unemployment CSV and saved to MongoDB</a:t>
+          </a:r>
+        </a:p>
+      </dsp:txBody>
+      <dsp:txXfrm>
+        <a:off x="355990" y="4321574"/>
+        <a:ext cx="2601625" cy="1560975"/>
+      </dsp:txXfrm>
+    </dsp:sp>
+    <dsp:sp modelId="{F3918773-BAF7-44AE-B373-330BA435B88E}">
+      <dsp:nvSpPr>
+        <dsp:cNvPr id="0" name=""/>
+        <dsp:cNvSpPr/>
+      </dsp:nvSpPr>
+      <dsp:spPr>
+        <a:xfrm>
+          <a:off x="3555988" y="4321574"/>
+          <a:ext cx="2601625" cy="1560975"/>
+        </a:xfrm>
+        <a:prstGeom prst="rect">
+          <a:avLst/>
+        </a:prstGeom>
+        <a:solidFill>
+          <a:schemeClr val="accent2">
+            <a:hueOff val="-1455363"/>
+            <a:satOff val="-83928"/>
+            <a:lumOff val="8628"/>
+            <a:alphaOff val="0"/>
+          </a:schemeClr>
+        </a:solidFill>
+        <a:ln w="12700" cap="flat" cmpd="sng" algn="ctr">
+          <a:solidFill>
+            <a:schemeClr val="lt1">
+              <a:hueOff val="0"/>
+              <a:satOff val="0"/>
+              <a:lumOff val="0"/>
+              <a:alphaOff val="0"/>
+            </a:schemeClr>
+          </a:solidFill>
+          <a:prstDash val="solid"/>
+          <a:miter lim="800000"/>
+        </a:ln>
+        <a:effectLst/>
+      </dsp:spPr>
+      <dsp:style>
+        <a:lnRef idx="2">
+          <a:scrgbClr r="0" g="0" b="0"/>
+        </a:lnRef>
+        <a:fillRef idx="1">
+          <a:scrgbClr r="0" g="0" b="0"/>
+        </a:fillRef>
+        <a:effectRef idx="0">
+          <a:scrgbClr r="0" g="0" b="0"/>
+        </a:effectRef>
+        <a:fontRef idx="minor">
+          <a:schemeClr val="lt1"/>
+        </a:fontRef>
+      </dsp:style>
+      <dsp:txBody>
+        <a:bodyPr spcFirstLastPara="0" vert="horz" wrap="square" lIns="127482" tIns="133815" rIns="127482" bIns="133815" numCol="1" spcCol="1270" anchor="ctr" anchorCtr="0">
+          <a:noAutofit/>
+        </a:bodyPr>
+        <a:lstStyle/>
+        <a:p>
+          <a:pPr marL="0" lvl="0" indent="0" algn="ctr" defTabSz="1022350">
+            <a:lnSpc>
+              <a:spcPct val="90000"/>
+            </a:lnSpc>
+            <a:spcBef>
+              <a:spcPct val="0"/>
+            </a:spcBef>
+            <a:spcAft>
+              <a:spcPct val="35000"/>
+            </a:spcAft>
+            <a:buNone/>
+          </a:pPr>
+          <a:r>
+            <a:rPr lang="en-US" sz="2300" kern="1200"/>
+            <a:t>Extracted from MongoDB and plotted charts to view correlations.</a:t>
+          </a:r>
+        </a:p>
+      </dsp:txBody>
+      <dsp:txXfrm>
+        <a:off x="3555988" y="4321574"/>
+        <a:ext cx="2601625" cy="1560975"/>
+      </dsp:txXfrm>
+    </dsp:sp>
+  </dsp:spTree>
+</dsp:drawing>
+</file>
+
+<file path=ppt/diagrams/layout1.xml><?xml version="1.0" encoding="utf-8"?>
+<dgm:layoutDef xmlns:dgm="http://schemas.openxmlformats.org/drawingml/2006/diagram" xmlns:a="http://schemas.openxmlformats.org/drawingml/2006/main" uniqueId="urn:microsoft.com/office/officeart/2018/2/layout/IconVerticalSolidList">
+  <dgm:title val="Icon Vertical Solid List"/>
+  <dgm:desc val="Use to show a series of visuals from top to bottom with Level 1 or Level 1 and Level 2 text grouped in a shape. Works best with icons or small pictures with lengthier descriptions."/>
+  <dgm:catLst>
+    <dgm:cat type="icon" pri="500"/>
+  </dgm:catLst>
+  <dgm:sampData useDef="1">
+    <dgm:dataModel>
+      <dgm:ptLst/>
+      <dgm:bg/>
+      <dgm:whole/>
+    </dgm:dataModel>
+  </dgm:sampData>
+  <dgm:styleData useDef="1">
+    <dgm:dataModel>
+      <dgm:ptLst/>
+      <dgm:bg/>
+      <dgm:whole/>
+    </dgm:dataModel>
+  </dgm:styleData>
+  <dgm:clrData useDef="1">
+    <dgm:dataModel>
+      <dgm:ptLst/>
+      <dgm:bg/>
+      <dgm:whole/>
+    </dgm:dataModel>
+  </dgm:clrData>
+  <dgm:layoutNode name="root">
+    <dgm:varLst>
+      <dgm:dir/>
+      <dgm:resizeHandles val="exact"/>
+    </dgm:varLst>
+    <dgm:choose name="Name0">
+      <dgm:if name="Name1" axis="self" func="var" arg="dir" op="equ" val="norm">
+        <dgm:alg type="lin">
+          <dgm:param type="linDir" val="fromT"/>
+          <dgm:param type="nodeHorzAlign" val="l"/>
+        </dgm:alg>
+      </dgm:if>
+      <dgm:else name="Name2">
+        <dgm:alg type="lin">
+          <dgm:param type="linDir" val="fromT"/>
+          <dgm:param type="nodeHorzAlign" val="r"/>
+        </dgm:alg>
+      </dgm:else>
+    </dgm:choose>
+    <dgm:shape xmlns:r="http://schemas.openxmlformats.org/officeDocument/2006/relationships" r:blip="">
+      <dgm:adjLst/>
+    </dgm:shape>
+    <dgm:presOf/>
+    <dgm:choose name="Name3">
+      <dgm:if name="Name4" axis="ch" ptType="node" func="cnt" op="lte" val="3">
+        <dgm:constrLst>
+          <dgm:constr type="h" for="ch" forName="compNode" refType="h" fact="0.3"/>
+          <dgm:constr type="w" for="ch" forName="compNode" refType="w"/>
+          <dgm:constr type="h" for="ch" forName="sibTrans" refType="h" refFor="ch" refForName="compNode" fact="0.25"/>
+          <dgm:constr type="primFontSz" for="des" forName="parTx" val="25"/>
+          <dgm:constr type="primFontSz" for="des" forName="desTx" refType="primFontSz" refFor="des" refForName="parTx" op="lte" fact="0.75"/>
+          <dgm:constr type="h" for="des" forName="compNode" op="equ"/>
+          <dgm:constr type="h" for="des" forName="bgRect" op="equ"/>
+          <dgm:constr type="h" for="des" forName="iconRect" op="equ"/>
+          <dgm:constr type="w" for="des" forName="iconRect" op="equ"/>
+          <dgm:constr type="h" for="des" forName="spaceRect" op="equ"/>
+          <dgm:constr type="h" for="des" forName="parTx" op="equ"/>
+          <dgm:constr type="h" for="des" forName="desTx" op="equ"/>
+        </dgm:constrLst>
+      </dgm:if>
+      <dgm:if name="Name5" axis="ch" ptType="node" func="cnt" op="lte" val="4">
+        <dgm:constrLst>
+          <dgm:constr type="h" for="ch" forName="compNode" refType="h" fact="0.3"/>
+          <dgm:constr type="w" for="ch" forName="compNode" refType="w"/>
+          <dgm:constr type="h" for="ch" forName="sibTrans" refType="h" refFor="ch" refForName="compNode" fact="0.25"/>
+          <dgm:constr type="primFontSz" for="des" forName="parTx" val="22"/>
+          <dgm:constr type="primFontSz" for="des" forName="desTx" refType="primFontSz" refFor="des" refForName="parTx" op="lte" fact="0.75"/>
+          <dgm:constr type="h" for="des" forName="compNode" op="equ"/>
+          <dgm:constr type="h" for="des" forName="bgRect" op="equ"/>
+          <dgm:constr type="h" for="des" forName="iconRect" op="equ"/>
+          <dgm:constr type="w" for="des" forName="iconRect" op="equ"/>
+          <dgm:constr type="h" for="des" forName="spaceRect" op="equ"/>
+          <dgm:constr type="h" for="des" forName="parTx" op="equ"/>
+          <dgm:constr type="h" for="des" forName="desTx" op="equ"/>
+        </dgm:constrLst>
+      </dgm:if>
+      <dgm:if name="Name6" axis="ch" ptType="node" func="cnt" op="lte" val="6">
+        <dgm:constrLst>
+          <dgm:constr type="h" for="ch" forName="compNode" refType="h" fact="0.3"/>
+          <dgm:constr type="w" for="ch" forName="compNode" refType="w"/>
+          <dgm:constr type="h" for="ch" forName="sibTrans" refType="h" refFor="ch" refForName="compNode" fact="0.25"/>
+          <dgm:constr type="primFontSz" for="des" forName="parTx" val="19"/>
+          <dgm:constr type="primFontSz" for="des" forName="desTx" refType="primFontSz" refFor="des" refForName="parTx" op="lte" fact="0.75"/>
+          <dgm:constr type="h" for="des" forName="compNode" op="equ"/>
+          <dgm:constr type="h" for="des" forName="bgRect" op="equ"/>
+          <dgm:constr type="h" for="des" forName="iconRect" op="equ"/>
+          <dgm:constr type="w" for="des" forName="iconRect" op="equ"/>
+          <dgm:constr type="h" for="des" forName="spaceRect" op="equ"/>
+          <dgm:constr type="h" for="des" forName="parTx" op="equ"/>
+          <dgm:constr type="h" for="des" forName="desTx" op="equ"/>
+        </dgm:constrLst>
+      </dgm:if>
+      <dgm:else name="Name7">
+        <dgm:constrLst>
+          <dgm:constr type="h" for="ch" forName="compNode" refType="h" fact="0.3"/>
+          <dgm:constr type="w" for="ch" forName="compNode" refType="w"/>
+          <dgm:constr type="h" for="ch" forName="sibTrans" refType="h" refFor="ch" refForName="compNode" fact="0.25"/>
+          <dgm:constr type="primFontSz" for="des" forName="parTx" val="16"/>
+          <dgm:constr type="primFontSz" for="des" forName="desTx" refType="primFontSz" refFor="des" refForName="parTx" op="lte" fact="0.75"/>
+          <dgm:constr type="h" for="des" forName="compNode" op="equ"/>
+          <dgm:constr type="h" for="des" forName="bgRect" op="equ"/>
+          <dgm:constr type="h" for="des" forName="iconRect" op="equ"/>
+          <dgm:constr type="w" for="des" forName="iconRect" op="equ"/>
+          <dgm:constr type="h" for="des" forName="spaceRect" op="equ"/>
+          <dgm:constr type="h" for="des" forName="parTx" op="equ"/>
+          <dgm:constr type="h" for="des" forName="desTx" op="equ"/>
+        </dgm:constrLst>
+      </dgm:else>
+    </dgm:choose>
+    <dgm:ruleLst>
+      <dgm:rule type="h" for="ch" forName="compNode" val="0" fact="NaN" max="NaN"/>
+    </dgm:ruleLst>
+    <dgm:forEach name="Name8" axis="ch" ptType="node">
+      <dgm:layoutNode name="compNode">
+        <dgm:alg type="composite"/>
+        <dgm:shape xmlns:r="http://schemas.openxmlformats.org/officeDocument/2006/relationships" r:blip="">
+          <dgm:adjLst/>
+        </dgm:shape>
+        <dgm:presOf axis="self"/>
+        <dgm:choose name="Name9">
+          <dgm:if name="Name10" axis="ch" ptType="node" func="cnt" op="gte" val="1">
+            <dgm:constrLst>
+              <dgm:constr type="w" for="ch" forName="bgRect" refType="w"/>
+              <dgm:constr type="h" for="ch" forName="bgRect" refType="h"/>
+              <dgm:constr type="l" for="ch" forName="bgRect"/>
+              <dgm:constr type="t" for="ch" forName="bgRect"/>
+              <dgm:constr type="h" for="ch" forName="iconRect" refType="h" fact="0.55"/>
+              <dgm:constr type="w" for="ch" forName="iconRect" refType="h" refFor="ch" refForName="iconRect"/>
+              <dgm:constr type="l" for="ch" forName="iconRect" refType="h" refFor="ch" refForName="iconRect" fact="0.55"/>
+              <dgm:constr type="ctrY" for="ch" forName="iconRect" refType="ctrY" refFor="ch" refForName="bgRect"/>
+              <dgm:constr type="w" for="ch" forName="spaceRect" refType="l" refFor="ch" refForName="iconRect"/>
+              <dgm:constr type="h" for="ch" forName="spaceRect" refType="h"/>
+              <dgm:constr type="l" for="ch" forName="spaceRect" refType="r" refFor="ch" refForName="iconRect"/>
+              <dgm:constr type="t" for="ch" forName="spaceRect"/>
+              <dgm:constr type="w" for="ch" forName="parTx" refType="w" fact="0.45"/>
+              <dgm:constr type="h" for="ch" forName="parTx" refType="h"/>
+              <dgm:constr type="l" for="ch" forName="parTx" refType="r" refFor="ch" refForName="spaceRect"/>
+              <dgm:constr type="t" for="ch" forName="parTx"/>
+              <dgm:constr type="h" for="ch" forName="desTx" refType="h"/>
+              <dgm:constr type="l" for="ch" forName="desTx" refType="r" refFor="ch" refForName="parTx"/>
+              <dgm:constr type="t" for="ch" forName="desTx"/>
+            </dgm:constrLst>
+          </dgm:if>
+          <dgm:else name="Name11">
+            <dgm:constrLst>
+              <dgm:constr type="w" for="ch" forName="bgRect" refType="w"/>
+              <dgm:constr type="h" for="ch" forName="bgRect" refType="h"/>
+              <dgm:constr type="l" for="ch" forName="bgRect"/>
+              <dgm:constr type="t" for="ch" forName="bgRect"/>
+              <dgm:constr type="h" for="ch" forName="iconRect" refType="h" fact="0.55"/>
+              <dgm:constr type="w" for="ch" forName="iconRect" refType="h" refFor="ch" refForName="iconRect"/>
+              <dgm:constr type="l" for="ch" forName="iconRect" refType="h" refFor="ch" refForName="iconRect" fact="0.55"/>
+              <dgm:constr type="ctrY" for="ch" forName="iconRect" refType="ctrY" refFor="ch" refForName="bgRect"/>
+              <dgm:constr type="w" for="ch" forName="spaceRect" refType="l" refFor="ch" refForName="iconRect"/>
+              <dgm:constr type="h" for="ch" forName="spaceRect" refType="h"/>
+              <dgm:constr type="l" for="ch" forName="spaceRect" refType="r" refFor="ch" refForName="iconRect"/>
+              <dgm:constr type="t" for="ch" forName="spaceRect"/>
+              <dgm:constr type="h" for="ch" forName="parTx" refType="h"/>
+              <dgm:constr type="l" for="ch" forName="parTx" refType="r" refFor="ch" refForName="spaceRect"/>
+              <dgm:constr type="t" for="ch" forName="parTx"/>
+            </dgm:constrLst>
+          </dgm:else>
+        </dgm:choose>
+        <dgm:ruleLst>
+          <dgm:rule type="h" val="INF" fact="NaN" max="NaN"/>
+        </dgm:ruleLst>
+        <dgm:layoutNode name="bgRect" styleLbl="bgShp">
+          <dgm:alg type="sp"/>
+          <dgm:shape xmlns:r="http://schemas.openxmlformats.org/officeDocument/2006/relationships" type="roundRect" r:blip="">
+            <dgm:adjLst>
+              <dgm:adj idx="1" val="0.1"/>
+            </dgm:adjLst>
+          </dgm:shape>
+          <dgm:presOf/>
+          <dgm:constrLst/>
+          <dgm:ruleLst/>
+        </dgm:layoutNode>
+        <dgm:layoutNode name="iconRect" styleLbl="node1">
+          <dgm:alg type="sp"/>
+          <dgm:shape xmlns:r="http://schemas.openxmlformats.org/officeDocument/2006/relationships" type="rect" r:blip="" blipPhldr="1">
+            <dgm:adjLst/>
+          </dgm:shape>
+          <dgm:presOf/>
+          <dgm:constrLst/>
+          <dgm:ruleLst/>
+        </dgm:layoutNode>
+        <dgm:layoutNode name="spaceRect">
+          <dgm:alg type="sp"/>
+          <dgm:shape xmlns:r="http://schemas.openxmlformats.org/officeDocument/2006/relationships" r:blip="">
+            <dgm:adjLst/>
+          </dgm:shape>
+          <dgm:presOf/>
+          <dgm:constrLst/>
+          <dgm:ruleLst/>
+        </dgm:layoutNode>
+        <dgm:layoutNode name="parTx" styleLbl="revTx">
+          <dgm:varLst>
+            <dgm:chMax val="0"/>
+            <dgm:chPref val="0"/>
+          </dgm:varLst>
+          <dgm:alg type="tx">
+            <dgm:param type="txAnchorVert" val="mid"/>
+            <dgm:param type="parTxLTRAlign" val="l"/>
+            <dgm:param type="shpTxLTRAlignCh" val="l"/>
+            <dgm:param type="parTxRTLAlign" val="r"/>
+            <dgm:param type="shpTxRTLAlignCh" val="r"/>
+          </dgm:alg>
+          <dgm:shape xmlns:r="http://schemas.openxmlformats.org/officeDocument/2006/relationships" type="rect" r:blip="">
+            <dgm:adjLst/>
+          </dgm:shape>
+          <dgm:presOf axis="self" ptType="node"/>
+          <dgm:constrLst>
+            <dgm:constr type="lMarg" refType="h" fact="0.3"/>
+            <dgm:constr type="rMarg" refType="h" fact="0.3"/>
+            <dgm:constr type="tMarg" refType="h" fact="0.3"/>
+            <dgm:constr type="bMarg" refType="h" fact="0.3"/>
+          </dgm:constrLst>
+          <dgm:ruleLst>
+            <dgm:rule type="primFontSz" val="14" fact="NaN" max="NaN"/>
+            <dgm:rule type="h" val="INF" fact="NaN" max="NaN"/>
+          </dgm:ruleLst>
+        </dgm:layoutNode>
+        <dgm:choose name="Name12">
+          <dgm:if name="Name13" axis="ch" ptType="node" func="cnt" op="gte" val="1">
+            <dgm:layoutNode name="desTx" styleLbl="revTx">
+              <dgm:varLst/>
+              <dgm:alg type="tx">
+                <dgm:param type="txAnchorVertCh" val="mid"/>
+                <dgm:param type="parTxLTRAlign" val="l"/>
+                <dgm:param type="shpTxLTRAlignCh" val="l"/>
+                <dgm:param type="parTxRTLAlign" val="r"/>
+                <dgm:param type="shpTxRTLAlignCh" val="r"/>
+                <dgm:param type="stBulletLvl" val="0"/>
+              </dgm:alg>
+              <dgm:shape xmlns:r="http://schemas.openxmlformats.org/officeDocument/2006/relationships" type="rect" r:blip="">
+                <dgm:adjLst/>
+              </dgm:shape>
+              <dgm:presOf axis="des" ptType="node"/>
+              <dgm:constrLst>
+                <dgm:constr type="primFontSz" val="18"/>
+                <dgm:constr type="secFontSz" refType="primFontSz"/>
+                <dgm:constr type="lMarg" refType="h" fact="0.3"/>
+                <dgm:constr type="rMarg" refType="h" fact="0.3"/>
+                <dgm:constr type="tMarg" refType="h" fact="0.3"/>
+                <dgm:constr type="bMarg" refType="h" fact="0.3"/>
+              </dgm:constrLst>
+              <dgm:ruleLst>
+                <dgm:rule type="primFontSz" val="11" fact="NaN" max="NaN"/>
+              </dgm:ruleLst>
+            </dgm:layoutNode>
+          </dgm:if>
+          <dgm:else name="Name14"/>
+        </dgm:choose>
+      </dgm:layoutNode>
+      <dgm:forEach name="Name15" axis="followSib" ptType="sibTrans" cnt="1">
+        <dgm:layoutNode name="sibTrans">
+          <dgm:alg type="sp"/>
+          <dgm:shape xmlns:r="http://schemas.openxmlformats.org/officeDocument/2006/relationships" r:blip="">
+            <dgm:adjLst/>
+          </dgm:shape>
+          <dgm:presOf axis="self"/>
+          <dgm:constrLst/>
+          <dgm:ruleLst/>
+        </dgm:layoutNode>
+      </dgm:forEach>
+    </dgm:forEach>
+  </dgm:layoutNode>
+  <dgm:extLst>
+    <a:ext uri="{68A01E43-0DF5-4B5B-8FA6-DAF915123BFB}">
+      <dgm1612:lstStyle xmlns:dgm1612="http://schemas.microsoft.com/office/drawing/2016/12/diagram">
+        <a:lvl1pPr>
+          <a:lnSpc>
+            <a:spcPct val="100000"/>
+          </a:lnSpc>
+        </a:lvl1pPr>
+        <a:lvl2pPr>
+          <a:lnSpc>
+            <a:spcPct val="100000"/>
+          </a:lnSpc>
+        </a:lvl2pPr>
+      </dgm1612:lstStyle>
+    </a:ext>
+  </dgm:extLst>
+</dgm:layoutDef>
+</file>
+
+<file path=ppt/diagrams/layout2.xml><?xml version="1.0" encoding="utf-8"?>
+<dgm:layoutDef xmlns:dgm="http://schemas.openxmlformats.org/drawingml/2006/diagram" xmlns:a="http://schemas.openxmlformats.org/drawingml/2006/main" uniqueId="urn:microsoft.com/office/officeart/2016/7/layout/RepeatingBendingProcessNew">
+  <dgm:title val="Repeating Bending Process New"/>
+  <dgm:desc val=""/>
+  <dgm:catLst>
+    <dgm:cat type="process" pri="500"/>
+  </dgm:catLst>
+  <dgm:sampData>
+    <dgm:dataModel>
+      <dgm:ptLst>
+        <dgm:pt modelId="0" type="doc"/>
+        <dgm:pt modelId="1">
+          <dgm:prSet phldr="1"/>
+        </dgm:pt>
+        <dgm:pt modelId="2">
+          <dgm:prSet phldr="1"/>
+        </dgm:pt>
+        <dgm:pt modelId="3">
+          <dgm:prSet phldr="1"/>
+        </dgm:pt>
+        <dgm:pt modelId="4">
+          <dgm:prSet phldr="1"/>
+        </dgm:pt>
+        <dgm:pt modelId="5">
+          <dgm:prSet phldr="1"/>
+        </dgm:pt>
+      </dgm:ptLst>
+      <dgm:cxnLst>
+        <dgm:cxn modelId="7" srcId="0" destId="1" srcOrd="0" destOrd="0"/>
+        <dgm:cxn modelId="8" srcId="0" destId="2" srcOrd="1" destOrd="0"/>
+        <dgm:cxn modelId="9" srcId="0" destId="3" srcOrd="2" destOrd="0"/>
+        <dgm:cxn modelId="10" srcId="0" destId="4" srcOrd="3" destOrd="0"/>
+        <dgm:cxn modelId="11" srcId="0" destId="5" srcOrd="4" destOrd="0"/>
+      </dgm:cxnLst>
+      <dgm:bg/>
+      <dgm:whole/>
+    </dgm:dataModel>
+  </dgm:sampData>
+  <dgm:styleData>
+    <dgm:dataModel>
+      <dgm:ptLst>
+        <dgm:pt modelId="0" type="doc"/>
+        <dgm:pt modelId="1"/>
+        <dgm:pt modelId="2"/>
+      </dgm:ptLst>
+      <dgm:cxnLst>
+        <dgm:cxn modelId="3" srcId="0" destId="1" srcOrd="0" destOrd="0"/>
+        <dgm:cxn modelId="4" srcId="0" destId="2" srcOrd="1" destOrd="0"/>
+      </dgm:cxnLst>
+      <dgm:bg/>
+      <dgm:whole/>
+    </dgm:dataModel>
+  </dgm:styleData>
+  <dgm:clrData>
+    <dgm:dataModel>
+      <dgm:ptLst>
+        <dgm:pt modelId="0" type="doc"/>
+        <dgm:pt modelId="1"/>
+        <dgm:pt modelId="2"/>
+        <dgm:pt modelId="3"/>
+        <dgm:pt modelId="4"/>
+      </dgm:ptLst>
+      <dgm:cxnLst>
+        <dgm:cxn modelId="5" srcId="0" destId="1" srcOrd="0" destOrd="0"/>
+        <dgm:cxn modelId="6" srcId="0" destId="2" srcOrd="1" destOrd="0"/>
+        <dgm:cxn modelId="7" srcId="0" destId="3" srcOrd="2" destOrd="0"/>
+        <dgm:cxn modelId="8" srcId="0" destId="4" srcOrd="3" destOrd="0"/>
+      </dgm:cxnLst>
+      <dgm:bg/>
+      <dgm:whole/>
+    </dgm:dataModel>
+  </dgm:clrData>
+  <dgm:layoutNode name="Name0">
+    <dgm:varLst>
+      <dgm:dir/>
+      <dgm:resizeHandles val="exact"/>
+    </dgm:varLst>
+    <dgm:choose name="Name1">
+      <dgm:if name="Name2" axis="self" func="var" arg="dir" op="equ" val="norm">
+        <dgm:alg type="snake">
+          <dgm:param type="grDir" val="tL"/>
+          <dgm:param type="flowDir" val="row"/>
+          <dgm:param type="contDir" val="sameDir"/>
+          <dgm:param type="bkpt" val="endCnv"/>
+        </dgm:alg>
+      </dgm:if>
+      <dgm:else name="Name3">
+        <dgm:alg type="snake">
+          <dgm:param type="grDir" val="tR"/>
+          <dgm:param type="flowDir" val="row"/>
+          <dgm:param type="contDir" val="sameDir"/>
+          <dgm:param type="bkpt" val="endCnv"/>
+        </dgm:alg>
+      </dgm:else>
+    </dgm:choose>
+    <dgm:shape xmlns:r="http://schemas.openxmlformats.org/officeDocument/2006/relationships" r:blip="">
+      <dgm:adjLst/>
+    </dgm:shape>
+    <dgm:presOf/>
+    <dgm:constrLst>
+      <dgm:constr type="w" for="ch" ptType="node" refType="w"/>
+      <dgm:constr type="w" for="ch" forName="sibTrans" refType="w" refFor="ch" refPtType="node" op="equ" fact="0.23"/>
+      <dgm:constr type="sp" refType="w" refFor="ch" refForName="sibTrans" op="equ"/>
+      <dgm:constr type="userB" for="des" forName="connectorText" refType="sp"/>
+      <dgm:constr type="primFontSz" for="ch" ptType="node" op="equ" val="65"/>
+      <dgm:constr type="h" for="ch" ptType="sibTrans" op="equ"/>
+      <dgm:constr type="primFontSz" for="des" forName="connectorText" op="equ" val="55"/>
+      <dgm:constr type="primFontSz" for="des" forName="connectorText" refType="primFontSz" refFor="ch" refPtType="node" op="lte" fact="0.8"/>
+    </dgm:constrLst>
+    <dgm:ruleLst/>
+    <dgm:forEach name="nodesForEach" axis="ch" ptType="node">
+      <dgm:layoutNode name="node">
+        <dgm:varLst>
+          <dgm:bulletEnabled val="1"/>
+        </dgm:varLst>
+        <dgm:alg type="tx"/>
+        <dgm:shape xmlns:r="http://schemas.openxmlformats.org/officeDocument/2006/relationships" type="rect" r:blip="">
+          <dgm:adjLst/>
+        </dgm:shape>
+        <dgm:presOf axis="desOrSelf" ptType="node"/>
+        <dgm:constrLst>
+          <dgm:constr type="h" refType="w" fact="0.6"/>
+          <dgm:constr type="tMarg" refType="h" fact="0.243"/>
+          <dgm:constr type="bMarg" refType="h" fact="0.243"/>
+          <dgm:constr type="lMarg" refType="w" fact="0.1389"/>
+          <dgm:constr type="rMarg" refType="w" fact="0.1389"/>
+        </dgm:constrLst>
+        <dgm:ruleLst>
+          <dgm:rule type="primFontSz" val="12" fact="NaN" max="NaN"/>
+        </dgm:ruleLst>
+      </dgm:layoutNode>
+      <dgm:forEach name="sibTransForEach" axis="followSib" ptType="sibTrans" cnt="1">
+        <dgm:layoutNode name="sibTrans">
+          <dgm:choose name="Name4">
+            <dgm:if name="Name5" axis="self" func="var" arg="dir" op="equ" val="norm">
+              <dgm:alg type="conn">
+                <dgm:param type="connRout" val="bend"/>
+                <dgm:param type="dim" val="1D"/>
+                <dgm:param type="begPts" val="midR bCtr"/>
+                <dgm:param type="endPts" val="midL tCtr"/>
+              </dgm:alg>
+            </dgm:if>
+            <dgm:else name="Name6">
+              <dgm:alg type="conn">
+                <dgm:param type="connRout" val="bend"/>
+                <dgm:param type="dim" val="1D"/>
+                <dgm:param type="begPts" val="midL bCtr"/>
+                <dgm:param type="endPts" val="midR tCtr"/>
+              </dgm:alg>
+            </dgm:else>
+          </dgm:choose>
+          <dgm:shape xmlns:r="http://schemas.openxmlformats.org/officeDocument/2006/relationships" type="conn" r:blip="" zOrderOff="-2">
+            <dgm:adjLst/>
+          </dgm:shape>
+          <dgm:presOf axis="self"/>
+          <dgm:constrLst>
+            <dgm:constr type="begPad" val="-0.05"/>
+            <dgm:constr type="endPad" val="0.9"/>
+            <dgm:constr type="userA" for="ch" refType="connDist"/>
+          </dgm:constrLst>
+          <dgm:ruleLst/>
+          <dgm:layoutNode name="connectorText">
+            <dgm:alg type="tx">
+              <dgm:param type="autoTxRot" val="upr"/>
+            </dgm:alg>
+            <dgm:shape xmlns:r="http://schemas.openxmlformats.org/officeDocument/2006/relationships" type="rect" r:blip="" hideGeom="1">
+              <dgm:adjLst/>
+            </dgm:shape>
+            <dgm:presOf axis="self"/>
+            <dgm:constrLst>
+              <dgm:constr type="userA"/>
+              <dgm:constr type="userB"/>
+              <dgm:constr type="w" refType="userA" fact="0.05"/>
+              <dgm:constr type="h" refType="userB" fact="0.01"/>
+              <dgm:constr type="lMarg" val="1"/>
+              <dgm:constr type="rMarg" val="1"/>
+              <dgm:constr type="tMarg"/>
+              <dgm:constr type="bMarg"/>
+            </dgm:constrLst>
+            <dgm:ruleLst>
+              <dgm:rule type="w" val="NaN" fact="0.6" max="NaN"/>
+              <dgm:rule type="h" val="NaN" fact="0.6" max="NaN"/>
+              <dgm:rule type="primFontSz" val="5" fact="NaN" max="NaN"/>
+            </dgm:ruleLst>
+          </dgm:layoutNode>
+        </dgm:layoutNode>
+      </dgm:forEach>
+    </dgm:forEach>
+  </dgm:layoutNode>
+</dgm:layoutDef>
+</file>
+
+<file path=ppt/diagrams/quickStyle1.xml><?xml version="1.0" encoding="utf-8"?>
+<dgm:styleDef xmlns:dgm="http://schemas.openxmlformats.org/drawingml/2006/diagram" xmlns:a="http://schemas.openxmlformats.org/drawingml/2006/main" uniqueId="urn:microsoft.com/office/officeart/2005/8/quickstyle/simple4">
+  <dgm:title val=""/>
+  <dgm:desc val=""/>
+  <dgm:catLst>
+    <dgm:cat type="simple" pri="10400"/>
+  </dgm:catLst>
+  <dgm:scene3d>
+    <a:camera prst="orthographicFront"/>
+    <a:lightRig rig="threePt" dir="t"/>
+  </dgm:scene3d>
+  <dgm:styleLbl name="node0">
+    <dgm:scene3d>
+      <a:camera prst="orthographicFront"/>
+      <a:lightRig rig="threePt" dir="t"/>
+    </dgm:scene3d>
+    <dgm:sp3d/>
+    <dgm:txPr/>
+    <dgm:style>
+      <a:lnRef idx="0">
+        <a:scrgbClr r="0" g="0" b="0"/>
+      </a:lnRef>
+      <a:fillRef idx="3">
+        <a:scrgbClr r="0" g="0" b="0"/>
+      </a:fillRef>
+      <a:effectRef idx="2">
+        <a:scrgbClr r="0" g="0" b="0"/>
+      </a:effectRef>
+      <a:fontRef idx="minor">
+        <a:schemeClr val="lt1"/>
+      </a:fontRef>
+    </dgm:style>
+  </dgm:styleLbl>
+  <dgm:styleLbl name="lnNode1">
+    <dgm:scene3d>
+      <a:camera prst="orthographicFront"/>
+      <a:lightRig rig="threePt" dir="t"/>
+    </dgm:scene3d>
+    <dgm:sp3d/>
+    <dgm:txPr/>
+    <dgm:style>
+      <a:lnRef idx="1">
+        <a:scrgbClr r="0" g="0" b="0"/>
+      </a:lnRef>
+      <a:fillRef idx="3">
+        <a:scrgbClr r="0" g="0" b="0"/>
+      </a:fillRef>
+      <a:effectRef idx="2">
+        <a:scrgbClr r="0" g="0" b="0"/>
+      </a:effectRef>
+      <a:fontRef idx="minor">
+        <a:schemeClr val="lt1"/>
+      </a:fontRef>
+    </dgm:style>
+  </dgm:styleLbl>
+  <dgm:styleLbl name="vennNode1">
+    <dgm:scene3d>
+      <a:camera prst="orthographicFront"/>
+      <a:lightRig rig="threePt" dir="t"/>
+    </dgm:scene3d>
+    <dgm:sp3d/>
+    <dgm:txPr/>
+    <dgm:style>
+      <a:lnRef idx="0">
+        <a:scrgbClr r="0" g="0" b="0"/>
+      </a:lnRef>
+      <a:fillRef idx="3">
+        <a:scrgbClr r="0" g="0" b="0"/>
+      </a:fillRef>
+      <a:effectRef idx="0">
+        <a:scrgbClr r="0" g="0" b="0"/>
+      </a:effectRef>
+      <a:fontRef idx="minor">
+        <a:schemeClr val="tx1"/>
+      </a:fontRef>
+    </dgm:style>
+  </dgm:styleLbl>
+  <dgm:styleLbl name="alignNode1">
+    <dgm:scene3d>
+      <a:camera prst="orthographicFront"/>
+      <a:lightRig rig="threePt" dir="t"/>
+    </dgm:scene3d>
+    <dgm:sp3d/>
+    <dgm:txPr/>
+    <dgm:style>
+      <a:lnRef idx="1">
+        <a:scrgbClr r="0" g="0" b="0"/>
+      </a:lnRef>
+      <a:fillRef idx="3">
+        <a:scrgbClr r="0" g="0" b="0"/>
+      </a:fillRef>
+      <a:effectRef idx="2">
+        <a:scrgbClr r="0" g="0" b="0"/>
+      </a:effectRef>
+      <a:fontRef idx="minor">
+        <a:schemeClr val="lt1"/>
+      </a:fontRef>
+    </dgm:style>
+  </dgm:styleLbl>
+  <dgm:styleLbl name="node1">
+    <dgm:scene3d>
+      <a:camera prst="orthographicFront"/>
+      <a:lightRig rig="threePt" dir="t"/>
+    </dgm:scene3d>
+    <dgm:sp3d/>
+    <dgm:txPr/>
+    <dgm:style>
+      <a:lnRef idx="0">
+        <a:scrgbClr r="0" g="0" b="0"/>
+      </a:lnRef>
+      <a:fillRef idx="3">
+        <a:scrgbClr r="0" g="0" b="0"/>
+      </a:fillRef>
+      <a:effectRef idx="2">
+        <a:scrgbClr r="0" g="0" b="0"/>
+      </a:effectRef>
+      <a:fontRef idx="minor">
+        <a:schemeClr val="lt1"/>
+      </a:fontRef>
+    </dgm:style>
+  </dgm:styleLbl>
+  <dgm:styleLbl name="node2">
+    <dgm:scene3d>
+      <a:camera prst="orthographicFront"/>
+      <a:lightRig rig="threePt" dir="t"/>
+    </dgm:scene3d>
+    <dgm:sp3d/>
+    <dgm:txPr/>
+    <dgm:style>
+      <a:lnRef idx="0">
+        <a:scrgbClr r="0" g="0" b="0"/>
+      </a:lnRef>
+      <a:fillRef idx="3">
+        <a:scrgbClr r="0" g="0" b="0"/>
+      </a:fillRef>
+      <a:effectRef idx="2">
+        <a:scrgbClr r="0" g="0" b="0"/>
+      </a:effectRef>
+      <a:fontRef idx="minor">
+        <a:schemeClr val="lt1"/>
+      </a:fontRef>
+    </dgm:style>
+  </dgm:styleLbl>
+  <dgm:styleLbl name="node3">
+    <dgm:scene3d>
+      <a:camera prst="orthographicFront"/>
+      <a:lightRig rig="threePt" dir="t"/>
+    </dgm:scene3d>
+    <dgm:sp3d/>
+    <dgm:txPr/>
+    <dgm:style>
+      <a:lnRef idx="0">
+        <a:scrgbClr r="0" g="0" b="0"/>
+      </a:lnRef>
+      <a:fillRef idx="3">
+        <a:scrgbClr r="0" g="0" b="0"/>
+      </a:fillRef>
+      <a:effectRef idx="2">
+        <a:scrgbClr r="0" g="0" b="0"/>
+      </a:effectRef>
+      <a:fontRef idx="minor">
+        <a:schemeClr val="lt1"/>
+      </a:fontRef>
+    </dgm:style>
+  </dgm:styleLbl>
+  <dgm:styleLbl name="node4">
+    <dgm:scene3d>
+      <a:camera prst="orthographicFront"/>
+      <a:lightRig rig="threePt" dir="t"/>
+    </dgm:scene3d>
+    <dgm:sp3d/>
+    <dgm:txPr/>
+    <dgm:style>
+      <a:lnRef idx="0">
+        <a:scrgbClr r="0" g="0" b="0"/>
+      </a:lnRef>
+      <a:fillRef idx="3">
+        <a:scrgbClr r="0" g="0" b="0"/>
+      </a:fillRef>
+      <a:effectRef idx="2">
+        <a:scrgbClr r="0" g="0" b="0"/>
+      </a:effectRef>
+      <a:fontRef idx="minor">
+        <a:schemeClr val="lt1"/>
+      </a:fontRef>
+    </dgm:style>
+  </dgm:styleLbl>
+  <dgm:styleLbl name="fgImgPlace1">
+    <dgm:scene3d>
+      <a:camera prst="orthographicFront"/>
+      <a:lightRig rig="threePt" dir="t"/>
+    </dgm:scene3d>
+    <dgm:sp3d/>
+    <dgm:txPr/>
+    <dgm:style>
+      <a:lnRef idx="0">
+        <a:scrgbClr r="0" g="0" b="0"/>
+      </a:lnRef>
+      <a:fillRef idx="1">
+        <a:scrgbClr r="0" g="0" b="0"/>
+      </a:fillRef>
+      <a:effectRef idx="2">
+        <a:scrgbClr r="0" g="0" b="0"/>
+      </a:effectRef>
+      <a:fontRef idx="minor"/>
+    </dgm:style>
+  </dgm:styleLbl>
+  <dgm:styleLbl name="alignImgPlace1">
+    <dgm:scene3d>
+      <a:camera prst="orthographicFront"/>
+      <a:lightRig rig="threePt" dir="t"/>
+    </dgm:scene3d>
+    <dgm:sp3d/>
+    <dgm:txPr/>
+    <dgm:style>
+      <a:lnRef idx="0">
+        <a:scrgbClr r="0" g="0" b="0"/>
+      </a:lnRef>
+      <a:fillRef idx="1">
+        <a:scrgbClr r="0" g="0" b="0"/>
+      </a:fillRef>
+      <a:effectRef idx="2">
+        <a:scrgbClr r="0" g="0" b="0"/>
+      </a:effectRef>
+      <a:fontRef idx="minor"/>
+    </dgm:style>
+  </dgm:styleLbl>
+  <dgm:styleLbl name="bgImgPlace1">
+    <dgm:scene3d>
+      <a:camera prst="orthographicFront"/>
+      <a:lightRig rig="threePt" dir="t"/>
+    </dgm:scene3d>
+    <dgm:sp3d/>
+    <dgm:txPr/>
+    <dgm:style>
+      <a:lnRef idx="0">
+        <a:scrgbClr r="0" g="0" b="0"/>
+      </a:lnRef>
+      <a:fillRef idx="1">
+        <a:scrgbClr r="0" g="0" b="0"/>
+      </a:fillRef>
+      <a:effectRef idx="2">
+        <a:scrgbClr r="0" g="0" b="0"/>
+      </a:effectRef>
+      <a:fontRef idx="minor"/>
+    </dgm:style>
+  </dgm:styleLbl>
+  <dgm:styleLbl name="sibTrans2D1">
+    <dgm:scene3d>
+      <a:camera prst="orthographicFront"/>
+      <a:lightRig rig="threePt" dir="t"/>
+    </dgm:scene3d>
+    <dgm:sp3d/>
+    <dgm:txPr/>
+    <dgm:style>
+      <a:lnRef idx="0">
+        <a:scrgbClr r="0" g="0" b="0"/>
+      </a:lnRef>
+      <a:fillRef idx="3">
+        <a:scrgbClr r="0" g="0" b="0"/>
+      </a:fillRef>
+      <a:effectRef idx="2">
+        <a:scrgbClr r="0" g="0" b="0"/>
+      </a:effectRef>
+      <a:fontRef idx="minor">
+        <a:schemeClr val="lt1"/>
+      </a:fontRef>
+    </dgm:style>
+  </dgm:styleLbl>
+  <dgm:styleLbl name="fgSibTrans2D1">
+    <dgm:scene3d>
+      <a:camera prst="orthographicFront"/>
+      <a:lightRig rig="threePt" dir="t"/>
+    </dgm:scene3d>
+    <dgm:sp3d/>
+    <dgm:txPr/>
+    <dgm:style>
+      <a:lnRef idx="0">
+        <a:scrgbClr r="0" g="0" b="0"/>
+      </a:lnRef>
+      <a:fillRef idx="3">
+        <a:scrgbClr r="0" g="0" b="0"/>
+      </a:fillRef>
+      <a:effectRef idx="2">
+        <a:scrgbClr r="0" g="0" b="0"/>
+      </a:effectRef>
+      <a:fontRef idx="minor">
+        <a:schemeClr val="lt1"/>
+      </a:fontRef>
+    </dgm:style>
+  </dgm:styleLbl>
+  <dgm:styleLbl name="bgSibTrans2D1">
+    <dgm:scene3d>
+      <a:camera prst="orthographicFront"/>
+      <a:lightRig rig="threePt" dir="t"/>
+    </dgm:scene3d>
+    <dgm:sp3d/>
+    <dgm:txPr/>
+    <dgm:style>
+      <a:lnRef idx="0">
+        <a:scrgbClr r="0" g="0" b="0"/>
+      </a:lnRef>
+      <a:fillRef idx="3">
+        <a:scrgbClr r="0" g="0" b="0"/>
+      </a:fillRef>
+      <a:effectRef idx="2">
+        <a:scrgbClr r="0" g="0" b="0"/>
+      </a:effectRef>
+      <a:fontRef idx="minor">
+        <a:schemeClr val="lt1"/>
+      </a:fontRef>
+    </dgm:style>
+  </dgm:styleLbl>
+  <dgm:styleLbl name="sibTrans1D1">
+    <dgm:scene3d>
+      <a:camera prst="orthographicFront"/>
+      <a:lightRig rig="threePt" dir="t"/>
+    </dgm:scene3d>
+    <dgm:sp3d/>
+    <dgm:txPr/>
+    <dgm:style>
+      <a:lnRef idx="1">
+        <a:scrgbClr r="0" g="0" b="0"/>
+      </a:lnRef>
+      <a:fillRef idx="0">
+        <a:scrgbClr r="0" g="0" b="0"/>
+      </a:fillRef>
+      <a:effectRef idx="0">
+        <a:scrgbClr r="0" g="0" b="0"/>
+      </a:effectRef>
+      <a:fontRef idx="minor"/>
+    </dgm:style>
+  </dgm:styleLbl>
+  <dgm:styleLbl name="callout">
+    <dgm:scene3d>
+      <a:camera prst="orthographicFront"/>
+      <a:lightRig rig="threePt" dir="t"/>
+    </dgm:scene3d>
+    <dgm:sp3d/>
+    <dgm:txPr/>
+    <dgm:style>
+      <a:lnRef idx="2">
+        <a:scrgbClr r="0" g="0" b="0"/>
+      </a:lnRef>
+      <a:fillRef idx="1">
+        <a:scrgbClr r="0" g="0" b="0"/>
+      </a:fillRef>
+      <a:effectRef idx="1">
+        <a:scrgbClr r="0" g="0" b="0"/>
+      </a:effectRef>
+      <a:fontRef idx="minor"/>
+    </dgm:style>
+  </dgm:styleLbl>
+  <dgm:styleLbl name="asst0">
+    <dgm:scene3d>
+      <a:camera prst="orthographicFront"/>
+      <a:lightRig rig="threePt" dir="t"/>
+    </dgm:scene3d>
+    <dgm:sp3d/>
+    <dgm:txPr/>
+    <dgm:style>
+      <a:lnRef idx="0">
+        <a:scrgbClr r="0" g="0" b="0"/>
+      </a:lnRef>
+      <a:fillRef idx="3">
+        <a:scrgbClr r="0" g="0" b="0"/>
+      </a:fillRef>
+      <a:effectRef idx="2">
+        <a:scrgbClr r="0" g="0" b="0"/>
+      </a:effectRef>
+      <a:fontRef idx="minor">
+        <a:schemeClr val="lt1"/>
+      </a:fontRef>
+    </dgm:style>
+  </dgm:styleLbl>
+  <dgm:styleLbl name="asst1">
+    <dgm:scene3d>
+      <a:camera prst="orthographicFront"/>
+      <a:lightRig rig="threePt" dir="t"/>
+    </dgm:scene3d>
+    <dgm:sp3d/>
+    <dgm:txPr/>
+    <dgm:style>
+      <a:lnRef idx="0">
+        <a:scrgbClr r="0" g="0" b="0"/>
+      </a:lnRef>
+      <a:fillRef idx="3">
+        <a:scrgbClr r="0" g="0" b="0"/>
+      </a:fillRef>
+      <a:effectRef idx="2">
+        <a:scrgbClr r="0" g="0" b="0"/>
+      </a:effectRef>
+      <a:fontRef idx="minor">
+        <a:schemeClr val="lt1"/>
+      </a:fontRef>
+    </dgm:style>
+  </dgm:styleLbl>
+  <dgm:styleLbl name="asst2">
+    <dgm:scene3d>
+      <a:camera prst="orthographicFront"/>
+      <a:lightRig rig="threePt" dir="t"/>
+    </dgm:scene3d>
+    <dgm:sp3d/>
+    <dgm:txPr/>
+    <dgm:style>
+      <a:lnRef idx="0">
+        <a:scrgbClr r="0" g="0" b="0"/>
+      </a:lnRef>
+      <a:fillRef idx="3">
+        <a:scrgbClr r="0" g="0" b="0"/>
+      </a:fillRef>
+      <a:effectRef idx="2">
+        <a:scrgbClr r="0" g="0" b="0"/>
+      </a:effectRef>
+      <a:fontRef idx="minor">
+        <a:schemeClr val="lt1"/>
+      </a:fontRef>
+    </dgm:style>
+  </dgm:styleLbl>
+  <dgm:styleLbl name="asst3">
+    <dgm:scene3d>
+      <a:camera prst="orthographicFront"/>
+      <a:lightRig rig="threePt" dir="t"/>
+    </dgm:scene3d>
+    <dgm:sp3d/>
+    <dgm:txPr/>
+    <dgm:style>
+      <a:lnRef idx="0">
+        <a:scrgbClr r="0" g="0" b="0"/>
+      </a:lnRef>
+      <a:fillRef idx="3">
+        <a:scrgbClr r="0" g="0" b="0"/>
+      </a:fillRef>
+      <a:effectRef idx="2">
+        <a:scrgbClr r="0" g="0" b="0"/>
+      </a:effectRef>
+      <a:fontRef idx="minor">
+        <a:schemeClr val="lt1"/>
+      </a:fontRef>
+    </dgm:style>
+  </dgm:styleLbl>
+  <dgm:styleLbl name="asst4">
+    <dgm:scene3d>
+      <a:camera prst="orthographicFront"/>
+      <a:lightRig rig="threePt" dir="t"/>
+    </dgm:scene3d>
+    <dgm:sp3d/>
+    <dgm:txPr/>
+    <dgm:style>
+      <a:lnRef idx="0">
+        <a:scrgbClr r="0" g="0" b="0"/>
+      </a:lnRef>
+      <a:fillRef idx="3">
+        <a:scrgbClr r="0" g="0" b="0"/>
+      </a:fillRef>
+      <a:effectRef idx="2">
+        <a:scrgbClr r="0" g="0" b="0"/>
+      </a:effectRef>
+      <a:fontRef idx="minor">
+        <a:schemeClr val="lt1"/>
+      </a:fontRef>
+    </dgm:style>
+  </dgm:styleLbl>
+  <dgm:styleLbl name="parChTrans2D1">
+    <dgm:scene3d>
+      <a:camera prst="orthographicFront"/>
+      <a:lightRig rig="threePt" dir="t"/>
+    </dgm:scene3d>
+    <dgm:sp3d/>
+    <dgm:txPr/>
+    <dgm:style>
+      <a:lnRef idx="0">
+        <a:scrgbClr r="0" g="0" b="0"/>
+      </a:lnRef>
+      <a:fillRef idx="3">
+        <a:scrgbClr r="0" g="0" b="0"/>
+      </a:fillRef>
+      <a:effectRef idx="2">
+        <a:scrgbClr r="0" g="0" b="0"/>
+      </a:effectRef>
+      <a:fontRef idx="minor">
+        <a:schemeClr val="lt1"/>
+      </a:fontRef>
+    </dgm:style>
+  </dgm:styleLbl>
+  <dgm:styleLbl name="parChTrans2D2">
+    <dgm:scene3d>
+      <a:camera prst="orthographicFront"/>
+      <a:lightRig rig="threePt" dir="t"/>
+    </dgm:scene3d>
+    <dgm:sp3d/>
+    <dgm:txPr/>
+    <dgm:style>
+      <a:lnRef idx="0">
+        <a:scrgbClr r="0" g="0" b="0"/>
+      </a:lnRef>
+      <a:fillRef idx="3">
+        <a:scrgbClr r="0" g="0" b="0"/>
+      </a:fillRef>
+      <a:effectRef idx="2">
+        <a:scrgbClr r="0" g="0" b="0"/>
+      </a:effectRef>
+      <a:fontRef idx="minor">
+        <a:schemeClr val="lt1"/>
+      </a:fontRef>
+    </dgm:style>
+  </dgm:styleLbl>
+  <dgm:styleLbl name="parChTrans2D3">
+    <dgm:scene3d>
+      <a:camera prst="orthographicFront"/>
+      <a:lightRig rig="threePt" dir="t"/>
+    </dgm:scene3d>
+    <dgm:sp3d/>
+    <dgm:txPr/>
+    <dgm:style>
+      <a:lnRef idx="1">
+        <a:scrgbClr r="0" g="0" b="0"/>
+      </a:lnRef>
+      <a:fillRef idx="3">
+        <a:scrgbClr r="0" g="0" b="0"/>
+      </a:fillRef>
+      <a:effectRef idx="2">
+        <a:scrgbClr r="0" g="0" b="0"/>
+      </a:effectRef>
+      <a:fontRef idx="minor">
+        <a:schemeClr val="lt1"/>
+      </a:fontRef>
+    </dgm:style>
+  </dgm:styleLbl>
+  <dgm:styleLbl name="parChTrans2D4">
+    <dgm:scene3d>
+      <a:camera prst="orthographicFront"/>
+      <a:lightRig rig="threePt" dir="t"/>
+    </dgm:scene3d>
+    <dgm:sp3d/>
+    <dgm:txPr/>
+    <dgm:style>
+      <a:lnRef idx="1">
+        <a:scrgbClr r="0" g="0" b="0"/>
+      </a:lnRef>
+      <a:fillRef idx="3">
+        <a:scrgbClr r="0" g="0" b="0"/>
+      </a:fillRef>
+      <a:effectRef idx="2">
+        <a:scrgbClr r="0" g="0" b="0"/>
+      </a:effectRef>
+      <a:fontRef idx="minor">
+        <a:schemeClr val="lt1"/>
+      </a:fontRef>
+    </dgm:style>
+  </dgm:styleLbl>
+  <dgm:styleLbl name="parChTrans1D1">
+    <dgm:scene3d>
+      <a:camera prst="orthographicFront"/>
+      <a:lightRig rig="threePt" dir="t"/>
+    </dgm:scene3d>
+    <dgm:sp3d/>
+    <dgm:txPr/>
+    <dgm:style>
+      <a:lnRef idx="1">
+        <a:scrgbClr r="0" g="0" b="0"/>
+      </a:lnRef>
+      <a:fillRef idx="0">
+        <a:scrgbClr r="0" g="0" b="0"/>
+      </a:fillRef>
+      <a:effectRef idx="0">
+        <a:scrgbClr r="0" g="0" b="0"/>
+      </a:effectRef>
+      <a:fontRef idx="minor"/>
+    </dgm:style>
+  </dgm:styleLbl>
+  <dgm:styleLbl name="parChTrans1D2">
+    <dgm:scene3d>
+      <a:camera prst="orthographicFront"/>
+      <a:lightRig rig="threePt" dir="t"/>
+    </dgm:scene3d>
+    <dgm:sp3d/>
+    <dgm:txPr/>
+    <dgm:style>
+      <a:lnRef idx="1">
+        <a:scrgbClr r="0" g="0" b="0"/>
+      </a:lnRef>
+      <a:fillRef idx="0">
+        <a:scrgbClr r="0" g="0" b="0"/>
+      </a:fillRef>
+      <a:effectRef idx="0">
+        <a:scrgbClr r="0" g="0" b="0"/>
+      </a:effectRef>
+      <a:fontRef idx="minor"/>
+    </dgm:style>
+  </dgm:styleLbl>
+  <dgm:styleLbl name="parChTrans1D3">
+    <dgm:scene3d>
+      <a:camera prst="orthographicFront"/>
+      <a:lightRig rig="threePt" dir="t"/>
+    </dgm:scene3d>
+    <dgm:sp3d/>
+    <dgm:txPr/>
+    <dgm:style>
+      <a:lnRef idx="1">
+        <a:scrgbClr r="0" g="0" b="0"/>
+      </a:lnRef>
+      <a:fillRef idx="0">
+        <a:scrgbClr r="0" g="0" b="0"/>
+      </a:fillRef>
+      <a:effectRef idx="0">
+        <a:scrgbClr r="0" g="0" b="0"/>
+      </a:effectRef>
+      <a:fontRef idx="minor"/>
+    </dgm:style>
+  </dgm:styleLbl>
+  <dgm:styleLbl name="parChTrans1D4">
+    <dgm:scene3d>
+      <a:camera prst="orthographicFront"/>
+      <a:lightRig rig="threePt" dir="t"/>
+    </dgm:scene3d>
+    <dgm:sp3d/>
+    <dgm:txPr/>
+    <dgm:style>
+      <a:lnRef idx="1">
+        <a:scrgbClr r="0" g="0" b="0"/>
+      </a:lnRef>
+      <a:fillRef idx="0">
+        <a:scrgbClr r="0" g="0" b="0"/>
+      </a:fillRef>
+      <a:effectRef idx="0">
+        <a:scrgbClr r="0" g="0" b="0"/>
+      </a:effectRef>
+      <a:fontRef idx="minor"/>
+    </dgm:style>
+  </dgm:styleLbl>
+  <dgm:styleLbl name="fgAcc1">
+    <dgm:scene3d>
+      <a:camera prst="orthographicFront"/>
+      <a:lightRig rig="threePt" dir="t"/>
+    </dgm:scene3d>
+    <dgm:sp3d/>
+    <dgm:txPr/>
+    <dgm:style>
+      <a:lnRef idx="1">
+        <a:scrgbClr r="0" g="0" b="0"/>
+      </a:lnRef>
+      <a:fillRef idx="1">
+        <a:scrgbClr r="0" g="0" b="0"/>
+      </a:fillRef>
+      <a:effectRef idx="0">
+        <a:scrgbClr r="0" g="0" b="0"/>
+      </a:effectRef>
+      <a:fontRef idx="minor"/>
+    </dgm:style>
+  </dgm:styleLbl>
+  <dgm:styleLbl name="conFgAcc1">
+    <dgm:scene3d>
+      <a:camera prst="orthographicFront"/>
+      <a:lightRig rig="threePt" dir="t"/>
+    </dgm:scene3d>
+    <dgm:sp3d/>
+    <dgm:txPr/>
+    <dgm:style>
+      <a:lnRef idx="1">
+        <a:scrgbClr r="0" g="0" b="0"/>
+      </a:lnRef>
+      <a:fillRef idx="1">
+        <a:scrgbClr r="0" g="0" b="0"/>
+      </a:fillRef>
+      <a:effectRef idx="0">
+        <a:scrgbClr r="0" g="0" b="0"/>
+      </a:effectRef>
+      <a:fontRef idx="minor"/>
+    </dgm:style>
+  </dgm:styleLbl>
+  <dgm:styleLbl name="alignAcc1">
+    <dgm:scene3d>
+      <a:camera prst="orthographicFront"/>
+      <a:lightRig rig="threePt" dir="t"/>
+    </dgm:scene3d>
+    <dgm:sp3d/>
+    <dgm:txPr/>
+    <dgm:style>
+      <a:lnRef idx="1">
+        <a:scrgbClr r="0" g="0" b="0"/>
+      </a:lnRef>
+      <a:fillRef idx="1">
+        <a:scrgbClr r="0" g="0" b="0"/>
+      </a:fillRef>
+      <a:effectRef idx="0">
+        <a:scrgbClr r="0" g="0" b="0"/>
+      </a:effectRef>
+      <a:fontRef idx="minor"/>
+    </dgm:style>
+  </dgm:styleLbl>
+  <dgm:styleLbl name="trAlignAcc1">
+    <dgm:scene3d>
+      <a:camera prst="orthographicFront"/>
+      <a:lightRig rig="threePt" dir="t"/>
+    </dgm:scene3d>
+    <dgm:sp3d/>
+    <dgm:txPr/>
+    <dgm:style>
+      <a:lnRef idx="1">
+        <a:scrgbClr r="0" g="0" b="0"/>
+      </a:lnRef>
+      <a:fillRef idx="1">
+        <a:scrgbClr r="0" g="0" b="0"/>
+      </a:fillRef>
+      <a:effectRef idx="0">
+        <a:scrgbClr r="0" g="0" b="0"/>
+      </a:effectRef>
+      <a:fontRef idx="minor"/>
+    </dgm:style>
+  </dgm:styleLbl>
+  <dgm:styleLbl name="bgAcc1">
+    <dgm:scene3d>
+      <a:camera prst="orthographicFront"/>
+      <a:lightRig rig="threePt" dir="t"/>
+    </dgm:scene3d>
+    <dgm:sp3d/>
+    <dgm:txPr/>
+    <dgm:style>
+      <a:lnRef idx="1">
+        <a:scrgbClr r="0" g="0" b="0"/>
+      </a:lnRef>
+      <a:fillRef idx="1">
+        <a:scrgbClr r="0" g="0" b="0"/>
+      </a:fillRef>
+      <a:effectRef idx="0">
+        <a:scrgbClr r="0" g="0" b="0"/>
+      </a:effectRef>
+      <a:fontRef idx="minor"/>
+    </dgm:style>
+  </dgm:styleLbl>
+  <dgm:styleLbl name="solidFgAcc1">
+    <dgm:scene3d>
+      <a:camera prst="orthographicFront"/>
+      <a:lightRig rig="threePt" dir="t"/>
+    </dgm:scene3d>
+    <dgm:sp3d/>
+    <dgm:txPr/>
+    <dgm:style>
+      <a:lnRef idx="1">
+        <a:scrgbClr r="0" g="0" b="0"/>
+      </a:lnRef>
+      <a:fillRef idx="1">
+        <a:scrgbClr r="0" g="0" b="0"/>
+      </a:fillRef>
+      <a:effectRef idx="0">
+        <a:scrgbClr r="0" g="0" b="0"/>
+      </a:effectRef>
+      <a:fontRef idx="minor"/>
+    </dgm:style>
+  </dgm:styleLbl>
+  <dgm:styleLbl name="solidAlignAcc1">
+    <dgm:scene3d>
+      <a:camera prst="orthographicFront"/>
+      <a:lightRig rig="threePt" dir="t"/>
+    </dgm:scene3d>
+    <dgm:sp3d/>
+    <dgm:txPr/>
+    <dgm:style>
+      <a:lnRef idx="1">
+        <a:scrgbClr r="0" g="0" b="0"/>
+      </a:lnRef>
+      <a:fillRef idx="1">
+        <a:scrgbClr r="0" g="0" b="0"/>
+      </a:fillRef>
+      <a:effectRef idx="0">
+        <a:scrgbClr r="0" g="0" b="0"/>
+      </a:effectRef>
+      <a:fontRef idx="minor"/>
+    </dgm:style>
+  </dgm:styleLbl>
+  <dgm:styleLbl name="solidBgAcc1">
+    <dgm:scene3d>
+      <a:camera prst="orthographicFront"/>
+      <a:lightRig rig="threePt" dir="t"/>
+    </dgm:scene3d>
+    <dgm:sp3d/>
+    <dgm:txPr/>
+    <dgm:style>
+      <a:lnRef idx="1">
+        <a:scrgbClr r="0" g="0" b="0"/>
+      </a:lnRef>
+      <a:fillRef idx="1">
+        <a:scrgbClr r="0" g="0" b="0"/>
+      </a:fillRef>
+      <a:effectRef idx="0">
+        <a:scrgbClr r="0" g="0" b="0"/>
+      </a:effectRef>
+      <a:fontRef idx="minor"/>
+    </dgm:style>
+  </dgm:styleLbl>
+  <dgm:styleLbl name="fgAccFollowNode1">
+    <dgm:scene3d>
+      <a:camera prst="orthographicFront"/>
+      <a:lightRig rig="threePt" dir="t"/>
+    </dgm:scene3d>
+    <dgm:sp3d/>
+    <dgm:txPr/>
+    <dgm:style>
+      <a:lnRef idx="1">
+        <a:scrgbClr r="0" g="0" b="0"/>
+      </a:lnRef>
+      <a:fillRef idx="1">
+        <a:scrgbClr r="0" g="0" b="0"/>
+      </a:fillRef>
+      <a:effectRef idx="0">
+        <a:scrgbClr r="0" g="0" b="0"/>
+      </a:effectRef>
+      <a:fontRef idx="minor"/>
+    </dgm:style>
+  </dgm:styleLbl>
+  <dgm:styleLbl name="alignAccFollowNode1">
+    <dgm:scene3d>
+      <a:camera prst="orthographicFront"/>
+      <a:lightRig rig="threePt" dir="t"/>
+    </dgm:scene3d>
+    <dgm:sp3d/>
+    <dgm:txPr/>
+    <dgm:style>
+      <a:lnRef idx="1">
+        <a:scrgbClr r="0" g="0" b="0"/>
+      </a:lnRef>
+      <a:fillRef idx="1">
+        <a:scrgbClr r="0" g="0" b="0"/>
+      </a:fillRef>
+      <a:effectRef idx="0">
+        <a:scrgbClr r="0" g="0" b="0"/>
+      </a:effectRef>
+      <a:fontRef idx="minor"/>
+    </dgm:style>
+  </dgm:styleLbl>
+  <dgm:styleLbl name="bgAccFollowNode1">
+    <dgm:scene3d>
+      <a:camera prst="orthographicFront"/>
+      <a:lightRig rig="threePt" dir="t"/>
+    </dgm:scene3d>
+    <dgm:sp3d/>
+    <dgm:txPr/>
+    <dgm:style>
+      <a:lnRef idx="1">
+        <a:scrgbClr r="0" g="0" b="0"/>
+      </a:lnRef>
+      <a:fillRef idx="1">
+        <a:scrgbClr r="0" g="0" b="0"/>
+      </a:fillRef>
+      <a:effectRef idx="0">
+        <a:scrgbClr r="0" g="0" b="0"/>
+      </a:effectRef>
+      <a:fontRef idx="minor"/>
+    </dgm:style>
+  </dgm:styleLbl>
+  <dgm:styleLbl name="fgAcc0">
+    <dgm:scene3d>
+      <a:camera prst="orthographicFront"/>
+      <a:lightRig rig="threePt" dir="t"/>
+    </dgm:scene3d>
+    <dgm:sp3d/>
+    <dgm:txPr/>
+    <dgm:style>
+      <a:lnRef idx="1">
+        <a:scrgbClr r="0" g="0" b="0"/>
+      </a:lnRef>
+      <a:fillRef idx="1">
+        <a:scrgbClr r="0" g="0" b="0"/>
+      </a:fillRef>
+      <a:effectRef idx="0">
+        <a:scrgbClr r="0" g="0" b="0"/>
+      </a:effectRef>
+      <a:fontRef idx="minor"/>
+    </dgm:style>
+  </dgm:styleLbl>
+  <dgm:styleLbl name="fgAcc2">
+    <dgm:scene3d>
+      <a:camera prst="orthographicFront"/>
+      <a:lightRig rig="threePt" dir="t"/>
+    </dgm:scene3d>
+    <dgm:sp3d/>
+    <dgm:txPr/>
+    <dgm:style>
+      <a:lnRef idx="1">
+        <a:scrgbClr r="0" g="0" b="0"/>
+      </a:lnRef>
+      <a:fillRef idx="1">
+        <a:scrgbClr r="0" g="0" b="0"/>
+      </a:fillRef>
+      <a:effectRef idx="0">
+        <a:scrgbClr r="0" g="0" b="0"/>
+      </a:effectRef>
+      <a:fontRef idx="minor"/>
+    </dgm:style>
+  </dgm:styleLbl>
+  <dgm:styleLbl name="fgAcc3">
+    <dgm:scene3d>
+      <a:camera prst="orthographicFront"/>
+      <a:lightRig rig="threePt" dir="t"/>
+    </dgm:scene3d>
+    <dgm:sp3d/>
+    <dgm:txPr/>
+    <dgm:style>
+      <a:lnRef idx="1">
+        <a:scrgbClr r="0" g="0" b="0"/>
+      </a:lnRef>
+      <a:fillRef idx="1">
+        <a:scrgbClr r="0" g="0" b="0"/>
+      </a:fillRef>
+      <a:effectRef idx="0">
+        <a:scrgbClr r="0" g="0" b="0"/>
+      </a:effectRef>
+      <a:fontRef idx="minor"/>
+    </dgm:style>
+  </dgm:styleLbl>
+  <dgm:styleLbl name="fgAcc4">
+    <dgm:scene3d>
+      <a:camera prst="orthographicFront"/>
+      <a:lightRig rig="threePt" dir="t"/>
+    </dgm:scene3d>
+    <dgm:sp3d/>
+    <dgm:txPr/>
+    <dgm:style>
+      <a:lnRef idx="1">
+        <a:scrgbClr r="0" g="0" b="0"/>
+      </a:lnRef>
+      <a:fillRef idx="1">
+        <a:scrgbClr r="0" g="0" b="0"/>
+      </a:fillRef>
+      <a:effectRef idx="0">
+        <a:scrgbClr r="0" g="0" b="0"/>
+      </a:effectRef>
+      <a:fontRef idx="minor"/>
+    </dgm:style>
+  </dgm:styleLbl>
+  <dgm:styleLbl name="bgShp">
+    <dgm:scene3d>
+      <a:camera prst="orthographicFront"/>
+      <a:lightRig rig="threePt" dir="t"/>
+    </dgm:scene3d>
+    <dgm:sp3d/>
+    <dgm:txPr/>
+    <dgm:style>
+      <a:lnRef idx="0">
+        <a:scrgbClr r="0" g="0" b="0"/>
+      </a:lnRef>
+      <a:fillRef idx="1">
+        <a:scrgbClr r="0" g="0" b="0"/>
+      </a:fillRef>
+      <a:effectRef idx="2">
+        <a:scrgbClr r="0" g="0" b="0"/>
+      </a:effectRef>
+      <a:fontRef idx="minor"/>
+    </dgm:style>
+  </dgm:styleLbl>
+  <dgm:styleLbl name="dkBgShp">
+    <dgm:scene3d>
+      <a:camera prst="orthographicFront"/>
+      <a:lightRig rig="threePt" dir="t"/>
+    </dgm:scene3d>
+    <dgm:sp3d/>
+    <dgm:txPr/>
+    <dgm:style>
+      <a:lnRef idx="0">
+        <a:scrgbClr r="0" g="0" b="0"/>
+      </a:lnRef>
+      <a:fillRef idx="1">
+        <a:scrgbClr r="0" g="0" b="0"/>
+      </a:fillRef>
+      <a:effectRef idx="2">
+        <a:scrgbClr r="0" g="0" b="0"/>
+      </a:effectRef>
+      <a:fontRef idx="minor"/>
+    </dgm:style>
+  </dgm:styleLbl>
+  <dgm:styleLbl name="trBgShp">
+    <dgm:scene3d>
+      <a:camera prst="orthographicFront"/>
+      <a:lightRig rig="threePt" dir="t"/>
+    </dgm:scene3d>
+    <dgm:sp3d/>
+    <dgm:txPr/>
+    <dgm:style>
+      <a:lnRef idx="0">
+        <a:scrgbClr r="0" g="0" b="0"/>
+      </a:lnRef>
+      <a:fillRef idx="1">
+        <a:scrgbClr r="0" g="0" b="0"/>
+      </a:fillRef>
+      <a:effectRef idx="0">
+        <a:scrgbClr r="0" g="0" b="0"/>
+      </a:effectRef>
+      <a:fontRef idx="minor"/>
+    </dgm:style>
+  </dgm:styleLbl>
+  <dgm:styleLbl name="fgShp">
+    <dgm:scene3d>
+      <a:camera prst="orthographicFront"/>
+      <a:lightRig rig="threePt" dir="t"/>
+    </dgm:scene3d>
+    <dgm:sp3d/>
+    <dgm:txPr/>
+    <dgm:style>
+      <a:lnRef idx="0">
+        <a:scrgbClr r="0" g="0" b="0"/>
+      </a:lnRef>
+      <a:fillRef idx="3">
+        <a:scrgbClr r="0" g="0" b="0"/>
+      </a:fillRef>
+      <a:effectRef idx="2">
+        <a:scrgbClr r="0" g="0" b="0"/>
+      </a:effectRef>
+      <a:fontRef idx="minor"/>
+    </dgm:style>
+  </dgm:styleLbl>
+  <dgm:styleLbl name="revTx">
+    <dgm:scene3d>
+      <a:camera prst="orthographicFront"/>
+      <a:lightRig rig="threePt" dir="t"/>
+    </dgm:scene3d>
+    <dgm:sp3d/>
+    <dgm:txPr/>
+    <dgm:style>
+      <a:lnRef idx="0">
+        <a:scrgbClr r="0" g="0" b="0"/>
+      </a:lnRef>
+      <a:fillRef idx="0">
+        <a:scrgbClr r="0" g="0" b="0"/>
+      </a:fillRef>
+      <a:effectRef idx="0">
+        <a:scrgbClr r="0" g="0" b="0"/>
+      </a:effectRef>
+      <a:fontRef idx="minor"/>
+    </dgm:style>
+  </dgm:styleLbl>
+</dgm:styleDef>
+</file>
+
+<file path=ppt/diagrams/quickStyle2.xml><?xml version="1.0" encoding="utf-8"?>
+<dgm:styleDef xmlns:dgm="http://schemas.openxmlformats.org/drawingml/2006/diagram" xmlns:a="http://schemas.openxmlformats.org/drawingml/2006/main" uniqueId="urn:microsoft.com/office/officeart/2005/8/quickstyle/simple1">
+  <dgm:title val=""/>
+  <dgm:desc val=""/>
+  <dgm:catLst>
+    <dgm:cat type="simple" pri="10100"/>
+  </dgm:catLst>
+  <dgm:scene3d>
+    <a:camera prst="orthographicFront"/>
+    <a:lightRig rig="threePt" dir="t"/>
+  </dgm:scene3d>
+  <dgm:styleLbl name="node0">
+    <dgm:scene3d>
+      <a:camera prst="orthographicFront"/>
+      <a:lightRig rig="threePt" dir="t"/>
+    </dgm:scene3d>
+    <dgm:sp3d/>
+    <dgm:txPr/>
+    <dgm:style>
+      <a:lnRef idx="2">
+        <a:scrgbClr r="0" g="0" b="0"/>
+      </a:lnRef>
+      <a:fillRef idx="1">
+        <a:scrgbClr r="0" g="0" b="0"/>
+      </a:fillRef>
+      <a:effectRef idx="0">
+        <a:scrgbClr r="0" g="0" b="0"/>
+      </a:effectRef>
+      <a:fontRef idx="minor">
+        <a:schemeClr val="lt1"/>
+      </a:fontRef>
+    </dgm:style>
+  </dgm:styleLbl>
+  <dgm:styleLbl name="lnNode1">
+    <dgm:scene3d>
+      <a:camera prst="orthographicFront"/>
+      <a:lightRig rig="threePt" dir="t"/>
+    </dgm:scene3d>
+    <dgm:sp3d/>
+    <dgm:txPr/>
+    <dgm:style>
+      <a:lnRef idx="2">
+        <a:scrgbClr r="0" g="0" b="0"/>
+      </a:lnRef>
+      <a:fillRef idx="1">
+        <a:scrgbClr r="0" g="0" b="0"/>
+      </a:fillRef>
+      <a:effectRef idx="0">
+        <a:scrgbClr r="0" g="0" b="0"/>
+      </a:effectRef>
+      <a:fontRef idx="minor">
+        <a:schemeClr val="lt1"/>
+      </a:fontRef>
+    </dgm:style>
+  </dgm:styleLbl>
+  <dgm:styleLbl name="vennNode1">
+    <dgm:scene3d>
+      <a:camera prst="orthographicFront"/>
+      <a:lightRig rig="threePt" dir="t"/>
+    </dgm:scene3d>
+    <dgm:sp3d/>
+    <dgm:txPr/>
+    <dgm:style>
+      <a:lnRef idx="2">
+        <a:scrgbClr r="0" g="0" b="0"/>
+      </a:lnRef>
+      <a:fillRef idx="1">
+        <a:scrgbClr r="0" g="0" b="0"/>
+      </a:fillRef>
+      <a:effectRef idx="0">
+        <a:scrgbClr r="0" g="0" b="0"/>
+      </a:effectRef>
+      <a:fontRef idx="minor">
+        <a:schemeClr val="tx1"/>
+      </a:fontRef>
+    </dgm:style>
+  </dgm:styleLbl>
+  <dgm:styleLbl name="alignNode1">
+    <dgm:scene3d>
+      <a:camera prst="orthographicFront"/>
+      <a:lightRig rig="threePt" dir="t"/>
+    </dgm:scene3d>
+    <dgm:sp3d/>
+    <dgm:txPr/>
+    <dgm:style>
+      <a:lnRef idx="2">
+        <a:scrgbClr r="0" g="0" b="0"/>
+      </a:lnRef>
+      <a:fillRef idx="1">
+        <a:scrgbClr r="0" g="0" b="0"/>
+      </a:fillRef>
+      <a:effectRef idx="0">
+        <a:scrgbClr r="0" g="0" b="0"/>
+      </a:effectRef>
+      <a:fontRef idx="minor">
+        <a:schemeClr val="lt1"/>
+      </a:fontRef>
+    </dgm:style>
+  </dgm:styleLbl>
+  <dgm:styleLbl name="node1">
+    <dgm:scene3d>
+      <a:camera prst="orthographicFront"/>
+      <a:lightRig rig="threePt" dir="t"/>
+    </dgm:scene3d>
+    <dgm:sp3d/>
+    <dgm:txPr/>
+    <dgm:style>
+      <a:lnRef idx="2">
+        <a:scrgbClr r="0" g="0" b="0"/>
+      </a:lnRef>
+      <a:fillRef idx="1">
+        <a:scrgbClr r="0" g="0" b="0"/>
+      </a:fillRef>
+      <a:effectRef idx="0">
+        <a:scrgbClr r="0" g="0" b="0"/>
+      </a:effectRef>
+      <a:fontRef idx="minor">
+        <a:schemeClr val="lt1"/>
+      </a:fontRef>
+    </dgm:style>
+  </dgm:styleLbl>
+  <dgm:styleLbl name="node2">
+    <dgm:scene3d>
+      <a:camera prst="orthographicFront"/>
+      <a:lightRig rig="threePt" dir="t"/>
+    </dgm:scene3d>
+    <dgm:sp3d/>
+    <dgm:txPr/>
+    <dgm:style>
+      <a:lnRef idx="2">
+        <a:scrgbClr r="0" g="0" b="0"/>
+      </a:lnRef>
+      <a:fillRef idx="1">
+        <a:scrgbClr r="0" g="0" b="0"/>
+      </a:fillRef>
+      <a:effectRef idx="0">
+        <a:scrgbClr r="0" g="0" b="0"/>
+      </a:effectRef>
+      <a:fontRef idx="minor">
+        <a:schemeClr val="lt1"/>
+      </a:fontRef>
+    </dgm:style>
+  </dgm:styleLbl>
+  <dgm:styleLbl name="node3">
+    <dgm:scene3d>
+      <a:camera prst="orthographicFront"/>
+      <a:lightRig rig="threePt" dir="t"/>
+    </dgm:scene3d>
+    <dgm:sp3d/>
+    <dgm:txPr/>
+    <dgm:style>
+      <a:lnRef idx="2">
+        <a:scrgbClr r="0" g="0" b="0"/>
+      </a:lnRef>
+      <a:fillRef idx="1">
+        <a:scrgbClr r="0" g="0" b="0"/>
+      </a:fillRef>
+      <a:effectRef idx="0">
+        <a:scrgbClr r="0" g="0" b="0"/>
+      </a:effectRef>
+      <a:fontRef idx="minor">
+        <a:schemeClr val="lt1"/>
+      </a:fontRef>
+    </dgm:style>
+  </dgm:styleLbl>
+  <dgm:styleLbl name="node4">
+    <dgm:scene3d>
+      <a:camera prst="orthographicFront"/>
+      <a:lightRig rig="threePt" dir="t"/>
+    </dgm:scene3d>
+    <dgm:sp3d/>
+    <dgm:txPr/>
+    <dgm:style>
+      <a:lnRef idx="2">
+        <a:scrgbClr r="0" g="0" b="0"/>
+      </a:lnRef>
+      <a:fillRef idx="1">
+        <a:scrgbClr r="0" g="0" b="0"/>
+      </a:fillRef>
+      <a:effectRef idx="0">
+        <a:scrgbClr r="0" g="0" b="0"/>
+      </a:effectRef>
+      <a:fontRef idx="minor">
+        <a:schemeClr val="lt1"/>
+      </a:fontRef>
+    </dgm:style>
+  </dgm:styleLbl>
+  <dgm:styleLbl name="fgImgPlace1">
+    <dgm:scene3d>
+      <a:camera prst="orthographicFront"/>
+      <a:lightRig rig="threePt" dir="t"/>
+    </dgm:scene3d>
+    <dgm:sp3d/>
+    <dgm:txPr/>
+    <dgm:style>
+      <a:lnRef idx="2">
+        <a:scrgbClr r="0" g="0" b="0"/>
+      </a:lnRef>
+      <a:fillRef idx="1">
+        <a:scrgbClr r="0" g="0" b="0"/>
+      </a:fillRef>
+      <a:effectRef idx="0">
+        <a:scrgbClr r="0" g="0" b="0"/>
+      </a:effectRef>
+      <a:fontRef idx="minor"/>
+    </dgm:style>
+  </dgm:styleLbl>
+  <dgm:styleLbl name="alignImgPlace1">
+    <dgm:scene3d>
+      <a:camera prst="orthographicFront"/>
+      <a:lightRig rig="threePt" dir="t"/>
+    </dgm:scene3d>
+    <dgm:sp3d/>
+    <dgm:txPr/>
+    <dgm:style>
+      <a:lnRef idx="2">
+        <a:scrgbClr r="0" g="0" b="0"/>
+      </a:lnRef>
+      <a:fillRef idx="1">
+        <a:scrgbClr r="0" g="0" b="0"/>
+      </a:fillRef>
+      <a:effectRef idx="0">
+        <a:scrgbClr r="0" g="0" b="0"/>
+      </a:effectRef>
+      <a:fontRef idx="minor"/>
+    </dgm:style>
+  </dgm:styleLbl>
+  <dgm:styleLbl name="bgImgPlace1">
+    <dgm:scene3d>
+      <a:camera prst="orthographicFront"/>
+      <a:lightRig rig="threePt" dir="t"/>
+    </dgm:scene3d>
+    <dgm:sp3d/>
+    <dgm:txPr/>
+    <dgm:style>
+      <a:lnRef idx="2">
+        <a:scrgbClr r="0" g="0" b="0"/>
+      </a:lnRef>
+      <a:fillRef idx="1">
+        <a:scrgbClr r="0" g="0" b="0"/>
+      </a:fillRef>
+      <a:effectRef idx="0">
+        <a:scrgbClr r="0" g="0" b="0"/>
+      </a:effectRef>
+      <a:fontRef idx="minor"/>
+    </dgm:style>
+  </dgm:styleLbl>
+  <dgm:styleLbl name="sibTrans2D1">
+    <dgm:scene3d>
+      <a:camera prst="orthographicFront"/>
+      <a:lightRig rig="threePt" dir="t"/>
+    </dgm:scene3d>
+    <dgm:sp3d/>
+    <dgm:txPr/>
+    <dgm:style>
+      <a:lnRef idx="0">
+        <a:scrgbClr r="0" g="0" b="0"/>
+      </a:lnRef>
+      <a:fillRef idx="1">
+        <a:scrgbClr r="0" g="0" b="0"/>
+      </a:fillRef>
+      <a:effectRef idx="0">
+        <a:scrgbClr r="0" g="0" b="0"/>
+      </a:effectRef>
+      <a:fontRef idx="minor">
+        <a:schemeClr val="lt1"/>
+      </a:fontRef>
+    </dgm:style>
+  </dgm:styleLbl>
+  <dgm:styleLbl name="fgSibTrans2D1">
+    <dgm:scene3d>
+      <a:camera prst="orthographicFront"/>
+      <a:lightRig rig="threePt" dir="t"/>
+    </dgm:scene3d>
+    <dgm:sp3d/>
+    <dgm:txPr/>
+    <dgm:style>
+      <a:lnRef idx="0">
+        <a:scrgbClr r="0" g="0" b="0"/>
+      </a:lnRef>
+      <a:fillRef idx="1">
+        <a:scrgbClr r="0" g="0" b="0"/>
+      </a:fillRef>
+      <a:effectRef idx="0">
+        <a:scrgbClr r="0" g="0" b="0"/>
+      </a:effectRef>
+      <a:fontRef idx="minor">
+        <a:schemeClr val="lt1"/>
+      </a:fontRef>
+    </dgm:style>
+  </dgm:styleLbl>
+  <dgm:styleLbl name="bgSibTrans2D1">
+    <dgm:scene3d>
+      <a:camera prst="orthographicFront"/>
+      <a:lightRig rig="threePt" dir="t"/>
+    </dgm:scene3d>
+    <dgm:sp3d/>
+    <dgm:txPr/>
+    <dgm:style>
+      <a:lnRef idx="0">
+        <a:scrgbClr r="0" g="0" b="0"/>
+      </a:lnRef>
+      <a:fillRef idx="1">
+        <a:scrgbClr r="0" g="0" b="0"/>
+      </a:fillRef>
+      <a:effectRef idx="0">
+        <a:scrgbClr r="0" g="0" b="0"/>
+      </a:effectRef>
+      <a:fontRef idx="minor">
+        <a:schemeClr val="lt1"/>
+      </a:fontRef>
+    </dgm:style>
+  </dgm:styleLbl>
+  <dgm:styleLbl name="sibTrans1D1">
+    <dgm:scene3d>
+      <a:camera prst="orthographicFront"/>
+      <a:lightRig rig="threePt" dir="t"/>
+    </dgm:scene3d>
+    <dgm:sp3d/>
+    <dgm:txPr/>
+    <dgm:style>
+      <a:lnRef idx="1">
+        <a:scrgbClr r="0" g="0" b="0"/>
+      </a:lnRef>
+      <a:fillRef idx="0">
+        <a:scrgbClr r="0" g="0" b="0"/>
+      </a:fillRef>
+      <a:effectRef idx="0">
+        <a:scrgbClr r="0" g="0" b="0"/>
+      </a:effectRef>
+      <a:fontRef idx="minor"/>
+    </dgm:style>
+  </dgm:styleLbl>
+  <dgm:styleLbl name="callout">
+    <dgm:scene3d>
+      <a:camera prst="orthographicFront"/>
+      <a:lightRig rig="threePt" dir="t"/>
+    </dgm:scene3d>
+    <dgm:sp3d/>
+    <dgm:txPr/>
+    <dgm:style>
+      <a:lnRef idx="2">
+        <a:scrgbClr r="0" g="0" b="0"/>
+      </a:lnRef>
+      <a:fillRef idx="1">
+        <a:scrgbClr r="0" g="0" b="0"/>
+      </a:fillRef>
+      <a:effectRef idx="0">
+        <a:scrgbClr r="0" g="0" b="0"/>
+      </a:effectRef>
+      <a:fontRef idx="minor"/>
+    </dgm:style>
+  </dgm:styleLbl>
+  <dgm:styleLbl name="asst0">
+    <dgm:scene3d>
+      <a:camera prst="orthographicFront"/>
+      <a:lightRig rig="threePt" dir="t"/>
+    </dgm:scene3d>
+    <dgm:sp3d/>
+    <dgm:txPr/>
+    <dgm:style>
+      <a:lnRef idx="2">
+        <a:scrgbClr r="0" g="0" b="0"/>
+      </a:lnRef>
+      <a:fillRef idx="1">
+        <a:scrgbClr r="0" g="0" b="0"/>
+      </a:fillRef>
+      <a:effectRef idx="0">
+        <a:scrgbClr r="0" g="0" b="0"/>
+      </a:effectRef>
+      <a:fontRef idx="minor">
+        <a:schemeClr val="lt1"/>
+      </a:fontRef>
+    </dgm:style>
+  </dgm:styleLbl>
+  <dgm:styleLbl name="asst1">
+    <dgm:scene3d>
+      <a:camera prst="orthographicFront"/>
+      <a:lightRig rig="threePt" dir="t"/>
+    </dgm:scene3d>
+    <dgm:sp3d/>
+    <dgm:txPr/>
+    <dgm:style>
+      <a:lnRef idx="2">
+        <a:scrgbClr r="0" g="0" b="0"/>
+      </a:lnRef>
+      <a:fillRef idx="1">
+        <a:scrgbClr r="0" g="0" b="0"/>
+      </a:fillRef>
+      <a:effectRef idx="0">
+        <a:scrgbClr r="0" g="0" b="0"/>
+      </a:effectRef>
+      <a:fontRef idx="minor">
+        <a:schemeClr val="lt1"/>
+      </a:fontRef>
+    </dgm:style>
+  </dgm:styleLbl>
+  <dgm:styleLbl name="asst2">
+    <dgm:scene3d>
+      <a:camera prst="orthographicFront"/>
+      <a:lightRig rig="threePt" dir="t"/>
+    </dgm:scene3d>
+    <dgm:sp3d/>
+    <dgm:txPr/>
+    <dgm:style>
+      <a:lnRef idx="2">
+        <a:scrgbClr r="0" g="0" b="0"/>
+      </a:lnRef>
+      <a:fillRef idx="1">
+        <a:scrgbClr r="0" g="0" b="0"/>
+      </a:fillRef>
+      <a:effectRef idx="0">
+        <a:scrgbClr r="0" g="0" b="0"/>
+      </a:effectRef>
+      <a:fontRef idx="minor">
+        <a:schemeClr val="lt1"/>
+      </a:fontRef>
+    </dgm:style>
+  </dgm:styleLbl>
+  <dgm:styleLbl name="asst3">
+    <dgm:scene3d>
+      <a:camera prst="orthographicFront"/>
+      <a:lightRig rig="threePt" dir="t"/>
+    </dgm:scene3d>
+    <dgm:sp3d/>
+    <dgm:txPr/>
+    <dgm:style>
+      <a:lnRef idx="2">
+        <a:scrgbClr r="0" g="0" b="0"/>
+      </a:lnRef>
+      <a:fillRef idx="1">
+        <a:scrgbClr r="0" g="0" b="0"/>
+      </a:fillRef>
+      <a:effectRef idx="0">
+        <a:scrgbClr r="0" g="0" b="0"/>
+      </a:effectRef>
+      <a:fontRef idx="minor">
+        <a:schemeClr val="lt1"/>
+      </a:fontRef>
+    </dgm:style>
+  </dgm:styleLbl>
+  <dgm:styleLbl name="asst4">
+    <dgm:scene3d>
+      <a:camera prst="orthographicFront"/>
+      <a:lightRig rig="threePt" dir="t"/>
+    </dgm:scene3d>
+    <dgm:sp3d/>
+    <dgm:txPr/>
+    <dgm:style>
+      <a:lnRef idx="2">
+        <a:scrgbClr r="0" g="0" b="0"/>
+      </a:lnRef>
+      <a:fillRef idx="1">
+        <a:scrgbClr r="0" g="0" b="0"/>
+      </a:fillRef>
+      <a:effectRef idx="0">
+        <a:scrgbClr r="0" g="0" b="0"/>
+      </a:effectRef>
+      <a:fontRef idx="minor">
+        <a:schemeClr val="lt1"/>
+      </a:fontRef>
+    </dgm:style>
+  </dgm:styleLbl>
+  <dgm:styleLbl name="parChTrans2D1">
+    <dgm:scene3d>
+      <a:camera prst="orthographicFront"/>
+      <a:lightRig rig="threePt" dir="t"/>
+    </dgm:scene3d>
+    <dgm:sp3d/>
+    <dgm:txPr/>
+    <dgm:style>
+      <a:lnRef idx="2">
+        <a:scrgbClr r="0" g="0" b="0"/>
+      </a:lnRef>
+      <a:fillRef idx="1">
+        <a:scrgbClr r="0" g="0" b="0"/>
+      </a:fillRef>
+      <a:effectRef idx="0">
+        <a:scrgbClr r="0" g="0" b="0"/>
+      </a:effectRef>
+      <a:fontRef idx="minor">
+        <a:schemeClr val="lt1"/>
+      </a:fontRef>
+    </dgm:style>
+  </dgm:styleLbl>
+  <dgm:styleLbl name="parChTrans2D2">
+    <dgm:scene3d>
+      <a:camera prst="orthographicFront"/>
+      <a:lightRig rig="threePt" dir="t"/>
+    </dgm:scene3d>
+    <dgm:sp3d/>
+    <dgm:txPr/>
+    <dgm:style>
+      <a:lnRef idx="2">
+        <a:scrgbClr r="0" g="0" b="0"/>
+      </a:lnRef>
+      <a:fillRef idx="1">
+        <a:scrgbClr r="0" g="0" b="0"/>
+      </a:fillRef>
+      <a:effectRef idx="0">
+        <a:scrgbClr r="0" g="0" b="0"/>
+      </a:effectRef>
+      <a:fontRef idx="minor">
+        <a:schemeClr val="lt1"/>
+      </a:fontRef>
+    </dgm:style>
+  </dgm:styleLbl>
+  <dgm:styleLbl name="parChTrans2D3">
+    <dgm:scene3d>
+      <a:camera prst="orthographicFront"/>
+      <a:lightRig rig="threePt" dir="t"/>
+    </dgm:scene3d>
+    <dgm:sp3d/>
+    <dgm:txPr/>
+    <dgm:style>
+      <a:lnRef idx="2">
+        <a:scrgbClr r="0" g="0" b="0"/>
+      </a:lnRef>
+      <a:fillRef idx="1">
+        <a:scrgbClr r="0" g="0" b="0"/>
+      </a:fillRef>
+      <a:effectRef idx="0">
+        <a:scrgbClr r="0" g="0" b="0"/>
+      </a:effectRef>
+      <a:fontRef idx="minor">
+        <a:schemeClr val="lt1"/>
+      </a:fontRef>
+    </dgm:style>
+  </dgm:styleLbl>
+  <dgm:styleLbl name="parChTrans2D4">
+    <dgm:scene3d>
+      <a:camera prst="orthographicFront"/>
+      <a:lightRig rig="threePt" dir="t"/>
+    </dgm:scene3d>
+    <dgm:sp3d/>
+    <dgm:txPr/>
+    <dgm:style>
+      <a:lnRef idx="2">
+        <a:scrgbClr r="0" g="0" b="0"/>
+      </a:lnRef>
+      <a:fillRef idx="1">
+        <a:scrgbClr r="0" g="0" b="0"/>
+      </a:fillRef>
+      <a:effectRef idx="0">
+        <a:scrgbClr r="0" g="0" b="0"/>
+      </a:effectRef>
+      <a:fontRef idx="minor">
+        <a:schemeClr val="lt1"/>
+      </a:fontRef>
+    </dgm:style>
+  </dgm:styleLbl>
+  <dgm:styleLbl name="parChTrans1D1">
+    <dgm:scene3d>
+      <a:camera prst="orthographicFront"/>
+      <a:lightRig rig="threePt" dir="t"/>
+    </dgm:scene3d>
+    <dgm:sp3d/>
+    <dgm:txPr/>
+    <dgm:style>
+      <a:lnRef idx="2">
+        <a:scrgbClr r="0" g="0" b="0"/>
+      </a:lnRef>
+      <a:fillRef idx="0">
+        <a:scrgbClr r="0" g="0" b="0"/>
+      </a:fillRef>
+      <a:effectRef idx="0">
+        <a:scrgbClr r="0" g="0" b="0"/>
+      </a:effectRef>
+      <a:fontRef idx="minor"/>
+    </dgm:style>
+  </dgm:styleLbl>
+  <dgm:styleLbl name="parChTrans1D2">
+    <dgm:scene3d>
+      <a:camera prst="orthographicFront"/>
+      <a:lightRig rig="threePt" dir="t"/>
+    </dgm:scene3d>
+    <dgm:sp3d/>
+    <dgm:txPr/>
+    <dgm:style>
+      <a:lnRef idx="2">
+        <a:scrgbClr r="0" g="0" b="0"/>
+      </a:lnRef>
+      <a:fillRef idx="0">
+        <a:scrgbClr r="0" g="0" b="0"/>
+      </a:fillRef>
+      <a:effectRef idx="0">
+        <a:scrgbClr r="0" g="0" b="0"/>
+      </a:effectRef>
+      <a:fontRef idx="minor"/>
+    </dgm:style>
+  </dgm:styleLbl>
+  <dgm:styleLbl name="parChTrans1D3">
+    <dgm:scene3d>
+      <a:camera prst="orthographicFront"/>
+      <a:lightRig rig="threePt" dir="t"/>
+    </dgm:scene3d>
+    <dgm:sp3d/>
+    <dgm:txPr/>
+    <dgm:style>
+      <a:lnRef idx="2">
+        <a:scrgbClr r="0" g="0" b="0"/>
+      </a:lnRef>
+      <a:fillRef idx="0">
+        <a:scrgbClr r="0" g="0" b="0"/>
+      </a:fillRef>
+      <a:effectRef idx="0">
+        <a:scrgbClr r="0" g="0" b="0"/>
+      </a:effectRef>
+      <a:fontRef idx="minor"/>
+    </dgm:style>
+  </dgm:styleLbl>
+  <dgm:styleLbl name="parChTrans1D4">
+    <dgm:scene3d>
+      <a:camera prst="orthographicFront"/>
+      <a:lightRig rig="threePt" dir="t"/>
+    </dgm:scene3d>
+    <dgm:sp3d/>
+    <dgm:txPr/>
+    <dgm:style>
+      <a:lnRef idx="2">
+        <a:scrgbClr r="0" g="0" b="0"/>
+      </a:lnRef>
+      <a:fillRef idx="0">
+        <a:scrgbClr r="0" g="0" b="0"/>
+      </a:fillRef>
+      <a:effectRef idx="0">
+        <a:scrgbClr r="0" g="0" b="0"/>
+      </a:effectRef>
+      <a:fontRef idx="minor"/>
+    </dgm:style>
+  </dgm:styleLbl>
+  <dgm:styleLbl name="fgAcc1">
+    <dgm:scene3d>
+      <a:camera prst="orthographicFront"/>
+      <a:lightRig rig="threePt" dir="t"/>
+    </dgm:scene3d>
+    <dgm:sp3d/>
+    <dgm:txPr/>
+    <dgm:style>
+      <a:lnRef idx="2">
+        <a:scrgbClr r="0" g="0" b="0"/>
+      </a:lnRef>
+      <a:fillRef idx="1">
+        <a:scrgbClr r="0" g="0" b="0"/>
+      </a:fillRef>
+      <a:effectRef idx="0">
+        <a:scrgbClr r="0" g="0" b="0"/>
+      </a:effectRef>
+      <a:fontRef idx="minor"/>
+    </dgm:style>
+  </dgm:styleLbl>
+  <dgm:styleLbl name="conFgAcc1">
+    <dgm:scene3d>
+      <a:camera prst="orthographicFront"/>
+      <a:lightRig rig="threePt" dir="t"/>
+    </dgm:scene3d>
+    <dgm:sp3d/>
+    <dgm:txPr/>
+    <dgm:style>
+      <a:lnRef idx="2">
+        <a:scrgbClr r="0" g="0" b="0"/>
+      </a:lnRef>
+      <a:fillRef idx="1">
+        <a:scrgbClr r="0" g="0" b="0"/>
+      </a:fillRef>
+      <a:effectRef idx="0">
+        <a:scrgbClr r="0" g="0" b="0"/>
+      </a:effectRef>
+      <a:fontRef idx="minor"/>
+    </dgm:style>
+  </dgm:styleLbl>
+  <dgm:styleLbl name="alignAcc1">
+    <dgm:scene3d>
+      <a:camera prst="orthographicFront"/>
+      <a:lightRig rig="threePt" dir="t"/>
+    </dgm:scene3d>
+    <dgm:sp3d/>
+    <dgm:txPr/>
+    <dgm:style>
+      <a:lnRef idx="2">
+        <a:scrgbClr r="0" g="0" b="0"/>
+      </a:lnRef>
+      <a:fillRef idx="1">
+        <a:scrgbClr r="0" g="0" b="0"/>
+      </a:fillRef>
+      <a:effectRef idx="0">
+        <a:scrgbClr r="0" g="0" b="0"/>
+      </a:effectRef>
+      <a:fontRef idx="minor"/>
+    </dgm:style>
+  </dgm:styleLbl>
+  <dgm:styleLbl name="trAlignAcc1">
+    <dgm:scene3d>
+      <a:camera prst="orthographicFront"/>
+      <a:lightRig rig="threePt" dir="t"/>
+    </dgm:scene3d>
+    <dgm:sp3d/>
+    <dgm:txPr/>
+    <dgm:style>
+      <a:lnRef idx="1">
+        <a:scrgbClr r="0" g="0" b="0"/>
+      </a:lnRef>
+      <a:fillRef idx="1">
+        <a:scrgbClr r="0" g="0" b="0"/>
+      </a:fillRef>
+      <a:effectRef idx="0">
+        <a:scrgbClr r="0" g="0" b="0"/>
+      </a:effectRef>
+      <a:fontRef idx="minor"/>
+    </dgm:style>
+  </dgm:styleLbl>
+  <dgm:styleLbl name="bgAcc1">
+    <dgm:scene3d>
+      <a:camera prst="orthographicFront"/>
+      <a:lightRig rig="threePt" dir="t"/>
+    </dgm:scene3d>
+    <dgm:sp3d/>
+    <dgm:txPr/>
+    <dgm:style>
+      <a:lnRef idx="2">
+        <a:scrgbClr r="0" g="0" b="0"/>
+      </a:lnRef>
+      <a:fillRef idx="1">
+        <a:scrgbClr r="0" g="0" b="0"/>
+      </a:fillRef>
+      <a:effectRef idx="0">
+        <a:scrgbClr r="0" g="0" b="0"/>
+      </a:effectRef>
+      <a:fontRef idx="minor"/>
+    </dgm:style>
+  </dgm:styleLbl>
+  <dgm:styleLbl name="solidFgAcc1">
+    <dgm:scene3d>
+      <a:camera prst="orthographicFront"/>
+      <a:lightRig rig="threePt" dir="t"/>
+    </dgm:scene3d>
+    <dgm:sp3d/>
+    <dgm:txPr/>
+    <dgm:style>
+      <a:lnRef idx="2">
+        <a:scrgbClr r="0" g="0" b="0"/>
+      </a:lnRef>
+      <a:fillRef idx="1">
+        <a:scrgbClr r="0" g="0" b="0"/>
+      </a:fillRef>
+      <a:effectRef idx="0">
+        <a:scrgbClr r="0" g="0" b="0"/>
+      </a:effectRef>
+      <a:fontRef idx="minor"/>
+    </dgm:style>
+  </dgm:styleLbl>
+  <dgm:styleLbl name="solidAlignAcc1">
+    <dgm:scene3d>
+      <a:camera prst="orthographicFront"/>
+      <a:lightRig rig="threePt" dir="t"/>
+    </dgm:scene3d>
+    <dgm:sp3d/>
+    <dgm:txPr/>
+    <dgm:style>
+      <a:lnRef idx="2">
+        <a:scrgbClr r="0" g="0" b="0"/>
+      </a:lnRef>
+      <a:fillRef idx="1">
+        <a:scrgbClr r="0" g="0" b="0"/>
+      </a:fillRef>
+      <a:effectRef idx="0">
+        <a:scrgbClr r="0" g="0" b="0"/>
+      </a:effectRef>
+      <a:fontRef idx="minor"/>
+    </dgm:style>
+  </dgm:styleLbl>
+  <dgm:styleLbl name="solidBgAcc1">
+    <dgm:scene3d>
+      <a:camera prst="orthographicFront"/>
+      <a:lightRig rig="threePt" dir="t"/>
+    </dgm:scene3d>
+    <dgm:sp3d/>
+    <dgm:txPr/>
+    <dgm:style>
+      <a:lnRef idx="2">
+        <a:scrgbClr r="0" g="0" b="0"/>
+      </a:lnRef>
+      <a:fillRef idx="1">
+        <a:scrgbClr r="0" g="0" b="0"/>
+      </a:fillRef>
+      <a:effectRef idx="0">
+        <a:scrgbClr r="0" g="0" b="0"/>
+      </a:effectRef>
+      <a:fontRef idx="minor"/>
+    </dgm:style>
+  </dgm:styleLbl>
+  <dgm:styleLbl name="fgAccFollowNode1">
+    <dgm:scene3d>
+      <a:camera prst="orthographicFront"/>
+      <a:lightRig rig="threePt" dir="t"/>
+    </dgm:scene3d>
+    <dgm:sp3d/>
+    <dgm:txPr/>
+    <dgm:style>
+      <a:lnRef idx="2">
+        <a:scrgbClr r="0" g="0" b="0"/>
+      </a:lnRef>
+      <a:fillRef idx="1">
+        <a:scrgbClr r="0" g="0" b="0"/>
+      </a:fillRef>
+      <a:effectRef idx="0">
+        <a:scrgbClr r="0" g="0" b="0"/>
+      </a:effectRef>
+      <a:fontRef idx="minor"/>
+    </dgm:style>
+  </dgm:styleLbl>
+  <dgm:styleLbl name="alignAccFollowNode1">
+    <dgm:scene3d>
+      <a:camera prst="orthographicFront"/>
+      <a:lightRig rig="threePt" dir="t"/>
+    </dgm:scene3d>
+    <dgm:sp3d/>
+    <dgm:txPr/>
+    <dgm:style>
+      <a:lnRef idx="2">
+        <a:scrgbClr r="0" g="0" b="0"/>
+      </a:lnRef>
+      <a:fillRef idx="1">
+        <a:scrgbClr r="0" g="0" b="0"/>
+      </a:fillRef>
+      <a:effectRef idx="0">
+        <a:scrgbClr r="0" g="0" b="0"/>
+      </a:effectRef>
+      <a:fontRef idx="minor"/>
+    </dgm:style>
+  </dgm:styleLbl>
+  <dgm:styleLbl name="bgAccFollowNode1">
+    <dgm:scene3d>
+      <a:camera prst="orthographicFront"/>
+      <a:lightRig rig="threePt" dir="t"/>
+    </dgm:scene3d>
+    <dgm:sp3d/>
+    <dgm:txPr/>
+    <dgm:style>
+      <a:lnRef idx="2">
+        <a:scrgbClr r="0" g="0" b="0"/>
+      </a:lnRef>
+      <a:fillRef idx="1">
+        <a:scrgbClr r="0" g="0" b="0"/>
+      </a:fillRef>
+      <a:effectRef idx="0">
+        <a:scrgbClr r="0" g="0" b="0"/>
+      </a:effectRef>
+      <a:fontRef idx="minor"/>
+    </dgm:style>
+  </dgm:styleLbl>
+  <dgm:styleLbl name="fgAcc0">
+    <dgm:scene3d>
+      <a:camera prst="orthographicFront"/>
+      <a:lightRig rig="threePt" dir="t"/>
+    </dgm:scene3d>
+    <dgm:sp3d/>
+    <dgm:txPr/>
+    <dgm:style>
+      <a:lnRef idx="2">
+        <a:scrgbClr r="0" g="0" b="0"/>
+      </a:lnRef>
+      <a:fillRef idx="1">
+        <a:scrgbClr r="0" g="0" b="0"/>
+      </a:fillRef>
+      <a:effectRef idx="0">
+        <a:scrgbClr r="0" g="0" b="0"/>
+      </a:effectRef>
+      <a:fontRef idx="minor"/>
+    </dgm:style>
+  </dgm:styleLbl>
+  <dgm:styleLbl name="fgAcc2">
+    <dgm:scene3d>
+      <a:camera prst="orthographicFront"/>
+      <a:lightRig rig="threePt" dir="t"/>
+    </dgm:scene3d>
+    <dgm:sp3d/>
+    <dgm:txPr/>
+    <dgm:style>
+      <a:lnRef idx="2">
+        <a:scrgbClr r="0" g="0" b="0"/>
+      </a:lnRef>
+      <a:fillRef idx="1">
+        <a:scrgbClr r="0" g="0" b="0"/>
+      </a:fillRef>
+      <a:effectRef idx="0">
+        <a:scrgbClr r="0" g="0" b="0"/>
+      </a:effectRef>
+      <a:fontRef idx="minor"/>
+    </dgm:style>
+  </dgm:styleLbl>
+  <dgm:styleLbl name="fgAcc3">
+    <dgm:scene3d>
+      <a:camera prst="orthographicFront"/>
+      <a:lightRig rig="threePt" dir="t"/>
+    </dgm:scene3d>
+    <dgm:sp3d/>
+    <dgm:txPr/>
+    <dgm:style>
+      <a:lnRef idx="2">
+        <a:scrgbClr r="0" g="0" b="0"/>
+      </a:lnRef>
+      <a:fillRef idx="1">
+        <a:scrgbClr r="0" g="0" b="0"/>
+      </a:fillRef>
+      <a:effectRef idx="0">
+        <a:scrgbClr r="0" g="0" b="0"/>
+      </a:effectRef>
+      <a:fontRef idx="minor"/>
+    </dgm:style>
+  </dgm:styleLbl>
+  <dgm:styleLbl name="fgAcc4">
+    <dgm:scene3d>
+      <a:camera prst="orthographicFront"/>
+      <a:lightRig rig="threePt" dir="t"/>
+    </dgm:scene3d>
+    <dgm:sp3d/>
+    <dgm:txPr/>
+    <dgm:style>
+      <a:lnRef idx="2">
+        <a:scrgbClr r="0" g="0" b="0"/>
+      </a:lnRef>
+      <a:fillRef idx="1">
+        <a:scrgbClr r="0" g="0" b="0"/>
+      </a:fillRef>
+      <a:effectRef idx="0">
+        <a:scrgbClr r="0" g="0" b="0"/>
+      </a:effectRef>
+      <a:fontRef idx="minor"/>
+    </dgm:style>
+  </dgm:styleLbl>
+  <dgm:styleLbl name="bgShp">
+    <dgm:scene3d>
+      <a:camera prst="orthographicFront"/>
+      <a:lightRig rig="threePt" dir="t"/>
+    </dgm:scene3d>
+    <dgm:sp3d/>
+    <dgm:txPr/>
+    <dgm:style>
+      <a:lnRef idx="0">
+        <a:scrgbClr r="0" g="0" b="0"/>
+      </a:lnRef>
+      <a:fillRef idx="1">
+        <a:scrgbClr r="0" g="0" b="0"/>
+      </a:fillRef>
+      <a:effectRef idx="0">
+        <a:scrgbClr r="0" g="0" b="0"/>
+      </a:effectRef>
+      <a:fontRef idx="minor"/>
+    </dgm:style>
+  </dgm:styleLbl>
+  <dgm:styleLbl name="dkBgShp">
+    <dgm:scene3d>
+      <a:camera prst="orthographicFront"/>
+      <a:lightRig rig="threePt" dir="t"/>
+    </dgm:scene3d>
+    <dgm:sp3d/>
+    <dgm:txPr/>
+    <dgm:style>
+      <a:lnRef idx="0">
+        <a:scrgbClr r="0" g="0" b="0"/>
+      </a:lnRef>
+      <a:fillRef idx="1">
+        <a:scrgbClr r="0" g="0" b="0"/>
+      </a:fillRef>
+      <a:effectRef idx="0">
+        <a:scrgbClr r="0" g="0" b="0"/>
+      </a:effectRef>
+      <a:fontRef idx="minor"/>
+    </dgm:style>
+  </dgm:styleLbl>
+  <dgm:styleLbl name="trBgShp">
+    <dgm:scene3d>
+      <a:camera prst="orthographicFront"/>
+      <a:lightRig rig="threePt" dir="t"/>
+    </dgm:scene3d>
+    <dgm:sp3d/>
+    <dgm:txPr/>
+    <dgm:style>
+      <a:lnRef idx="0">
+        <a:scrgbClr r="0" g="0" b="0"/>
+      </a:lnRef>
+      <a:fillRef idx="1">
+        <a:scrgbClr r="0" g="0" b="0"/>
+      </a:fillRef>
+      <a:effectRef idx="0">
+        <a:scrgbClr r="0" g="0" b="0"/>
+      </a:effectRef>
+      <a:fontRef idx="minor"/>
+    </dgm:style>
+  </dgm:styleLbl>
+  <dgm:styleLbl name="fgShp">
+    <dgm:scene3d>
+      <a:camera prst="orthographicFront"/>
+      <a:lightRig rig="threePt" dir="t"/>
+    </dgm:scene3d>
+    <dgm:sp3d/>
+    <dgm:txPr/>
+    <dgm:style>
+      <a:lnRef idx="2">
+        <a:scrgbClr r="0" g="0" b="0"/>
+      </a:lnRef>
+      <a:fillRef idx="1">
+        <a:scrgbClr r="0" g="0" b="0"/>
+      </a:fillRef>
+      <a:effectRef idx="0">
+        <a:scrgbClr r="0" g="0" b="0"/>
+      </a:effectRef>
+      <a:fontRef idx="minor"/>
+    </dgm:style>
+  </dgm:styleLbl>
+  <dgm:styleLbl name="revTx">
+    <dgm:scene3d>
+      <a:camera prst="orthographicFront"/>
+      <a:lightRig rig="threePt" dir="t"/>
+    </dgm:scene3d>
+    <dgm:sp3d/>
+    <dgm:txPr/>
+    <dgm:style>
+      <a:lnRef idx="0">
+        <a:scrgbClr r="0" g="0" b="0"/>
+      </a:lnRef>
+      <a:fillRef idx="0">
+        <a:scrgbClr r="0" g="0" b="0"/>
+      </a:fillRef>
+      <a:effectRef idx="0">
+        <a:scrgbClr r="0" g="0" b="0"/>
+      </a:effectRef>
+      <a:fontRef idx="minor"/>
+    </dgm:style>
+  </dgm:styleLbl>
+</dgm:styleDef>
 </file>
 
 <file path=ppt/slideLayouts/slideLayout1.xml><?xml version="1.0" encoding="utf-8"?>
@@ -262,7 +6348,7 @@
           <a:p>
             <a:fld id="{CC52B196-69F7-5B49-9E8F-65111842FC39}" type="datetimeFigureOut">
               <a:rPr lang="en-US" smtClean="0"/>
-              <a:t>1/12/19</a:t>
+              <a:t>1/14/2019</a:t>
             </a:fld>
             <a:endParaRPr lang="en-US"/>
           </a:p>
@@ -460,7 +6546,7 @@
           <a:p>
             <a:fld id="{CC52B196-69F7-5B49-9E8F-65111842FC39}" type="datetimeFigureOut">
               <a:rPr lang="en-US" smtClean="0"/>
-              <a:t>1/12/19</a:t>
+              <a:t>1/14/2019</a:t>
             </a:fld>
             <a:endParaRPr lang="en-US"/>
           </a:p>
@@ -668,7 +6754,7 @@
           <a:p>
             <a:fld id="{CC52B196-69F7-5B49-9E8F-65111842FC39}" type="datetimeFigureOut">
               <a:rPr lang="en-US" smtClean="0"/>
-              <a:t>1/12/19</a:t>
+              <a:t>1/14/2019</a:t>
             </a:fld>
             <a:endParaRPr lang="en-US"/>
           </a:p>
@@ -866,7 +6952,7 @@
           <a:p>
             <a:fld id="{CC52B196-69F7-5B49-9E8F-65111842FC39}" type="datetimeFigureOut">
               <a:rPr lang="en-US" smtClean="0"/>
-              <a:t>1/12/19</a:t>
+              <a:t>1/14/2019</a:t>
             </a:fld>
             <a:endParaRPr lang="en-US"/>
           </a:p>
@@ -1141,7 +7227,7 @@
           <a:p>
             <a:fld id="{CC52B196-69F7-5B49-9E8F-65111842FC39}" type="datetimeFigureOut">
               <a:rPr lang="en-US" smtClean="0"/>
-              <a:t>1/12/19</a:t>
+              <a:t>1/14/2019</a:t>
             </a:fld>
             <a:endParaRPr lang="en-US"/>
           </a:p>
@@ -1406,7 +7492,7 @@
           <a:p>
             <a:fld id="{CC52B196-69F7-5B49-9E8F-65111842FC39}" type="datetimeFigureOut">
               <a:rPr lang="en-US" smtClean="0"/>
-              <a:t>1/12/19</a:t>
+              <a:t>1/14/2019</a:t>
             </a:fld>
             <a:endParaRPr lang="en-US"/>
           </a:p>
@@ -1818,7 +7904,7 @@
           <a:p>
             <a:fld id="{CC52B196-69F7-5B49-9E8F-65111842FC39}" type="datetimeFigureOut">
               <a:rPr lang="en-US" smtClean="0"/>
-              <a:t>1/12/19</a:t>
+              <a:t>1/14/2019</a:t>
             </a:fld>
             <a:endParaRPr lang="en-US"/>
           </a:p>
@@ -1959,7 +8045,7 @@
           <a:p>
             <a:fld id="{CC52B196-69F7-5B49-9E8F-65111842FC39}" type="datetimeFigureOut">
               <a:rPr lang="en-US" smtClean="0"/>
-              <a:t>1/12/19</a:t>
+              <a:t>1/14/2019</a:t>
             </a:fld>
             <a:endParaRPr lang="en-US"/>
           </a:p>
@@ -2072,7 +8158,7 @@
           <a:p>
             <a:fld id="{CC52B196-69F7-5B49-9E8F-65111842FC39}" type="datetimeFigureOut">
               <a:rPr lang="en-US" smtClean="0"/>
-              <a:t>1/12/19</a:t>
+              <a:t>1/14/2019</a:t>
             </a:fld>
             <a:endParaRPr lang="en-US"/>
           </a:p>
@@ -2383,7 +8469,7 @@
           <a:p>
             <a:fld id="{CC52B196-69F7-5B49-9E8F-65111842FC39}" type="datetimeFigureOut">
               <a:rPr lang="en-US" smtClean="0"/>
-              <a:t>1/12/19</a:t>
+              <a:t>1/14/2019</a:t>
             </a:fld>
             <a:endParaRPr lang="en-US"/>
           </a:p>
@@ -2671,7 +8757,7 @@
           <a:p>
             <a:fld id="{CC52B196-69F7-5B49-9E8F-65111842FC39}" type="datetimeFigureOut">
               <a:rPr lang="en-US" smtClean="0"/>
-              <a:t>1/12/19</a:t>
+              <a:t>1/14/2019</a:t>
             </a:fld>
             <a:endParaRPr lang="en-US"/>
           </a:p>
@@ -2912,7 +8998,7 @@
           <a:p>
             <a:fld id="{CC52B196-69F7-5B49-9E8F-65111842FC39}" type="datetimeFigureOut">
               <a:rPr lang="en-US" smtClean="0"/>
-              <a:t>1/12/19</a:t>
+              <a:t>1/14/2019</a:t>
             </a:fld>
             <a:endParaRPr lang="en-US"/>
           </a:p>
@@ -3315,6 +9401,14 @@
 <file path=ppt/slides/slide1.xml><?xml version="1.0" encoding="utf-8"?>
 <p:sld xmlns:a="http://schemas.openxmlformats.org/drawingml/2006/main" xmlns:r="http://schemas.openxmlformats.org/officeDocument/2006/relationships" xmlns:p="http://schemas.openxmlformats.org/presentationml/2006/main">
   <p:cSld>
+    <p:bg>
+      <p:bgPr>
+        <a:solidFill>
+          <a:schemeClr val="tx1"/>
+        </a:solidFill>
+        <a:effectLst/>
+      </p:bgPr>
+    </p:bg>
     <p:spTree>
       <p:nvGrpSpPr>
         <p:cNvPr id="1" name=""/>
@@ -3331,6 +9425,140 @@
       </p:grpSpPr>
       <p:sp>
         <p:nvSpPr>
+          <p:cNvPr id="7" name="Rectangle 6">
+            <a:extLst>
+              <a:ext uri="{FF2B5EF4-FFF2-40B4-BE49-F238E27FC236}">
+                <a16:creationId xmlns:a16="http://schemas.microsoft.com/office/drawing/2014/main" id="{2A8AA5BC-4F7A-4226-8F99-6D824B226A97}"/>
+              </a:ext>
+              <a:ext uri="{C183D7F6-B498-43B3-948B-1728B52AA6E4}">
+                <adec:decorative xmlns:adec="http://schemas.microsoft.com/office/drawing/2017/decorative" val="1"/>
+              </a:ext>
+            </a:extLst>
+          </p:cNvPr>
+          <p:cNvSpPr>
+            <a:spLocks noGrp="1" noRot="1" noChangeAspect="1" noMove="1" noResize="1" noEditPoints="1" noAdjustHandles="1" noChangeArrowheads="1" noChangeShapeType="1" noTextEdit="1"/>
+          </p:cNvSpPr>
+          <p:nvPr>
+            <p:extLst>
+              <p:ext uri="{386F3935-93C4-4BCD-93E2-E3B085C9AB24}">
+                <p16:designElem xmlns:p16="http://schemas.microsoft.com/office/powerpoint/2015/main" val="1"/>
+              </p:ext>
+            </p:extLst>
+          </p:nvPr>
+        </p:nvSpPr>
+        <p:spPr>
+          <a:xfrm>
+            <a:off x="0" y="-3324"/>
+            <a:ext cx="12192000" cy="6861324"/>
+          </a:xfrm>
+          <a:prstGeom prst="rect">
+            <a:avLst/>
+          </a:prstGeom>
+          <a:solidFill>
+            <a:schemeClr val="tx1"/>
+          </a:solidFill>
+          <a:ln>
+            <a:noFill/>
+          </a:ln>
+        </p:spPr>
+        <p:style>
+          <a:lnRef idx="2">
+            <a:schemeClr val="accent1">
+              <a:shade val="50000"/>
+            </a:schemeClr>
+          </a:lnRef>
+          <a:fillRef idx="1">
+            <a:schemeClr val="accent1"/>
+          </a:fillRef>
+          <a:effectRef idx="0">
+            <a:schemeClr val="accent1"/>
+          </a:effectRef>
+          <a:fontRef idx="minor">
+            <a:schemeClr val="lt1"/>
+          </a:fontRef>
+        </p:style>
+        <p:txBody>
+          <a:bodyPr rtlCol="0" anchor="ctr"/>
+          <a:lstStyle/>
+          <a:p>
+            <a:pPr algn="ctr"/>
+            <a:endParaRPr lang="en-US"/>
+          </a:p>
+        </p:txBody>
+      </p:sp>
+      <p:sp>
+        <p:nvSpPr>
+          <p:cNvPr id="9" name="Rectangle 8">
+            <a:extLst>
+              <a:ext uri="{FF2B5EF4-FFF2-40B4-BE49-F238E27FC236}">
+                <a16:creationId xmlns:a16="http://schemas.microsoft.com/office/drawing/2014/main" id="{3E5445C6-DD42-4979-86FF-03730E8C6DB0}"/>
+              </a:ext>
+              <a:ext uri="{C183D7F6-B498-43B3-948B-1728B52AA6E4}">
+                <adec:decorative xmlns:adec="http://schemas.microsoft.com/office/drawing/2017/decorative" val="1"/>
+              </a:ext>
+            </a:extLst>
+          </p:cNvPr>
+          <p:cNvSpPr>
+            <a:spLocks noGrp="1" noRot="1" noChangeAspect="1" noMove="1" noResize="1" noEditPoints="1" noAdjustHandles="1" noChangeArrowheads="1" noChangeShapeType="1" noTextEdit="1"/>
+          </p:cNvSpPr>
+          <p:nvPr>
+            <p:extLst>
+              <p:ext uri="{386F3935-93C4-4BCD-93E2-E3B085C9AB24}">
+                <p16:designElem xmlns:p16="http://schemas.microsoft.com/office/powerpoint/2015/main" val="1"/>
+              </p:ext>
+            </p:extLst>
+          </p:nvPr>
+        </p:nvSpPr>
+        <p:spPr bwMode="ltGray">
+          <a:xfrm>
+            <a:off x="321734" y="321733"/>
+            <a:ext cx="11573488" cy="6214534"/>
+          </a:xfrm>
+          <a:prstGeom prst="rect">
+            <a:avLst/>
+          </a:prstGeom>
+          <a:solidFill>
+            <a:schemeClr val="bg1">
+              <a:lumMod val="75000"/>
+              <a:lumOff val="25000"/>
+            </a:schemeClr>
+          </a:solidFill>
+          <a:ln w="127000" cap="sq" cmpd="thinThick">
+            <a:solidFill>
+              <a:schemeClr val="bg1">
+                <a:lumMod val="75000"/>
+                <a:lumOff val="25000"/>
+              </a:schemeClr>
+            </a:solidFill>
+          </a:ln>
+        </p:spPr>
+        <p:style>
+          <a:lnRef idx="2">
+            <a:schemeClr val="accent1">
+              <a:shade val="50000"/>
+            </a:schemeClr>
+          </a:lnRef>
+          <a:fillRef idx="1">
+            <a:schemeClr val="accent1"/>
+          </a:fillRef>
+          <a:effectRef idx="0">
+            <a:schemeClr val="accent1"/>
+          </a:effectRef>
+          <a:fontRef idx="minor">
+            <a:schemeClr val="lt1"/>
+          </a:fontRef>
+        </p:style>
+        <p:txBody>
+          <a:bodyPr rtlCol="0" anchor="ctr"/>
+          <a:lstStyle/>
+          <a:p>
+            <a:pPr algn="ctr"/>
+            <a:endParaRPr lang="en-US"/>
+          </a:p>
+        </p:txBody>
+      </p:sp>
+      <p:sp>
+        <p:nvSpPr>
           <p:cNvPr id="2" name="Title 1">
             <a:extLst>
               <a:ext uri="{FF2B5EF4-FFF2-40B4-BE49-F238E27FC236}">
@@ -3345,7 +9573,12 @@
             <p:ph type="ctrTitle"/>
           </p:nvPr>
         </p:nvSpPr>
-        <p:spPr/>
+        <p:spPr>
+          <a:xfrm>
+            <a:off x="1524000" y="1122362"/>
+            <a:ext cx="9144000" cy="2840037"/>
+          </a:xfrm>
+        </p:spPr>
         <p:txBody>
           <a:bodyPr>
             <a:normAutofit/>
@@ -3353,12 +9586,66 @@
           <a:lstStyle/>
           <a:p>
             <a:r>
-              <a:rPr lang="en-US" dirty="0"/>
+              <a:rPr lang="en-US" sz="5800"/>
               <a:t>Comparison of S&amp;P 500 Volatility Index</a:t>
             </a:r>
           </a:p>
         </p:txBody>
       </p:sp>
+      <p:cxnSp>
+        <p:nvCxnSpPr>
+          <p:cNvPr id="11" name="Straight Connector 10">
+            <a:extLst>
+              <a:ext uri="{FF2B5EF4-FFF2-40B4-BE49-F238E27FC236}">
+                <a16:creationId xmlns:a16="http://schemas.microsoft.com/office/drawing/2014/main" id="{45000665-DFC7-417E-8FD7-516A0F15C975}"/>
+              </a:ext>
+              <a:ext uri="{C183D7F6-B498-43B3-948B-1728B52AA6E4}">
+                <adec:decorative xmlns:adec="http://schemas.microsoft.com/office/drawing/2017/decorative" val="1"/>
+              </a:ext>
+            </a:extLst>
+          </p:cNvPr>
+          <p:cNvCxnSpPr>
+            <a:cxnSpLocks noGrp="1" noRot="1" noChangeAspect="1" noMove="1" noResize="1" noEditPoints="1" noAdjustHandles="1" noChangeArrowheads="1" noChangeShapeType="1"/>
+          </p:cNvCxnSpPr>
+          <p:nvPr>
+            <p:extLst>
+              <p:ext uri="{386F3935-93C4-4BCD-93E2-E3B085C9AB24}">
+                <p16:designElem xmlns:p16="http://schemas.microsoft.com/office/powerpoint/2015/main" val="1"/>
+              </p:ext>
+            </p:extLst>
+          </p:nvPr>
+        </p:nvCxnSpPr>
+        <p:spPr>
+          <a:xfrm>
+            <a:off x="4724400" y="4109417"/>
+            <a:ext cx="2743200" cy="0"/>
+          </a:xfrm>
+          <a:prstGeom prst="line">
+            <a:avLst/>
+          </a:prstGeom>
+          <a:ln w="12700">
+            <a:solidFill>
+              <a:schemeClr val="tx1">
+                <a:lumMod val="85000"/>
+              </a:schemeClr>
+            </a:solidFill>
+          </a:ln>
+        </p:spPr>
+        <p:style>
+          <a:lnRef idx="1">
+            <a:schemeClr val="accent1"/>
+          </a:lnRef>
+          <a:fillRef idx="0">
+            <a:schemeClr val="accent1"/>
+          </a:fillRef>
+          <a:effectRef idx="0">
+            <a:schemeClr val="accent1"/>
+          </a:effectRef>
+          <a:fontRef idx="minor">
+            <a:schemeClr val="tx1"/>
+          </a:fontRef>
+        </p:style>
+      </p:cxnSp>
     </p:spTree>
     <p:extLst>
       <p:ext uri="{BB962C8B-B14F-4D97-AF65-F5344CB8AC3E}">
@@ -3367,7 +9654,7 @@
     </p:extLst>
   </p:cSld>
   <p:clrMapOvr>
-    <a:masterClrMapping/>
+    <a:overrideClrMapping bg1="dk1" tx1="lt1" bg2="dk2" tx2="lt2" accent1="accent1" accent2="accent2" accent3="accent3" accent4="accent4" accent5="accent5" accent6="accent6" hlink="hlink" folHlink="folHlink"/>
   </p:clrMapOvr>
 </p:sld>
 </file>
@@ -3375,6 +9662,14 @@
 <file path=ppt/slides/slide2.xml><?xml version="1.0" encoding="utf-8"?>
 <p:sld xmlns:a="http://schemas.openxmlformats.org/drawingml/2006/main" xmlns:r="http://schemas.openxmlformats.org/officeDocument/2006/relationships" xmlns:p="http://schemas.openxmlformats.org/presentationml/2006/main">
   <p:cSld>
+    <p:bg>
+      <p:bgPr>
+        <a:solidFill>
+          <a:schemeClr val="bg1"/>
+        </a:solidFill>
+        <a:effectLst/>
+      </p:bgPr>
+    </p:bg>
     <p:spTree>
       <p:nvGrpSpPr>
         <p:cNvPr id="1" name=""/>
@@ -3391,6 +9686,71 @@
       </p:grpSpPr>
       <p:sp>
         <p:nvSpPr>
+          <p:cNvPr id="11" name="Rectangle 10">
+            <a:extLst>
+              <a:ext uri="{FF2B5EF4-FFF2-40B4-BE49-F238E27FC236}">
+                <a16:creationId xmlns:a16="http://schemas.microsoft.com/office/drawing/2014/main" id="{99899462-FC16-43B0-966B-FCA263450716}"/>
+              </a:ext>
+              <a:ext uri="{C183D7F6-B498-43B3-948B-1728B52AA6E4}">
+                <adec:decorative xmlns:adec="http://schemas.microsoft.com/office/drawing/2017/decorative" val="1"/>
+              </a:ext>
+            </a:extLst>
+          </p:cNvPr>
+          <p:cNvSpPr>
+            <a:spLocks noGrp="1" noRot="1" noChangeAspect="1" noMove="1" noResize="1" noEditPoints="1" noAdjustHandles="1" noChangeArrowheads="1" noChangeShapeType="1" noTextEdit="1"/>
+          </p:cNvSpPr>
+          <p:nvPr>
+            <p:extLst>
+              <p:ext uri="{386F3935-93C4-4BCD-93E2-E3B085C9AB24}">
+                <p16:designElem xmlns:p16="http://schemas.microsoft.com/office/powerpoint/2015/main" val="1"/>
+              </p:ext>
+            </p:extLst>
+          </p:nvPr>
+        </p:nvSpPr>
+        <p:spPr bwMode="ltGray">
+          <a:xfrm>
+            <a:off x="4654295" y="478232"/>
+            <a:ext cx="7034121" cy="5918673"/>
+          </a:xfrm>
+          <a:prstGeom prst="rect">
+            <a:avLst/>
+          </a:prstGeom>
+          <a:solidFill>
+            <a:srgbClr val="404040"/>
+          </a:solidFill>
+          <a:ln w="127000" cap="sq" cmpd="thinThick">
+            <a:solidFill>
+              <a:srgbClr val="404040"/>
+            </a:solidFill>
+          </a:ln>
+        </p:spPr>
+        <p:style>
+          <a:lnRef idx="2">
+            <a:schemeClr val="accent1">
+              <a:shade val="50000"/>
+            </a:schemeClr>
+          </a:lnRef>
+          <a:fillRef idx="1">
+            <a:schemeClr val="accent1"/>
+          </a:fillRef>
+          <a:effectRef idx="0">
+            <a:schemeClr val="accent1"/>
+          </a:effectRef>
+          <a:fontRef idx="minor">
+            <a:schemeClr val="lt1"/>
+          </a:fontRef>
+        </p:style>
+        <p:txBody>
+          <a:bodyPr rtlCol="0" anchor="ctr"/>
+          <a:lstStyle/>
+          <a:p>
+            <a:pPr algn="ctr"/>
+            <a:endParaRPr lang="en-US"/>
+          </a:p>
+        </p:txBody>
+      </p:sp>
+      <p:sp>
+        <p:nvSpPr>
           <p:cNvPr id="2" name="Title 1">
             <a:extLst>
               <a:ext uri="{FF2B5EF4-FFF2-40B4-BE49-F238E27FC236}">
@@ -3405,18 +9765,141 @@
             <p:ph type="title"/>
           </p:nvPr>
         </p:nvSpPr>
-        <p:spPr/>
+        <p:spPr>
+          <a:xfrm>
+            <a:off x="5297762" y="1053711"/>
+            <a:ext cx="5638994" cy="1424446"/>
+          </a:xfrm>
+        </p:spPr>
         <p:txBody>
-          <a:bodyPr/>
+          <a:bodyPr>
+            <a:normAutofit/>
+          </a:bodyPr>
           <a:lstStyle/>
           <a:p>
             <a:r>
-              <a:rPr lang="en-US" dirty="0"/>
+              <a:rPr lang="en-US">
+                <a:solidFill>
+                  <a:srgbClr val="FFFFFF"/>
+                </a:solidFill>
+              </a:rPr>
               <a:t>Hypothesis</a:t>
             </a:r>
           </a:p>
         </p:txBody>
       </p:sp>
+      <p:pic>
+        <p:nvPicPr>
+          <p:cNvPr id="6" name="Picture 5">
+            <a:extLst>
+              <a:ext uri="{FF2B5EF4-FFF2-40B4-BE49-F238E27FC236}">
+                <a16:creationId xmlns:a16="http://schemas.microsoft.com/office/drawing/2014/main" id="{6503CB3D-51E8-4C11-BEEA-DFC0511132E2}"/>
+              </a:ext>
+            </a:extLst>
+          </p:cNvPr>
+          <p:cNvPicPr>
+            <a:picLocks noChangeAspect="1"/>
+          </p:cNvPicPr>
+          <p:nvPr/>
+        </p:nvPicPr>
+        <p:blipFill>
+          <a:blip r:embed="rId2"/>
+          <a:stretch>
+            <a:fillRect/>
+          </a:stretch>
+        </p:blipFill>
+        <p:spPr>
+          <a:xfrm>
+            <a:off x="481886" y="724001"/>
+            <a:ext cx="3930950" cy="2466671"/>
+          </a:xfrm>
+          <a:prstGeom prst="rect">
+            <a:avLst/>
+          </a:prstGeom>
+        </p:spPr>
+      </p:pic>
+      <p:cxnSp>
+        <p:nvCxnSpPr>
+          <p:cNvPr id="13" name="Straight Connector 12">
+            <a:extLst>
+              <a:ext uri="{FF2B5EF4-FFF2-40B4-BE49-F238E27FC236}">
+                <a16:creationId xmlns:a16="http://schemas.microsoft.com/office/drawing/2014/main" id="{AAFEA932-2DF1-410C-A00A-7A1E7DBF7511}"/>
+              </a:ext>
+              <a:ext uri="{C183D7F6-B498-43B3-948B-1728B52AA6E4}">
+                <adec:decorative xmlns:adec="http://schemas.microsoft.com/office/drawing/2017/decorative" val="1"/>
+              </a:ext>
+            </a:extLst>
+          </p:cNvPr>
+          <p:cNvCxnSpPr>
+            <a:cxnSpLocks noGrp="1" noRot="1" noChangeAspect="1" noMove="1" noResize="1" noEditPoints="1" noAdjustHandles="1" noChangeArrowheads="1" noChangeShapeType="1"/>
+          </p:cNvCxnSpPr>
+          <p:nvPr>
+            <p:extLst>
+              <p:ext uri="{386F3935-93C4-4BCD-93E2-E3B085C9AB24}">
+                <p16:designElem xmlns:p16="http://schemas.microsoft.com/office/powerpoint/2015/main" val="1"/>
+              </p:ext>
+            </p:extLst>
+          </p:nvPr>
+        </p:nvCxnSpPr>
+        <p:spPr>
+          <a:xfrm>
+            <a:off x="5430098" y="2639023"/>
+            <a:ext cx="4562441" cy="0"/>
+          </a:xfrm>
+          <a:prstGeom prst="line">
+            <a:avLst/>
+          </a:prstGeom>
+          <a:ln w="22225">
+            <a:solidFill>
+              <a:srgbClr val="E7E6E6"/>
+            </a:solidFill>
+          </a:ln>
+        </p:spPr>
+        <p:style>
+          <a:lnRef idx="1">
+            <a:schemeClr val="accent1"/>
+          </a:lnRef>
+          <a:fillRef idx="0">
+            <a:schemeClr val="accent1"/>
+          </a:fillRef>
+          <a:effectRef idx="0">
+            <a:schemeClr val="accent1"/>
+          </a:effectRef>
+          <a:fontRef idx="minor">
+            <a:schemeClr val="tx1"/>
+          </a:fontRef>
+        </p:style>
+      </p:cxnSp>
+      <p:pic>
+        <p:nvPicPr>
+          <p:cNvPr id="5" name="Picture 4">
+            <a:extLst>
+              <a:ext uri="{FF2B5EF4-FFF2-40B4-BE49-F238E27FC236}">
+                <a16:creationId xmlns:a16="http://schemas.microsoft.com/office/drawing/2014/main" id="{A656C91A-5074-4644-9490-A83E7447B685}"/>
+              </a:ext>
+            </a:extLst>
+          </p:cNvPr>
+          <p:cNvPicPr>
+            <a:picLocks noChangeAspect="1"/>
+          </p:cNvPicPr>
+          <p:nvPr/>
+        </p:nvPicPr>
+        <p:blipFill>
+          <a:blip r:embed="rId3"/>
+          <a:stretch>
+            <a:fillRect/>
+          </a:stretch>
+        </p:blipFill>
+        <p:spPr>
+          <a:xfrm>
+            <a:off x="481886" y="3662258"/>
+            <a:ext cx="3946676" cy="2466671"/>
+          </a:xfrm>
+          <a:prstGeom prst="rect">
+            <a:avLst/>
+          </a:prstGeom>
+        </p:spPr>
+      </p:pic>
       <p:sp>
         <p:nvSpPr>
           <p:cNvPr id="3" name="Content Placeholder 2">
@@ -3433,21 +9916,60 @@
             <p:ph idx="1"/>
           </p:nvPr>
         </p:nvSpPr>
-        <p:spPr/>
+        <p:spPr>
+          <a:xfrm>
+            <a:off x="5297762" y="2799889"/>
+            <a:ext cx="5747187" cy="2987543"/>
+          </a:xfrm>
+        </p:spPr>
         <p:txBody>
-          <a:bodyPr/>
+          <a:bodyPr anchor="t">
+            <a:normAutofit/>
+          </a:bodyPr>
           <a:lstStyle/>
           <a:p>
             <a:r>
-              <a:rPr lang="en-US" dirty="0"/>
-              <a:t>the Volatility index (^VIX) is inversely correlated to S&amp;P index (SPY)</a:t>
+              <a:rPr lang="en-US" sz="2400" dirty="0">
+                <a:solidFill>
+                  <a:srgbClr val="FFFFFF"/>
+                </a:solidFill>
+              </a:rPr>
+              <a:t>Is the S&amp;P500 (SPY) inversely correlated to the Volatility Index (VIX)?</a:t>
             </a:r>
           </a:p>
           <a:p>
+            <a:endParaRPr lang="en-US" sz="2400" dirty="0">
+              <a:solidFill>
+                <a:srgbClr val="FFFFFF"/>
+              </a:solidFill>
+            </a:endParaRPr>
+          </a:p>
+          <a:p>
             <a:r>
-              <a:rPr lang="en-US" dirty="0"/>
-              <a:t>Unemployment is directly correlated with SPY.</a:t>
+              <a:rPr lang="en-US" sz="2400" dirty="0">
+                <a:solidFill>
+                  <a:srgbClr val="FFFFFF"/>
+                </a:solidFill>
+              </a:rPr>
+              <a:t>Is there a correlation between market performance and unemployment rate?</a:t>
             </a:r>
+          </a:p>
+          <a:p>
+            <a:endParaRPr lang="en-US" sz="2400" dirty="0">
+              <a:solidFill>
+                <a:srgbClr val="FFFFFF"/>
+              </a:solidFill>
+            </a:endParaRPr>
+          </a:p>
+          <a:p>
+            <a:pPr marL="0" indent="0">
+              <a:buNone/>
+            </a:pPr>
+            <a:endParaRPr lang="en-US" sz="2400" dirty="0">
+              <a:solidFill>
+                <a:srgbClr val="FFFFFF"/>
+              </a:solidFill>
+            </a:endParaRPr>
           </a:p>
         </p:txBody>
       </p:sp>
@@ -3467,6 +9989,14 @@
 <file path=ppt/slides/slide3.xml><?xml version="1.0" encoding="utf-8"?>
 <p:sld xmlns:a="http://schemas.openxmlformats.org/drawingml/2006/main" xmlns:r="http://schemas.openxmlformats.org/officeDocument/2006/relationships" xmlns:p="http://schemas.openxmlformats.org/presentationml/2006/main">
   <p:cSld>
+    <p:bg>
+      <p:bgPr>
+        <a:solidFill>
+          <a:schemeClr val="bg1"/>
+        </a:solidFill>
+        <a:effectLst/>
+      </p:bgPr>
+    </p:bg>
     <p:spTree>
       <p:nvGrpSpPr>
         <p:cNvPr id="1" name=""/>
@@ -3483,6 +10013,487 @@
       </p:grpSpPr>
       <p:sp>
         <p:nvSpPr>
+          <p:cNvPr id="10" name="Freeform: Shape 9">
+            <a:extLst>
+              <a:ext uri="{FF2B5EF4-FFF2-40B4-BE49-F238E27FC236}">
+                <a16:creationId xmlns:a16="http://schemas.microsoft.com/office/drawing/2014/main" id="{46C2E80F-49A6-4372-B103-219D417A55ED}"/>
+              </a:ext>
+              <a:ext uri="{C183D7F6-B498-43B3-948B-1728B52AA6E4}">
+                <adec:decorative xmlns:adec="http://schemas.microsoft.com/office/drawing/2017/decorative" val="1"/>
+              </a:ext>
+            </a:extLst>
+          </p:cNvPr>
+          <p:cNvSpPr>
+            <a:spLocks noGrp="1" noRot="1" noChangeAspect="1" noMove="1" noResize="1" noEditPoints="1" noAdjustHandles="1" noChangeArrowheads="1" noChangeShapeType="1" noTextEdit="1"/>
+          </p:cNvSpPr>
+          <p:nvPr>
+            <p:extLst>
+              <p:ext uri="{386F3935-93C4-4BCD-93E2-E3B085C9AB24}">
+                <p16:designElem xmlns:p16="http://schemas.microsoft.com/office/powerpoint/2015/main" val="1"/>
+              </p:ext>
+            </p:extLst>
+          </p:nvPr>
+        </p:nvSpPr>
+        <p:spPr>
+          <a:xfrm>
+            <a:off x="484096" y="470925"/>
+            <a:ext cx="4381009" cy="5892104"/>
+          </a:xfrm>
+          <a:custGeom>
+            <a:avLst/>
+            <a:gdLst>
+              <a:gd name="connsiteX0" fmla="*/ 0 w 4381009"/>
+              <a:gd name="connsiteY0" fmla="*/ 0 h 5892104"/>
+              <a:gd name="connsiteX1" fmla="*/ 4157628 w 4381009"/>
+              <a:gd name="connsiteY1" fmla="*/ 0 h 5892104"/>
+              <a:gd name="connsiteX2" fmla="*/ 4169302 w 4381009"/>
+              <a:gd name="connsiteY2" fmla="*/ 68659 h 5892104"/>
+              <a:gd name="connsiteX3" fmla="*/ 4191571 w 4381009"/>
+              <a:gd name="connsiteY3" fmla="*/ 205472 h 5892104"/>
+              <a:gd name="connsiteX4" fmla="*/ 4213368 w 4381009"/>
+              <a:gd name="connsiteY4" fmla="*/ 342890 h 5892104"/>
+              <a:gd name="connsiteX5" fmla="*/ 4232030 w 4381009"/>
+              <a:gd name="connsiteY5" fmla="*/ 480913 h 5892104"/>
+              <a:gd name="connsiteX6" fmla="*/ 4250848 w 4381009"/>
+              <a:gd name="connsiteY6" fmla="*/ 618332 h 5892104"/>
+              <a:gd name="connsiteX7" fmla="*/ 4268412 w 4381009"/>
+              <a:gd name="connsiteY7" fmla="*/ 756355 h 5892104"/>
+              <a:gd name="connsiteX8" fmla="*/ 4283467 w 4381009"/>
+              <a:gd name="connsiteY8" fmla="*/ 892563 h 5892104"/>
+              <a:gd name="connsiteX9" fmla="*/ 4297737 w 4381009"/>
+              <a:gd name="connsiteY9" fmla="*/ 1030587 h 5892104"/>
+              <a:gd name="connsiteX10" fmla="*/ 4310754 w 4381009"/>
+              <a:gd name="connsiteY10" fmla="*/ 1168005 h 5892104"/>
+              <a:gd name="connsiteX11" fmla="*/ 4322045 w 4381009"/>
+              <a:gd name="connsiteY11" fmla="*/ 1303002 h 5892104"/>
+              <a:gd name="connsiteX12" fmla="*/ 4333336 w 4381009"/>
+              <a:gd name="connsiteY12" fmla="*/ 1439815 h 5892104"/>
+              <a:gd name="connsiteX13" fmla="*/ 4342745 w 4381009"/>
+              <a:gd name="connsiteY13" fmla="*/ 1574812 h 5892104"/>
+              <a:gd name="connsiteX14" fmla="*/ 4350115 w 4381009"/>
+              <a:gd name="connsiteY14" fmla="*/ 1709808 h 5892104"/>
+              <a:gd name="connsiteX15" fmla="*/ 4357799 w 4381009"/>
+              <a:gd name="connsiteY15" fmla="*/ 1844200 h 5892104"/>
+              <a:gd name="connsiteX16" fmla="*/ 4364229 w 4381009"/>
+              <a:gd name="connsiteY16" fmla="*/ 1977381 h 5892104"/>
+              <a:gd name="connsiteX17" fmla="*/ 4368777 w 4381009"/>
+              <a:gd name="connsiteY17" fmla="*/ 2109351 h 5892104"/>
+              <a:gd name="connsiteX18" fmla="*/ 4372697 w 4381009"/>
+              <a:gd name="connsiteY18" fmla="*/ 2241321 h 5892104"/>
+              <a:gd name="connsiteX19" fmla="*/ 4376461 w 4381009"/>
+              <a:gd name="connsiteY19" fmla="*/ 2372080 h 5892104"/>
+              <a:gd name="connsiteX20" fmla="*/ 4378186 w 4381009"/>
+              <a:gd name="connsiteY20" fmla="*/ 2501023 h 5892104"/>
+              <a:gd name="connsiteX21" fmla="*/ 4380068 w 4381009"/>
+              <a:gd name="connsiteY21" fmla="*/ 2629966 h 5892104"/>
+              <a:gd name="connsiteX22" fmla="*/ 4381009 w 4381009"/>
+              <a:gd name="connsiteY22" fmla="*/ 2757093 h 5892104"/>
+              <a:gd name="connsiteX23" fmla="*/ 4380068 w 4381009"/>
+              <a:gd name="connsiteY23" fmla="*/ 2883010 h 5892104"/>
+              <a:gd name="connsiteX24" fmla="*/ 4380068 w 4381009"/>
+              <a:gd name="connsiteY24" fmla="*/ 3007715 h 5892104"/>
+              <a:gd name="connsiteX25" fmla="*/ 4378186 w 4381009"/>
+              <a:gd name="connsiteY25" fmla="*/ 3131210 h 5892104"/>
+              <a:gd name="connsiteX26" fmla="*/ 4375363 w 4381009"/>
+              <a:gd name="connsiteY26" fmla="*/ 3252283 h 5892104"/>
+              <a:gd name="connsiteX27" fmla="*/ 4372697 w 4381009"/>
+              <a:gd name="connsiteY27" fmla="*/ 3372146 h 5892104"/>
+              <a:gd name="connsiteX28" fmla="*/ 4369718 w 4381009"/>
+              <a:gd name="connsiteY28" fmla="*/ 3489587 h 5892104"/>
+              <a:gd name="connsiteX29" fmla="*/ 4365170 w 4381009"/>
+              <a:gd name="connsiteY29" fmla="*/ 3606423 h 5892104"/>
+              <a:gd name="connsiteX30" fmla="*/ 4360309 w 4381009"/>
+              <a:gd name="connsiteY30" fmla="*/ 3721443 h 5892104"/>
+              <a:gd name="connsiteX31" fmla="*/ 4355918 w 4381009"/>
+              <a:gd name="connsiteY31" fmla="*/ 3834041 h 5892104"/>
+              <a:gd name="connsiteX32" fmla="*/ 4343529 w 4381009"/>
+              <a:gd name="connsiteY32" fmla="*/ 4053789 h 5892104"/>
+              <a:gd name="connsiteX33" fmla="*/ 4330356 w 4381009"/>
+              <a:gd name="connsiteY33" fmla="*/ 4264457 h 5892104"/>
+              <a:gd name="connsiteX34" fmla="*/ 4316556 w 4381009"/>
+              <a:gd name="connsiteY34" fmla="*/ 4466650 h 5892104"/>
+              <a:gd name="connsiteX35" fmla="*/ 4301344 w 4381009"/>
+              <a:gd name="connsiteY35" fmla="*/ 4657946 h 5892104"/>
+              <a:gd name="connsiteX36" fmla="*/ 4285506 w 4381009"/>
+              <a:gd name="connsiteY36" fmla="*/ 4840767 h 5892104"/>
+              <a:gd name="connsiteX37" fmla="*/ 4268412 w 4381009"/>
+              <a:gd name="connsiteY37" fmla="*/ 5010269 h 5892104"/>
+              <a:gd name="connsiteX38" fmla="*/ 4251633 w 4381009"/>
+              <a:gd name="connsiteY38" fmla="*/ 5169481 h 5892104"/>
+              <a:gd name="connsiteX39" fmla="*/ 4234853 w 4381009"/>
+              <a:gd name="connsiteY39" fmla="*/ 5315980 h 5892104"/>
+              <a:gd name="connsiteX40" fmla="*/ 4219014 w 4381009"/>
+              <a:gd name="connsiteY40" fmla="*/ 5450371 h 5892104"/>
+              <a:gd name="connsiteX41" fmla="*/ 4203959 w 4381009"/>
+              <a:gd name="connsiteY41" fmla="*/ 5569628 h 5892104"/>
+              <a:gd name="connsiteX42" fmla="*/ 4189689 w 4381009"/>
+              <a:gd name="connsiteY42" fmla="*/ 5677384 h 5892104"/>
+              <a:gd name="connsiteX43" fmla="*/ 4177770 w 4381009"/>
+              <a:gd name="connsiteY43" fmla="*/ 5768189 h 5892104"/>
+              <a:gd name="connsiteX44" fmla="*/ 4166479 w 4381009"/>
+              <a:gd name="connsiteY44" fmla="*/ 5844465 h 5892104"/>
+              <a:gd name="connsiteX45" fmla="*/ 4159132 w 4381009"/>
+              <a:gd name="connsiteY45" fmla="*/ 5892104 h 5892104"/>
+              <a:gd name="connsiteX46" fmla="*/ 0 w 4381009"/>
+              <a:gd name="connsiteY46" fmla="*/ 5892104 h 5892104"/>
+            </a:gdLst>
+            <a:ahLst/>
+            <a:cxnLst>
+              <a:cxn ang="0">
+                <a:pos x="connsiteX0" y="connsiteY0"/>
+              </a:cxn>
+              <a:cxn ang="0">
+                <a:pos x="connsiteX1" y="connsiteY1"/>
+              </a:cxn>
+              <a:cxn ang="0">
+                <a:pos x="connsiteX2" y="connsiteY2"/>
+              </a:cxn>
+              <a:cxn ang="0">
+                <a:pos x="connsiteX3" y="connsiteY3"/>
+              </a:cxn>
+              <a:cxn ang="0">
+                <a:pos x="connsiteX4" y="connsiteY4"/>
+              </a:cxn>
+              <a:cxn ang="0">
+                <a:pos x="connsiteX5" y="connsiteY5"/>
+              </a:cxn>
+              <a:cxn ang="0">
+                <a:pos x="connsiteX6" y="connsiteY6"/>
+              </a:cxn>
+              <a:cxn ang="0">
+                <a:pos x="connsiteX7" y="connsiteY7"/>
+              </a:cxn>
+              <a:cxn ang="0">
+                <a:pos x="connsiteX8" y="connsiteY8"/>
+              </a:cxn>
+              <a:cxn ang="0">
+                <a:pos x="connsiteX9" y="connsiteY9"/>
+              </a:cxn>
+              <a:cxn ang="0">
+                <a:pos x="connsiteX10" y="connsiteY10"/>
+              </a:cxn>
+              <a:cxn ang="0">
+                <a:pos x="connsiteX11" y="connsiteY11"/>
+              </a:cxn>
+              <a:cxn ang="0">
+                <a:pos x="connsiteX12" y="connsiteY12"/>
+              </a:cxn>
+              <a:cxn ang="0">
+                <a:pos x="connsiteX13" y="connsiteY13"/>
+              </a:cxn>
+              <a:cxn ang="0">
+                <a:pos x="connsiteX14" y="connsiteY14"/>
+              </a:cxn>
+              <a:cxn ang="0">
+                <a:pos x="connsiteX15" y="connsiteY15"/>
+              </a:cxn>
+              <a:cxn ang="0">
+                <a:pos x="connsiteX16" y="connsiteY16"/>
+              </a:cxn>
+              <a:cxn ang="0">
+                <a:pos x="connsiteX17" y="connsiteY17"/>
+              </a:cxn>
+              <a:cxn ang="0">
+                <a:pos x="connsiteX18" y="connsiteY18"/>
+              </a:cxn>
+              <a:cxn ang="0">
+                <a:pos x="connsiteX19" y="connsiteY19"/>
+              </a:cxn>
+              <a:cxn ang="0">
+                <a:pos x="connsiteX20" y="connsiteY20"/>
+              </a:cxn>
+              <a:cxn ang="0">
+                <a:pos x="connsiteX21" y="connsiteY21"/>
+              </a:cxn>
+              <a:cxn ang="0">
+                <a:pos x="connsiteX22" y="connsiteY22"/>
+              </a:cxn>
+              <a:cxn ang="0">
+                <a:pos x="connsiteX23" y="connsiteY23"/>
+              </a:cxn>
+              <a:cxn ang="0">
+                <a:pos x="connsiteX24" y="connsiteY24"/>
+              </a:cxn>
+              <a:cxn ang="0">
+                <a:pos x="connsiteX25" y="connsiteY25"/>
+              </a:cxn>
+              <a:cxn ang="0">
+                <a:pos x="connsiteX26" y="connsiteY26"/>
+              </a:cxn>
+              <a:cxn ang="0">
+                <a:pos x="connsiteX27" y="connsiteY27"/>
+              </a:cxn>
+              <a:cxn ang="0">
+                <a:pos x="connsiteX28" y="connsiteY28"/>
+              </a:cxn>
+              <a:cxn ang="0">
+                <a:pos x="connsiteX29" y="connsiteY29"/>
+              </a:cxn>
+              <a:cxn ang="0">
+                <a:pos x="connsiteX30" y="connsiteY30"/>
+              </a:cxn>
+              <a:cxn ang="0">
+                <a:pos x="connsiteX31" y="connsiteY31"/>
+              </a:cxn>
+              <a:cxn ang="0">
+                <a:pos x="connsiteX32" y="connsiteY32"/>
+              </a:cxn>
+              <a:cxn ang="0">
+                <a:pos x="connsiteX33" y="connsiteY33"/>
+              </a:cxn>
+              <a:cxn ang="0">
+                <a:pos x="connsiteX34" y="connsiteY34"/>
+              </a:cxn>
+              <a:cxn ang="0">
+                <a:pos x="connsiteX35" y="connsiteY35"/>
+              </a:cxn>
+              <a:cxn ang="0">
+                <a:pos x="connsiteX36" y="connsiteY36"/>
+              </a:cxn>
+              <a:cxn ang="0">
+                <a:pos x="connsiteX37" y="connsiteY37"/>
+              </a:cxn>
+              <a:cxn ang="0">
+                <a:pos x="connsiteX38" y="connsiteY38"/>
+              </a:cxn>
+              <a:cxn ang="0">
+                <a:pos x="connsiteX39" y="connsiteY39"/>
+              </a:cxn>
+              <a:cxn ang="0">
+                <a:pos x="connsiteX40" y="connsiteY40"/>
+              </a:cxn>
+              <a:cxn ang="0">
+                <a:pos x="connsiteX41" y="connsiteY41"/>
+              </a:cxn>
+              <a:cxn ang="0">
+                <a:pos x="connsiteX42" y="connsiteY42"/>
+              </a:cxn>
+              <a:cxn ang="0">
+                <a:pos x="connsiteX43" y="connsiteY43"/>
+              </a:cxn>
+              <a:cxn ang="0">
+                <a:pos x="connsiteX44" y="connsiteY44"/>
+              </a:cxn>
+              <a:cxn ang="0">
+                <a:pos x="connsiteX45" y="connsiteY45"/>
+              </a:cxn>
+              <a:cxn ang="0">
+                <a:pos x="connsiteX46" y="connsiteY46"/>
+              </a:cxn>
+            </a:cxnLst>
+            <a:rect l="l" t="t" r="r" b="b"/>
+            <a:pathLst>
+              <a:path w="4381009" h="5892104">
+                <a:moveTo>
+                  <a:pt x="0" y="0"/>
+                </a:moveTo>
+                <a:lnTo>
+                  <a:pt x="4157628" y="0"/>
+                </a:lnTo>
+                <a:lnTo>
+                  <a:pt x="4169302" y="68659"/>
+                </a:lnTo>
+                <a:lnTo>
+                  <a:pt x="4191571" y="205472"/>
+                </a:lnTo>
+                <a:lnTo>
+                  <a:pt x="4213368" y="342890"/>
+                </a:lnTo>
+                <a:lnTo>
+                  <a:pt x="4232030" y="480913"/>
+                </a:lnTo>
+                <a:lnTo>
+                  <a:pt x="4250848" y="618332"/>
+                </a:lnTo>
+                <a:lnTo>
+                  <a:pt x="4268412" y="756355"/>
+                </a:lnTo>
+                <a:lnTo>
+                  <a:pt x="4283467" y="892563"/>
+                </a:lnTo>
+                <a:lnTo>
+                  <a:pt x="4297737" y="1030587"/>
+                </a:lnTo>
+                <a:lnTo>
+                  <a:pt x="4310754" y="1168005"/>
+                </a:lnTo>
+                <a:lnTo>
+                  <a:pt x="4322045" y="1303002"/>
+                </a:lnTo>
+                <a:lnTo>
+                  <a:pt x="4333336" y="1439815"/>
+                </a:lnTo>
+                <a:lnTo>
+                  <a:pt x="4342745" y="1574812"/>
+                </a:lnTo>
+                <a:lnTo>
+                  <a:pt x="4350115" y="1709808"/>
+                </a:lnTo>
+                <a:lnTo>
+                  <a:pt x="4357799" y="1844200"/>
+                </a:lnTo>
+                <a:lnTo>
+                  <a:pt x="4364229" y="1977381"/>
+                </a:lnTo>
+                <a:lnTo>
+                  <a:pt x="4368777" y="2109351"/>
+                </a:lnTo>
+                <a:lnTo>
+                  <a:pt x="4372697" y="2241321"/>
+                </a:lnTo>
+                <a:lnTo>
+                  <a:pt x="4376461" y="2372080"/>
+                </a:lnTo>
+                <a:lnTo>
+                  <a:pt x="4378186" y="2501023"/>
+                </a:lnTo>
+                <a:lnTo>
+                  <a:pt x="4380068" y="2629966"/>
+                </a:lnTo>
+                <a:lnTo>
+                  <a:pt x="4381009" y="2757093"/>
+                </a:lnTo>
+                <a:lnTo>
+                  <a:pt x="4380068" y="2883010"/>
+                </a:lnTo>
+                <a:lnTo>
+                  <a:pt x="4380068" y="3007715"/>
+                </a:lnTo>
+                <a:lnTo>
+                  <a:pt x="4378186" y="3131210"/>
+                </a:lnTo>
+                <a:lnTo>
+                  <a:pt x="4375363" y="3252283"/>
+                </a:lnTo>
+                <a:lnTo>
+                  <a:pt x="4372697" y="3372146"/>
+                </a:lnTo>
+                <a:lnTo>
+                  <a:pt x="4369718" y="3489587"/>
+                </a:lnTo>
+                <a:lnTo>
+                  <a:pt x="4365170" y="3606423"/>
+                </a:lnTo>
+                <a:lnTo>
+                  <a:pt x="4360309" y="3721443"/>
+                </a:lnTo>
+                <a:lnTo>
+                  <a:pt x="4355918" y="3834041"/>
+                </a:lnTo>
+                <a:lnTo>
+                  <a:pt x="4343529" y="4053789"/>
+                </a:lnTo>
+                <a:lnTo>
+                  <a:pt x="4330356" y="4264457"/>
+                </a:lnTo>
+                <a:lnTo>
+                  <a:pt x="4316556" y="4466650"/>
+                </a:lnTo>
+                <a:lnTo>
+                  <a:pt x="4301344" y="4657946"/>
+                </a:lnTo>
+                <a:lnTo>
+                  <a:pt x="4285506" y="4840767"/>
+                </a:lnTo>
+                <a:lnTo>
+                  <a:pt x="4268412" y="5010269"/>
+                </a:lnTo>
+                <a:lnTo>
+                  <a:pt x="4251633" y="5169481"/>
+                </a:lnTo>
+                <a:lnTo>
+                  <a:pt x="4234853" y="5315980"/>
+                </a:lnTo>
+                <a:lnTo>
+                  <a:pt x="4219014" y="5450371"/>
+                </a:lnTo>
+                <a:lnTo>
+                  <a:pt x="4203959" y="5569628"/>
+                </a:lnTo>
+                <a:lnTo>
+                  <a:pt x="4189689" y="5677384"/>
+                </a:lnTo>
+                <a:lnTo>
+                  <a:pt x="4177770" y="5768189"/>
+                </a:lnTo>
+                <a:lnTo>
+                  <a:pt x="4166479" y="5844465"/>
+                </a:lnTo>
+                <a:lnTo>
+                  <a:pt x="4159132" y="5892104"/>
+                </a:lnTo>
+                <a:lnTo>
+                  <a:pt x="0" y="5892104"/>
+                </a:lnTo>
+                <a:close/>
+              </a:path>
+            </a:pathLst>
+          </a:custGeom>
+          <a:solidFill>
+            <a:srgbClr val="404040"/>
+          </a:solidFill>
+          <a:ln>
+            <a:noFill/>
+          </a:ln>
+        </p:spPr>
+        <p:style>
+          <a:lnRef idx="2">
+            <a:schemeClr val="accent1">
+              <a:shade val="50000"/>
+            </a:schemeClr>
+          </a:lnRef>
+          <a:fillRef idx="1">
+            <a:schemeClr val="accent1"/>
+          </a:fillRef>
+          <a:effectRef idx="0">
+            <a:schemeClr val="accent1"/>
+          </a:effectRef>
+          <a:fontRef idx="minor">
+            <a:schemeClr val="lt1"/>
+          </a:fontRef>
+        </p:style>
+        <p:txBody>
+          <a:bodyPr wrap="square" rtlCol="0" anchor="ctr">
+            <a:noAutofit/>
+          </a:bodyPr>
+          <a:lstStyle/>
+          <a:p>
+            <a:pPr marL="0" marR="0" lvl="0" indent="0" algn="ctr" defTabSz="457200" rtl="0" eaLnBrk="1" fontAlgn="auto" latinLnBrk="0" hangingPunct="1">
+              <a:lnSpc>
+                <a:spcPct val="100000"/>
+              </a:lnSpc>
+              <a:spcBef>
+                <a:spcPts val="0"/>
+              </a:spcBef>
+              <a:spcAft>
+                <a:spcPts val="0"/>
+              </a:spcAft>
+              <a:buClrTx/>
+              <a:buSzTx/>
+              <a:buFontTx/>
+              <a:buNone/>
+              <a:tabLst/>
+              <a:defRPr/>
+            </a:pPr>
+            <a:endParaRPr kumimoji="0" lang="en-US" sz="1800" b="0" i="0" u="none" strike="noStrike" kern="1200" cap="none" spc="0" normalizeH="0" baseline="0" noProof="0">
+              <a:ln>
+                <a:noFill/>
+              </a:ln>
+              <a:solidFill>
+                <a:prstClr val="white"/>
+              </a:solidFill>
+              <a:effectLst/>
+              <a:uLnTx/>
+              <a:uFillTx/>
+              <a:latin typeface="Calibri" panose="020F0502020204030204"/>
+              <a:ea typeface="+mn-ea"/>
+              <a:cs typeface="+mn-cs"/>
+            </a:endParaRPr>
+          </a:p>
+        </p:txBody>
+      </p:sp>
+      <p:sp>
+        <p:nvSpPr>
           <p:cNvPr id="2" name="Title 1">
             <a:extLst>
               <a:ext uri="{FF2B5EF4-FFF2-40B4-BE49-F238E27FC236}">
@@ -3497,52 +10508,60 @@
             <p:ph type="title"/>
           </p:nvPr>
         </p:nvSpPr>
-        <p:spPr/>
+        <p:spPr>
+          <a:xfrm>
+            <a:off x="863029" y="1012004"/>
+            <a:ext cx="3416158" cy="4795408"/>
+          </a:xfrm>
+        </p:spPr>
         <p:txBody>
-          <a:bodyPr/>
+          <a:bodyPr>
+            <a:normAutofit/>
+          </a:bodyPr>
           <a:lstStyle/>
           <a:p>
             <a:r>
-              <a:rPr lang="en-US" b="1" dirty="0"/>
+              <a:rPr lang="en-US" b="1">
+                <a:solidFill>
+                  <a:srgbClr val="FFFFFF"/>
+                </a:solidFill>
+              </a:rPr>
               <a:t>Data Sources</a:t>
             </a:r>
           </a:p>
         </p:txBody>
       </p:sp>
-      <p:sp>
-        <p:nvSpPr>
-          <p:cNvPr id="3" name="Content Placeholder 2">
+      <p:graphicFrame>
+        <p:nvGraphicFramePr>
+          <p:cNvPr id="5" name="Content Placeholder 2">
             <a:extLst>
               <a:ext uri="{FF2B5EF4-FFF2-40B4-BE49-F238E27FC236}">
-                <a16:creationId xmlns:a16="http://schemas.microsoft.com/office/drawing/2014/main" id="{11774A8A-CD20-C146-B275-E9E89028795A}"/>
+                <a16:creationId xmlns:a16="http://schemas.microsoft.com/office/drawing/2014/main" id="{047E4597-6D95-4F54-8984-2352551F3319}"/>
               </a:ext>
             </a:extLst>
           </p:cNvPr>
-          <p:cNvSpPr>
-            <a:spLocks noGrp="1"/>
-          </p:cNvSpPr>
+          <p:cNvGraphicFramePr>
+            <a:graphicFrameLocks noGrp="1"/>
+          </p:cNvGraphicFramePr>
           <p:nvPr>
             <p:ph idx="1"/>
+            <p:extLst>
+              <p:ext uri="{D42A27DB-BD31-4B8C-83A1-F6EECF244321}">
+                <p14:modId xmlns:p14="http://schemas.microsoft.com/office/powerpoint/2010/main" val="604594513"/>
+              </p:ext>
+            </p:extLst>
           </p:nvPr>
-        </p:nvSpPr>
-        <p:spPr/>
-        <p:txBody>
-          <a:bodyPr/>
-          <a:lstStyle/>
-          <a:p>
-            <a:r>
-              <a:rPr lang="en-US" dirty="0"/>
-              <a:t>Yahoo Finance (web-scraping of SPY and ^VIX data)</a:t>
-            </a:r>
-          </a:p>
-          <a:p>
-            <a:r>
-              <a:rPr lang="en-US" dirty="0"/>
-              <a:t>Bureau of Labor Statistics (Unemployment data)</a:t>
-            </a:r>
-          </a:p>
-        </p:txBody>
-      </p:sp>
+        </p:nvGraphicFramePr>
+        <p:xfrm>
+          <a:off x="5194300" y="470924"/>
+          <a:ext cx="6513604" cy="5885426"/>
+        </p:xfrm>
+        <a:graphic>
+          <a:graphicData uri="http://schemas.openxmlformats.org/drawingml/2006/diagram">
+            <dgm:relIds xmlns:dgm="http://schemas.openxmlformats.org/drawingml/2006/diagram" xmlns:r="http://schemas.openxmlformats.org/officeDocument/2006/relationships" r:dm="rId2" r:lo="rId3" r:qs="rId4" r:cs="rId5"/>
+          </a:graphicData>
+        </a:graphic>
+      </p:graphicFrame>
     </p:spTree>
     <p:extLst>
       <p:ext uri="{BB962C8B-B14F-4D97-AF65-F5344CB8AC3E}">
@@ -3591,7 +10610,7 @@
         </p:nvSpPr>
         <p:spPr>
           <a:xfrm>
-            <a:off x="838200" y="3750582"/>
+            <a:off x="838200" y="2822007"/>
             <a:ext cx="10515600" cy="1325563"/>
           </a:xfrm>
         </p:spPr>
@@ -3624,7 +10643,7 @@
         </p:nvSpPr>
         <p:spPr>
           <a:xfrm>
-            <a:off x="1121229" y="4797425"/>
+            <a:off x="838200" y="4077578"/>
             <a:ext cx="10515600" cy="1734004"/>
           </a:xfrm>
         </p:spPr>
@@ -3634,7 +10653,7 @@
           <a:p>
             <a:r>
               <a:rPr lang="en-US" dirty="0"/>
-              <a:t>Blah blah</a:t>
+              <a:t>We worked together to think of different troubleshooting ideas and also had to reformat and reinsert things into MongoDB.</a:t>
             </a:r>
           </a:p>
         </p:txBody>
@@ -3686,10 +10705,7 @@
             </a:lvl1pPr>
           </a:lstStyle>
           <a:p>
-            <a:r>
-              <a:rPr lang="en-US" dirty="0"/>
-              <a:t>Challenges</a:t>
-            </a:r>
+            <a:endParaRPr lang="en-US" dirty="0"/>
           </a:p>
         </p:txBody>
       </p:sp>
@@ -3709,7 +10725,7 @@
         </p:nvSpPr>
         <p:spPr>
           <a:xfrm>
-            <a:off x="990600" y="517525"/>
+            <a:off x="838200" y="558420"/>
             <a:ext cx="10515600" cy="1325563"/>
           </a:xfrm>
           <a:prstGeom prst="rect">
@@ -3741,10 +10757,9 @@
           </a:lstStyle>
           <a:p>
             <a:r>
-              <a:rPr lang="en-US"/>
+              <a:rPr lang="en-US" dirty="0"/>
               <a:t>Challenges</a:t>
             </a:r>
-            <a:endParaRPr lang="en-US" dirty="0"/>
           </a:p>
         </p:txBody>
       </p:sp>
@@ -3941,10 +10956,9 @@
           </a:lstStyle>
           <a:p>
             <a:r>
-              <a:rPr lang="en-US"/>
-              <a:t>Blah blah</a:t>
+              <a:rPr lang="en-US" dirty="0"/>
+              <a:t>Market data is readily available so the major challenge was navigating some MongoDB issues.</a:t>
             </a:r>
-            <a:endParaRPr lang="en-US" dirty="0"/>
           </a:p>
         </p:txBody>
       </p:sp>
@@ -3964,6 +10978,14 @@
 <file path=ppt/slides/slide5.xml><?xml version="1.0" encoding="utf-8"?>
 <p:sld xmlns:a="http://schemas.openxmlformats.org/drawingml/2006/main" xmlns:r="http://schemas.openxmlformats.org/officeDocument/2006/relationships" xmlns:p="http://schemas.openxmlformats.org/presentationml/2006/main">
   <p:cSld>
+    <p:bg>
+      <p:bgPr>
+        <a:solidFill>
+          <a:schemeClr val="bg1"/>
+        </a:solidFill>
+        <a:effectLst/>
+      </p:bgPr>
+    </p:bg>
     <p:spTree>
       <p:nvGrpSpPr>
         <p:cNvPr id="1" name=""/>
@@ -3980,10 +11002,491 @@
       </p:grpSpPr>
       <p:sp>
         <p:nvSpPr>
+          <p:cNvPr id="12" name="Freeform: Shape 9">
+            <a:extLst>
+              <a:ext uri="{FF2B5EF4-FFF2-40B4-BE49-F238E27FC236}">
+                <a16:creationId xmlns:a16="http://schemas.microsoft.com/office/drawing/2014/main" id="{46C2E80F-49A6-4372-B103-219D417A55ED}"/>
+              </a:ext>
+              <a:ext uri="{C183D7F6-B498-43B3-948B-1728B52AA6E4}">
+                <adec:decorative xmlns:adec="http://schemas.microsoft.com/office/drawing/2017/decorative" val="1"/>
+              </a:ext>
+            </a:extLst>
+          </p:cNvPr>
+          <p:cNvSpPr>
+            <a:spLocks noGrp="1" noRot="1" noChangeAspect="1" noMove="1" noResize="1" noEditPoints="1" noAdjustHandles="1" noChangeArrowheads="1" noChangeShapeType="1" noTextEdit="1"/>
+          </p:cNvSpPr>
+          <p:nvPr>
+            <p:extLst>
+              <p:ext uri="{386F3935-93C4-4BCD-93E2-E3B085C9AB24}">
+                <p16:designElem xmlns:p16="http://schemas.microsoft.com/office/powerpoint/2015/main" val="1"/>
+              </p:ext>
+            </p:extLst>
+          </p:nvPr>
+        </p:nvSpPr>
+        <p:spPr>
+          <a:xfrm>
+            <a:off x="484096" y="470925"/>
+            <a:ext cx="4381009" cy="5892104"/>
+          </a:xfrm>
+          <a:custGeom>
+            <a:avLst/>
+            <a:gdLst>
+              <a:gd name="connsiteX0" fmla="*/ 0 w 4381009"/>
+              <a:gd name="connsiteY0" fmla="*/ 0 h 5892104"/>
+              <a:gd name="connsiteX1" fmla="*/ 4157628 w 4381009"/>
+              <a:gd name="connsiteY1" fmla="*/ 0 h 5892104"/>
+              <a:gd name="connsiteX2" fmla="*/ 4169302 w 4381009"/>
+              <a:gd name="connsiteY2" fmla="*/ 68659 h 5892104"/>
+              <a:gd name="connsiteX3" fmla="*/ 4191571 w 4381009"/>
+              <a:gd name="connsiteY3" fmla="*/ 205472 h 5892104"/>
+              <a:gd name="connsiteX4" fmla="*/ 4213368 w 4381009"/>
+              <a:gd name="connsiteY4" fmla="*/ 342890 h 5892104"/>
+              <a:gd name="connsiteX5" fmla="*/ 4232030 w 4381009"/>
+              <a:gd name="connsiteY5" fmla="*/ 480913 h 5892104"/>
+              <a:gd name="connsiteX6" fmla="*/ 4250848 w 4381009"/>
+              <a:gd name="connsiteY6" fmla="*/ 618332 h 5892104"/>
+              <a:gd name="connsiteX7" fmla="*/ 4268412 w 4381009"/>
+              <a:gd name="connsiteY7" fmla="*/ 756355 h 5892104"/>
+              <a:gd name="connsiteX8" fmla="*/ 4283467 w 4381009"/>
+              <a:gd name="connsiteY8" fmla="*/ 892563 h 5892104"/>
+              <a:gd name="connsiteX9" fmla="*/ 4297737 w 4381009"/>
+              <a:gd name="connsiteY9" fmla="*/ 1030587 h 5892104"/>
+              <a:gd name="connsiteX10" fmla="*/ 4310754 w 4381009"/>
+              <a:gd name="connsiteY10" fmla="*/ 1168005 h 5892104"/>
+              <a:gd name="connsiteX11" fmla="*/ 4322045 w 4381009"/>
+              <a:gd name="connsiteY11" fmla="*/ 1303002 h 5892104"/>
+              <a:gd name="connsiteX12" fmla="*/ 4333336 w 4381009"/>
+              <a:gd name="connsiteY12" fmla="*/ 1439815 h 5892104"/>
+              <a:gd name="connsiteX13" fmla="*/ 4342745 w 4381009"/>
+              <a:gd name="connsiteY13" fmla="*/ 1574812 h 5892104"/>
+              <a:gd name="connsiteX14" fmla="*/ 4350115 w 4381009"/>
+              <a:gd name="connsiteY14" fmla="*/ 1709808 h 5892104"/>
+              <a:gd name="connsiteX15" fmla="*/ 4357799 w 4381009"/>
+              <a:gd name="connsiteY15" fmla="*/ 1844200 h 5892104"/>
+              <a:gd name="connsiteX16" fmla="*/ 4364229 w 4381009"/>
+              <a:gd name="connsiteY16" fmla="*/ 1977381 h 5892104"/>
+              <a:gd name="connsiteX17" fmla="*/ 4368777 w 4381009"/>
+              <a:gd name="connsiteY17" fmla="*/ 2109351 h 5892104"/>
+              <a:gd name="connsiteX18" fmla="*/ 4372697 w 4381009"/>
+              <a:gd name="connsiteY18" fmla="*/ 2241321 h 5892104"/>
+              <a:gd name="connsiteX19" fmla="*/ 4376461 w 4381009"/>
+              <a:gd name="connsiteY19" fmla="*/ 2372080 h 5892104"/>
+              <a:gd name="connsiteX20" fmla="*/ 4378186 w 4381009"/>
+              <a:gd name="connsiteY20" fmla="*/ 2501023 h 5892104"/>
+              <a:gd name="connsiteX21" fmla="*/ 4380068 w 4381009"/>
+              <a:gd name="connsiteY21" fmla="*/ 2629966 h 5892104"/>
+              <a:gd name="connsiteX22" fmla="*/ 4381009 w 4381009"/>
+              <a:gd name="connsiteY22" fmla="*/ 2757093 h 5892104"/>
+              <a:gd name="connsiteX23" fmla="*/ 4380068 w 4381009"/>
+              <a:gd name="connsiteY23" fmla="*/ 2883010 h 5892104"/>
+              <a:gd name="connsiteX24" fmla="*/ 4380068 w 4381009"/>
+              <a:gd name="connsiteY24" fmla="*/ 3007715 h 5892104"/>
+              <a:gd name="connsiteX25" fmla="*/ 4378186 w 4381009"/>
+              <a:gd name="connsiteY25" fmla="*/ 3131210 h 5892104"/>
+              <a:gd name="connsiteX26" fmla="*/ 4375363 w 4381009"/>
+              <a:gd name="connsiteY26" fmla="*/ 3252283 h 5892104"/>
+              <a:gd name="connsiteX27" fmla="*/ 4372697 w 4381009"/>
+              <a:gd name="connsiteY27" fmla="*/ 3372146 h 5892104"/>
+              <a:gd name="connsiteX28" fmla="*/ 4369718 w 4381009"/>
+              <a:gd name="connsiteY28" fmla="*/ 3489587 h 5892104"/>
+              <a:gd name="connsiteX29" fmla="*/ 4365170 w 4381009"/>
+              <a:gd name="connsiteY29" fmla="*/ 3606423 h 5892104"/>
+              <a:gd name="connsiteX30" fmla="*/ 4360309 w 4381009"/>
+              <a:gd name="connsiteY30" fmla="*/ 3721443 h 5892104"/>
+              <a:gd name="connsiteX31" fmla="*/ 4355918 w 4381009"/>
+              <a:gd name="connsiteY31" fmla="*/ 3834041 h 5892104"/>
+              <a:gd name="connsiteX32" fmla="*/ 4343529 w 4381009"/>
+              <a:gd name="connsiteY32" fmla="*/ 4053789 h 5892104"/>
+              <a:gd name="connsiteX33" fmla="*/ 4330356 w 4381009"/>
+              <a:gd name="connsiteY33" fmla="*/ 4264457 h 5892104"/>
+              <a:gd name="connsiteX34" fmla="*/ 4316556 w 4381009"/>
+              <a:gd name="connsiteY34" fmla="*/ 4466650 h 5892104"/>
+              <a:gd name="connsiteX35" fmla="*/ 4301344 w 4381009"/>
+              <a:gd name="connsiteY35" fmla="*/ 4657946 h 5892104"/>
+              <a:gd name="connsiteX36" fmla="*/ 4285506 w 4381009"/>
+              <a:gd name="connsiteY36" fmla="*/ 4840767 h 5892104"/>
+              <a:gd name="connsiteX37" fmla="*/ 4268412 w 4381009"/>
+              <a:gd name="connsiteY37" fmla="*/ 5010269 h 5892104"/>
+              <a:gd name="connsiteX38" fmla="*/ 4251633 w 4381009"/>
+              <a:gd name="connsiteY38" fmla="*/ 5169481 h 5892104"/>
+              <a:gd name="connsiteX39" fmla="*/ 4234853 w 4381009"/>
+              <a:gd name="connsiteY39" fmla="*/ 5315980 h 5892104"/>
+              <a:gd name="connsiteX40" fmla="*/ 4219014 w 4381009"/>
+              <a:gd name="connsiteY40" fmla="*/ 5450371 h 5892104"/>
+              <a:gd name="connsiteX41" fmla="*/ 4203959 w 4381009"/>
+              <a:gd name="connsiteY41" fmla="*/ 5569628 h 5892104"/>
+              <a:gd name="connsiteX42" fmla="*/ 4189689 w 4381009"/>
+              <a:gd name="connsiteY42" fmla="*/ 5677384 h 5892104"/>
+              <a:gd name="connsiteX43" fmla="*/ 4177770 w 4381009"/>
+              <a:gd name="connsiteY43" fmla="*/ 5768189 h 5892104"/>
+              <a:gd name="connsiteX44" fmla="*/ 4166479 w 4381009"/>
+              <a:gd name="connsiteY44" fmla="*/ 5844465 h 5892104"/>
+              <a:gd name="connsiteX45" fmla="*/ 4159132 w 4381009"/>
+              <a:gd name="connsiteY45" fmla="*/ 5892104 h 5892104"/>
+              <a:gd name="connsiteX46" fmla="*/ 0 w 4381009"/>
+              <a:gd name="connsiteY46" fmla="*/ 5892104 h 5892104"/>
+            </a:gdLst>
+            <a:ahLst/>
+            <a:cxnLst>
+              <a:cxn ang="0">
+                <a:pos x="connsiteX0" y="connsiteY0"/>
+              </a:cxn>
+              <a:cxn ang="0">
+                <a:pos x="connsiteX1" y="connsiteY1"/>
+              </a:cxn>
+              <a:cxn ang="0">
+                <a:pos x="connsiteX2" y="connsiteY2"/>
+              </a:cxn>
+              <a:cxn ang="0">
+                <a:pos x="connsiteX3" y="connsiteY3"/>
+              </a:cxn>
+              <a:cxn ang="0">
+                <a:pos x="connsiteX4" y="connsiteY4"/>
+              </a:cxn>
+              <a:cxn ang="0">
+                <a:pos x="connsiteX5" y="connsiteY5"/>
+              </a:cxn>
+              <a:cxn ang="0">
+                <a:pos x="connsiteX6" y="connsiteY6"/>
+              </a:cxn>
+              <a:cxn ang="0">
+                <a:pos x="connsiteX7" y="connsiteY7"/>
+              </a:cxn>
+              <a:cxn ang="0">
+                <a:pos x="connsiteX8" y="connsiteY8"/>
+              </a:cxn>
+              <a:cxn ang="0">
+                <a:pos x="connsiteX9" y="connsiteY9"/>
+              </a:cxn>
+              <a:cxn ang="0">
+                <a:pos x="connsiteX10" y="connsiteY10"/>
+              </a:cxn>
+              <a:cxn ang="0">
+                <a:pos x="connsiteX11" y="connsiteY11"/>
+              </a:cxn>
+              <a:cxn ang="0">
+                <a:pos x="connsiteX12" y="connsiteY12"/>
+              </a:cxn>
+              <a:cxn ang="0">
+                <a:pos x="connsiteX13" y="connsiteY13"/>
+              </a:cxn>
+              <a:cxn ang="0">
+                <a:pos x="connsiteX14" y="connsiteY14"/>
+              </a:cxn>
+              <a:cxn ang="0">
+                <a:pos x="connsiteX15" y="connsiteY15"/>
+              </a:cxn>
+              <a:cxn ang="0">
+                <a:pos x="connsiteX16" y="connsiteY16"/>
+              </a:cxn>
+              <a:cxn ang="0">
+                <a:pos x="connsiteX17" y="connsiteY17"/>
+              </a:cxn>
+              <a:cxn ang="0">
+                <a:pos x="connsiteX18" y="connsiteY18"/>
+              </a:cxn>
+              <a:cxn ang="0">
+                <a:pos x="connsiteX19" y="connsiteY19"/>
+              </a:cxn>
+              <a:cxn ang="0">
+                <a:pos x="connsiteX20" y="connsiteY20"/>
+              </a:cxn>
+              <a:cxn ang="0">
+                <a:pos x="connsiteX21" y="connsiteY21"/>
+              </a:cxn>
+              <a:cxn ang="0">
+                <a:pos x="connsiteX22" y="connsiteY22"/>
+              </a:cxn>
+              <a:cxn ang="0">
+                <a:pos x="connsiteX23" y="connsiteY23"/>
+              </a:cxn>
+              <a:cxn ang="0">
+                <a:pos x="connsiteX24" y="connsiteY24"/>
+              </a:cxn>
+              <a:cxn ang="0">
+                <a:pos x="connsiteX25" y="connsiteY25"/>
+              </a:cxn>
+              <a:cxn ang="0">
+                <a:pos x="connsiteX26" y="connsiteY26"/>
+              </a:cxn>
+              <a:cxn ang="0">
+                <a:pos x="connsiteX27" y="connsiteY27"/>
+              </a:cxn>
+              <a:cxn ang="0">
+                <a:pos x="connsiteX28" y="connsiteY28"/>
+              </a:cxn>
+              <a:cxn ang="0">
+                <a:pos x="connsiteX29" y="connsiteY29"/>
+              </a:cxn>
+              <a:cxn ang="0">
+                <a:pos x="connsiteX30" y="connsiteY30"/>
+              </a:cxn>
+              <a:cxn ang="0">
+                <a:pos x="connsiteX31" y="connsiteY31"/>
+              </a:cxn>
+              <a:cxn ang="0">
+                <a:pos x="connsiteX32" y="connsiteY32"/>
+              </a:cxn>
+              <a:cxn ang="0">
+                <a:pos x="connsiteX33" y="connsiteY33"/>
+              </a:cxn>
+              <a:cxn ang="0">
+                <a:pos x="connsiteX34" y="connsiteY34"/>
+              </a:cxn>
+              <a:cxn ang="0">
+                <a:pos x="connsiteX35" y="connsiteY35"/>
+              </a:cxn>
+              <a:cxn ang="0">
+                <a:pos x="connsiteX36" y="connsiteY36"/>
+              </a:cxn>
+              <a:cxn ang="0">
+                <a:pos x="connsiteX37" y="connsiteY37"/>
+              </a:cxn>
+              <a:cxn ang="0">
+                <a:pos x="connsiteX38" y="connsiteY38"/>
+              </a:cxn>
+              <a:cxn ang="0">
+                <a:pos x="connsiteX39" y="connsiteY39"/>
+              </a:cxn>
+              <a:cxn ang="0">
+                <a:pos x="connsiteX40" y="connsiteY40"/>
+              </a:cxn>
+              <a:cxn ang="0">
+                <a:pos x="connsiteX41" y="connsiteY41"/>
+              </a:cxn>
+              <a:cxn ang="0">
+                <a:pos x="connsiteX42" y="connsiteY42"/>
+              </a:cxn>
+              <a:cxn ang="0">
+                <a:pos x="connsiteX43" y="connsiteY43"/>
+              </a:cxn>
+              <a:cxn ang="0">
+                <a:pos x="connsiteX44" y="connsiteY44"/>
+              </a:cxn>
+              <a:cxn ang="0">
+                <a:pos x="connsiteX45" y="connsiteY45"/>
+              </a:cxn>
+              <a:cxn ang="0">
+                <a:pos x="connsiteX46" y="connsiteY46"/>
+              </a:cxn>
+            </a:cxnLst>
+            <a:rect l="l" t="t" r="r" b="b"/>
+            <a:pathLst>
+              <a:path w="4381009" h="5892104">
+                <a:moveTo>
+                  <a:pt x="0" y="0"/>
+                </a:moveTo>
+                <a:lnTo>
+                  <a:pt x="4157628" y="0"/>
+                </a:lnTo>
+                <a:lnTo>
+                  <a:pt x="4169302" y="68659"/>
+                </a:lnTo>
+                <a:lnTo>
+                  <a:pt x="4191571" y="205472"/>
+                </a:lnTo>
+                <a:lnTo>
+                  <a:pt x="4213368" y="342890"/>
+                </a:lnTo>
+                <a:lnTo>
+                  <a:pt x="4232030" y="480913"/>
+                </a:lnTo>
+                <a:lnTo>
+                  <a:pt x="4250848" y="618332"/>
+                </a:lnTo>
+                <a:lnTo>
+                  <a:pt x="4268412" y="756355"/>
+                </a:lnTo>
+                <a:lnTo>
+                  <a:pt x="4283467" y="892563"/>
+                </a:lnTo>
+                <a:lnTo>
+                  <a:pt x="4297737" y="1030587"/>
+                </a:lnTo>
+                <a:lnTo>
+                  <a:pt x="4310754" y="1168005"/>
+                </a:lnTo>
+                <a:lnTo>
+                  <a:pt x="4322045" y="1303002"/>
+                </a:lnTo>
+                <a:lnTo>
+                  <a:pt x="4333336" y="1439815"/>
+                </a:lnTo>
+                <a:lnTo>
+                  <a:pt x="4342745" y="1574812"/>
+                </a:lnTo>
+                <a:lnTo>
+                  <a:pt x="4350115" y="1709808"/>
+                </a:lnTo>
+                <a:lnTo>
+                  <a:pt x="4357799" y="1844200"/>
+                </a:lnTo>
+                <a:lnTo>
+                  <a:pt x="4364229" y="1977381"/>
+                </a:lnTo>
+                <a:lnTo>
+                  <a:pt x="4368777" y="2109351"/>
+                </a:lnTo>
+                <a:lnTo>
+                  <a:pt x="4372697" y="2241321"/>
+                </a:lnTo>
+                <a:lnTo>
+                  <a:pt x="4376461" y="2372080"/>
+                </a:lnTo>
+                <a:lnTo>
+                  <a:pt x="4378186" y="2501023"/>
+                </a:lnTo>
+                <a:lnTo>
+                  <a:pt x="4380068" y="2629966"/>
+                </a:lnTo>
+                <a:lnTo>
+                  <a:pt x="4381009" y="2757093"/>
+                </a:lnTo>
+                <a:lnTo>
+                  <a:pt x="4380068" y="2883010"/>
+                </a:lnTo>
+                <a:lnTo>
+                  <a:pt x="4380068" y="3007715"/>
+                </a:lnTo>
+                <a:lnTo>
+                  <a:pt x="4378186" y="3131210"/>
+                </a:lnTo>
+                <a:lnTo>
+                  <a:pt x="4375363" y="3252283"/>
+                </a:lnTo>
+                <a:lnTo>
+                  <a:pt x="4372697" y="3372146"/>
+                </a:lnTo>
+                <a:lnTo>
+                  <a:pt x="4369718" y="3489587"/>
+                </a:lnTo>
+                <a:lnTo>
+                  <a:pt x="4365170" y="3606423"/>
+                </a:lnTo>
+                <a:lnTo>
+                  <a:pt x="4360309" y="3721443"/>
+                </a:lnTo>
+                <a:lnTo>
+                  <a:pt x="4355918" y="3834041"/>
+                </a:lnTo>
+                <a:lnTo>
+                  <a:pt x="4343529" y="4053789"/>
+                </a:lnTo>
+                <a:lnTo>
+                  <a:pt x="4330356" y="4264457"/>
+                </a:lnTo>
+                <a:lnTo>
+                  <a:pt x="4316556" y="4466650"/>
+                </a:lnTo>
+                <a:lnTo>
+                  <a:pt x="4301344" y="4657946"/>
+                </a:lnTo>
+                <a:lnTo>
+                  <a:pt x="4285506" y="4840767"/>
+                </a:lnTo>
+                <a:lnTo>
+                  <a:pt x="4268412" y="5010269"/>
+                </a:lnTo>
+                <a:lnTo>
+                  <a:pt x="4251633" y="5169481"/>
+                </a:lnTo>
+                <a:lnTo>
+                  <a:pt x="4234853" y="5315980"/>
+                </a:lnTo>
+                <a:lnTo>
+                  <a:pt x="4219014" y="5450371"/>
+                </a:lnTo>
+                <a:lnTo>
+                  <a:pt x="4203959" y="5569628"/>
+                </a:lnTo>
+                <a:lnTo>
+                  <a:pt x="4189689" y="5677384"/>
+                </a:lnTo>
+                <a:lnTo>
+                  <a:pt x="4177770" y="5768189"/>
+                </a:lnTo>
+                <a:lnTo>
+                  <a:pt x="4166479" y="5844465"/>
+                </a:lnTo>
+                <a:lnTo>
+                  <a:pt x="4159132" y="5892104"/>
+                </a:lnTo>
+                <a:lnTo>
+                  <a:pt x="0" y="5892104"/>
+                </a:lnTo>
+                <a:close/>
+              </a:path>
+            </a:pathLst>
+          </a:custGeom>
+          <a:solidFill>
+            <a:srgbClr val="404040"/>
+          </a:solidFill>
+          <a:ln>
+            <a:noFill/>
+          </a:ln>
+        </p:spPr>
+        <p:style>
+          <a:lnRef idx="2">
+            <a:schemeClr val="accent1">
+              <a:shade val="50000"/>
+            </a:schemeClr>
+          </a:lnRef>
+          <a:fillRef idx="1">
+            <a:schemeClr val="accent1"/>
+          </a:fillRef>
+          <a:effectRef idx="0">
+            <a:schemeClr val="accent1"/>
+          </a:effectRef>
+          <a:fontRef idx="minor">
+            <a:schemeClr val="lt1"/>
+          </a:fontRef>
+        </p:style>
+        <p:txBody>
+          <a:bodyPr wrap="square" rtlCol="0" anchor="ctr">
+            <a:noAutofit/>
+          </a:bodyPr>
+          <a:lstStyle/>
+          <a:p>
+            <a:pPr marL="0" marR="0" lvl="0" indent="0" algn="ctr" defTabSz="457200" rtl="0" eaLnBrk="1" fontAlgn="auto" latinLnBrk="0" hangingPunct="1">
+              <a:lnSpc>
+                <a:spcPct val="100000"/>
+              </a:lnSpc>
+              <a:spcBef>
+                <a:spcPts val="0"/>
+              </a:spcBef>
+              <a:spcAft>
+                <a:spcPts val="0"/>
+              </a:spcAft>
+              <a:buClrTx/>
+              <a:buSzTx/>
+              <a:buFontTx/>
+              <a:buNone/>
+              <a:tabLst/>
+              <a:defRPr/>
+            </a:pPr>
+            <a:endParaRPr kumimoji="0" lang="en-US" sz="1800" b="0" i="0" u="none" strike="noStrike" kern="1200" cap="none" spc="0" normalizeH="0" baseline="0" noProof="0">
+              <a:ln>
+                <a:noFill/>
+              </a:ln>
+              <a:solidFill>
+                <a:prstClr val="white"/>
+              </a:solidFill>
+              <a:effectLst/>
+              <a:uLnTx/>
+              <a:uFillTx/>
+              <a:latin typeface="Calibri" panose="020F0502020204030204"/>
+              <a:ea typeface="+mn-ea"/>
+              <a:cs typeface="+mn-cs"/>
+            </a:endParaRPr>
+          </a:p>
+        </p:txBody>
+      </p:sp>
+      <p:sp>
+        <p:nvSpPr>
           <p:cNvPr id="2" name="Title 1">
             <a:extLst>
               <a:ext uri="{FF2B5EF4-FFF2-40B4-BE49-F238E27FC236}">
-                <a16:creationId xmlns:a16="http://schemas.microsoft.com/office/drawing/2014/main" id="{10D2BF02-D483-C347-A2BD-3BF23D3B938B}"/>
+                <a16:creationId xmlns:a16="http://schemas.microsoft.com/office/drawing/2014/main" id="{C6B60281-85CE-4A3B-86C3-059CBE61A72D}"/>
               </a:ext>
             </a:extLst>
           </p:cNvPr>
@@ -3994,26 +11497,64 @@
             <p:ph type="title"/>
           </p:nvPr>
         </p:nvSpPr>
-        <p:spPr/>
+        <p:spPr>
+          <a:xfrm>
+            <a:off x="863029" y="1012004"/>
+            <a:ext cx="3416158" cy="4795408"/>
+          </a:xfrm>
+        </p:spPr>
         <p:txBody>
-          <a:bodyPr/>
+          <a:bodyPr>
+            <a:normAutofit/>
+          </a:bodyPr>
           <a:lstStyle/>
           <a:p>
             <a:r>
-              <a:rPr lang="en-US" dirty="0"/>
-              <a:t>Viz 1</a:t>
+              <a:rPr lang="en-US">
+                <a:solidFill>
+                  <a:srgbClr val="FFFFFF"/>
+                </a:solidFill>
+              </a:rPr>
+              <a:t>Process</a:t>
             </a:r>
-            <a:br>
-              <a:rPr lang="en-US" dirty="0"/>
-            </a:br>
-            <a:endParaRPr lang="en-US" dirty="0"/>
           </a:p>
         </p:txBody>
       </p:sp>
+      <p:graphicFrame>
+        <p:nvGraphicFramePr>
+          <p:cNvPr id="13" name="Content Placeholder 2">
+            <a:extLst>
+              <a:ext uri="{FF2B5EF4-FFF2-40B4-BE49-F238E27FC236}">
+                <a16:creationId xmlns:a16="http://schemas.microsoft.com/office/drawing/2014/main" id="{004E95CA-B388-43D2-9E31-ADA031234465}"/>
+              </a:ext>
+            </a:extLst>
+          </p:cNvPr>
+          <p:cNvGraphicFramePr>
+            <a:graphicFrameLocks noGrp="1"/>
+          </p:cNvGraphicFramePr>
+          <p:nvPr>
+            <p:ph idx="1"/>
+            <p:extLst>
+              <p:ext uri="{D42A27DB-BD31-4B8C-83A1-F6EECF244321}">
+                <p14:modId xmlns:p14="http://schemas.microsoft.com/office/powerpoint/2010/main" val="4081735421"/>
+              </p:ext>
+            </p:extLst>
+          </p:nvPr>
+        </p:nvGraphicFramePr>
+        <p:xfrm>
+          <a:off x="5194300" y="470924"/>
+          <a:ext cx="6513604" cy="5885426"/>
+        </p:xfrm>
+        <a:graphic>
+          <a:graphicData uri="http://schemas.openxmlformats.org/drawingml/2006/diagram">
+            <dgm:relIds xmlns:dgm="http://schemas.openxmlformats.org/drawingml/2006/diagram" xmlns:r="http://schemas.openxmlformats.org/officeDocument/2006/relationships" r:dm="rId2" r:lo="rId3" r:qs="rId4" r:cs="rId5"/>
+          </a:graphicData>
+        </a:graphic>
+      </p:graphicFrame>
     </p:spTree>
     <p:extLst>
       <p:ext uri="{BB962C8B-B14F-4D97-AF65-F5344CB8AC3E}">
-        <p14:creationId xmlns:p14="http://schemas.microsoft.com/office/powerpoint/2010/main" val="381322416"/>
+        <p14:creationId xmlns:p14="http://schemas.microsoft.com/office/powerpoint/2010/main" val="3666382761"/>
       </p:ext>
     </p:extLst>
   </p:cSld>
@@ -4026,6 +11567,14 @@
 <file path=ppt/slides/slide6.xml><?xml version="1.0" encoding="utf-8"?>
 <p:sld xmlns:a="http://schemas.openxmlformats.org/drawingml/2006/main" xmlns:r="http://schemas.openxmlformats.org/officeDocument/2006/relationships" xmlns:p="http://schemas.openxmlformats.org/presentationml/2006/main">
   <p:cSld>
+    <p:bg>
+      <p:bgPr>
+        <a:solidFill>
+          <a:schemeClr val="bg1"/>
+        </a:solidFill>
+        <a:effectLst/>
+      </p:bgPr>
+    </p:bg>
     <p:spTree>
       <p:nvGrpSpPr>
         <p:cNvPr id="1" name=""/>
@@ -4042,10 +11591,75 @@
       </p:grpSpPr>
       <p:sp>
         <p:nvSpPr>
+          <p:cNvPr id="23" name="Rectangle 22">
+            <a:extLst>
+              <a:ext uri="{FF2B5EF4-FFF2-40B4-BE49-F238E27FC236}">
+                <a16:creationId xmlns:a16="http://schemas.microsoft.com/office/drawing/2014/main" id="{823AC064-BC96-4F32-8AE1-B2FD38754823}"/>
+              </a:ext>
+              <a:ext uri="{C183D7F6-B498-43B3-948B-1728B52AA6E4}">
+                <adec:decorative xmlns:adec="http://schemas.microsoft.com/office/drawing/2017/decorative" val="1"/>
+              </a:ext>
+            </a:extLst>
+          </p:cNvPr>
+          <p:cNvSpPr>
+            <a:spLocks noGrp="1" noRot="1" noChangeAspect="1" noMove="1" noResize="1" noEditPoints="1" noAdjustHandles="1" noChangeArrowheads="1" noChangeShapeType="1" noTextEdit="1"/>
+          </p:cNvSpPr>
+          <p:nvPr>
+            <p:extLst>
+              <p:ext uri="{386F3935-93C4-4BCD-93E2-E3B085C9AB24}">
+                <p16:designElem xmlns:p16="http://schemas.microsoft.com/office/powerpoint/2015/main" val="1"/>
+              </p:ext>
+            </p:extLst>
+          </p:nvPr>
+        </p:nvSpPr>
+        <p:spPr bwMode="ltGray">
+          <a:xfrm>
+            <a:off x="396882" y="280374"/>
+            <a:ext cx="11438793" cy="1844256"/>
+          </a:xfrm>
+          <a:prstGeom prst="rect">
+            <a:avLst/>
+          </a:prstGeom>
+          <a:solidFill>
+            <a:srgbClr val="404040"/>
+          </a:solidFill>
+          <a:ln w="127000" cap="sq" cmpd="thinThick">
+            <a:solidFill>
+              <a:srgbClr val="404040"/>
+            </a:solidFill>
+          </a:ln>
+        </p:spPr>
+        <p:style>
+          <a:lnRef idx="2">
+            <a:schemeClr val="accent1">
+              <a:shade val="50000"/>
+            </a:schemeClr>
+          </a:lnRef>
+          <a:fillRef idx="1">
+            <a:schemeClr val="accent1"/>
+          </a:fillRef>
+          <a:effectRef idx="0">
+            <a:schemeClr val="accent1"/>
+          </a:effectRef>
+          <a:fontRef idx="minor">
+            <a:schemeClr val="lt1"/>
+          </a:fontRef>
+        </p:style>
+        <p:txBody>
+          <a:bodyPr rtlCol="0" anchor="ctr"/>
+          <a:lstStyle/>
+          <a:p>
+            <a:pPr algn="ctr"/>
+            <a:endParaRPr lang="en-US"/>
+          </a:p>
+        </p:txBody>
+      </p:sp>
+      <p:sp>
+        <p:nvSpPr>
           <p:cNvPr id="2" name="Title 1">
             <a:extLst>
               <a:ext uri="{FF2B5EF4-FFF2-40B4-BE49-F238E27FC236}">
-                <a16:creationId xmlns:a16="http://schemas.microsoft.com/office/drawing/2014/main" id="{74D6DDB4-E161-E044-940B-D98FB5B7B4BC}"/>
+                <a16:creationId xmlns:a16="http://schemas.microsoft.com/office/drawing/2014/main" id="{E232FE11-3E8A-8942-85FF-AF5E5B71807D}"/>
               </a:ext>
             </a:extLst>
           </p:cNvPr>
@@ -4056,22 +11670,198 @@
             <p:ph type="title"/>
           </p:nvPr>
         </p:nvSpPr>
-        <p:spPr/>
+        <p:spPr>
+          <a:xfrm>
+            <a:off x="546351" y="433545"/>
+            <a:ext cx="11139854" cy="930447"/>
+          </a:xfrm>
+        </p:spPr>
         <p:txBody>
-          <a:bodyPr/>
+          <a:bodyPr vert="horz" lIns="91440" tIns="45720" rIns="91440" bIns="45720" rtlCol="0" anchor="b">
+            <a:normAutofit/>
+          </a:bodyPr>
           <a:lstStyle/>
           <a:p>
+            <a:pPr algn="ctr"/>
             <a:r>
-              <a:rPr lang="en-US" dirty="0"/>
-              <a:t>Viz 2</a:t>
+              <a:rPr lang="en-US" sz="5400">
+                <a:solidFill>
+                  <a:srgbClr val="FFFFFF"/>
+                </a:solidFill>
+              </a:rPr>
+              <a:t>MongDB</a:t>
             </a:r>
           </a:p>
         </p:txBody>
       </p:sp>
+      <p:cxnSp>
+        <p:nvCxnSpPr>
+          <p:cNvPr id="25" name="Straight Connector 24">
+            <a:extLst>
+              <a:ext uri="{FF2B5EF4-FFF2-40B4-BE49-F238E27FC236}">
+                <a16:creationId xmlns:a16="http://schemas.microsoft.com/office/drawing/2014/main" id="{7E7C77BC-7138-40B1-A15B-20F57A494629}"/>
+              </a:ext>
+              <a:ext uri="{C183D7F6-B498-43B3-948B-1728B52AA6E4}">
+                <adec:decorative xmlns:adec="http://schemas.microsoft.com/office/drawing/2017/decorative" val="1"/>
+              </a:ext>
+            </a:extLst>
+          </p:cNvPr>
+          <p:cNvCxnSpPr>
+            <a:cxnSpLocks noGrp="1" noRot="1" noChangeAspect="1" noMove="1" noResize="1" noEditPoints="1" noAdjustHandles="1" noChangeArrowheads="1" noChangeShapeType="1"/>
+          </p:cNvCxnSpPr>
+          <p:nvPr>
+            <p:extLst>
+              <p:ext uri="{386F3935-93C4-4BCD-93E2-E3B085C9AB24}">
+                <p16:designElem xmlns:p16="http://schemas.microsoft.com/office/powerpoint/2015/main" val="1"/>
+              </p:ext>
+            </p:extLst>
+          </p:nvPr>
+        </p:nvCxnSpPr>
+        <p:spPr>
+          <a:xfrm>
+            <a:off x="2230078" y="1522292"/>
+            <a:ext cx="7772400" cy="0"/>
+          </a:xfrm>
+          <a:prstGeom prst="line">
+            <a:avLst/>
+          </a:prstGeom>
+          <a:ln w="22225">
+            <a:solidFill>
+              <a:srgbClr val="D9D9D9"/>
+            </a:solidFill>
+          </a:ln>
+        </p:spPr>
+        <p:style>
+          <a:lnRef idx="1">
+            <a:schemeClr val="accent1"/>
+          </a:lnRef>
+          <a:fillRef idx="0">
+            <a:schemeClr val="accent1"/>
+          </a:fillRef>
+          <a:effectRef idx="0">
+            <a:schemeClr val="accent1"/>
+          </a:effectRef>
+          <a:fontRef idx="minor">
+            <a:schemeClr val="tx1"/>
+          </a:fontRef>
+        </p:style>
+      </p:cxnSp>
+      <p:pic>
+        <p:nvPicPr>
+          <p:cNvPr id="5" name="Picture 4">
+            <a:extLst>
+              <a:ext uri="{FF2B5EF4-FFF2-40B4-BE49-F238E27FC236}">
+                <a16:creationId xmlns:a16="http://schemas.microsoft.com/office/drawing/2014/main" id="{3AB3882B-D9A9-45E9-93DD-FE9C73BFC5B0}"/>
+              </a:ext>
+            </a:extLst>
+          </p:cNvPr>
+          <p:cNvPicPr>
+            <a:picLocks noChangeAspect="1"/>
+          </p:cNvPicPr>
+          <p:nvPr/>
+        </p:nvPicPr>
+        <p:blipFill>
+          <a:blip r:embed="rId2"/>
+          <a:stretch>
+            <a:fillRect/>
+          </a:stretch>
+        </p:blipFill>
+        <p:spPr>
+          <a:xfrm>
+            <a:off x="553170" y="2426818"/>
+            <a:ext cx="5012711" cy="3997637"/>
+          </a:xfrm>
+          <a:prstGeom prst="rect">
+            <a:avLst/>
+          </a:prstGeom>
+        </p:spPr>
+      </p:pic>
+      <p:cxnSp>
+        <p:nvCxnSpPr>
+          <p:cNvPr id="27" name="Straight Connector 26">
+            <a:extLst>
+              <a:ext uri="{FF2B5EF4-FFF2-40B4-BE49-F238E27FC236}">
+                <a16:creationId xmlns:a16="http://schemas.microsoft.com/office/drawing/2014/main" id="{DB146403-F3D6-484B-B2ED-97F9565D0370}"/>
+              </a:ext>
+              <a:ext uri="{C183D7F6-B498-43B3-948B-1728B52AA6E4}">
+                <adec:decorative xmlns:adec="http://schemas.microsoft.com/office/drawing/2017/decorative" val="1"/>
+              </a:ext>
+            </a:extLst>
+          </p:cNvPr>
+          <p:cNvCxnSpPr>
+            <a:cxnSpLocks noGrp="1" noRot="1" noChangeAspect="1" noMove="1" noResize="1" noEditPoints="1" noAdjustHandles="1" noChangeArrowheads="1" noChangeShapeType="1"/>
+          </p:cNvCxnSpPr>
+          <p:nvPr>
+            <p:extLst>
+              <p:ext uri="{386F3935-93C4-4BCD-93E2-E3B085C9AB24}">
+                <p16:designElem xmlns:p16="http://schemas.microsoft.com/office/powerpoint/2015/main" val="1"/>
+              </p:ext>
+            </p:extLst>
+          </p:nvPr>
+        </p:nvCxnSpPr>
+        <p:spPr>
+          <a:xfrm>
+            <a:off x="6116278" y="2596836"/>
+            <a:ext cx="0" cy="3657600"/>
+          </a:xfrm>
+          <a:prstGeom prst="line">
+            <a:avLst/>
+          </a:prstGeom>
+          <a:ln w="101600" cmpd="dbl">
+            <a:solidFill>
+              <a:srgbClr val="595959"/>
+            </a:solidFill>
+          </a:ln>
+        </p:spPr>
+        <p:style>
+          <a:lnRef idx="1">
+            <a:schemeClr val="accent1"/>
+          </a:lnRef>
+          <a:fillRef idx="0">
+            <a:schemeClr val="accent1"/>
+          </a:fillRef>
+          <a:effectRef idx="0">
+            <a:schemeClr val="accent1"/>
+          </a:effectRef>
+          <a:fontRef idx="minor">
+            <a:schemeClr val="tx1"/>
+          </a:fontRef>
+        </p:style>
+      </p:cxnSp>
+      <p:pic>
+        <p:nvPicPr>
+          <p:cNvPr id="6" name="Picture 5">
+            <a:extLst>
+              <a:ext uri="{FF2B5EF4-FFF2-40B4-BE49-F238E27FC236}">
+                <a16:creationId xmlns:a16="http://schemas.microsoft.com/office/drawing/2014/main" id="{991F520F-B197-474E-A222-6C64D63E532E}"/>
+              </a:ext>
+            </a:extLst>
+          </p:cNvPr>
+          <p:cNvPicPr>
+            <a:picLocks noChangeAspect="1"/>
+          </p:cNvPicPr>
+          <p:nvPr/>
+        </p:nvPicPr>
+        <p:blipFill>
+          <a:blip r:embed="rId3"/>
+          <a:stretch>
+            <a:fillRect/>
+          </a:stretch>
+        </p:blipFill>
+        <p:spPr>
+          <a:xfrm>
+            <a:off x="6449313" y="2740198"/>
+            <a:ext cx="5742687" cy="3014909"/>
+          </a:xfrm>
+          <a:prstGeom prst="rect">
+            <a:avLst/>
+          </a:prstGeom>
+        </p:spPr>
+      </p:pic>
     </p:spTree>
     <p:extLst>
       <p:ext uri="{BB962C8B-B14F-4D97-AF65-F5344CB8AC3E}">
-        <p14:creationId xmlns:p14="http://schemas.microsoft.com/office/powerpoint/2010/main" val="1131930274"/>
+        <p14:creationId xmlns:p14="http://schemas.microsoft.com/office/powerpoint/2010/main" val="3484309674"/>
       </p:ext>
     </p:extLst>
   </p:cSld>
@@ -4084,6 +11874,14 @@
 <file path=ppt/slides/slide7.xml><?xml version="1.0" encoding="utf-8"?>
 <p:sld xmlns:a="http://schemas.openxmlformats.org/drawingml/2006/main" xmlns:r="http://schemas.openxmlformats.org/officeDocument/2006/relationships" xmlns:p="http://schemas.openxmlformats.org/presentationml/2006/main">
   <p:cSld>
+    <p:bg>
+      <p:bgPr>
+        <a:solidFill>
+          <a:schemeClr val="bg1"/>
+        </a:solidFill>
+        <a:effectLst/>
+      </p:bgPr>
+    </p:bg>
     <p:spTree>
       <p:nvGrpSpPr>
         <p:cNvPr id="1" name=""/>
@@ -4100,10 +11898,75 @@
       </p:grpSpPr>
       <p:sp>
         <p:nvSpPr>
+          <p:cNvPr id="9" name="Rectangle 8">
+            <a:extLst>
+              <a:ext uri="{FF2B5EF4-FFF2-40B4-BE49-F238E27FC236}">
+                <a16:creationId xmlns:a16="http://schemas.microsoft.com/office/drawing/2014/main" id="{1707FC24-6981-43D9-B525-C7832BA22463}"/>
+              </a:ext>
+              <a:ext uri="{C183D7F6-B498-43B3-948B-1728B52AA6E4}">
+                <adec:decorative xmlns:adec="http://schemas.microsoft.com/office/drawing/2017/decorative" val="1"/>
+              </a:ext>
+            </a:extLst>
+          </p:cNvPr>
+          <p:cNvSpPr>
+            <a:spLocks noGrp="1" noRot="1" noChangeAspect="1" noMove="1" noResize="1" noEditPoints="1" noAdjustHandles="1" noChangeArrowheads="1" noChangeShapeType="1" noTextEdit="1"/>
+          </p:cNvSpPr>
+          <p:nvPr>
+            <p:extLst>
+              <p:ext uri="{386F3935-93C4-4BCD-93E2-E3B085C9AB24}">
+                <p16:designElem xmlns:p16="http://schemas.microsoft.com/office/powerpoint/2015/main" val="1"/>
+              </p:ext>
+            </p:extLst>
+          </p:nvPr>
+        </p:nvSpPr>
+        <p:spPr bwMode="ltGray">
+          <a:xfrm>
+            <a:off x="336884" y="311449"/>
+            <a:ext cx="4332307" cy="6179552"/>
+          </a:xfrm>
+          <a:prstGeom prst="rect">
+            <a:avLst/>
+          </a:prstGeom>
+          <a:solidFill>
+            <a:srgbClr val="404040"/>
+          </a:solidFill>
+          <a:ln w="127000" cap="sq" cmpd="thinThick">
+            <a:solidFill>
+              <a:srgbClr val="404040"/>
+            </a:solidFill>
+          </a:ln>
+        </p:spPr>
+        <p:style>
+          <a:lnRef idx="2">
+            <a:schemeClr val="accent1">
+              <a:shade val="50000"/>
+            </a:schemeClr>
+          </a:lnRef>
+          <a:fillRef idx="1">
+            <a:schemeClr val="accent1"/>
+          </a:fillRef>
+          <a:effectRef idx="0">
+            <a:schemeClr val="accent1"/>
+          </a:effectRef>
+          <a:fontRef idx="minor">
+            <a:schemeClr val="lt1"/>
+          </a:fontRef>
+        </p:style>
+        <p:txBody>
+          <a:bodyPr rtlCol="0" anchor="ctr"/>
+          <a:lstStyle/>
+          <a:p>
+            <a:pPr algn="ctr"/>
+            <a:endParaRPr lang="en-US"/>
+          </a:p>
+        </p:txBody>
+      </p:sp>
+      <p:sp>
+        <p:nvSpPr>
           <p:cNvPr id="2" name="Title 1">
             <a:extLst>
               <a:ext uri="{FF2B5EF4-FFF2-40B4-BE49-F238E27FC236}">
-                <a16:creationId xmlns:a16="http://schemas.microsoft.com/office/drawing/2014/main" id="{E232FE11-3E8A-8942-85FF-AF5E5B71807D}"/>
+                <a16:creationId xmlns:a16="http://schemas.microsoft.com/office/drawing/2014/main" id="{10D2BF02-D483-C347-A2BD-3BF23D3B938B}"/>
               </a:ext>
             </a:extLst>
           </p:cNvPr>
@@ -4114,22 +11977,85 @@
             <p:ph type="title"/>
           </p:nvPr>
         </p:nvSpPr>
-        <p:spPr/>
+        <p:spPr>
+          <a:xfrm>
+            <a:off x="742950" y="742951"/>
+            <a:ext cx="3476625" cy="4962524"/>
+          </a:xfrm>
+        </p:spPr>
         <p:txBody>
-          <a:bodyPr/>
+          <a:bodyPr vert="horz" lIns="91440" tIns="45720" rIns="91440" bIns="45720" rtlCol="0" anchor="ctr">
+            <a:normAutofit/>
+          </a:bodyPr>
           <a:lstStyle/>
           <a:p>
+            <a:pPr algn="ctr"/>
             <a:r>
-              <a:rPr lang="en-US" dirty="0"/>
-              <a:t>Viz 3  – Correlation figure (SPY vs. VIX)</a:t>
+              <a:rPr lang="en-US" sz="4800" kern="1200">
+                <a:solidFill>
+                  <a:srgbClr val="FFFFFF"/>
+                </a:solidFill>
+                <a:latin typeface="+mj-lt"/>
+                <a:ea typeface="+mj-ea"/>
+                <a:cs typeface="+mj-cs"/>
+              </a:rPr>
+              <a:t>SPY vs VIX</a:t>
             </a:r>
+            <a:br>
+              <a:rPr lang="en-US" sz="4800" kern="1200">
+                <a:solidFill>
+                  <a:srgbClr val="FFFFFF"/>
+                </a:solidFill>
+                <a:latin typeface="+mj-lt"/>
+                <a:ea typeface="+mj-ea"/>
+                <a:cs typeface="+mj-cs"/>
+              </a:rPr>
+            </a:br>
+            <a:endParaRPr lang="en-US" sz="4800" kern="1200">
+              <a:solidFill>
+                <a:srgbClr val="FFFFFF"/>
+              </a:solidFill>
+              <a:latin typeface="+mj-lt"/>
+              <a:ea typeface="+mj-ea"/>
+              <a:cs typeface="+mj-cs"/>
+            </a:endParaRPr>
           </a:p>
         </p:txBody>
       </p:sp>
+      <p:pic>
+        <p:nvPicPr>
+          <p:cNvPr id="4" name="Picture 3">
+            <a:extLst>
+              <a:ext uri="{FF2B5EF4-FFF2-40B4-BE49-F238E27FC236}">
+                <a16:creationId xmlns:a16="http://schemas.microsoft.com/office/drawing/2014/main" id="{3C582F27-B737-4180-B242-F7787050E220}"/>
+              </a:ext>
+            </a:extLst>
+          </p:cNvPr>
+          <p:cNvPicPr>
+            <a:picLocks noChangeAspect="1"/>
+          </p:cNvPicPr>
+          <p:nvPr/>
+        </p:nvPicPr>
+        <p:blipFill>
+          <a:blip r:embed="rId2"/>
+          <a:stretch>
+            <a:fillRect/>
+          </a:stretch>
+        </p:blipFill>
+        <p:spPr>
+          <a:xfrm>
+            <a:off x="5075257" y="790317"/>
+            <a:ext cx="6553545" cy="4915158"/>
+          </a:xfrm>
+          <a:prstGeom prst="rect">
+            <a:avLst/>
+          </a:prstGeom>
+        </p:spPr>
+      </p:pic>
     </p:spTree>
     <p:extLst>
       <p:ext uri="{BB962C8B-B14F-4D97-AF65-F5344CB8AC3E}">
-        <p14:creationId xmlns:p14="http://schemas.microsoft.com/office/powerpoint/2010/main" val="3484309674"/>
+        <p14:creationId xmlns:p14="http://schemas.microsoft.com/office/powerpoint/2010/main" val="381322416"/>
       </p:ext>
     </p:extLst>
   </p:cSld>
@@ -4142,6 +12068,14 @@
 <file path=ppt/slides/slide8.xml><?xml version="1.0" encoding="utf-8"?>
 <p:sld xmlns:a="http://schemas.openxmlformats.org/drawingml/2006/main" xmlns:r="http://schemas.openxmlformats.org/officeDocument/2006/relationships" xmlns:p="http://schemas.openxmlformats.org/presentationml/2006/main">
   <p:cSld>
+    <p:bg>
+      <p:bgPr>
+        <a:solidFill>
+          <a:schemeClr val="bg1"/>
+        </a:solidFill>
+        <a:effectLst/>
+      </p:bgPr>
+    </p:bg>
     <p:spTree>
       <p:nvGrpSpPr>
         <p:cNvPr id="1" name=""/>
@@ -4158,10 +12092,75 @@
       </p:grpSpPr>
       <p:sp>
         <p:nvSpPr>
+          <p:cNvPr id="9" name="Rectangle 8">
+            <a:extLst>
+              <a:ext uri="{FF2B5EF4-FFF2-40B4-BE49-F238E27FC236}">
+                <a16:creationId xmlns:a16="http://schemas.microsoft.com/office/drawing/2014/main" id="{1707FC24-6981-43D9-B525-C7832BA22463}"/>
+              </a:ext>
+              <a:ext uri="{C183D7F6-B498-43B3-948B-1728B52AA6E4}">
+                <adec:decorative xmlns:adec="http://schemas.microsoft.com/office/drawing/2017/decorative" val="1"/>
+              </a:ext>
+            </a:extLst>
+          </p:cNvPr>
+          <p:cNvSpPr>
+            <a:spLocks noGrp="1" noRot="1" noChangeAspect="1" noMove="1" noResize="1" noEditPoints="1" noAdjustHandles="1" noChangeArrowheads="1" noChangeShapeType="1" noTextEdit="1"/>
+          </p:cNvSpPr>
+          <p:nvPr>
+            <p:extLst>
+              <p:ext uri="{386F3935-93C4-4BCD-93E2-E3B085C9AB24}">
+                <p16:designElem xmlns:p16="http://schemas.microsoft.com/office/powerpoint/2015/main" val="1"/>
+              </p:ext>
+            </p:extLst>
+          </p:nvPr>
+        </p:nvSpPr>
+        <p:spPr bwMode="ltGray">
+          <a:xfrm>
+            <a:off x="336884" y="311449"/>
+            <a:ext cx="4332307" cy="6179552"/>
+          </a:xfrm>
+          <a:prstGeom prst="rect">
+            <a:avLst/>
+          </a:prstGeom>
+          <a:solidFill>
+            <a:srgbClr val="404040"/>
+          </a:solidFill>
+          <a:ln w="127000" cap="sq" cmpd="thinThick">
+            <a:solidFill>
+              <a:srgbClr val="404040"/>
+            </a:solidFill>
+          </a:ln>
+        </p:spPr>
+        <p:style>
+          <a:lnRef idx="2">
+            <a:schemeClr val="accent1">
+              <a:shade val="50000"/>
+            </a:schemeClr>
+          </a:lnRef>
+          <a:fillRef idx="1">
+            <a:schemeClr val="accent1"/>
+          </a:fillRef>
+          <a:effectRef idx="0">
+            <a:schemeClr val="accent1"/>
+          </a:effectRef>
+          <a:fontRef idx="minor">
+            <a:schemeClr val="lt1"/>
+          </a:fontRef>
+        </p:style>
+        <p:txBody>
+          <a:bodyPr rtlCol="0" anchor="ctr"/>
+          <a:lstStyle/>
+          <a:p>
+            <a:pPr algn="ctr"/>
+            <a:endParaRPr lang="en-US"/>
+          </a:p>
+        </p:txBody>
+      </p:sp>
+      <p:sp>
+        <p:nvSpPr>
           <p:cNvPr id="2" name="Title 1">
             <a:extLst>
               <a:ext uri="{FF2B5EF4-FFF2-40B4-BE49-F238E27FC236}">
-                <a16:creationId xmlns:a16="http://schemas.microsoft.com/office/drawing/2014/main" id="{8E8C4060-F9F1-D642-A4E6-906309FAEFB7}"/>
+                <a16:creationId xmlns:a16="http://schemas.microsoft.com/office/drawing/2014/main" id="{74D6DDB4-E161-E044-940B-D98FB5B7B4BC}"/>
               </a:ext>
             </a:extLst>
           </p:cNvPr>
@@ -4172,47 +12171,88 @@
             <p:ph type="title"/>
           </p:nvPr>
         </p:nvSpPr>
-        <p:spPr/>
+        <p:spPr>
+          <a:xfrm>
+            <a:off x="465135" y="742951"/>
+            <a:ext cx="4075804" cy="4962524"/>
+          </a:xfrm>
+        </p:spPr>
         <p:txBody>
-          <a:bodyPr/>
+          <a:bodyPr vert="horz" lIns="91440" tIns="45720" rIns="91440" bIns="45720" rtlCol="0" anchor="ctr">
+            <a:normAutofit/>
+          </a:bodyPr>
           <a:lstStyle/>
           <a:p>
+            <a:pPr algn="ctr"/>
             <a:r>
-              <a:rPr lang="en-US" dirty="0"/>
-              <a:t>VIZ – with news</a:t>
+              <a:rPr lang="en-US" sz="4800" kern="1200" dirty="0">
+                <a:solidFill>
+                  <a:srgbClr val="FFFFFF"/>
+                </a:solidFill>
+                <a:latin typeface="+mj-lt"/>
+                <a:ea typeface="+mj-ea"/>
+                <a:cs typeface="+mj-cs"/>
+              </a:rPr>
+              <a:t>SPY/VIX</a:t>
+            </a:r>
+            <a:br>
+              <a:rPr lang="en-US" sz="4800" kern="1200" dirty="0">
+                <a:solidFill>
+                  <a:srgbClr val="FFFFFF"/>
+                </a:solidFill>
+                <a:latin typeface="+mj-lt"/>
+                <a:ea typeface="+mj-ea"/>
+                <a:cs typeface="+mj-cs"/>
+              </a:rPr>
+            </a:br>
+            <a:r>
+              <a:rPr lang="en-US" sz="4800" kern="1200" dirty="0">
+                <a:solidFill>
+                  <a:srgbClr val="FFFFFF"/>
+                </a:solidFill>
+                <a:latin typeface="+mj-lt"/>
+                <a:ea typeface="+mj-ea"/>
+                <a:cs typeface="+mj-cs"/>
+              </a:rPr>
+              <a:t>vs Unemployment</a:t>
             </a:r>
           </a:p>
         </p:txBody>
       </p:sp>
-      <p:sp>
-        <p:nvSpPr>
-          <p:cNvPr id="3" name="Content Placeholder 2">
+      <p:pic>
+        <p:nvPicPr>
+          <p:cNvPr id="4" name="Picture 3">
             <a:extLst>
               <a:ext uri="{FF2B5EF4-FFF2-40B4-BE49-F238E27FC236}">
-                <a16:creationId xmlns:a16="http://schemas.microsoft.com/office/drawing/2014/main" id="{C3346E87-86FC-B14C-ABB1-FCAC4E9BC69C}"/>
+                <a16:creationId xmlns:a16="http://schemas.microsoft.com/office/drawing/2014/main" id="{9D5065D5-5648-4730-A6B5-745E6D07DA52}"/>
               </a:ext>
             </a:extLst>
           </p:cNvPr>
-          <p:cNvSpPr>
-            <a:spLocks noGrp="1"/>
-          </p:cNvSpPr>
-          <p:nvPr>
-            <p:ph idx="1"/>
-          </p:nvPr>
-        </p:nvSpPr>
-        <p:spPr/>
-        <p:txBody>
-          <a:bodyPr/>
-          <a:lstStyle/>
-          <a:p>
-            <a:endParaRPr lang="en-US"/>
-          </a:p>
-        </p:txBody>
-      </p:sp>
+          <p:cNvPicPr>
+            <a:picLocks noChangeAspect="1"/>
+          </p:cNvPicPr>
+          <p:nvPr/>
+        </p:nvPicPr>
+        <p:blipFill>
+          <a:blip r:embed="rId2"/>
+          <a:stretch>
+            <a:fillRect/>
+          </a:stretch>
+        </p:blipFill>
+        <p:spPr>
+          <a:xfrm>
+            <a:off x="5153822" y="975392"/>
+            <a:ext cx="6553545" cy="4915158"/>
+          </a:xfrm>
+          <a:prstGeom prst="rect">
+            <a:avLst/>
+          </a:prstGeom>
+        </p:spPr>
+      </p:pic>
     </p:spTree>
     <p:extLst>
       <p:ext uri="{BB962C8B-B14F-4D97-AF65-F5344CB8AC3E}">
-        <p14:creationId xmlns:p14="http://schemas.microsoft.com/office/powerpoint/2010/main" val="110235640"/>
+        <p14:creationId xmlns:p14="http://schemas.microsoft.com/office/powerpoint/2010/main" val="1131930274"/>
       </p:ext>
     </p:extLst>
   </p:cSld>

--- a/ETL_Presentation.pptx
+++ b/ETL_Presentation.pptx
@@ -1042,6 +1042,788 @@
 </file>
 
 <file path=ppt/diagrams/colors2.xml><?xml version="1.0" encoding="utf-8"?>
+<dgm:colorsDef xmlns:dgm="http://schemas.openxmlformats.org/drawingml/2006/diagram" xmlns:a="http://schemas.openxmlformats.org/drawingml/2006/main" uniqueId="urn:microsoft.com/office/officeart/2005/8/colors/colorful2">
+  <dgm:title val=""/>
+  <dgm:desc val=""/>
+  <dgm:catLst>
+    <dgm:cat type="colorful" pri="10200"/>
+  </dgm:catLst>
+  <dgm:styleLbl name="node0">
+    <dgm:fillClrLst meth="repeat">
+      <a:schemeClr val="accent1"/>
+    </dgm:fillClrLst>
+    <dgm:linClrLst meth="repeat">
+      <a:schemeClr val="lt1"/>
+    </dgm:linClrLst>
+    <dgm:effectClrLst/>
+    <dgm:txLinClrLst/>
+    <dgm:txFillClrLst/>
+    <dgm:txEffectClrLst/>
+  </dgm:styleLbl>
+  <dgm:styleLbl name="node1">
+    <dgm:fillClrLst>
+      <a:schemeClr val="accent2"/>
+      <a:schemeClr val="accent3"/>
+    </dgm:fillClrLst>
+    <dgm:linClrLst meth="repeat">
+      <a:schemeClr val="lt1"/>
+    </dgm:linClrLst>
+    <dgm:effectClrLst/>
+    <dgm:txLinClrLst/>
+    <dgm:txFillClrLst/>
+    <dgm:txEffectClrLst/>
+  </dgm:styleLbl>
+  <dgm:styleLbl name="alignNode1">
+    <dgm:fillClrLst>
+      <a:schemeClr val="accent2"/>
+      <a:schemeClr val="accent3"/>
+    </dgm:fillClrLst>
+    <dgm:linClrLst>
+      <a:schemeClr val="accent2"/>
+      <a:schemeClr val="accent3"/>
+    </dgm:linClrLst>
+    <dgm:effectClrLst/>
+    <dgm:txLinClrLst/>
+    <dgm:txFillClrLst/>
+    <dgm:txEffectClrLst/>
+  </dgm:styleLbl>
+  <dgm:styleLbl name="lnNode1">
+    <dgm:fillClrLst>
+      <a:schemeClr val="accent2"/>
+      <a:schemeClr val="accent3"/>
+    </dgm:fillClrLst>
+    <dgm:linClrLst meth="repeat">
+      <a:schemeClr val="lt1"/>
+    </dgm:linClrLst>
+    <dgm:effectClrLst/>
+    <dgm:txLinClrLst/>
+    <dgm:txFillClrLst/>
+    <dgm:txEffectClrLst/>
+  </dgm:styleLbl>
+  <dgm:styleLbl name="vennNode1">
+    <dgm:fillClrLst>
+      <a:schemeClr val="accent2">
+        <a:alpha val="50000"/>
+      </a:schemeClr>
+      <a:schemeClr val="accent3">
+        <a:alpha val="50000"/>
+      </a:schemeClr>
+    </dgm:fillClrLst>
+    <dgm:linClrLst meth="repeat">
+      <a:schemeClr val="lt1"/>
+    </dgm:linClrLst>
+    <dgm:effectClrLst/>
+    <dgm:txLinClrLst/>
+    <dgm:txFillClrLst/>
+    <dgm:txEffectClrLst/>
+  </dgm:styleLbl>
+  <dgm:styleLbl name="node2">
+    <dgm:fillClrLst>
+      <a:schemeClr val="accent3"/>
+    </dgm:fillClrLst>
+    <dgm:linClrLst meth="repeat">
+      <a:schemeClr val="lt1"/>
+    </dgm:linClrLst>
+    <dgm:effectClrLst/>
+    <dgm:txLinClrLst/>
+    <dgm:txFillClrLst/>
+    <dgm:txEffectClrLst/>
+  </dgm:styleLbl>
+  <dgm:styleLbl name="node3">
+    <dgm:fillClrLst>
+      <a:schemeClr val="accent4"/>
+    </dgm:fillClrLst>
+    <dgm:linClrLst meth="repeat">
+      <a:schemeClr val="lt1"/>
+    </dgm:linClrLst>
+    <dgm:effectClrLst/>
+    <dgm:txLinClrLst/>
+    <dgm:txFillClrLst/>
+    <dgm:txEffectClrLst/>
+  </dgm:styleLbl>
+  <dgm:styleLbl name="node4">
+    <dgm:fillClrLst>
+      <a:schemeClr val="accent5"/>
+    </dgm:fillClrLst>
+    <dgm:linClrLst meth="repeat">
+      <a:schemeClr val="lt1"/>
+    </dgm:linClrLst>
+    <dgm:effectClrLst/>
+    <dgm:txLinClrLst/>
+    <dgm:txFillClrLst/>
+    <dgm:txEffectClrLst/>
+  </dgm:styleLbl>
+  <dgm:styleLbl name="fgImgPlace1">
+    <dgm:fillClrLst>
+      <a:schemeClr val="accent2">
+        <a:tint val="50000"/>
+      </a:schemeClr>
+      <a:schemeClr val="accent3">
+        <a:tint val="50000"/>
+      </a:schemeClr>
+    </dgm:fillClrLst>
+    <dgm:linClrLst meth="repeat">
+      <a:schemeClr val="lt1"/>
+    </dgm:linClrLst>
+    <dgm:effectClrLst/>
+    <dgm:txLinClrLst/>
+    <dgm:txFillClrLst meth="repeat">
+      <a:schemeClr val="lt1"/>
+    </dgm:txFillClrLst>
+    <dgm:txEffectClrLst/>
+  </dgm:styleLbl>
+  <dgm:styleLbl name="alignImgPlace1">
+    <dgm:fillClrLst>
+      <a:schemeClr val="accent2">
+        <a:tint val="50000"/>
+      </a:schemeClr>
+      <a:schemeClr val="accent3">
+        <a:tint val="20000"/>
+      </a:schemeClr>
+    </dgm:fillClrLst>
+    <dgm:linClrLst meth="repeat">
+      <a:schemeClr val="lt1"/>
+    </dgm:linClrLst>
+    <dgm:effectClrLst/>
+    <dgm:txLinClrLst/>
+    <dgm:txFillClrLst meth="repeat">
+      <a:schemeClr val="lt1"/>
+    </dgm:txFillClrLst>
+    <dgm:txEffectClrLst/>
+  </dgm:styleLbl>
+  <dgm:styleLbl name="bgImgPlace1">
+    <dgm:fillClrLst>
+      <a:schemeClr val="accent2">
+        <a:tint val="50000"/>
+      </a:schemeClr>
+      <a:schemeClr val="accent3">
+        <a:tint val="20000"/>
+      </a:schemeClr>
+    </dgm:fillClrLst>
+    <dgm:linClrLst meth="repeat">
+      <a:schemeClr val="lt1"/>
+    </dgm:linClrLst>
+    <dgm:effectClrLst/>
+    <dgm:txLinClrLst/>
+    <dgm:txFillClrLst meth="repeat">
+      <a:schemeClr val="lt1"/>
+    </dgm:txFillClrLst>
+    <dgm:txEffectClrLst/>
+  </dgm:styleLbl>
+  <dgm:styleLbl name="sibTrans2D1">
+    <dgm:fillClrLst>
+      <a:schemeClr val="accent2"/>
+      <a:schemeClr val="accent3"/>
+    </dgm:fillClrLst>
+    <dgm:linClrLst meth="repeat">
+      <a:schemeClr val="lt1"/>
+    </dgm:linClrLst>
+    <dgm:effectClrLst/>
+    <dgm:txLinClrLst/>
+    <dgm:txFillClrLst/>
+    <dgm:txEffectClrLst/>
+  </dgm:styleLbl>
+  <dgm:styleLbl name="fgSibTrans2D1">
+    <dgm:fillClrLst>
+      <a:schemeClr val="accent2"/>
+      <a:schemeClr val="accent3"/>
+    </dgm:fillClrLst>
+    <dgm:linClrLst meth="repeat">
+      <a:schemeClr val="lt1"/>
+    </dgm:linClrLst>
+    <dgm:effectClrLst/>
+    <dgm:txLinClrLst/>
+    <dgm:txFillClrLst meth="repeat">
+      <a:schemeClr val="lt1"/>
+    </dgm:txFillClrLst>
+    <dgm:txEffectClrLst/>
+  </dgm:styleLbl>
+  <dgm:styleLbl name="bgSibTrans2D1">
+    <dgm:fillClrLst>
+      <a:schemeClr val="accent2"/>
+      <a:schemeClr val="accent3"/>
+    </dgm:fillClrLst>
+    <dgm:linClrLst meth="repeat">
+      <a:schemeClr val="lt1"/>
+    </dgm:linClrLst>
+    <dgm:effectClrLst/>
+    <dgm:txLinClrLst/>
+    <dgm:txFillClrLst meth="repeat">
+      <a:schemeClr val="lt1"/>
+    </dgm:txFillClrLst>
+    <dgm:txEffectClrLst/>
+  </dgm:styleLbl>
+  <dgm:styleLbl name="sibTrans1D1">
+    <dgm:fillClrLst/>
+    <dgm:linClrLst>
+      <a:schemeClr val="accent2"/>
+      <a:schemeClr val="accent3"/>
+    </dgm:linClrLst>
+    <dgm:effectClrLst/>
+    <dgm:txLinClrLst/>
+    <dgm:txFillClrLst meth="repeat">
+      <a:schemeClr val="tx1"/>
+    </dgm:txFillClrLst>
+    <dgm:txEffectClrLst/>
+  </dgm:styleLbl>
+  <dgm:styleLbl name="callout">
+    <dgm:fillClrLst meth="repeat">
+      <a:schemeClr val="accent2"/>
+    </dgm:fillClrLst>
+    <dgm:linClrLst meth="repeat">
+      <a:schemeClr val="accent2">
+        <a:tint val="50000"/>
+      </a:schemeClr>
+    </dgm:linClrLst>
+    <dgm:effectClrLst/>
+    <dgm:txLinClrLst/>
+    <dgm:txFillClrLst meth="repeat">
+      <a:schemeClr val="tx1"/>
+    </dgm:txFillClrLst>
+    <dgm:txEffectClrLst/>
+  </dgm:styleLbl>
+  <dgm:styleLbl name="asst0">
+    <dgm:fillClrLst meth="repeat">
+      <a:schemeClr val="accent2"/>
+    </dgm:fillClrLst>
+    <dgm:linClrLst meth="repeat">
+      <a:schemeClr val="lt1">
+        <a:shade val="80000"/>
+      </a:schemeClr>
+    </dgm:linClrLst>
+    <dgm:effectClrLst/>
+    <dgm:txLinClrLst/>
+    <dgm:txFillClrLst/>
+    <dgm:txEffectClrLst/>
+  </dgm:styleLbl>
+  <dgm:styleLbl name="asst1">
+    <dgm:fillClrLst meth="repeat">
+      <a:schemeClr val="accent3"/>
+    </dgm:fillClrLst>
+    <dgm:linClrLst meth="repeat">
+      <a:schemeClr val="lt1">
+        <a:shade val="80000"/>
+      </a:schemeClr>
+    </dgm:linClrLst>
+    <dgm:effectClrLst/>
+    <dgm:txLinClrLst/>
+    <dgm:txFillClrLst/>
+    <dgm:txEffectClrLst/>
+  </dgm:styleLbl>
+  <dgm:styleLbl name="asst2">
+    <dgm:fillClrLst>
+      <a:schemeClr val="accent4"/>
+    </dgm:fillClrLst>
+    <dgm:linClrLst meth="repeat">
+      <a:schemeClr val="lt1"/>
+    </dgm:linClrLst>
+    <dgm:effectClrLst/>
+    <dgm:txLinClrLst/>
+    <dgm:txFillClrLst/>
+    <dgm:txEffectClrLst/>
+  </dgm:styleLbl>
+  <dgm:styleLbl name="asst3">
+    <dgm:fillClrLst>
+      <a:schemeClr val="accent5"/>
+    </dgm:fillClrLst>
+    <dgm:linClrLst meth="repeat">
+      <a:schemeClr val="lt1"/>
+    </dgm:linClrLst>
+    <dgm:effectClrLst/>
+    <dgm:txLinClrLst/>
+    <dgm:txFillClrLst/>
+    <dgm:txEffectClrLst/>
+  </dgm:styleLbl>
+  <dgm:styleLbl name="asst4">
+    <dgm:fillClrLst>
+      <a:schemeClr val="accent6"/>
+    </dgm:fillClrLst>
+    <dgm:linClrLst meth="repeat">
+      <a:schemeClr val="lt1"/>
+    </dgm:linClrLst>
+    <dgm:effectClrLst/>
+    <dgm:txLinClrLst/>
+    <dgm:txFillClrLst/>
+    <dgm:txEffectClrLst/>
+  </dgm:styleLbl>
+  <dgm:styleLbl name="parChTrans2D1">
+    <dgm:fillClrLst meth="repeat">
+      <a:schemeClr val="accent2"/>
+    </dgm:fillClrLst>
+    <dgm:linClrLst meth="repeat">
+      <a:schemeClr val="lt1"/>
+    </dgm:linClrLst>
+    <dgm:effectClrLst/>
+    <dgm:txLinClrLst/>
+    <dgm:txFillClrLst meth="repeat">
+      <a:schemeClr val="lt1"/>
+    </dgm:txFillClrLst>
+    <dgm:txEffectClrLst/>
+  </dgm:styleLbl>
+  <dgm:styleLbl name="parChTrans2D2">
+    <dgm:fillClrLst meth="repeat">
+      <a:schemeClr val="accent3"/>
+    </dgm:fillClrLst>
+    <dgm:linClrLst meth="repeat">
+      <a:schemeClr val="lt1"/>
+    </dgm:linClrLst>
+    <dgm:effectClrLst/>
+    <dgm:txLinClrLst/>
+    <dgm:txFillClrLst/>
+    <dgm:txEffectClrLst/>
+  </dgm:styleLbl>
+  <dgm:styleLbl name="parChTrans2D3">
+    <dgm:fillClrLst meth="repeat">
+      <a:schemeClr val="accent4"/>
+    </dgm:fillClrLst>
+    <dgm:linClrLst meth="repeat">
+      <a:schemeClr val="lt1"/>
+    </dgm:linClrLst>
+    <dgm:effectClrLst/>
+    <dgm:txLinClrLst/>
+    <dgm:txFillClrLst/>
+    <dgm:txEffectClrLst/>
+  </dgm:styleLbl>
+  <dgm:styleLbl name="parChTrans2D4">
+    <dgm:fillClrLst meth="repeat">
+      <a:schemeClr val="accent5"/>
+    </dgm:fillClrLst>
+    <dgm:linClrLst meth="repeat">
+      <a:schemeClr val="lt1"/>
+    </dgm:linClrLst>
+    <dgm:effectClrLst/>
+    <dgm:txLinClrLst/>
+    <dgm:txFillClrLst meth="repeat">
+      <a:schemeClr val="lt1"/>
+    </dgm:txFillClrLst>
+    <dgm:txEffectClrLst/>
+  </dgm:styleLbl>
+  <dgm:styleLbl name="parChTrans1D1">
+    <dgm:fillClrLst meth="repeat">
+      <a:schemeClr val="accent2"/>
+    </dgm:fillClrLst>
+    <dgm:linClrLst meth="repeat">
+      <a:schemeClr val="accent2"/>
+    </dgm:linClrLst>
+    <dgm:effectClrLst/>
+    <dgm:txLinClrLst/>
+    <dgm:txFillClrLst meth="repeat">
+      <a:schemeClr val="tx1"/>
+    </dgm:txFillClrLst>
+    <dgm:txEffectClrLst/>
+  </dgm:styleLbl>
+  <dgm:styleLbl name="parChTrans1D2">
+    <dgm:fillClrLst meth="repeat">
+      <a:schemeClr val="accent2">
+        <a:tint val="90000"/>
+      </a:schemeClr>
+    </dgm:fillClrLst>
+    <dgm:linClrLst meth="repeat">
+      <a:schemeClr val="accent3"/>
+    </dgm:linClrLst>
+    <dgm:effectClrLst/>
+    <dgm:txLinClrLst/>
+    <dgm:txFillClrLst meth="repeat">
+      <a:schemeClr val="tx1"/>
+    </dgm:txFillClrLst>
+    <dgm:txEffectClrLst/>
+  </dgm:styleLbl>
+  <dgm:styleLbl name="parChTrans1D3">
+    <dgm:fillClrLst meth="repeat">
+      <a:schemeClr val="accent2">
+        <a:tint val="70000"/>
+      </a:schemeClr>
+    </dgm:fillClrLst>
+    <dgm:linClrLst meth="repeat">
+      <a:schemeClr val="accent4"/>
+    </dgm:linClrLst>
+    <dgm:effectClrLst/>
+    <dgm:txLinClrLst/>
+    <dgm:txFillClrLst meth="repeat">
+      <a:schemeClr val="tx1"/>
+    </dgm:txFillClrLst>
+    <dgm:txEffectClrLst/>
+  </dgm:styleLbl>
+  <dgm:styleLbl name="parChTrans1D4">
+    <dgm:fillClrLst meth="repeat">
+      <a:schemeClr val="accent2">
+        <a:tint val="50000"/>
+      </a:schemeClr>
+    </dgm:fillClrLst>
+    <dgm:linClrLst meth="repeat">
+      <a:schemeClr val="accent5"/>
+    </dgm:linClrLst>
+    <dgm:effectClrLst/>
+    <dgm:txLinClrLst/>
+    <dgm:txFillClrLst meth="repeat">
+      <a:schemeClr val="tx1"/>
+    </dgm:txFillClrLst>
+    <dgm:txEffectClrLst/>
+  </dgm:styleLbl>
+  <dgm:styleLbl name="fgAcc1">
+    <dgm:fillClrLst meth="repeat">
+      <a:schemeClr val="lt1">
+        <a:alpha val="90000"/>
+      </a:schemeClr>
+    </dgm:fillClrLst>
+    <dgm:linClrLst>
+      <a:schemeClr val="accent2"/>
+      <a:schemeClr val="accent3"/>
+    </dgm:linClrLst>
+    <dgm:effectClrLst/>
+    <dgm:txLinClrLst/>
+    <dgm:txFillClrLst meth="repeat">
+      <a:schemeClr val="dk1"/>
+    </dgm:txFillClrLst>
+    <dgm:txEffectClrLst/>
+  </dgm:styleLbl>
+  <dgm:styleLbl name="conFgAcc1">
+    <dgm:fillClrLst meth="repeat">
+      <a:schemeClr val="lt1">
+        <a:alpha val="90000"/>
+      </a:schemeClr>
+    </dgm:fillClrLst>
+    <dgm:linClrLst>
+      <a:schemeClr val="accent2"/>
+      <a:schemeClr val="accent3"/>
+    </dgm:linClrLst>
+    <dgm:effectClrLst/>
+    <dgm:txLinClrLst/>
+    <dgm:txFillClrLst meth="repeat">
+      <a:schemeClr val="dk1"/>
+    </dgm:txFillClrLst>
+    <dgm:txEffectClrLst/>
+  </dgm:styleLbl>
+  <dgm:styleLbl name="alignAcc1">
+    <dgm:fillClrLst meth="repeat">
+      <a:schemeClr val="lt1">
+        <a:alpha val="90000"/>
+      </a:schemeClr>
+    </dgm:fillClrLst>
+    <dgm:linClrLst>
+      <a:schemeClr val="accent2"/>
+      <a:schemeClr val="accent3"/>
+    </dgm:linClrLst>
+    <dgm:effectClrLst/>
+    <dgm:txLinClrLst/>
+    <dgm:txFillClrLst meth="repeat">
+      <a:schemeClr val="dk1"/>
+    </dgm:txFillClrLst>
+    <dgm:txEffectClrLst/>
+  </dgm:styleLbl>
+  <dgm:styleLbl name="trAlignAcc1">
+    <dgm:fillClrLst meth="repeat">
+      <a:schemeClr val="lt1">
+        <a:alpha val="40000"/>
+      </a:schemeClr>
+    </dgm:fillClrLst>
+    <dgm:linClrLst meth="repeat">
+      <a:schemeClr val="accent2"/>
+    </dgm:linClrLst>
+    <dgm:effectClrLst/>
+    <dgm:txLinClrLst/>
+    <dgm:txFillClrLst meth="repeat">
+      <a:schemeClr val="dk1"/>
+    </dgm:txFillClrLst>
+    <dgm:txEffectClrLst/>
+  </dgm:styleLbl>
+  <dgm:styleLbl name="bgAcc1">
+    <dgm:fillClrLst meth="repeat">
+      <a:schemeClr val="lt1">
+        <a:alpha val="90000"/>
+      </a:schemeClr>
+    </dgm:fillClrLst>
+    <dgm:linClrLst>
+      <a:schemeClr val="accent2"/>
+      <a:schemeClr val="accent3"/>
+    </dgm:linClrLst>
+    <dgm:effectClrLst/>
+    <dgm:txLinClrLst/>
+    <dgm:txFillClrLst meth="repeat">
+      <a:schemeClr val="dk1"/>
+    </dgm:txFillClrLst>
+    <dgm:txEffectClrLst/>
+  </dgm:styleLbl>
+  <dgm:styleLbl name="solidFgAcc1">
+    <dgm:fillClrLst meth="repeat">
+      <a:schemeClr val="lt1"/>
+    </dgm:fillClrLst>
+    <dgm:linClrLst>
+      <a:schemeClr val="accent2"/>
+      <a:schemeClr val="accent3"/>
+    </dgm:linClrLst>
+    <dgm:effectClrLst/>
+    <dgm:txLinClrLst/>
+    <dgm:txFillClrLst meth="repeat">
+      <a:schemeClr val="dk1"/>
+    </dgm:txFillClrLst>
+    <dgm:txEffectClrLst/>
+  </dgm:styleLbl>
+  <dgm:styleLbl name="solidAlignAcc1">
+    <dgm:fillClrLst meth="repeat">
+      <a:schemeClr val="lt1"/>
+    </dgm:fillClrLst>
+    <dgm:linClrLst>
+      <a:schemeClr val="accent2"/>
+      <a:schemeClr val="accent3"/>
+    </dgm:linClrLst>
+    <dgm:effectClrLst/>
+    <dgm:txLinClrLst/>
+    <dgm:txFillClrLst meth="repeat">
+      <a:schemeClr val="dk1"/>
+    </dgm:txFillClrLst>
+    <dgm:txEffectClrLst/>
+  </dgm:styleLbl>
+  <dgm:styleLbl name="solidBgAcc1">
+    <dgm:fillClrLst meth="repeat">
+      <a:schemeClr val="lt1"/>
+    </dgm:fillClrLst>
+    <dgm:linClrLst>
+      <a:schemeClr val="accent2"/>
+      <a:schemeClr val="accent3"/>
+    </dgm:linClrLst>
+    <dgm:effectClrLst/>
+    <dgm:txLinClrLst/>
+    <dgm:txFillClrLst meth="repeat">
+      <a:schemeClr val="dk1"/>
+    </dgm:txFillClrLst>
+    <dgm:txEffectClrLst/>
+  </dgm:styleLbl>
+  <dgm:styleLbl name="fgAccFollowNode1">
+    <dgm:fillClrLst>
+      <a:schemeClr val="accent2">
+        <a:tint val="40000"/>
+        <a:alpha val="90000"/>
+      </a:schemeClr>
+      <a:schemeClr val="accent3">
+        <a:tint val="40000"/>
+        <a:alpha val="90000"/>
+      </a:schemeClr>
+    </dgm:fillClrLst>
+    <dgm:linClrLst>
+      <a:schemeClr val="accent2">
+        <a:tint val="40000"/>
+        <a:alpha val="90000"/>
+      </a:schemeClr>
+      <a:schemeClr val="accent3">
+        <a:tint val="40000"/>
+        <a:alpha val="90000"/>
+      </a:schemeClr>
+    </dgm:linClrLst>
+    <dgm:effectClrLst/>
+    <dgm:txLinClrLst/>
+    <dgm:txFillClrLst meth="repeat">
+      <a:schemeClr val="dk1"/>
+    </dgm:txFillClrLst>
+    <dgm:txEffectClrLst/>
+  </dgm:styleLbl>
+  <dgm:styleLbl name="alignAccFollowNode1">
+    <dgm:fillClrLst>
+      <a:schemeClr val="accent2">
+        <a:tint val="40000"/>
+        <a:alpha val="90000"/>
+      </a:schemeClr>
+      <a:schemeClr val="accent3">
+        <a:tint val="40000"/>
+        <a:alpha val="90000"/>
+      </a:schemeClr>
+    </dgm:fillClrLst>
+    <dgm:linClrLst>
+      <a:schemeClr val="accent2">
+        <a:tint val="40000"/>
+        <a:alpha val="90000"/>
+      </a:schemeClr>
+      <a:schemeClr val="accent3">
+        <a:tint val="40000"/>
+        <a:alpha val="90000"/>
+      </a:schemeClr>
+    </dgm:linClrLst>
+    <dgm:effectClrLst/>
+    <dgm:txLinClrLst/>
+    <dgm:txFillClrLst meth="repeat">
+      <a:schemeClr val="dk1"/>
+    </dgm:txFillClrLst>
+    <dgm:txEffectClrLst/>
+  </dgm:styleLbl>
+  <dgm:styleLbl name="bgAccFollowNode1">
+    <dgm:fillClrLst>
+      <a:schemeClr val="accent2">
+        <a:tint val="40000"/>
+        <a:alpha val="90000"/>
+      </a:schemeClr>
+      <a:schemeClr val="accent3">
+        <a:tint val="40000"/>
+        <a:alpha val="90000"/>
+      </a:schemeClr>
+    </dgm:fillClrLst>
+    <dgm:linClrLst>
+      <a:schemeClr val="accent2">
+        <a:tint val="40000"/>
+        <a:alpha val="90000"/>
+      </a:schemeClr>
+      <a:schemeClr val="accent3">
+        <a:tint val="40000"/>
+        <a:alpha val="90000"/>
+      </a:schemeClr>
+    </dgm:linClrLst>
+    <dgm:effectClrLst/>
+    <dgm:txLinClrLst/>
+    <dgm:txFillClrLst meth="repeat">
+      <a:schemeClr val="dk1"/>
+    </dgm:txFillClrLst>
+    <dgm:txEffectClrLst/>
+  </dgm:styleLbl>
+  <dgm:styleLbl name="fgAcc0">
+    <dgm:fillClrLst meth="repeat">
+      <a:schemeClr val="lt1">
+        <a:alpha val="90000"/>
+      </a:schemeClr>
+    </dgm:fillClrLst>
+    <dgm:linClrLst>
+      <a:schemeClr val="accent1"/>
+    </dgm:linClrLst>
+    <dgm:effectClrLst/>
+    <dgm:txLinClrLst/>
+    <dgm:txFillClrLst meth="repeat">
+      <a:schemeClr val="dk1"/>
+    </dgm:txFillClrLst>
+    <dgm:txEffectClrLst/>
+  </dgm:styleLbl>
+  <dgm:styleLbl name="fgAcc2">
+    <dgm:fillClrLst meth="repeat">
+      <a:schemeClr val="lt1">
+        <a:alpha val="90000"/>
+      </a:schemeClr>
+    </dgm:fillClrLst>
+    <dgm:linClrLst>
+      <a:schemeClr val="accent3"/>
+    </dgm:linClrLst>
+    <dgm:effectClrLst/>
+    <dgm:txLinClrLst/>
+    <dgm:txFillClrLst meth="repeat">
+      <a:schemeClr val="dk1"/>
+    </dgm:txFillClrLst>
+    <dgm:txEffectClrLst/>
+  </dgm:styleLbl>
+  <dgm:styleLbl name="fgAcc3">
+    <dgm:fillClrLst meth="repeat">
+      <a:schemeClr val="lt1">
+        <a:alpha val="90000"/>
+      </a:schemeClr>
+    </dgm:fillClrLst>
+    <dgm:linClrLst>
+      <a:schemeClr val="accent4"/>
+    </dgm:linClrLst>
+    <dgm:effectClrLst/>
+    <dgm:txLinClrLst/>
+    <dgm:txFillClrLst meth="repeat">
+      <a:schemeClr val="dk1"/>
+    </dgm:txFillClrLst>
+    <dgm:txEffectClrLst/>
+  </dgm:styleLbl>
+  <dgm:styleLbl name="fgAcc4">
+    <dgm:fillClrLst meth="repeat">
+      <a:schemeClr val="lt1">
+        <a:alpha val="90000"/>
+      </a:schemeClr>
+    </dgm:fillClrLst>
+    <dgm:linClrLst>
+      <a:schemeClr val="accent5"/>
+    </dgm:linClrLst>
+    <dgm:effectClrLst/>
+    <dgm:txLinClrLst/>
+    <dgm:txFillClrLst meth="repeat">
+      <a:schemeClr val="dk1"/>
+    </dgm:txFillClrLst>
+    <dgm:txEffectClrLst/>
+  </dgm:styleLbl>
+  <dgm:styleLbl name="bgShp">
+    <dgm:fillClrLst meth="repeat">
+      <a:schemeClr val="accent2">
+        <a:tint val="40000"/>
+      </a:schemeClr>
+    </dgm:fillClrLst>
+    <dgm:linClrLst meth="repeat">
+      <a:schemeClr val="dk1"/>
+    </dgm:linClrLst>
+    <dgm:effectClrLst/>
+    <dgm:txLinClrLst/>
+    <dgm:txFillClrLst meth="repeat">
+      <a:schemeClr val="dk1"/>
+    </dgm:txFillClrLst>
+    <dgm:txEffectClrLst/>
+  </dgm:styleLbl>
+  <dgm:styleLbl name="dkBgShp">
+    <dgm:fillClrLst meth="repeat">
+      <a:schemeClr val="accent2">
+        <a:shade val="90000"/>
+      </a:schemeClr>
+    </dgm:fillClrLst>
+    <dgm:linClrLst meth="repeat">
+      <a:schemeClr val="dk1"/>
+    </dgm:linClrLst>
+    <dgm:effectClrLst/>
+    <dgm:txLinClrLst/>
+    <dgm:txFillClrLst meth="repeat">
+      <a:schemeClr val="lt1"/>
+    </dgm:txFillClrLst>
+    <dgm:txEffectClrLst/>
+  </dgm:styleLbl>
+  <dgm:styleLbl name="trBgShp">
+    <dgm:fillClrLst meth="repeat">
+      <a:schemeClr val="accent2">
+        <a:tint val="50000"/>
+        <a:alpha val="40000"/>
+      </a:schemeClr>
+    </dgm:fillClrLst>
+    <dgm:linClrLst meth="repeat">
+      <a:schemeClr val="accent2"/>
+    </dgm:linClrLst>
+    <dgm:effectClrLst/>
+    <dgm:txLinClrLst/>
+    <dgm:txFillClrLst meth="repeat">
+      <a:schemeClr val="lt1"/>
+    </dgm:txFillClrLst>
+    <dgm:txEffectClrLst/>
+  </dgm:styleLbl>
+  <dgm:styleLbl name="fgShp">
+    <dgm:fillClrLst meth="repeat">
+      <a:schemeClr val="accent2">
+        <a:tint val="40000"/>
+      </a:schemeClr>
+    </dgm:fillClrLst>
+    <dgm:linClrLst meth="repeat">
+      <a:schemeClr val="lt1"/>
+    </dgm:linClrLst>
+    <dgm:effectClrLst/>
+    <dgm:txLinClrLst/>
+    <dgm:txFillClrLst meth="repeat">
+      <a:schemeClr val="dk1"/>
+    </dgm:txFillClrLst>
+    <dgm:txEffectClrLst/>
+  </dgm:styleLbl>
+  <dgm:styleLbl name="revTx">
+    <dgm:fillClrLst meth="repeat">
+      <a:schemeClr val="lt1">
+        <a:alpha val="0"/>
+      </a:schemeClr>
+    </dgm:fillClrLst>
+    <dgm:linClrLst meth="repeat">
+      <a:schemeClr val="dk1">
+        <a:alpha val="0"/>
+      </a:schemeClr>
+    </dgm:linClrLst>
+    <dgm:effectClrLst/>
+    <dgm:txLinClrLst/>
+    <dgm:txFillClrLst meth="repeat">
+      <a:schemeClr val="tx1"/>
+    </dgm:txFillClrLst>
+    <dgm:txEffectClrLst/>
+  </dgm:styleLbl>
+</dgm:colorsDef>
+</file>
+
+<file path=ppt/diagrams/colors3.xml><?xml version="1.0" encoding="utf-8"?>
 <dgm:colorsDef xmlns:dgm="http://schemas.openxmlformats.org/drawingml/2006/diagram" xmlns:a="http://schemas.openxmlformats.org/drawingml/2006/main" uniqueId="urn:microsoft.com/office/officeart/2005/8/colors/colorful2">
   <dgm:title val=""/>
   <dgm:desc val=""/>
@@ -2058,7 +2840,7 @@
 <dgm:dataModel xmlns:dgm="http://schemas.openxmlformats.org/drawingml/2006/diagram" xmlns:a="http://schemas.openxmlformats.org/drawingml/2006/main">
   <dgm:ptLst>
     <dgm:pt modelId="{45F77B33-08EF-4743-8FFB-CA6F68AF0058}" type="doc">
-      <dgm:prSet loTypeId="urn:microsoft.com/office/officeart/2016/7/layout/RepeatingBendingProcessNew" loCatId="process" qsTypeId="urn:microsoft.com/office/officeart/2005/8/quickstyle/simple1" qsCatId="simple" csTypeId="urn:microsoft.com/office/officeart/2005/8/colors/colorful2" csCatId="colorful"/>
+      <dgm:prSet loTypeId="urn:microsoft.com/office/officeart/2016/7/layout/RepeatingBendingProcessNew" loCatId="process" qsTypeId="urn:microsoft.com/office/officeart/2005/8/quickstyle/simple1" qsCatId="simple" csTypeId="urn:microsoft.com/office/officeart/2005/8/colors/colorful2" csCatId="colorful" phldr="1"/>
       <dgm:spPr/>
       <dgm:t>
         <a:bodyPr/>
@@ -2184,8 +2966,8 @@
         <a:lstStyle/>
         <a:p>
           <a:r>
-            <a:rPr lang="en-US"/>
-            <a:t>Joined the tables on data and sent to MongoDB</a:t>
+            <a:rPr lang="en-US" dirty="0"/>
+            <a:t>Joined the tables on date and stored in MongoDB</a:t>
           </a:r>
         </a:p>
       </dgm:t>
@@ -2422,6 +3204,145 @@
     <dgm:cxn modelId="{82B1BE54-5E09-4077-875A-81F2F13A4092}" type="presParOf" srcId="{FBD88F1E-5CCE-42D3-A587-C76F35A570BF}" destId="{9127662E-9BE0-4717-B9C2-7829BC8B7B62}" srcOrd="9" destOrd="0" presId="urn:microsoft.com/office/officeart/2016/7/layout/RepeatingBendingProcessNew"/>
     <dgm:cxn modelId="{31275C2B-D1D2-4BB1-8B11-43383317818D}" type="presParOf" srcId="{9127662E-9BE0-4717-B9C2-7829BC8B7B62}" destId="{0FB81687-E045-42BF-8753-E45E7AE4F884}" srcOrd="0" destOrd="0" presId="urn:microsoft.com/office/officeart/2016/7/layout/RepeatingBendingProcessNew"/>
     <dgm:cxn modelId="{8BF900BD-2286-4783-B443-4AD3BFEB0832}" type="presParOf" srcId="{FBD88F1E-5CCE-42D3-A587-C76F35A570BF}" destId="{F3918773-BAF7-44AE-B373-330BA435B88E}" srcOrd="10" destOrd="0" presId="urn:microsoft.com/office/officeart/2016/7/layout/RepeatingBendingProcessNew"/>
+  </dgm:cxnLst>
+  <dgm:bg/>
+  <dgm:whole/>
+  <dgm:extLst>
+    <a:ext uri="http://schemas.microsoft.com/office/drawing/2008/diagram">
+      <dsp:dataModelExt xmlns:dsp="http://schemas.microsoft.com/office/drawing/2008/diagram" relId="rId6" minVer="http://schemas.openxmlformats.org/drawingml/2006/diagram"/>
+    </a:ext>
+  </dgm:extLst>
+</dgm:dataModel>
+</file>
+
+<file path=ppt/diagrams/data3.xml><?xml version="1.0" encoding="utf-8"?>
+<dgm:dataModel xmlns:dgm="http://schemas.openxmlformats.org/drawingml/2006/diagram" xmlns:a="http://schemas.openxmlformats.org/drawingml/2006/main">
+  <dgm:ptLst>
+    <dgm:pt modelId="{8CA57622-D6AD-4040-9CE9-48CCDD589578}" type="doc">
+      <dgm:prSet loTypeId="urn:microsoft.com/office/officeart/2005/8/layout/process4" loCatId="process" qsTypeId="urn:microsoft.com/office/officeart/2005/8/quickstyle/simple2" qsCatId="simple" csTypeId="urn:microsoft.com/office/officeart/2005/8/colors/colorful2" csCatId="colorful"/>
+      <dgm:spPr/>
+      <dgm:t>
+        <a:bodyPr/>
+        <a:lstStyle/>
+        <a:p>
+          <a:endParaRPr lang="en-US"/>
+        </a:p>
+      </dgm:t>
+    </dgm:pt>
+    <dgm:pt modelId="{F49161FC-F604-4581-A7B1-F4AB330B5C6E}">
+      <dgm:prSet/>
+      <dgm:spPr/>
+      <dgm:t>
+        <a:bodyPr/>
+        <a:lstStyle/>
+        <a:p>
+          <a:r>
+            <a:rPr lang="en-US"/>
+            <a:t>The ^VIX is negatively correlated to the S&amp;P500</a:t>
+          </a:r>
+        </a:p>
+      </dgm:t>
+    </dgm:pt>
+    <dgm:pt modelId="{3292C865-BA4C-4840-9385-7FC227B493BA}" type="parTrans" cxnId="{3AC8EC4D-7ECD-4B7E-AF5B-A5E283361BE1}">
+      <dgm:prSet/>
+      <dgm:spPr/>
+      <dgm:t>
+        <a:bodyPr/>
+        <a:lstStyle/>
+        <a:p>
+          <a:endParaRPr lang="en-US"/>
+        </a:p>
+      </dgm:t>
+    </dgm:pt>
+    <dgm:pt modelId="{4EA7CCFE-88B2-461B-BB6C-49F575CD6B3E}" type="sibTrans" cxnId="{3AC8EC4D-7ECD-4B7E-AF5B-A5E283361BE1}">
+      <dgm:prSet/>
+      <dgm:spPr/>
+      <dgm:t>
+        <a:bodyPr/>
+        <a:lstStyle/>
+        <a:p>
+          <a:endParaRPr lang="en-US"/>
+        </a:p>
+      </dgm:t>
+    </dgm:pt>
+    <dgm:pt modelId="{4D6A9867-7DA2-4878-87DE-944C1E8874BD}">
+      <dgm:prSet/>
+      <dgm:spPr/>
+      <dgm:t>
+        <a:bodyPr/>
+        <a:lstStyle/>
+        <a:p>
+          <a:r>
+            <a:rPr lang="en-US"/>
+            <a:t>The Unemployment Rate is directly affected by the market, all though with a slight delay in reaction. The unemployment rate also takes longer to recover than the S&amp;P500.</a:t>
+          </a:r>
+        </a:p>
+      </dgm:t>
+    </dgm:pt>
+    <dgm:pt modelId="{8BED6E81-C02A-4AA4-88CE-01D4CCE91594}" type="parTrans" cxnId="{4F2E888F-3549-4E15-8C28-056D80CF21AC}">
+      <dgm:prSet/>
+      <dgm:spPr/>
+      <dgm:t>
+        <a:bodyPr/>
+        <a:lstStyle/>
+        <a:p>
+          <a:endParaRPr lang="en-US"/>
+        </a:p>
+      </dgm:t>
+    </dgm:pt>
+    <dgm:pt modelId="{27021A27-6BE8-4060-A09F-4BAE222F3757}" type="sibTrans" cxnId="{4F2E888F-3549-4E15-8C28-056D80CF21AC}">
+      <dgm:prSet/>
+      <dgm:spPr/>
+      <dgm:t>
+        <a:bodyPr/>
+        <a:lstStyle/>
+        <a:p>
+          <a:endParaRPr lang="en-US"/>
+        </a:p>
+      </dgm:t>
+    </dgm:pt>
+    <dgm:pt modelId="{FEDE8D22-4A2C-4C65-A576-EF91A0CA5011}" type="pres">
+      <dgm:prSet presAssocID="{8CA57622-D6AD-4040-9CE9-48CCDD589578}" presName="Name0" presStyleCnt="0">
+        <dgm:presLayoutVars>
+          <dgm:dir/>
+          <dgm:animLvl val="lvl"/>
+          <dgm:resizeHandles val="exact"/>
+        </dgm:presLayoutVars>
+      </dgm:prSet>
+      <dgm:spPr/>
+    </dgm:pt>
+    <dgm:pt modelId="{514F4518-C94C-471C-B0A8-98077DBC511A}" type="pres">
+      <dgm:prSet presAssocID="{4D6A9867-7DA2-4878-87DE-944C1E8874BD}" presName="boxAndChildren" presStyleCnt="0"/>
+      <dgm:spPr/>
+    </dgm:pt>
+    <dgm:pt modelId="{94543BE4-1089-4253-8AB5-9EF04990DC41}" type="pres">
+      <dgm:prSet presAssocID="{4D6A9867-7DA2-4878-87DE-944C1E8874BD}" presName="parentTextBox" presStyleLbl="node1" presStyleIdx="0" presStyleCnt="2"/>
+      <dgm:spPr/>
+    </dgm:pt>
+    <dgm:pt modelId="{E2062AAF-15DA-4AFC-8B3F-CDAE7430EE43}" type="pres">
+      <dgm:prSet presAssocID="{4EA7CCFE-88B2-461B-BB6C-49F575CD6B3E}" presName="sp" presStyleCnt="0"/>
+      <dgm:spPr/>
+    </dgm:pt>
+    <dgm:pt modelId="{4B356910-753F-4476-A5F0-6B55EC486640}" type="pres">
+      <dgm:prSet presAssocID="{F49161FC-F604-4581-A7B1-F4AB330B5C6E}" presName="arrowAndChildren" presStyleCnt="0"/>
+      <dgm:spPr/>
+    </dgm:pt>
+    <dgm:pt modelId="{BAA42A5F-A0F1-4DEF-9679-91EEC6237F7E}" type="pres">
+      <dgm:prSet presAssocID="{F49161FC-F604-4581-A7B1-F4AB330B5C6E}" presName="parentTextArrow" presStyleLbl="node1" presStyleIdx="1" presStyleCnt="2"/>
+      <dgm:spPr/>
+    </dgm:pt>
+  </dgm:ptLst>
+  <dgm:cxnLst>
+    <dgm:cxn modelId="{24D1AE1C-31CC-46DD-B312-0CB1942C986C}" type="presOf" srcId="{8CA57622-D6AD-4040-9CE9-48CCDD589578}" destId="{FEDE8D22-4A2C-4C65-A576-EF91A0CA5011}" srcOrd="0" destOrd="0" presId="urn:microsoft.com/office/officeart/2005/8/layout/process4"/>
+    <dgm:cxn modelId="{3AC8EC4D-7ECD-4B7E-AF5B-A5E283361BE1}" srcId="{8CA57622-D6AD-4040-9CE9-48CCDD589578}" destId="{F49161FC-F604-4581-A7B1-F4AB330B5C6E}" srcOrd="0" destOrd="0" parTransId="{3292C865-BA4C-4840-9385-7FC227B493BA}" sibTransId="{4EA7CCFE-88B2-461B-BB6C-49F575CD6B3E}"/>
+    <dgm:cxn modelId="{5C1D4957-CF1E-474C-9D2D-37B74C11A7CA}" type="presOf" srcId="{F49161FC-F604-4581-A7B1-F4AB330B5C6E}" destId="{BAA42A5F-A0F1-4DEF-9679-91EEC6237F7E}" srcOrd="0" destOrd="0" presId="urn:microsoft.com/office/officeart/2005/8/layout/process4"/>
+    <dgm:cxn modelId="{4F2E888F-3549-4E15-8C28-056D80CF21AC}" srcId="{8CA57622-D6AD-4040-9CE9-48CCDD589578}" destId="{4D6A9867-7DA2-4878-87DE-944C1E8874BD}" srcOrd="1" destOrd="0" parTransId="{8BED6E81-C02A-4AA4-88CE-01D4CCE91594}" sibTransId="{27021A27-6BE8-4060-A09F-4BAE222F3757}"/>
+    <dgm:cxn modelId="{51CC7EB4-90AC-4892-A971-A1D127920FB0}" type="presOf" srcId="{4D6A9867-7DA2-4878-87DE-944C1E8874BD}" destId="{94543BE4-1089-4253-8AB5-9EF04990DC41}" srcOrd="0" destOrd="0" presId="urn:microsoft.com/office/officeart/2005/8/layout/process4"/>
+    <dgm:cxn modelId="{B4750908-1C1B-45AE-851B-621FB0568A2A}" type="presParOf" srcId="{FEDE8D22-4A2C-4C65-A576-EF91A0CA5011}" destId="{514F4518-C94C-471C-B0A8-98077DBC511A}" srcOrd="0" destOrd="0" presId="urn:microsoft.com/office/officeart/2005/8/layout/process4"/>
+    <dgm:cxn modelId="{21F6268F-757F-457E-BB0C-9C23BA628B38}" type="presParOf" srcId="{514F4518-C94C-471C-B0A8-98077DBC511A}" destId="{94543BE4-1089-4253-8AB5-9EF04990DC41}" srcOrd="0" destOrd="0" presId="urn:microsoft.com/office/officeart/2005/8/layout/process4"/>
+    <dgm:cxn modelId="{FCB82A20-325B-4C2A-8701-3FD90FA96E57}" type="presParOf" srcId="{FEDE8D22-4A2C-4C65-A576-EF91A0CA5011}" destId="{E2062AAF-15DA-4AFC-8B3F-CDAE7430EE43}" srcOrd="1" destOrd="0" presId="urn:microsoft.com/office/officeart/2005/8/layout/process4"/>
+    <dgm:cxn modelId="{6E9E9455-94C3-4E78-B638-3D6DE09634D9}" type="presParOf" srcId="{FEDE8D22-4A2C-4C65-A576-EF91A0CA5011}" destId="{4B356910-753F-4476-A5F0-6B55EC486640}" srcOrd="2" destOrd="0" presId="urn:microsoft.com/office/officeart/2005/8/layout/process4"/>
+    <dgm:cxn modelId="{0352B4D4-AF54-44B6-8E21-86B7B03923C8}" type="presParOf" srcId="{4B356910-753F-4476-A5F0-6B55EC486640}" destId="{BAA42A5F-A0F1-4DEF-9679-91EEC6237F7E}" srcOrd="0" destOrd="0" presId="urn:microsoft.com/office/officeart/2005/8/layout/process4"/>
   </dgm:cxnLst>
   <dgm:bg/>
   <dgm:whole/>
@@ -3396,8 +4317,8 @@
             <a:buNone/>
           </a:pPr>
           <a:r>
-            <a:rPr lang="en-US" sz="2300" kern="1200"/>
-            <a:t>Joined the tables on data and sent to MongoDB</a:t>
+            <a:rPr lang="en-US" sz="2300" kern="1200" dirty="0"/>
+            <a:t>Joined the tables on date and stored in MongoDB</a:t>
           </a:r>
         </a:p>
       </dsp:txBody>
@@ -3641,6 +4562,174 @@
       <dsp:txXfrm>
         <a:off x="3555988" y="4321574"/>
         <a:ext cx="2601625" cy="1560975"/>
+      </dsp:txXfrm>
+    </dsp:sp>
+  </dsp:spTree>
+</dsp:drawing>
+</file>
+
+<file path=ppt/diagrams/drawing3.xml><?xml version="1.0" encoding="utf-8"?>
+<dsp:drawing xmlns:dgm="http://schemas.openxmlformats.org/drawingml/2006/diagram" xmlns:dsp="http://schemas.microsoft.com/office/drawing/2008/diagram" xmlns:a="http://schemas.openxmlformats.org/drawingml/2006/main">
+  <dsp:spTree>
+    <dsp:nvGrpSpPr>
+      <dsp:cNvPr id="0" name=""/>
+      <dsp:cNvGrpSpPr/>
+    </dsp:nvGrpSpPr>
+    <dsp:grpSpPr/>
+    <dsp:sp modelId="{94543BE4-1089-4253-8AB5-9EF04990DC41}">
+      <dsp:nvSpPr>
+        <dsp:cNvPr id="0" name=""/>
+        <dsp:cNvSpPr/>
+      </dsp:nvSpPr>
+      <dsp:spPr>
+        <a:xfrm>
+          <a:off x="0" y="2730899"/>
+          <a:ext cx="7315200" cy="1791765"/>
+        </a:xfrm>
+        <a:prstGeom prst="rect">
+          <a:avLst/>
+        </a:prstGeom>
+        <a:solidFill>
+          <a:schemeClr val="accent2">
+            <a:hueOff val="0"/>
+            <a:satOff val="0"/>
+            <a:lumOff val="0"/>
+            <a:alphaOff val="0"/>
+          </a:schemeClr>
+        </a:solidFill>
+        <a:ln w="19050" cap="flat" cmpd="sng" algn="ctr">
+          <a:solidFill>
+            <a:schemeClr val="lt1">
+              <a:hueOff val="0"/>
+              <a:satOff val="0"/>
+              <a:lumOff val="0"/>
+              <a:alphaOff val="0"/>
+            </a:schemeClr>
+          </a:solidFill>
+          <a:prstDash val="solid"/>
+          <a:miter lim="800000"/>
+        </a:ln>
+        <a:effectLst/>
+      </dsp:spPr>
+      <dsp:style>
+        <a:lnRef idx="3">
+          <a:scrgbClr r="0" g="0" b="0"/>
+        </a:lnRef>
+        <a:fillRef idx="1">
+          <a:scrgbClr r="0" g="0" b="0"/>
+        </a:fillRef>
+        <a:effectRef idx="1">
+          <a:scrgbClr r="0" g="0" b="0"/>
+        </a:effectRef>
+        <a:fontRef idx="minor">
+          <a:schemeClr val="lt1"/>
+        </a:fontRef>
+      </dsp:style>
+      <dsp:txBody>
+        <a:bodyPr spcFirstLastPara="0" vert="horz" wrap="square" lIns="177800" tIns="177800" rIns="177800" bIns="177800" numCol="1" spcCol="1270" anchor="ctr" anchorCtr="0">
+          <a:noAutofit/>
+        </a:bodyPr>
+        <a:lstStyle/>
+        <a:p>
+          <a:pPr marL="0" lvl="0" indent="0" algn="ctr" defTabSz="1111250">
+            <a:lnSpc>
+              <a:spcPct val="90000"/>
+            </a:lnSpc>
+            <a:spcBef>
+              <a:spcPct val="0"/>
+            </a:spcBef>
+            <a:spcAft>
+              <a:spcPct val="35000"/>
+            </a:spcAft>
+            <a:buNone/>
+          </a:pPr>
+          <a:r>
+            <a:rPr lang="en-US" sz="2500" kern="1200"/>
+            <a:t>The Unemployment Rate is directly affected by the market, all though with a slight delay in reaction. The unemployment rate also takes longer to recover than the S&amp;P500.</a:t>
+          </a:r>
+        </a:p>
+      </dsp:txBody>
+      <dsp:txXfrm>
+        <a:off x="0" y="2730899"/>
+        <a:ext cx="7315200" cy="1791765"/>
+      </dsp:txXfrm>
+    </dsp:sp>
+    <dsp:sp modelId="{BAA42A5F-A0F1-4DEF-9679-91EEC6237F7E}">
+      <dsp:nvSpPr>
+        <dsp:cNvPr id="0" name=""/>
+        <dsp:cNvSpPr/>
+      </dsp:nvSpPr>
+      <dsp:spPr>
+        <a:xfrm rot="10800000">
+          <a:off x="0" y="2040"/>
+          <a:ext cx="7315200" cy="2755735"/>
+        </a:xfrm>
+        <a:prstGeom prst="upArrowCallout">
+          <a:avLst/>
+        </a:prstGeom>
+        <a:solidFill>
+          <a:schemeClr val="accent2">
+            <a:hueOff val="-1455363"/>
+            <a:satOff val="-83928"/>
+            <a:lumOff val="8628"/>
+            <a:alphaOff val="0"/>
+          </a:schemeClr>
+        </a:solidFill>
+        <a:ln w="19050" cap="flat" cmpd="sng" algn="ctr">
+          <a:solidFill>
+            <a:schemeClr val="lt1">
+              <a:hueOff val="0"/>
+              <a:satOff val="0"/>
+              <a:lumOff val="0"/>
+              <a:alphaOff val="0"/>
+            </a:schemeClr>
+          </a:solidFill>
+          <a:prstDash val="solid"/>
+          <a:miter lim="800000"/>
+        </a:ln>
+        <a:effectLst/>
+      </dsp:spPr>
+      <dsp:style>
+        <a:lnRef idx="3">
+          <a:scrgbClr r="0" g="0" b="0"/>
+        </a:lnRef>
+        <a:fillRef idx="1">
+          <a:scrgbClr r="0" g="0" b="0"/>
+        </a:fillRef>
+        <a:effectRef idx="1">
+          <a:scrgbClr r="0" g="0" b="0"/>
+        </a:effectRef>
+        <a:fontRef idx="minor">
+          <a:schemeClr val="lt1"/>
+        </a:fontRef>
+      </dsp:style>
+      <dsp:txBody>
+        <a:bodyPr spcFirstLastPara="0" vert="horz" wrap="square" lIns="177800" tIns="177800" rIns="177800" bIns="177800" numCol="1" spcCol="1270" anchor="ctr" anchorCtr="0">
+          <a:noAutofit/>
+        </a:bodyPr>
+        <a:lstStyle/>
+        <a:p>
+          <a:pPr marL="0" lvl="0" indent="0" algn="ctr" defTabSz="1111250">
+            <a:lnSpc>
+              <a:spcPct val="90000"/>
+            </a:lnSpc>
+            <a:spcBef>
+              <a:spcPct val="0"/>
+            </a:spcBef>
+            <a:spcAft>
+              <a:spcPct val="35000"/>
+            </a:spcAft>
+            <a:buNone/>
+          </a:pPr>
+          <a:r>
+            <a:rPr lang="en-US" sz="2500" kern="1200"/>
+            <a:t>The ^VIX is negatively correlated to the S&amp;P500</a:t>
+          </a:r>
+        </a:p>
+      </dsp:txBody>
+      <dsp:txXfrm rot="10800000">
+        <a:off x="0" y="2040"/>
+        <a:ext cx="7315200" cy="1790594"/>
       </dsp:txXfrm>
     </dsp:sp>
   </dsp:spTree>
@@ -4133,6 +5222,359 @@
 </dgm:layoutDef>
 </file>
 
+<file path=ppt/diagrams/layout3.xml><?xml version="1.0" encoding="utf-8"?>
+<dgm:layoutDef xmlns:dgm="http://schemas.openxmlformats.org/drawingml/2006/diagram" xmlns:a="http://schemas.openxmlformats.org/drawingml/2006/main" uniqueId="urn:microsoft.com/office/officeart/2005/8/layout/process4">
+  <dgm:title val=""/>
+  <dgm:desc val=""/>
+  <dgm:catLst>
+    <dgm:cat type="process" pri="16000"/>
+    <dgm:cat type="list" pri="20000"/>
+  </dgm:catLst>
+  <dgm:sampData>
+    <dgm:dataModel>
+      <dgm:ptLst>
+        <dgm:pt modelId="0" type="doc"/>
+        <dgm:pt modelId="1">
+          <dgm:prSet phldr="1"/>
+        </dgm:pt>
+        <dgm:pt modelId="11">
+          <dgm:prSet phldr="1"/>
+        </dgm:pt>
+        <dgm:pt modelId="12">
+          <dgm:prSet phldr="1"/>
+        </dgm:pt>
+        <dgm:pt modelId="2">
+          <dgm:prSet phldr="1"/>
+        </dgm:pt>
+        <dgm:pt modelId="21">
+          <dgm:prSet phldr="1"/>
+        </dgm:pt>
+        <dgm:pt modelId="22">
+          <dgm:prSet phldr="1"/>
+        </dgm:pt>
+        <dgm:pt modelId="3">
+          <dgm:prSet phldr="1"/>
+        </dgm:pt>
+        <dgm:pt modelId="31">
+          <dgm:prSet phldr="1"/>
+        </dgm:pt>
+        <dgm:pt modelId="32">
+          <dgm:prSet phldr="1"/>
+        </dgm:pt>
+      </dgm:ptLst>
+      <dgm:cxnLst>
+        <dgm:cxn modelId="4" srcId="0" destId="1" srcOrd="0" destOrd="0"/>
+        <dgm:cxn modelId="5" srcId="0" destId="2" srcOrd="1" destOrd="0"/>
+        <dgm:cxn modelId="6" srcId="0" destId="3" srcOrd="2" destOrd="0"/>
+        <dgm:cxn modelId="13" srcId="1" destId="11" srcOrd="0" destOrd="0"/>
+        <dgm:cxn modelId="14" srcId="1" destId="12" srcOrd="1" destOrd="0"/>
+        <dgm:cxn modelId="23" srcId="2" destId="21" srcOrd="0" destOrd="0"/>
+        <dgm:cxn modelId="24" srcId="2" destId="22" srcOrd="1" destOrd="0"/>
+        <dgm:cxn modelId="33" srcId="3" destId="31" srcOrd="0" destOrd="0"/>
+        <dgm:cxn modelId="34" srcId="3" destId="32" srcOrd="1" destOrd="0"/>
+      </dgm:cxnLst>
+      <dgm:bg/>
+      <dgm:whole/>
+    </dgm:dataModel>
+  </dgm:sampData>
+  <dgm:styleData>
+    <dgm:dataModel>
+      <dgm:ptLst>
+        <dgm:pt modelId="0" type="doc"/>
+        <dgm:pt modelId="1"/>
+        <dgm:pt modelId="11"/>
+        <dgm:pt modelId="2"/>
+        <dgm:pt modelId="21"/>
+      </dgm:ptLst>
+      <dgm:cxnLst>
+        <dgm:cxn modelId="4" srcId="0" destId="1" srcOrd="0" destOrd="0"/>
+        <dgm:cxn modelId="5" srcId="0" destId="2" srcOrd="1" destOrd="0"/>
+        <dgm:cxn modelId="13" srcId="1" destId="11" srcOrd="0" destOrd="0"/>
+        <dgm:cxn modelId="23" srcId="2" destId="21" srcOrd="0" destOrd="0"/>
+      </dgm:cxnLst>
+      <dgm:bg/>
+      <dgm:whole/>
+    </dgm:dataModel>
+  </dgm:styleData>
+  <dgm:clrData>
+    <dgm:dataModel>
+      <dgm:ptLst>
+        <dgm:pt modelId="0" type="doc"/>
+        <dgm:pt modelId="1"/>
+        <dgm:pt modelId="11"/>
+        <dgm:pt modelId="2"/>
+        <dgm:pt modelId="21"/>
+        <dgm:pt modelId="3"/>
+        <dgm:pt modelId="31"/>
+        <dgm:pt modelId="4"/>
+        <dgm:pt modelId="41"/>
+      </dgm:ptLst>
+      <dgm:cxnLst>
+        <dgm:cxn modelId="5" srcId="0" destId="1" srcOrd="0" destOrd="0"/>
+        <dgm:cxn modelId="6" srcId="0" destId="2" srcOrd="1" destOrd="0"/>
+        <dgm:cxn modelId="7" srcId="0" destId="3" srcOrd="2" destOrd="0"/>
+        <dgm:cxn modelId="8" srcId="0" destId="4" srcOrd="3" destOrd="0"/>
+        <dgm:cxn modelId="13" srcId="1" destId="11" srcOrd="0" destOrd="0"/>
+        <dgm:cxn modelId="23" srcId="2" destId="21" srcOrd="0" destOrd="0"/>
+        <dgm:cxn modelId="33" srcId="3" destId="31" srcOrd="0" destOrd="0"/>
+        <dgm:cxn modelId="43" srcId="4" destId="41" srcOrd="0" destOrd="0"/>
+      </dgm:cxnLst>
+      <dgm:bg/>
+      <dgm:whole/>
+    </dgm:dataModel>
+  </dgm:clrData>
+  <dgm:layoutNode name="Name0">
+    <dgm:varLst>
+      <dgm:dir/>
+      <dgm:animLvl val="lvl"/>
+      <dgm:resizeHandles val="exact"/>
+    </dgm:varLst>
+    <dgm:alg type="lin">
+      <dgm:param type="linDir" val="fromB"/>
+    </dgm:alg>
+    <dgm:shape xmlns:r="http://schemas.openxmlformats.org/officeDocument/2006/relationships" r:blip="">
+      <dgm:adjLst/>
+    </dgm:shape>
+    <dgm:presOf/>
+    <dgm:constrLst>
+      <dgm:constr type="h" for="ch" forName="boxAndChildren" refType="h"/>
+      <dgm:constr type="h" for="ch" forName="arrowAndChildren" refType="h" refFor="ch" refForName="boxAndChildren" op="equ" fact="1.538"/>
+      <dgm:constr type="w" for="ch" forName="arrowAndChildren" refType="w"/>
+      <dgm:constr type="w" for="ch" forName="boxAndChildren" refType="w"/>
+      <dgm:constr type="h" for="ch" forName="sp" refType="h" fact="-0.015"/>
+      <dgm:constr type="primFontSz" for="des" forName="parentTextBox" val="65"/>
+      <dgm:constr type="primFontSz" for="des" forName="parentTextArrow" refType="primFontSz" refFor="des" refForName="parentTextBox" op="equ"/>
+      <dgm:constr type="primFontSz" for="des" forName="childTextArrow" val="65"/>
+      <dgm:constr type="primFontSz" for="des" forName="childTextBox" refType="primFontSz" refFor="des" refForName="childTextArrow" op="equ"/>
+    </dgm:constrLst>
+    <dgm:ruleLst/>
+    <dgm:forEach name="Name1" axis="ch" ptType="node" st="-1" step="-1">
+      <dgm:choose name="Name2">
+        <dgm:if name="Name3" axis="self" ptType="node" func="revPos" op="equ" val="1">
+          <dgm:layoutNode name="boxAndChildren">
+            <dgm:alg type="composite"/>
+            <dgm:shape xmlns:r="http://schemas.openxmlformats.org/officeDocument/2006/relationships" r:blip="">
+              <dgm:adjLst/>
+            </dgm:shape>
+            <dgm:presOf/>
+            <dgm:choose name="Name4">
+              <dgm:if name="Name5" axis="ch" ptType="node" func="cnt" op="gte" val="1">
+                <dgm:constrLst>
+                  <dgm:constr type="w" for="ch" forName="parentTextBox" refType="w"/>
+                  <dgm:constr type="h" for="ch" forName="parentTextBox" refType="h" fact="0.54"/>
+                  <dgm:constr type="t" for="ch" forName="parentTextBox"/>
+                  <dgm:constr type="w" for="ch" forName="entireBox" refType="w"/>
+                  <dgm:constr type="h" for="ch" forName="entireBox" refType="h"/>
+                  <dgm:constr type="w" for="ch" forName="descendantBox" refType="w"/>
+                  <dgm:constr type="b" for="ch" forName="descendantBox" refType="h" fact="0.98"/>
+                  <dgm:constr type="h" for="ch" forName="descendantBox" refType="h" fact="0.46"/>
+                </dgm:constrLst>
+              </dgm:if>
+              <dgm:else name="Name6">
+                <dgm:constrLst>
+                  <dgm:constr type="w" for="ch" forName="parentTextBox" refType="w"/>
+                  <dgm:constr type="h" for="ch" forName="parentTextBox" refType="h"/>
+                </dgm:constrLst>
+              </dgm:else>
+            </dgm:choose>
+            <dgm:ruleLst/>
+            <dgm:layoutNode name="parentTextBox">
+              <dgm:alg type="tx"/>
+              <dgm:choose name="Name7">
+                <dgm:if name="Name8" axis="ch" ptType="node" func="cnt" op="gte" val="1">
+                  <dgm:shape xmlns:r="http://schemas.openxmlformats.org/officeDocument/2006/relationships" type="rect" r:blip="" zOrderOff="1" hideGeom="1">
+                    <dgm:adjLst/>
+                  </dgm:shape>
+                </dgm:if>
+                <dgm:else name="Name9">
+                  <dgm:shape xmlns:r="http://schemas.openxmlformats.org/officeDocument/2006/relationships" type="rect" r:blip="">
+                    <dgm:adjLst/>
+                  </dgm:shape>
+                </dgm:else>
+              </dgm:choose>
+              <dgm:presOf axis="self"/>
+              <dgm:constrLst/>
+              <dgm:ruleLst>
+                <dgm:rule type="primFontSz" val="5" fact="NaN" max="NaN"/>
+              </dgm:ruleLst>
+            </dgm:layoutNode>
+            <dgm:choose name="Name10">
+              <dgm:if name="Name11" axis="ch" ptType="node" func="cnt" op="gte" val="1">
+                <dgm:layoutNode name="entireBox">
+                  <dgm:alg type="sp"/>
+                  <dgm:shape xmlns:r="http://schemas.openxmlformats.org/officeDocument/2006/relationships" type="rect" r:blip="">
+                    <dgm:adjLst/>
+                  </dgm:shape>
+                  <dgm:presOf axis="self"/>
+                  <dgm:constrLst/>
+                  <dgm:ruleLst/>
+                </dgm:layoutNode>
+                <dgm:layoutNode name="descendantBox" styleLbl="fgAccFollowNode1">
+                  <dgm:choose name="Name12">
+                    <dgm:if name="Name13" func="var" arg="dir" op="equ" val="norm">
+                      <dgm:alg type="lin"/>
+                    </dgm:if>
+                    <dgm:else name="Name14">
+                      <dgm:alg type="lin">
+                        <dgm:param type="linDir" val="fromR"/>
+                      </dgm:alg>
+                    </dgm:else>
+                  </dgm:choose>
+                  <dgm:shape xmlns:r="http://schemas.openxmlformats.org/officeDocument/2006/relationships" r:blip="">
+                    <dgm:adjLst/>
+                  </dgm:shape>
+                  <dgm:presOf/>
+                  <dgm:constrLst>
+                    <dgm:constr type="w" for="ch" forName="childTextBox" refType="w"/>
+                    <dgm:constr type="h" for="ch" forName="childTextBox" refType="h"/>
+                  </dgm:constrLst>
+                  <dgm:ruleLst/>
+                  <dgm:forEach name="Name15" axis="ch" ptType="node">
+                    <dgm:layoutNode name="childTextBox" styleLbl="fgAccFollowNode1">
+                      <dgm:varLst>
+                        <dgm:bulletEnabled val="1"/>
+                      </dgm:varLst>
+                      <dgm:alg type="tx"/>
+                      <dgm:shape xmlns:r="http://schemas.openxmlformats.org/officeDocument/2006/relationships" type="rect" r:blip="">
+                        <dgm:adjLst/>
+                      </dgm:shape>
+                      <dgm:presOf axis="desOrSelf" ptType="node"/>
+                      <dgm:constrLst>
+                        <dgm:constr type="tMarg" refType="primFontSz" fact="0.1"/>
+                        <dgm:constr type="bMarg" refType="primFontSz" fact="0.1"/>
+                      </dgm:constrLst>
+                      <dgm:ruleLst>
+                        <dgm:rule type="primFontSz" val="5" fact="NaN" max="NaN"/>
+                      </dgm:ruleLst>
+                    </dgm:layoutNode>
+                  </dgm:forEach>
+                </dgm:layoutNode>
+              </dgm:if>
+              <dgm:else name="Name16"/>
+            </dgm:choose>
+          </dgm:layoutNode>
+        </dgm:if>
+        <dgm:else name="Name17">
+          <dgm:layoutNode name="arrowAndChildren">
+            <dgm:alg type="composite"/>
+            <dgm:shape xmlns:r="http://schemas.openxmlformats.org/officeDocument/2006/relationships" r:blip="">
+              <dgm:adjLst/>
+            </dgm:shape>
+            <dgm:presOf/>
+            <dgm:choose name="Name18">
+              <dgm:if name="Name19" axis="ch" ptType="node" func="cnt" op="gte" val="1">
+                <dgm:constrLst>
+                  <dgm:constr type="w" for="ch" forName="parentTextArrow" refType="w"/>
+                  <dgm:constr type="t" for="ch" forName="parentTextArrow"/>
+                  <dgm:constr type="h" for="ch" forName="parentTextArrow" refType="h" fact="0.351"/>
+                  <dgm:constr type="w" for="ch" forName="arrow" refType="w"/>
+                  <dgm:constr type="h" for="ch" forName="arrow" refType="h"/>
+                  <dgm:constr type="w" for="ch" forName="descendantArrow" refType="w"/>
+                  <dgm:constr type="b" for="ch" forName="descendantArrow" refType="h" fact="0.65"/>
+                  <dgm:constr type="h" for="ch" forName="descendantArrow" refType="h" fact="0.299"/>
+                </dgm:constrLst>
+              </dgm:if>
+              <dgm:else name="Name20">
+                <dgm:constrLst>
+                  <dgm:constr type="w" for="ch" forName="parentTextArrow" refType="w"/>
+                  <dgm:constr type="h" for="ch" forName="parentTextArrow" refType="h"/>
+                </dgm:constrLst>
+              </dgm:else>
+            </dgm:choose>
+            <dgm:ruleLst/>
+            <dgm:layoutNode name="parentTextArrow">
+              <dgm:alg type="tx"/>
+              <dgm:choose name="Name21">
+                <dgm:if name="Name22" axis="ch" ptType="node" func="cnt" op="gte" val="1">
+                  <dgm:shape xmlns:r="http://schemas.openxmlformats.org/officeDocument/2006/relationships" type="rect" r:blip="" zOrderOff="1" hideGeom="1">
+                    <dgm:adjLst/>
+                  </dgm:shape>
+                </dgm:if>
+                <dgm:else name="Name23">
+                  <dgm:shape xmlns:r="http://schemas.openxmlformats.org/officeDocument/2006/relationships" rot="180" type="upArrowCallout" r:blip="">
+                    <dgm:adjLst/>
+                  </dgm:shape>
+                </dgm:else>
+              </dgm:choose>
+              <dgm:presOf axis="self"/>
+              <dgm:constrLst/>
+              <dgm:ruleLst>
+                <dgm:rule type="primFontSz" val="5" fact="NaN" max="NaN"/>
+              </dgm:ruleLst>
+            </dgm:layoutNode>
+            <dgm:choose name="Name24">
+              <dgm:if name="Name25" axis="ch" ptType="node" func="cnt" op="gte" val="1">
+                <dgm:layoutNode name="arrow">
+                  <dgm:alg type="sp"/>
+                  <dgm:shape xmlns:r="http://schemas.openxmlformats.org/officeDocument/2006/relationships" rot="180" type="upArrowCallout" r:blip="">
+                    <dgm:adjLst/>
+                  </dgm:shape>
+                  <dgm:presOf axis="self"/>
+                  <dgm:constrLst/>
+                  <dgm:ruleLst/>
+                </dgm:layoutNode>
+                <dgm:layoutNode name="descendantArrow">
+                  <dgm:choose name="Name26">
+                    <dgm:if name="Name27" func="var" arg="dir" op="equ" val="norm">
+                      <dgm:alg type="lin"/>
+                    </dgm:if>
+                    <dgm:else name="Name28">
+                      <dgm:alg type="lin">
+                        <dgm:param type="linDir" val="fromR"/>
+                      </dgm:alg>
+                    </dgm:else>
+                  </dgm:choose>
+                  <dgm:shape xmlns:r="http://schemas.openxmlformats.org/officeDocument/2006/relationships" r:blip="">
+                    <dgm:adjLst/>
+                  </dgm:shape>
+                  <dgm:presOf/>
+                  <dgm:constrLst>
+                    <dgm:constr type="w" for="ch" forName="childTextArrow" refType="w"/>
+                    <dgm:constr type="h" for="ch" forName="childTextArrow" refType="h"/>
+                  </dgm:constrLst>
+                  <dgm:ruleLst/>
+                  <dgm:forEach name="Name29" axis="ch" ptType="node">
+                    <dgm:layoutNode name="childTextArrow" styleLbl="fgAccFollowNode1">
+                      <dgm:varLst>
+                        <dgm:bulletEnabled val="1"/>
+                      </dgm:varLst>
+                      <dgm:alg type="tx"/>
+                      <dgm:shape xmlns:r="http://schemas.openxmlformats.org/officeDocument/2006/relationships" type="rect" r:blip="">
+                        <dgm:adjLst/>
+                      </dgm:shape>
+                      <dgm:presOf axis="desOrSelf" ptType="node"/>
+                      <dgm:constrLst>
+                        <dgm:constr type="tMarg" refType="primFontSz" fact="0.1"/>
+                        <dgm:constr type="bMarg" refType="primFontSz" fact="0.1"/>
+                      </dgm:constrLst>
+                      <dgm:ruleLst>
+                        <dgm:rule type="primFontSz" val="5" fact="NaN" max="NaN"/>
+                      </dgm:ruleLst>
+                    </dgm:layoutNode>
+                  </dgm:forEach>
+                </dgm:layoutNode>
+              </dgm:if>
+              <dgm:else name="Name30"/>
+            </dgm:choose>
+          </dgm:layoutNode>
+        </dgm:else>
+      </dgm:choose>
+      <dgm:forEach name="Name31" axis="precedSib" ptType="sibTrans" st="-1" cnt="1">
+        <dgm:layoutNode name="sp">
+          <dgm:alg type="sp"/>
+          <dgm:shape xmlns:r="http://schemas.openxmlformats.org/officeDocument/2006/relationships" r:blip="">
+            <dgm:adjLst/>
+          </dgm:shape>
+          <dgm:presOf axis="self"/>
+          <dgm:constrLst/>
+          <dgm:ruleLst/>
+        </dgm:layoutNode>
+      </dgm:forEach>
+    </dgm:forEach>
+  </dgm:layoutNode>
+</dgm:layoutDef>
+</file>
+
 <file path=ppt/diagrams/quickStyle1.xml><?xml version="1.0" encoding="utf-8"?>
 <dgm:styleDef xmlns:dgm="http://schemas.openxmlformats.org/drawingml/2006/diagram" xmlns:a="http://schemas.openxmlformats.org/drawingml/2006/main" uniqueId="urn:microsoft.com/office/officeart/2005/8/quickstyle/simple4">
   <dgm:title val=""/>
@@ -6173,6 +7615,1040 @@
         <a:scrgbClr r="0" g="0" b="0"/>
       </a:fillRef>
       <a:effectRef idx="0">
+        <a:scrgbClr r="0" g="0" b="0"/>
+      </a:effectRef>
+      <a:fontRef idx="minor"/>
+    </dgm:style>
+  </dgm:styleLbl>
+  <dgm:styleLbl name="revTx">
+    <dgm:scene3d>
+      <a:camera prst="orthographicFront"/>
+      <a:lightRig rig="threePt" dir="t"/>
+    </dgm:scene3d>
+    <dgm:sp3d/>
+    <dgm:txPr/>
+    <dgm:style>
+      <a:lnRef idx="0">
+        <a:scrgbClr r="0" g="0" b="0"/>
+      </a:lnRef>
+      <a:fillRef idx="0">
+        <a:scrgbClr r="0" g="0" b="0"/>
+      </a:fillRef>
+      <a:effectRef idx="0">
+        <a:scrgbClr r="0" g="0" b="0"/>
+      </a:effectRef>
+      <a:fontRef idx="minor"/>
+    </dgm:style>
+  </dgm:styleLbl>
+</dgm:styleDef>
+</file>
+
+<file path=ppt/diagrams/quickStyle3.xml><?xml version="1.0" encoding="utf-8"?>
+<dgm:styleDef xmlns:dgm="http://schemas.openxmlformats.org/drawingml/2006/diagram" xmlns:a="http://schemas.openxmlformats.org/drawingml/2006/main" uniqueId="urn:microsoft.com/office/officeart/2005/8/quickstyle/simple2">
+  <dgm:title val=""/>
+  <dgm:desc val=""/>
+  <dgm:catLst>
+    <dgm:cat type="simple" pri="10200"/>
+  </dgm:catLst>
+  <dgm:scene3d>
+    <a:camera prst="orthographicFront"/>
+    <a:lightRig rig="threePt" dir="t"/>
+  </dgm:scene3d>
+  <dgm:styleLbl name="node0">
+    <dgm:scene3d>
+      <a:camera prst="orthographicFront"/>
+      <a:lightRig rig="threePt" dir="t"/>
+    </dgm:scene3d>
+    <dgm:sp3d/>
+    <dgm:txPr/>
+    <dgm:style>
+      <a:lnRef idx="3">
+        <a:scrgbClr r="0" g="0" b="0"/>
+      </a:lnRef>
+      <a:fillRef idx="1">
+        <a:scrgbClr r="0" g="0" b="0"/>
+      </a:fillRef>
+      <a:effectRef idx="1">
+        <a:scrgbClr r="0" g="0" b="0"/>
+      </a:effectRef>
+      <a:fontRef idx="minor">
+        <a:schemeClr val="lt1"/>
+      </a:fontRef>
+    </dgm:style>
+  </dgm:styleLbl>
+  <dgm:styleLbl name="lnNode1">
+    <dgm:scene3d>
+      <a:camera prst="orthographicFront"/>
+      <a:lightRig rig="threePt" dir="t"/>
+    </dgm:scene3d>
+    <dgm:sp3d/>
+    <dgm:txPr/>
+    <dgm:style>
+      <a:lnRef idx="3">
+        <a:scrgbClr r="0" g="0" b="0"/>
+      </a:lnRef>
+      <a:fillRef idx="1">
+        <a:scrgbClr r="0" g="0" b="0"/>
+      </a:fillRef>
+      <a:effectRef idx="1">
+        <a:scrgbClr r="0" g="0" b="0"/>
+      </a:effectRef>
+      <a:fontRef idx="minor">
+        <a:schemeClr val="lt1"/>
+      </a:fontRef>
+    </dgm:style>
+  </dgm:styleLbl>
+  <dgm:styleLbl name="vennNode1">
+    <dgm:scene3d>
+      <a:camera prst="orthographicFront"/>
+      <a:lightRig rig="threePt" dir="t"/>
+    </dgm:scene3d>
+    <dgm:sp3d/>
+    <dgm:txPr/>
+    <dgm:style>
+      <a:lnRef idx="3">
+        <a:scrgbClr r="0" g="0" b="0"/>
+      </a:lnRef>
+      <a:fillRef idx="1">
+        <a:scrgbClr r="0" g="0" b="0"/>
+      </a:fillRef>
+      <a:effectRef idx="0">
+        <a:scrgbClr r="0" g="0" b="0"/>
+      </a:effectRef>
+      <a:fontRef idx="minor">
+        <a:schemeClr val="tx1"/>
+      </a:fontRef>
+    </dgm:style>
+  </dgm:styleLbl>
+  <dgm:styleLbl name="alignNode1">
+    <dgm:scene3d>
+      <a:camera prst="orthographicFront"/>
+      <a:lightRig rig="threePt" dir="t"/>
+    </dgm:scene3d>
+    <dgm:sp3d/>
+    <dgm:txPr/>
+    <dgm:style>
+      <a:lnRef idx="2">
+        <a:scrgbClr r="0" g="0" b="0"/>
+      </a:lnRef>
+      <a:fillRef idx="1">
+        <a:scrgbClr r="0" g="0" b="0"/>
+      </a:fillRef>
+      <a:effectRef idx="1">
+        <a:scrgbClr r="0" g="0" b="0"/>
+      </a:effectRef>
+      <a:fontRef idx="minor">
+        <a:schemeClr val="lt1"/>
+      </a:fontRef>
+    </dgm:style>
+  </dgm:styleLbl>
+  <dgm:styleLbl name="node1">
+    <dgm:scene3d>
+      <a:camera prst="orthographicFront"/>
+      <a:lightRig rig="threePt" dir="t"/>
+    </dgm:scene3d>
+    <dgm:sp3d/>
+    <dgm:txPr/>
+    <dgm:style>
+      <a:lnRef idx="3">
+        <a:scrgbClr r="0" g="0" b="0"/>
+      </a:lnRef>
+      <a:fillRef idx="1">
+        <a:scrgbClr r="0" g="0" b="0"/>
+      </a:fillRef>
+      <a:effectRef idx="1">
+        <a:scrgbClr r="0" g="0" b="0"/>
+      </a:effectRef>
+      <a:fontRef idx="minor">
+        <a:schemeClr val="lt1"/>
+      </a:fontRef>
+    </dgm:style>
+  </dgm:styleLbl>
+  <dgm:styleLbl name="node2">
+    <dgm:scene3d>
+      <a:camera prst="orthographicFront"/>
+      <a:lightRig rig="threePt" dir="t"/>
+    </dgm:scene3d>
+    <dgm:sp3d/>
+    <dgm:txPr/>
+    <dgm:style>
+      <a:lnRef idx="3">
+        <a:scrgbClr r="0" g="0" b="0"/>
+      </a:lnRef>
+      <a:fillRef idx="1">
+        <a:scrgbClr r="0" g="0" b="0"/>
+      </a:fillRef>
+      <a:effectRef idx="1">
+        <a:scrgbClr r="0" g="0" b="0"/>
+      </a:effectRef>
+      <a:fontRef idx="minor">
+        <a:schemeClr val="lt1"/>
+      </a:fontRef>
+    </dgm:style>
+  </dgm:styleLbl>
+  <dgm:styleLbl name="node3">
+    <dgm:scene3d>
+      <a:camera prst="orthographicFront"/>
+      <a:lightRig rig="threePt" dir="t"/>
+    </dgm:scene3d>
+    <dgm:sp3d/>
+    <dgm:txPr/>
+    <dgm:style>
+      <a:lnRef idx="3">
+        <a:scrgbClr r="0" g="0" b="0"/>
+      </a:lnRef>
+      <a:fillRef idx="1">
+        <a:scrgbClr r="0" g="0" b="0"/>
+      </a:fillRef>
+      <a:effectRef idx="1">
+        <a:scrgbClr r="0" g="0" b="0"/>
+      </a:effectRef>
+      <a:fontRef idx="minor">
+        <a:schemeClr val="lt1"/>
+      </a:fontRef>
+    </dgm:style>
+  </dgm:styleLbl>
+  <dgm:styleLbl name="node4">
+    <dgm:scene3d>
+      <a:camera prst="orthographicFront"/>
+      <a:lightRig rig="threePt" dir="t"/>
+    </dgm:scene3d>
+    <dgm:sp3d/>
+    <dgm:txPr/>
+    <dgm:style>
+      <a:lnRef idx="3">
+        <a:scrgbClr r="0" g="0" b="0"/>
+      </a:lnRef>
+      <a:fillRef idx="1">
+        <a:scrgbClr r="0" g="0" b="0"/>
+      </a:fillRef>
+      <a:effectRef idx="1">
+        <a:scrgbClr r="0" g="0" b="0"/>
+      </a:effectRef>
+      <a:fontRef idx="minor">
+        <a:schemeClr val="lt1"/>
+      </a:fontRef>
+    </dgm:style>
+  </dgm:styleLbl>
+  <dgm:styleLbl name="fgImgPlace1">
+    <dgm:scene3d>
+      <a:camera prst="orthographicFront"/>
+      <a:lightRig rig="threePt" dir="t"/>
+    </dgm:scene3d>
+    <dgm:sp3d/>
+    <dgm:txPr/>
+    <dgm:style>
+      <a:lnRef idx="3">
+        <a:scrgbClr r="0" g="0" b="0"/>
+      </a:lnRef>
+      <a:fillRef idx="1">
+        <a:scrgbClr r="0" g="0" b="0"/>
+      </a:fillRef>
+      <a:effectRef idx="1">
+        <a:scrgbClr r="0" g="0" b="0"/>
+      </a:effectRef>
+      <a:fontRef idx="minor"/>
+    </dgm:style>
+  </dgm:styleLbl>
+  <dgm:styleLbl name="alignImgPlace1">
+    <dgm:scene3d>
+      <a:camera prst="orthographicFront"/>
+      <a:lightRig rig="threePt" dir="t"/>
+    </dgm:scene3d>
+    <dgm:sp3d/>
+    <dgm:txPr/>
+    <dgm:style>
+      <a:lnRef idx="3">
+        <a:scrgbClr r="0" g="0" b="0"/>
+      </a:lnRef>
+      <a:fillRef idx="1">
+        <a:scrgbClr r="0" g="0" b="0"/>
+      </a:fillRef>
+      <a:effectRef idx="1">
+        <a:scrgbClr r="0" g="0" b="0"/>
+      </a:effectRef>
+      <a:fontRef idx="minor"/>
+    </dgm:style>
+  </dgm:styleLbl>
+  <dgm:styleLbl name="bgImgPlace1">
+    <dgm:scene3d>
+      <a:camera prst="orthographicFront"/>
+      <a:lightRig rig="threePt" dir="t"/>
+    </dgm:scene3d>
+    <dgm:sp3d/>
+    <dgm:txPr/>
+    <dgm:style>
+      <a:lnRef idx="3">
+        <a:scrgbClr r="0" g="0" b="0"/>
+      </a:lnRef>
+      <a:fillRef idx="1">
+        <a:scrgbClr r="0" g="0" b="0"/>
+      </a:fillRef>
+      <a:effectRef idx="1">
+        <a:scrgbClr r="0" g="0" b="0"/>
+      </a:effectRef>
+      <a:fontRef idx="minor"/>
+    </dgm:style>
+  </dgm:styleLbl>
+  <dgm:styleLbl name="sibTrans2D1">
+    <dgm:scene3d>
+      <a:camera prst="orthographicFront"/>
+      <a:lightRig rig="threePt" dir="t"/>
+    </dgm:scene3d>
+    <dgm:sp3d/>
+    <dgm:txPr/>
+    <dgm:style>
+      <a:lnRef idx="0">
+        <a:scrgbClr r="0" g="0" b="0"/>
+      </a:lnRef>
+      <a:fillRef idx="1">
+        <a:scrgbClr r="0" g="0" b="0"/>
+      </a:fillRef>
+      <a:effectRef idx="1">
+        <a:scrgbClr r="0" g="0" b="0"/>
+      </a:effectRef>
+      <a:fontRef idx="minor">
+        <a:schemeClr val="lt1"/>
+      </a:fontRef>
+    </dgm:style>
+  </dgm:styleLbl>
+  <dgm:styleLbl name="fgSibTrans2D1">
+    <dgm:scene3d>
+      <a:camera prst="orthographicFront"/>
+      <a:lightRig rig="threePt" dir="t"/>
+    </dgm:scene3d>
+    <dgm:sp3d/>
+    <dgm:txPr/>
+    <dgm:style>
+      <a:lnRef idx="0">
+        <a:scrgbClr r="0" g="0" b="0"/>
+      </a:lnRef>
+      <a:fillRef idx="1">
+        <a:scrgbClr r="0" g="0" b="0"/>
+      </a:fillRef>
+      <a:effectRef idx="1">
+        <a:scrgbClr r="0" g="0" b="0"/>
+      </a:effectRef>
+      <a:fontRef idx="minor">
+        <a:schemeClr val="lt1"/>
+      </a:fontRef>
+    </dgm:style>
+  </dgm:styleLbl>
+  <dgm:styleLbl name="bgSibTrans2D1">
+    <dgm:scene3d>
+      <a:camera prst="orthographicFront"/>
+      <a:lightRig rig="threePt" dir="t"/>
+    </dgm:scene3d>
+    <dgm:sp3d/>
+    <dgm:txPr/>
+    <dgm:style>
+      <a:lnRef idx="0">
+        <a:scrgbClr r="0" g="0" b="0"/>
+      </a:lnRef>
+      <a:fillRef idx="1">
+        <a:scrgbClr r="0" g="0" b="0"/>
+      </a:fillRef>
+      <a:effectRef idx="1">
+        <a:scrgbClr r="0" g="0" b="0"/>
+      </a:effectRef>
+      <a:fontRef idx="minor">
+        <a:schemeClr val="lt1"/>
+      </a:fontRef>
+    </dgm:style>
+  </dgm:styleLbl>
+  <dgm:styleLbl name="sibTrans1D1">
+    <dgm:scene3d>
+      <a:camera prst="orthographicFront"/>
+      <a:lightRig rig="threePt" dir="t"/>
+    </dgm:scene3d>
+    <dgm:sp3d/>
+    <dgm:txPr/>
+    <dgm:style>
+      <a:lnRef idx="1">
+        <a:scrgbClr r="0" g="0" b="0"/>
+      </a:lnRef>
+      <a:fillRef idx="0">
+        <a:scrgbClr r="0" g="0" b="0"/>
+      </a:fillRef>
+      <a:effectRef idx="0">
+        <a:scrgbClr r="0" g="0" b="0"/>
+      </a:effectRef>
+      <a:fontRef idx="minor"/>
+    </dgm:style>
+  </dgm:styleLbl>
+  <dgm:styleLbl name="callout">
+    <dgm:scene3d>
+      <a:camera prst="orthographicFront"/>
+      <a:lightRig rig="threePt" dir="t"/>
+    </dgm:scene3d>
+    <dgm:sp3d/>
+    <dgm:txPr/>
+    <dgm:style>
+      <a:lnRef idx="2">
+        <a:scrgbClr r="0" g="0" b="0"/>
+      </a:lnRef>
+      <a:fillRef idx="1">
+        <a:scrgbClr r="0" g="0" b="0"/>
+      </a:fillRef>
+      <a:effectRef idx="1">
+        <a:scrgbClr r="0" g="0" b="0"/>
+      </a:effectRef>
+      <a:fontRef idx="minor"/>
+    </dgm:style>
+  </dgm:styleLbl>
+  <dgm:styleLbl name="asst0">
+    <dgm:scene3d>
+      <a:camera prst="orthographicFront"/>
+      <a:lightRig rig="threePt" dir="t"/>
+    </dgm:scene3d>
+    <dgm:sp3d/>
+    <dgm:txPr/>
+    <dgm:style>
+      <a:lnRef idx="3">
+        <a:scrgbClr r="0" g="0" b="0"/>
+      </a:lnRef>
+      <a:fillRef idx="1">
+        <a:scrgbClr r="0" g="0" b="0"/>
+      </a:fillRef>
+      <a:effectRef idx="1">
+        <a:scrgbClr r="0" g="0" b="0"/>
+      </a:effectRef>
+      <a:fontRef idx="minor">
+        <a:schemeClr val="lt1"/>
+      </a:fontRef>
+    </dgm:style>
+  </dgm:styleLbl>
+  <dgm:styleLbl name="asst1">
+    <dgm:scene3d>
+      <a:camera prst="orthographicFront"/>
+      <a:lightRig rig="threePt" dir="t"/>
+    </dgm:scene3d>
+    <dgm:sp3d/>
+    <dgm:txPr/>
+    <dgm:style>
+      <a:lnRef idx="3">
+        <a:scrgbClr r="0" g="0" b="0"/>
+      </a:lnRef>
+      <a:fillRef idx="1">
+        <a:scrgbClr r="0" g="0" b="0"/>
+      </a:fillRef>
+      <a:effectRef idx="1">
+        <a:scrgbClr r="0" g="0" b="0"/>
+      </a:effectRef>
+      <a:fontRef idx="minor">
+        <a:schemeClr val="lt1"/>
+      </a:fontRef>
+    </dgm:style>
+  </dgm:styleLbl>
+  <dgm:styleLbl name="asst2">
+    <dgm:scene3d>
+      <a:camera prst="orthographicFront"/>
+      <a:lightRig rig="threePt" dir="t"/>
+    </dgm:scene3d>
+    <dgm:sp3d/>
+    <dgm:txPr/>
+    <dgm:style>
+      <a:lnRef idx="3">
+        <a:scrgbClr r="0" g="0" b="0"/>
+      </a:lnRef>
+      <a:fillRef idx="1">
+        <a:scrgbClr r="0" g="0" b="0"/>
+      </a:fillRef>
+      <a:effectRef idx="1">
+        <a:scrgbClr r="0" g="0" b="0"/>
+      </a:effectRef>
+      <a:fontRef idx="minor">
+        <a:schemeClr val="lt1"/>
+      </a:fontRef>
+    </dgm:style>
+  </dgm:styleLbl>
+  <dgm:styleLbl name="asst3">
+    <dgm:scene3d>
+      <a:camera prst="orthographicFront"/>
+      <a:lightRig rig="threePt" dir="t"/>
+    </dgm:scene3d>
+    <dgm:sp3d/>
+    <dgm:txPr/>
+    <dgm:style>
+      <a:lnRef idx="3">
+        <a:scrgbClr r="0" g="0" b="0"/>
+      </a:lnRef>
+      <a:fillRef idx="1">
+        <a:scrgbClr r="0" g="0" b="0"/>
+      </a:fillRef>
+      <a:effectRef idx="1">
+        <a:scrgbClr r="0" g="0" b="0"/>
+      </a:effectRef>
+      <a:fontRef idx="minor">
+        <a:schemeClr val="lt1"/>
+      </a:fontRef>
+    </dgm:style>
+  </dgm:styleLbl>
+  <dgm:styleLbl name="asst4">
+    <dgm:scene3d>
+      <a:camera prst="orthographicFront"/>
+      <a:lightRig rig="threePt" dir="t"/>
+    </dgm:scene3d>
+    <dgm:sp3d/>
+    <dgm:txPr/>
+    <dgm:style>
+      <a:lnRef idx="3">
+        <a:scrgbClr r="0" g="0" b="0"/>
+      </a:lnRef>
+      <a:fillRef idx="1">
+        <a:scrgbClr r="0" g="0" b="0"/>
+      </a:fillRef>
+      <a:effectRef idx="1">
+        <a:scrgbClr r="0" g="0" b="0"/>
+      </a:effectRef>
+      <a:fontRef idx="minor">
+        <a:schemeClr val="lt1"/>
+      </a:fontRef>
+    </dgm:style>
+  </dgm:styleLbl>
+  <dgm:styleLbl name="parChTrans2D1">
+    <dgm:scene3d>
+      <a:camera prst="orthographicFront"/>
+      <a:lightRig rig="threePt" dir="t"/>
+    </dgm:scene3d>
+    <dgm:sp3d/>
+    <dgm:txPr/>
+    <dgm:style>
+      <a:lnRef idx="3">
+        <a:scrgbClr r="0" g="0" b="0"/>
+      </a:lnRef>
+      <a:fillRef idx="1">
+        <a:scrgbClr r="0" g="0" b="0"/>
+      </a:fillRef>
+      <a:effectRef idx="1">
+        <a:scrgbClr r="0" g="0" b="0"/>
+      </a:effectRef>
+      <a:fontRef idx="minor">
+        <a:schemeClr val="lt1"/>
+      </a:fontRef>
+    </dgm:style>
+  </dgm:styleLbl>
+  <dgm:styleLbl name="parChTrans2D2">
+    <dgm:scene3d>
+      <a:camera prst="orthographicFront"/>
+      <a:lightRig rig="threePt" dir="t"/>
+    </dgm:scene3d>
+    <dgm:sp3d/>
+    <dgm:txPr/>
+    <dgm:style>
+      <a:lnRef idx="3">
+        <a:scrgbClr r="0" g="0" b="0"/>
+      </a:lnRef>
+      <a:fillRef idx="1">
+        <a:scrgbClr r="0" g="0" b="0"/>
+      </a:fillRef>
+      <a:effectRef idx="1">
+        <a:scrgbClr r="0" g="0" b="0"/>
+      </a:effectRef>
+      <a:fontRef idx="minor">
+        <a:schemeClr val="lt1"/>
+      </a:fontRef>
+    </dgm:style>
+  </dgm:styleLbl>
+  <dgm:styleLbl name="parChTrans2D3">
+    <dgm:scene3d>
+      <a:camera prst="orthographicFront"/>
+      <a:lightRig rig="threePt" dir="t"/>
+    </dgm:scene3d>
+    <dgm:sp3d/>
+    <dgm:txPr/>
+    <dgm:style>
+      <a:lnRef idx="3">
+        <a:scrgbClr r="0" g="0" b="0"/>
+      </a:lnRef>
+      <a:fillRef idx="1">
+        <a:scrgbClr r="0" g="0" b="0"/>
+      </a:fillRef>
+      <a:effectRef idx="1">
+        <a:scrgbClr r="0" g="0" b="0"/>
+      </a:effectRef>
+      <a:fontRef idx="minor">
+        <a:schemeClr val="lt1"/>
+      </a:fontRef>
+    </dgm:style>
+  </dgm:styleLbl>
+  <dgm:styleLbl name="parChTrans2D4">
+    <dgm:scene3d>
+      <a:camera prst="orthographicFront"/>
+      <a:lightRig rig="threePt" dir="t"/>
+    </dgm:scene3d>
+    <dgm:sp3d/>
+    <dgm:txPr/>
+    <dgm:style>
+      <a:lnRef idx="3">
+        <a:scrgbClr r="0" g="0" b="0"/>
+      </a:lnRef>
+      <a:fillRef idx="1">
+        <a:scrgbClr r="0" g="0" b="0"/>
+      </a:fillRef>
+      <a:effectRef idx="1">
+        <a:scrgbClr r="0" g="0" b="0"/>
+      </a:effectRef>
+      <a:fontRef idx="minor">
+        <a:schemeClr val="lt1"/>
+      </a:fontRef>
+    </dgm:style>
+  </dgm:styleLbl>
+  <dgm:styleLbl name="parChTrans1D1">
+    <dgm:scene3d>
+      <a:camera prst="orthographicFront"/>
+      <a:lightRig rig="threePt" dir="t"/>
+    </dgm:scene3d>
+    <dgm:sp3d/>
+    <dgm:txPr/>
+    <dgm:style>
+      <a:lnRef idx="2">
+        <a:scrgbClr r="0" g="0" b="0"/>
+      </a:lnRef>
+      <a:fillRef idx="0">
+        <a:scrgbClr r="0" g="0" b="0"/>
+      </a:fillRef>
+      <a:effectRef idx="0">
+        <a:scrgbClr r="0" g="0" b="0"/>
+      </a:effectRef>
+      <a:fontRef idx="minor"/>
+    </dgm:style>
+  </dgm:styleLbl>
+  <dgm:styleLbl name="parChTrans1D2">
+    <dgm:scene3d>
+      <a:camera prst="orthographicFront"/>
+      <a:lightRig rig="threePt" dir="t"/>
+    </dgm:scene3d>
+    <dgm:sp3d/>
+    <dgm:txPr/>
+    <dgm:style>
+      <a:lnRef idx="2">
+        <a:scrgbClr r="0" g="0" b="0"/>
+      </a:lnRef>
+      <a:fillRef idx="0">
+        <a:scrgbClr r="0" g="0" b="0"/>
+      </a:fillRef>
+      <a:effectRef idx="0">
+        <a:scrgbClr r="0" g="0" b="0"/>
+      </a:effectRef>
+      <a:fontRef idx="minor"/>
+    </dgm:style>
+  </dgm:styleLbl>
+  <dgm:styleLbl name="parChTrans1D3">
+    <dgm:scene3d>
+      <a:camera prst="orthographicFront"/>
+      <a:lightRig rig="threePt" dir="t"/>
+    </dgm:scene3d>
+    <dgm:sp3d/>
+    <dgm:txPr/>
+    <dgm:style>
+      <a:lnRef idx="2">
+        <a:scrgbClr r="0" g="0" b="0"/>
+      </a:lnRef>
+      <a:fillRef idx="0">
+        <a:scrgbClr r="0" g="0" b="0"/>
+      </a:fillRef>
+      <a:effectRef idx="0">
+        <a:scrgbClr r="0" g="0" b="0"/>
+      </a:effectRef>
+      <a:fontRef idx="minor"/>
+    </dgm:style>
+  </dgm:styleLbl>
+  <dgm:styleLbl name="parChTrans1D4">
+    <dgm:scene3d>
+      <a:camera prst="orthographicFront"/>
+      <a:lightRig rig="threePt" dir="t"/>
+    </dgm:scene3d>
+    <dgm:sp3d/>
+    <dgm:txPr/>
+    <dgm:style>
+      <a:lnRef idx="2">
+        <a:scrgbClr r="0" g="0" b="0"/>
+      </a:lnRef>
+      <a:fillRef idx="0">
+        <a:scrgbClr r="0" g="0" b="0"/>
+      </a:fillRef>
+      <a:effectRef idx="0">
+        <a:scrgbClr r="0" g="0" b="0"/>
+      </a:effectRef>
+      <a:fontRef idx="minor"/>
+    </dgm:style>
+  </dgm:styleLbl>
+  <dgm:styleLbl name="fgAcc1">
+    <dgm:scene3d>
+      <a:camera prst="orthographicFront"/>
+      <a:lightRig rig="threePt" dir="t"/>
+    </dgm:scene3d>
+    <dgm:sp3d/>
+    <dgm:txPr/>
+    <dgm:style>
+      <a:lnRef idx="2">
+        <a:scrgbClr r="0" g="0" b="0"/>
+      </a:lnRef>
+      <a:fillRef idx="1">
+        <a:scrgbClr r="0" g="0" b="0"/>
+      </a:fillRef>
+      <a:effectRef idx="0">
+        <a:scrgbClr r="0" g="0" b="0"/>
+      </a:effectRef>
+      <a:fontRef idx="minor"/>
+    </dgm:style>
+  </dgm:styleLbl>
+  <dgm:styleLbl name="conFgAcc1">
+    <dgm:scene3d>
+      <a:camera prst="orthographicFront"/>
+      <a:lightRig rig="threePt" dir="t"/>
+    </dgm:scene3d>
+    <dgm:sp3d/>
+    <dgm:txPr/>
+    <dgm:style>
+      <a:lnRef idx="2">
+        <a:scrgbClr r="0" g="0" b="0"/>
+      </a:lnRef>
+      <a:fillRef idx="1">
+        <a:scrgbClr r="0" g="0" b="0"/>
+      </a:fillRef>
+      <a:effectRef idx="0">
+        <a:scrgbClr r="0" g="0" b="0"/>
+      </a:effectRef>
+      <a:fontRef idx="minor"/>
+    </dgm:style>
+  </dgm:styleLbl>
+  <dgm:styleLbl name="alignAcc1">
+    <dgm:scene3d>
+      <a:camera prst="orthographicFront"/>
+      <a:lightRig rig="threePt" dir="t"/>
+    </dgm:scene3d>
+    <dgm:sp3d/>
+    <dgm:txPr/>
+    <dgm:style>
+      <a:lnRef idx="2">
+        <a:scrgbClr r="0" g="0" b="0"/>
+      </a:lnRef>
+      <a:fillRef idx="1">
+        <a:scrgbClr r="0" g="0" b="0"/>
+      </a:fillRef>
+      <a:effectRef idx="0">
+        <a:scrgbClr r="0" g="0" b="0"/>
+      </a:effectRef>
+      <a:fontRef idx="minor"/>
+    </dgm:style>
+  </dgm:styleLbl>
+  <dgm:styleLbl name="trAlignAcc1">
+    <dgm:scene3d>
+      <a:camera prst="orthographicFront"/>
+      <a:lightRig rig="threePt" dir="t"/>
+    </dgm:scene3d>
+    <dgm:sp3d/>
+    <dgm:txPr/>
+    <dgm:style>
+      <a:lnRef idx="1">
+        <a:scrgbClr r="0" g="0" b="0"/>
+      </a:lnRef>
+      <a:fillRef idx="1">
+        <a:scrgbClr r="0" g="0" b="0"/>
+      </a:fillRef>
+      <a:effectRef idx="0">
+        <a:scrgbClr r="0" g="0" b="0"/>
+      </a:effectRef>
+      <a:fontRef idx="minor"/>
+    </dgm:style>
+  </dgm:styleLbl>
+  <dgm:styleLbl name="bgAcc1">
+    <dgm:scene3d>
+      <a:camera prst="orthographicFront"/>
+      <a:lightRig rig="threePt" dir="t"/>
+    </dgm:scene3d>
+    <dgm:sp3d/>
+    <dgm:txPr/>
+    <dgm:style>
+      <a:lnRef idx="2">
+        <a:scrgbClr r="0" g="0" b="0"/>
+      </a:lnRef>
+      <a:fillRef idx="1">
+        <a:scrgbClr r="0" g="0" b="0"/>
+      </a:fillRef>
+      <a:effectRef idx="0">
+        <a:scrgbClr r="0" g="0" b="0"/>
+      </a:effectRef>
+      <a:fontRef idx="minor"/>
+    </dgm:style>
+  </dgm:styleLbl>
+  <dgm:styleLbl name="solidFgAcc1">
+    <dgm:scene3d>
+      <a:camera prst="orthographicFront"/>
+      <a:lightRig rig="threePt" dir="t"/>
+    </dgm:scene3d>
+    <dgm:sp3d/>
+    <dgm:txPr/>
+    <dgm:style>
+      <a:lnRef idx="2">
+        <a:scrgbClr r="0" g="0" b="0"/>
+      </a:lnRef>
+      <a:fillRef idx="1">
+        <a:scrgbClr r="0" g="0" b="0"/>
+      </a:fillRef>
+      <a:effectRef idx="0">
+        <a:scrgbClr r="0" g="0" b="0"/>
+      </a:effectRef>
+      <a:fontRef idx="minor"/>
+    </dgm:style>
+  </dgm:styleLbl>
+  <dgm:styleLbl name="solidAlignAcc1">
+    <dgm:scene3d>
+      <a:camera prst="orthographicFront"/>
+      <a:lightRig rig="threePt" dir="t"/>
+    </dgm:scene3d>
+    <dgm:sp3d/>
+    <dgm:txPr/>
+    <dgm:style>
+      <a:lnRef idx="2">
+        <a:scrgbClr r="0" g="0" b="0"/>
+      </a:lnRef>
+      <a:fillRef idx="1">
+        <a:scrgbClr r="0" g="0" b="0"/>
+      </a:fillRef>
+      <a:effectRef idx="0">
+        <a:scrgbClr r="0" g="0" b="0"/>
+      </a:effectRef>
+      <a:fontRef idx="minor"/>
+    </dgm:style>
+  </dgm:styleLbl>
+  <dgm:styleLbl name="solidBgAcc1">
+    <dgm:scene3d>
+      <a:camera prst="orthographicFront"/>
+      <a:lightRig rig="threePt" dir="t"/>
+    </dgm:scene3d>
+    <dgm:sp3d/>
+    <dgm:txPr/>
+    <dgm:style>
+      <a:lnRef idx="2">
+        <a:scrgbClr r="0" g="0" b="0"/>
+      </a:lnRef>
+      <a:fillRef idx="1">
+        <a:scrgbClr r="0" g="0" b="0"/>
+      </a:fillRef>
+      <a:effectRef idx="0">
+        <a:scrgbClr r="0" g="0" b="0"/>
+      </a:effectRef>
+      <a:fontRef idx="minor"/>
+    </dgm:style>
+  </dgm:styleLbl>
+  <dgm:styleLbl name="fgAccFollowNode1">
+    <dgm:scene3d>
+      <a:camera prst="orthographicFront"/>
+      <a:lightRig rig="threePt" dir="t"/>
+    </dgm:scene3d>
+    <dgm:sp3d/>
+    <dgm:txPr/>
+    <dgm:style>
+      <a:lnRef idx="2">
+        <a:scrgbClr r="0" g="0" b="0"/>
+      </a:lnRef>
+      <a:fillRef idx="1">
+        <a:scrgbClr r="0" g="0" b="0"/>
+      </a:fillRef>
+      <a:effectRef idx="0">
+        <a:scrgbClr r="0" g="0" b="0"/>
+      </a:effectRef>
+      <a:fontRef idx="minor"/>
+    </dgm:style>
+  </dgm:styleLbl>
+  <dgm:styleLbl name="alignAccFollowNode1">
+    <dgm:scene3d>
+      <a:camera prst="orthographicFront"/>
+      <a:lightRig rig="threePt" dir="t"/>
+    </dgm:scene3d>
+    <dgm:sp3d/>
+    <dgm:txPr/>
+    <dgm:style>
+      <a:lnRef idx="2">
+        <a:scrgbClr r="0" g="0" b="0"/>
+      </a:lnRef>
+      <a:fillRef idx="1">
+        <a:scrgbClr r="0" g="0" b="0"/>
+      </a:fillRef>
+      <a:effectRef idx="0">
+        <a:scrgbClr r="0" g="0" b="0"/>
+      </a:effectRef>
+      <a:fontRef idx="minor"/>
+    </dgm:style>
+  </dgm:styleLbl>
+  <dgm:styleLbl name="bgAccFollowNode1">
+    <dgm:scene3d>
+      <a:camera prst="orthographicFront"/>
+      <a:lightRig rig="threePt" dir="t"/>
+    </dgm:scene3d>
+    <dgm:sp3d/>
+    <dgm:txPr/>
+    <dgm:style>
+      <a:lnRef idx="2">
+        <a:scrgbClr r="0" g="0" b="0"/>
+      </a:lnRef>
+      <a:fillRef idx="1">
+        <a:scrgbClr r="0" g="0" b="0"/>
+      </a:fillRef>
+      <a:effectRef idx="0">
+        <a:scrgbClr r="0" g="0" b="0"/>
+      </a:effectRef>
+      <a:fontRef idx="minor"/>
+    </dgm:style>
+  </dgm:styleLbl>
+  <dgm:styleLbl name="fgAcc0">
+    <dgm:scene3d>
+      <a:camera prst="orthographicFront"/>
+      <a:lightRig rig="threePt" dir="t"/>
+    </dgm:scene3d>
+    <dgm:sp3d/>
+    <dgm:txPr/>
+    <dgm:style>
+      <a:lnRef idx="2">
+        <a:scrgbClr r="0" g="0" b="0"/>
+      </a:lnRef>
+      <a:fillRef idx="1">
+        <a:scrgbClr r="0" g="0" b="0"/>
+      </a:fillRef>
+      <a:effectRef idx="0">
+        <a:scrgbClr r="0" g="0" b="0"/>
+      </a:effectRef>
+      <a:fontRef idx="minor"/>
+    </dgm:style>
+  </dgm:styleLbl>
+  <dgm:styleLbl name="fgAcc2">
+    <dgm:scene3d>
+      <a:camera prst="orthographicFront"/>
+      <a:lightRig rig="threePt" dir="t"/>
+    </dgm:scene3d>
+    <dgm:sp3d/>
+    <dgm:txPr/>
+    <dgm:style>
+      <a:lnRef idx="2">
+        <a:scrgbClr r="0" g="0" b="0"/>
+      </a:lnRef>
+      <a:fillRef idx="1">
+        <a:scrgbClr r="0" g="0" b="0"/>
+      </a:fillRef>
+      <a:effectRef idx="0">
+        <a:scrgbClr r="0" g="0" b="0"/>
+      </a:effectRef>
+      <a:fontRef idx="minor"/>
+    </dgm:style>
+  </dgm:styleLbl>
+  <dgm:styleLbl name="fgAcc3">
+    <dgm:scene3d>
+      <a:camera prst="orthographicFront"/>
+      <a:lightRig rig="threePt" dir="t"/>
+    </dgm:scene3d>
+    <dgm:sp3d/>
+    <dgm:txPr/>
+    <dgm:style>
+      <a:lnRef idx="2">
+        <a:scrgbClr r="0" g="0" b="0"/>
+      </a:lnRef>
+      <a:fillRef idx="1">
+        <a:scrgbClr r="0" g="0" b="0"/>
+      </a:fillRef>
+      <a:effectRef idx="0">
+        <a:scrgbClr r="0" g="0" b="0"/>
+      </a:effectRef>
+      <a:fontRef idx="minor"/>
+    </dgm:style>
+  </dgm:styleLbl>
+  <dgm:styleLbl name="fgAcc4">
+    <dgm:scene3d>
+      <a:camera prst="orthographicFront"/>
+      <a:lightRig rig="threePt" dir="t"/>
+    </dgm:scene3d>
+    <dgm:sp3d/>
+    <dgm:txPr/>
+    <dgm:style>
+      <a:lnRef idx="2">
+        <a:scrgbClr r="0" g="0" b="0"/>
+      </a:lnRef>
+      <a:fillRef idx="1">
+        <a:scrgbClr r="0" g="0" b="0"/>
+      </a:fillRef>
+      <a:effectRef idx="0">
+        <a:scrgbClr r="0" g="0" b="0"/>
+      </a:effectRef>
+      <a:fontRef idx="minor"/>
+    </dgm:style>
+  </dgm:styleLbl>
+  <dgm:styleLbl name="bgShp">
+    <dgm:scene3d>
+      <a:camera prst="orthographicFront"/>
+      <a:lightRig rig="threePt" dir="t"/>
+    </dgm:scene3d>
+    <dgm:sp3d/>
+    <dgm:txPr/>
+    <dgm:style>
+      <a:lnRef idx="0">
+        <a:scrgbClr r="0" g="0" b="0"/>
+      </a:lnRef>
+      <a:fillRef idx="1">
+        <a:scrgbClr r="0" g="0" b="0"/>
+      </a:fillRef>
+      <a:effectRef idx="0">
+        <a:scrgbClr r="0" g="0" b="0"/>
+      </a:effectRef>
+      <a:fontRef idx="minor"/>
+    </dgm:style>
+  </dgm:styleLbl>
+  <dgm:styleLbl name="dkBgShp">
+    <dgm:scene3d>
+      <a:camera prst="orthographicFront"/>
+      <a:lightRig rig="threePt" dir="t"/>
+    </dgm:scene3d>
+    <dgm:sp3d/>
+    <dgm:txPr/>
+    <dgm:style>
+      <a:lnRef idx="0">
+        <a:scrgbClr r="0" g="0" b="0"/>
+      </a:lnRef>
+      <a:fillRef idx="1">
+        <a:scrgbClr r="0" g="0" b="0"/>
+      </a:fillRef>
+      <a:effectRef idx="0">
+        <a:scrgbClr r="0" g="0" b="0"/>
+      </a:effectRef>
+      <a:fontRef idx="minor"/>
+    </dgm:style>
+  </dgm:styleLbl>
+  <dgm:styleLbl name="trBgShp">
+    <dgm:scene3d>
+      <a:camera prst="orthographicFront"/>
+      <a:lightRig rig="threePt" dir="t"/>
+    </dgm:scene3d>
+    <dgm:sp3d/>
+    <dgm:txPr/>
+    <dgm:style>
+      <a:lnRef idx="0">
+        <a:scrgbClr r="0" g="0" b="0"/>
+      </a:lnRef>
+      <a:fillRef idx="1">
+        <a:scrgbClr r="0" g="0" b="0"/>
+      </a:fillRef>
+      <a:effectRef idx="0">
+        <a:scrgbClr r="0" g="0" b="0"/>
+      </a:effectRef>
+      <a:fontRef idx="minor"/>
+    </dgm:style>
+  </dgm:styleLbl>
+  <dgm:styleLbl name="fgShp">
+    <dgm:scene3d>
+      <a:camera prst="orthographicFront"/>
+      <a:lightRig rig="threePt" dir="t"/>
+    </dgm:scene3d>
+    <dgm:sp3d/>
+    <dgm:txPr/>
+    <dgm:style>
+      <a:lnRef idx="3">
+        <a:scrgbClr r="0" g="0" b="0"/>
+      </a:lnRef>
+      <a:fillRef idx="1">
+        <a:scrgbClr r="0" g="0" b="0"/>
+      </a:fillRef>
+      <a:effectRef idx="1">
         <a:scrgbClr r="0" g="0" b="0"/>
       </a:effectRef>
       <a:fontRef idx="minor"/>
@@ -6348,7 +8824,7 @@
           <a:p>
             <a:fld id="{CC52B196-69F7-5B49-9E8F-65111842FC39}" type="datetimeFigureOut">
               <a:rPr lang="en-US" smtClean="0"/>
-              <a:t>1/14/2019</a:t>
+              <a:t>1/16/2019</a:t>
             </a:fld>
             <a:endParaRPr lang="en-US"/>
           </a:p>
@@ -6546,7 +9022,7 @@
           <a:p>
             <a:fld id="{CC52B196-69F7-5B49-9E8F-65111842FC39}" type="datetimeFigureOut">
               <a:rPr lang="en-US" smtClean="0"/>
-              <a:t>1/14/2019</a:t>
+              <a:t>1/16/2019</a:t>
             </a:fld>
             <a:endParaRPr lang="en-US"/>
           </a:p>
@@ -6754,7 +9230,7 @@
           <a:p>
             <a:fld id="{CC52B196-69F7-5B49-9E8F-65111842FC39}" type="datetimeFigureOut">
               <a:rPr lang="en-US" smtClean="0"/>
-              <a:t>1/14/2019</a:t>
+              <a:t>1/16/2019</a:t>
             </a:fld>
             <a:endParaRPr lang="en-US"/>
           </a:p>
@@ -6952,7 +9428,7 @@
           <a:p>
             <a:fld id="{CC52B196-69F7-5B49-9E8F-65111842FC39}" type="datetimeFigureOut">
               <a:rPr lang="en-US" smtClean="0"/>
-              <a:t>1/14/2019</a:t>
+              <a:t>1/16/2019</a:t>
             </a:fld>
             <a:endParaRPr lang="en-US"/>
           </a:p>
@@ -7227,7 +9703,7 @@
           <a:p>
             <a:fld id="{CC52B196-69F7-5B49-9E8F-65111842FC39}" type="datetimeFigureOut">
               <a:rPr lang="en-US" smtClean="0"/>
-              <a:t>1/14/2019</a:t>
+              <a:t>1/16/2019</a:t>
             </a:fld>
             <a:endParaRPr lang="en-US"/>
           </a:p>
@@ -7492,7 +9968,7 @@
           <a:p>
             <a:fld id="{CC52B196-69F7-5B49-9E8F-65111842FC39}" type="datetimeFigureOut">
               <a:rPr lang="en-US" smtClean="0"/>
-              <a:t>1/14/2019</a:t>
+              <a:t>1/16/2019</a:t>
             </a:fld>
             <a:endParaRPr lang="en-US"/>
           </a:p>
@@ -7904,7 +10380,7 @@
           <a:p>
             <a:fld id="{CC52B196-69F7-5B49-9E8F-65111842FC39}" type="datetimeFigureOut">
               <a:rPr lang="en-US" smtClean="0"/>
-              <a:t>1/14/2019</a:t>
+              <a:t>1/16/2019</a:t>
             </a:fld>
             <a:endParaRPr lang="en-US"/>
           </a:p>
@@ -8045,7 +10521,7 @@
           <a:p>
             <a:fld id="{CC52B196-69F7-5B49-9E8F-65111842FC39}" type="datetimeFigureOut">
               <a:rPr lang="en-US" smtClean="0"/>
-              <a:t>1/14/2019</a:t>
+              <a:t>1/16/2019</a:t>
             </a:fld>
             <a:endParaRPr lang="en-US"/>
           </a:p>
@@ -8158,7 +10634,7 @@
           <a:p>
             <a:fld id="{CC52B196-69F7-5B49-9E8F-65111842FC39}" type="datetimeFigureOut">
               <a:rPr lang="en-US" smtClean="0"/>
-              <a:t>1/14/2019</a:t>
+              <a:t>1/16/2019</a:t>
             </a:fld>
             <a:endParaRPr lang="en-US"/>
           </a:p>
@@ -8469,7 +10945,7 @@
           <a:p>
             <a:fld id="{CC52B196-69F7-5B49-9E8F-65111842FC39}" type="datetimeFigureOut">
               <a:rPr lang="en-US" smtClean="0"/>
-              <a:t>1/14/2019</a:t>
+              <a:t>1/16/2019</a:t>
             </a:fld>
             <a:endParaRPr lang="en-US"/>
           </a:p>
@@ -8757,7 +11233,7 @@
           <a:p>
             <a:fld id="{CC52B196-69F7-5B49-9E8F-65111842FC39}" type="datetimeFigureOut">
               <a:rPr lang="en-US" smtClean="0"/>
-              <a:t>1/14/2019</a:t>
+              <a:t>1/16/2019</a:t>
             </a:fld>
             <a:endParaRPr lang="en-US"/>
           </a:p>
@@ -8998,7 +11474,7 @@
           <a:p>
             <a:fld id="{CC52B196-69F7-5B49-9E8F-65111842FC39}" type="datetimeFigureOut">
               <a:rPr lang="en-US" smtClean="0"/>
-              <a:t>1/14/2019</a:t>
+              <a:t>1/16/2019</a:t>
             </a:fld>
             <a:endParaRPr lang="en-US"/>
           </a:p>
@@ -11536,7 +14012,7 @@
             <p:ph idx="1"/>
             <p:extLst>
               <p:ext uri="{D42A27DB-BD31-4B8C-83A1-F6EECF244321}">
-                <p14:modId xmlns:p14="http://schemas.microsoft.com/office/powerpoint/2010/main" val="4081735421"/>
+                <p14:modId xmlns:p14="http://schemas.microsoft.com/office/powerpoint/2010/main" val="1394785288"/>
               </p:ext>
             </p:extLst>
           </p:nvPr>
@@ -12044,8 +14520,8 @@
         </p:blipFill>
         <p:spPr>
           <a:xfrm>
-            <a:off x="5075257" y="790317"/>
-            <a:ext cx="6553545" cy="4915158"/>
+            <a:off x="4773600" y="460377"/>
+            <a:ext cx="7370536" cy="5527901"/>
           </a:xfrm>
           <a:prstGeom prst="rect">
             <a:avLst/>
@@ -12241,8 +14717,8 @@
         </p:blipFill>
         <p:spPr>
           <a:xfrm>
-            <a:off x="5153822" y="975392"/>
-            <a:ext cx="6553545" cy="4915158"/>
+            <a:off x="4797442" y="426027"/>
+            <a:ext cx="7394558" cy="5545917"/>
           </a:xfrm>
           <a:prstGeom prst="rect">
             <a:avLst/>
@@ -12265,6 +14741,14 @@
 <file path=ppt/slides/slide9.xml><?xml version="1.0" encoding="utf-8"?>
 <p:sld xmlns:a="http://schemas.openxmlformats.org/drawingml/2006/main" xmlns:r="http://schemas.openxmlformats.org/officeDocument/2006/relationships" xmlns:p="http://schemas.openxmlformats.org/presentationml/2006/main">
   <p:cSld>
+    <p:bg>
+      <p:bgPr>
+        <a:solidFill>
+          <a:schemeClr val="bg1"/>
+        </a:solidFill>
+        <a:effectLst/>
+      </p:bgPr>
+    </p:bg>
     <p:spTree>
       <p:nvGrpSpPr>
         <p:cNvPr id="1" name=""/>
@@ -12281,6 +14765,98 @@
       </p:grpSpPr>
       <p:sp>
         <p:nvSpPr>
+          <p:cNvPr id="16" name="Rectangle 9">
+            <a:extLst>
+              <a:ext uri="{FF2B5EF4-FFF2-40B4-BE49-F238E27FC236}">
+                <a16:creationId xmlns:a16="http://schemas.microsoft.com/office/drawing/2014/main" id="{42A5316D-ED2F-4F89-B4B4-8D9240B1A348}"/>
+              </a:ext>
+              <a:ext uri="{C183D7F6-B498-43B3-948B-1728B52AA6E4}">
+                <adec:decorative xmlns:adec="http://schemas.microsoft.com/office/drawing/2017/decorative" val="1"/>
+              </a:ext>
+            </a:extLst>
+          </p:cNvPr>
+          <p:cNvSpPr>
+            <a:spLocks noGrp="1" noRot="1" noChangeAspect="1" noMove="1" noResize="1" noEditPoints="1" noAdjustHandles="1" noChangeArrowheads="1" noChangeShapeType="1" noTextEdit="1"/>
+          </p:cNvSpPr>
+          <p:nvPr>
+            <p:extLst>
+              <p:ext uri="{386F3935-93C4-4BCD-93E2-E3B085C9AB24}">
+                <p16:designElem xmlns:p16="http://schemas.microsoft.com/office/powerpoint/2015/main" val="1"/>
+              </p:ext>
+            </p:extLst>
+          </p:nvPr>
+        </p:nvSpPr>
+        <p:spPr>
+          <a:xfrm>
+            <a:off x="0" y="0"/>
+            <a:ext cx="2013557" cy="6858000"/>
+          </a:xfrm>
+          <a:prstGeom prst="rect">
+            <a:avLst/>
+          </a:prstGeom>
+          <a:solidFill>
+            <a:srgbClr val="7F7F7F"/>
+          </a:solidFill>
+          <a:ln>
+            <a:noFill/>
+          </a:ln>
+        </p:spPr>
+        <p:style>
+          <a:lnRef idx="2">
+            <a:schemeClr val="accent1">
+              <a:shade val="50000"/>
+            </a:schemeClr>
+          </a:lnRef>
+          <a:fillRef idx="1">
+            <a:schemeClr val="accent1"/>
+          </a:fillRef>
+          <a:effectRef idx="0">
+            <a:schemeClr val="accent1"/>
+          </a:effectRef>
+          <a:fontRef idx="minor">
+            <a:schemeClr val="lt1"/>
+          </a:fontRef>
+        </p:style>
+        <p:txBody>
+          <a:bodyPr rtlCol="0" anchor="ctr"/>
+          <a:lstStyle/>
+          <a:p>
+            <a:pPr marL="0" marR="0" lvl="0" indent="0" algn="ctr" defTabSz="457200" rtl="0" eaLnBrk="1" fontAlgn="auto" latinLnBrk="0" hangingPunct="1">
+              <a:lnSpc>
+                <a:spcPct val="100000"/>
+              </a:lnSpc>
+              <a:spcBef>
+                <a:spcPts val="0"/>
+              </a:spcBef>
+              <a:spcAft>
+                <a:spcPts val="0"/>
+              </a:spcAft>
+              <a:buClrTx/>
+              <a:buSzTx/>
+              <a:buFontTx/>
+              <a:buNone/>
+              <a:tabLst/>
+              <a:defRPr/>
+            </a:pPr>
+            <a:endParaRPr kumimoji="0" lang="en-US" sz="1800" b="0" i="0" u="none" strike="noStrike" kern="1200" cap="none" spc="0" normalizeH="0" baseline="0" noProof="0">
+              <a:ln>
+                <a:noFill/>
+              </a:ln>
+              <a:solidFill>
+                <a:prstClr val="white"/>
+              </a:solidFill>
+              <a:effectLst/>
+              <a:uLnTx/>
+              <a:uFillTx/>
+              <a:latin typeface="Calibri" panose="020F0502020204030204"/>
+              <a:ea typeface="+mn-ea"/>
+              <a:cs typeface="+mn-cs"/>
+            </a:endParaRPr>
+          </a:p>
+        </p:txBody>
+      </p:sp>
+      <p:sp>
+        <p:nvSpPr>
           <p:cNvPr id="2" name="Title 1">
             <a:extLst>
               <a:ext uri="{FF2B5EF4-FFF2-40B4-BE49-F238E27FC236}">
@@ -12295,43 +14871,72 @@
             <p:ph type="title"/>
           </p:nvPr>
         </p:nvSpPr>
-        <p:spPr/>
+        <p:spPr>
+          <a:xfrm>
+            <a:off x="838200" y="2057400"/>
+            <a:ext cx="2743200" cy="2743200"/>
+          </a:xfrm>
+          <a:prstGeom prst="ellipse">
+            <a:avLst/>
+          </a:prstGeom>
+          <a:solidFill>
+            <a:srgbClr val="262626"/>
+          </a:solidFill>
+          <a:ln w="174625" cmpd="thinThick">
+            <a:solidFill>
+              <a:srgbClr val="262626"/>
+            </a:solidFill>
+          </a:ln>
+        </p:spPr>
         <p:txBody>
-          <a:bodyPr/>
+          <a:bodyPr anchor="ctr">
+            <a:normAutofit/>
+          </a:bodyPr>
           <a:lstStyle/>
           <a:p>
+            <a:pPr algn="ctr"/>
             <a:r>
-              <a:rPr lang="en-US" dirty="0"/>
+              <a:rPr lang="en-US" sz="2600">
+                <a:solidFill>
+                  <a:srgbClr val="FFFFFF"/>
+                </a:solidFill>
+              </a:rPr>
               <a:t>Conclusion</a:t>
             </a:r>
           </a:p>
         </p:txBody>
       </p:sp>
-      <p:sp>
-        <p:nvSpPr>
-          <p:cNvPr id="3" name="Content Placeholder 2">
+      <p:graphicFrame>
+        <p:nvGraphicFramePr>
+          <p:cNvPr id="17" name="Content Placeholder 2">
             <a:extLst>
               <a:ext uri="{FF2B5EF4-FFF2-40B4-BE49-F238E27FC236}">
-                <a16:creationId xmlns:a16="http://schemas.microsoft.com/office/drawing/2014/main" id="{46E96450-CB86-B349-AC1A-0058857B2138}"/>
+                <a16:creationId xmlns:a16="http://schemas.microsoft.com/office/drawing/2014/main" id="{6DB7785C-03A4-4A3D-8F80-033635C443CE}"/>
               </a:ext>
             </a:extLst>
           </p:cNvPr>
-          <p:cNvSpPr>
-            <a:spLocks noGrp="1"/>
-          </p:cNvSpPr>
+          <p:cNvGraphicFramePr>
+            <a:graphicFrameLocks noGrp="1"/>
+          </p:cNvGraphicFramePr>
           <p:nvPr>
             <p:ph idx="1"/>
+            <p:extLst>
+              <p:ext uri="{D42A27DB-BD31-4B8C-83A1-F6EECF244321}">
+                <p14:modId xmlns:p14="http://schemas.microsoft.com/office/powerpoint/2010/main" val="2138612299"/>
+              </p:ext>
+            </p:extLst>
           </p:nvPr>
-        </p:nvSpPr>
-        <p:spPr/>
-        <p:txBody>
-          <a:bodyPr/>
-          <a:lstStyle/>
-          <a:p>
-            <a:endParaRPr lang="en-US" dirty="0"/>
-          </a:p>
-        </p:txBody>
-      </p:sp>
+        </p:nvGraphicFramePr>
+        <p:xfrm>
+          <a:off x="4038600" y="1166648"/>
+          <a:ext cx="7315200" cy="4524706"/>
+        </p:xfrm>
+        <a:graphic>
+          <a:graphicData uri="http://schemas.openxmlformats.org/drawingml/2006/diagram">
+            <dgm:relIds xmlns:dgm="http://schemas.openxmlformats.org/drawingml/2006/diagram" xmlns:r="http://schemas.openxmlformats.org/officeDocument/2006/relationships" r:dm="rId2" r:lo="rId3" r:qs="rId4" r:cs="rId5"/>
+          </a:graphicData>
+        </a:graphic>
+      </p:graphicFrame>
     </p:spTree>
     <p:extLst>
       <p:ext uri="{BB962C8B-B14F-4D97-AF65-F5344CB8AC3E}">

--- a/ETL_Presentation.pptx
+++ b/ETL_Presentation.pptx
@@ -8824,7 +8824,7 @@
           <a:p>
             <a:fld id="{CC52B196-69F7-5B49-9E8F-65111842FC39}" type="datetimeFigureOut">
               <a:rPr lang="en-US" smtClean="0"/>
-              <a:t>1/16/2019</a:t>
+              <a:t>1/19/2019</a:t>
             </a:fld>
             <a:endParaRPr lang="en-US"/>
           </a:p>
@@ -9022,7 +9022,7 @@
           <a:p>
             <a:fld id="{CC52B196-69F7-5B49-9E8F-65111842FC39}" type="datetimeFigureOut">
               <a:rPr lang="en-US" smtClean="0"/>
-              <a:t>1/16/2019</a:t>
+              <a:t>1/19/2019</a:t>
             </a:fld>
             <a:endParaRPr lang="en-US"/>
           </a:p>
@@ -9230,7 +9230,7 @@
           <a:p>
             <a:fld id="{CC52B196-69F7-5B49-9E8F-65111842FC39}" type="datetimeFigureOut">
               <a:rPr lang="en-US" smtClean="0"/>
-              <a:t>1/16/2019</a:t>
+              <a:t>1/19/2019</a:t>
             </a:fld>
             <a:endParaRPr lang="en-US"/>
           </a:p>
@@ -9428,7 +9428,7 @@
           <a:p>
             <a:fld id="{CC52B196-69F7-5B49-9E8F-65111842FC39}" type="datetimeFigureOut">
               <a:rPr lang="en-US" smtClean="0"/>
-              <a:t>1/16/2019</a:t>
+              <a:t>1/19/2019</a:t>
             </a:fld>
             <a:endParaRPr lang="en-US"/>
           </a:p>
@@ -9703,7 +9703,7 @@
           <a:p>
             <a:fld id="{CC52B196-69F7-5B49-9E8F-65111842FC39}" type="datetimeFigureOut">
               <a:rPr lang="en-US" smtClean="0"/>
-              <a:t>1/16/2019</a:t>
+              <a:t>1/19/2019</a:t>
             </a:fld>
             <a:endParaRPr lang="en-US"/>
           </a:p>
@@ -9968,7 +9968,7 @@
           <a:p>
             <a:fld id="{CC52B196-69F7-5B49-9E8F-65111842FC39}" type="datetimeFigureOut">
               <a:rPr lang="en-US" smtClean="0"/>
-              <a:t>1/16/2019</a:t>
+              <a:t>1/19/2019</a:t>
             </a:fld>
             <a:endParaRPr lang="en-US"/>
           </a:p>
@@ -10380,7 +10380,7 @@
           <a:p>
             <a:fld id="{CC52B196-69F7-5B49-9E8F-65111842FC39}" type="datetimeFigureOut">
               <a:rPr lang="en-US" smtClean="0"/>
-              <a:t>1/16/2019</a:t>
+              <a:t>1/19/2019</a:t>
             </a:fld>
             <a:endParaRPr lang="en-US"/>
           </a:p>
@@ -10521,7 +10521,7 @@
           <a:p>
             <a:fld id="{CC52B196-69F7-5B49-9E8F-65111842FC39}" type="datetimeFigureOut">
               <a:rPr lang="en-US" smtClean="0"/>
-              <a:t>1/16/2019</a:t>
+              <a:t>1/19/2019</a:t>
             </a:fld>
             <a:endParaRPr lang="en-US"/>
           </a:p>
@@ -10634,7 +10634,7 @@
           <a:p>
             <a:fld id="{CC52B196-69F7-5B49-9E8F-65111842FC39}" type="datetimeFigureOut">
               <a:rPr lang="en-US" smtClean="0"/>
-              <a:t>1/16/2019</a:t>
+              <a:t>1/19/2019</a:t>
             </a:fld>
             <a:endParaRPr lang="en-US"/>
           </a:p>
@@ -10945,7 +10945,7 @@
           <a:p>
             <a:fld id="{CC52B196-69F7-5B49-9E8F-65111842FC39}" type="datetimeFigureOut">
               <a:rPr lang="en-US" smtClean="0"/>
-              <a:t>1/16/2019</a:t>
+              <a:t>1/19/2019</a:t>
             </a:fld>
             <a:endParaRPr lang="en-US"/>
           </a:p>
@@ -11233,7 +11233,7 @@
           <a:p>
             <a:fld id="{CC52B196-69F7-5B49-9E8F-65111842FC39}" type="datetimeFigureOut">
               <a:rPr lang="en-US" smtClean="0"/>
-              <a:t>1/16/2019</a:t>
+              <a:t>1/19/2019</a:t>
             </a:fld>
             <a:endParaRPr lang="en-US"/>
           </a:p>
@@ -11474,7 +11474,7 @@
           <a:p>
             <a:fld id="{CC52B196-69F7-5B49-9E8F-65111842FC39}" type="datetimeFigureOut">
               <a:rPr lang="en-US" smtClean="0"/>
-              <a:t>1/16/2019</a:t>
+              <a:t>1/19/2019</a:t>
             </a:fld>
             <a:endParaRPr lang="en-US"/>
           </a:p>
@@ -12051,20 +12051,38 @@
         </p:nvSpPr>
         <p:spPr>
           <a:xfrm>
-            <a:off x="1524000" y="1122362"/>
-            <a:ext cx="9144000" cy="2840037"/>
+            <a:off x="1524000" y="861134"/>
+            <a:ext cx="9144000" cy="3169327"/>
           </a:xfrm>
         </p:spPr>
         <p:txBody>
           <a:bodyPr>
-            <a:normAutofit/>
+            <a:normAutofit fontScale="90000"/>
           </a:bodyPr>
           <a:lstStyle/>
           <a:p>
             <a:r>
-              <a:rPr lang="en-US" sz="5800"/>
-              <a:t>Comparison of S&amp;P 500 Volatility Index</a:t>
+              <a:rPr lang="en-US" sz="5800" dirty="0"/>
+              <a:t>Unemployment </a:t>
             </a:r>
+            <a:br>
+              <a:rPr lang="en-US" sz="5800" dirty="0"/>
+            </a:br>
+            <a:r>
+              <a:rPr lang="en-US" sz="5800" dirty="0"/>
+              <a:t>vs</a:t>
+            </a:r>
+            <a:br>
+              <a:rPr lang="en-US" sz="5800" dirty="0"/>
+            </a:br>
+            <a:r>
+              <a:rPr lang="en-US" sz="5800" dirty="0"/>
+              <a:t>The Market</a:t>
+            </a:r>
+            <a:br>
+              <a:rPr lang="en-US" sz="5800" dirty="0"/>
+            </a:br>
+            <a:endParaRPr lang="en-US" sz="5800" dirty="0"/>
           </a:p>
         </p:txBody>
       </p:sp>

--- a/ETL_Presentation.pptx
+++ b/ETL_Presentation.pptx
@@ -8824,7 +8824,7 @@
           <a:p>
             <a:fld id="{CC52B196-69F7-5B49-9E8F-65111842FC39}" type="datetimeFigureOut">
               <a:rPr lang="en-US" smtClean="0"/>
-              <a:t>1/19/2019</a:t>
+              <a:t>6/2/2019</a:t>
             </a:fld>
             <a:endParaRPr lang="en-US"/>
           </a:p>
@@ -9022,7 +9022,7 @@
           <a:p>
             <a:fld id="{CC52B196-69F7-5B49-9E8F-65111842FC39}" type="datetimeFigureOut">
               <a:rPr lang="en-US" smtClean="0"/>
-              <a:t>1/19/2019</a:t>
+              <a:t>6/2/2019</a:t>
             </a:fld>
             <a:endParaRPr lang="en-US"/>
           </a:p>
@@ -9230,7 +9230,7 @@
           <a:p>
             <a:fld id="{CC52B196-69F7-5B49-9E8F-65111842FC39}" type="datetimeFigureOut">
               <a:rPr lang="en-US" smtClean="0"/>
-              <a:t>1/19/2019</a:t>
+              <a:t>6/2/2019</a:t>
             </a:fld>
             <a:endParaRPr lang="en-US"/>
           </a:p>
@@ -9428,7 +9428,7 @@
           <a:p>
             <a:fld id="{CC52B196-69F7-5B49-9E8F-65111842FC39}" type="datetimeFigureOut">
               <a:rPr lang="en-US" smtClean="0"/>
-              <a:t>1/19/2019</a:t>
+              <a:t>6/2/2019</a:t>
             </a:fld>
             <a:endParaRPr lang="en-US"/>
           </a:p>
@@ -9703,7 +9703,7 @@
           <a:p>
             <a:fld id="{CC52B196-69F7-5B49-9E8F-65111842FC39}" type="datetimeFigureOut">
               <a:rPr lang="en-US" smtClean="0"/>
-              <a:t>1/19/2019</a:t>
+              <a:t>6/2/2019</a:t>
             </a:fld>
             <a:endParaRPr lang="en-US"/>
           </a:p>
@@ -9968,7 +9968,7 @@
           <a:p>
             <a:fld id="{CC52B196-69F7-5B49-9E8F-65111842FC39}" type="datetimeFigureOut">
               <a:rPr lang="en-US" smtClean="0"/>
-              <a:t>1/19/2019</a:t>
+              <a:t>6/2/2019</a:t>
             </a:fld>
             <a:endParaRPr lang="en-US"/>
           </a:p>
@@ -10380,7 +10380,7 @@
           <a:p>
             <a:fld id="{CC52B196-69F7-5B49-9E8F-65111842FC39}" type="datetimeFigureOut">
               <a:rPr lang="en-US" smtClean="0"/>
-              <a:t>1/19/2019</a:t>
+              <a:t>6/2/2019</a:t>
             </a:fld>
             <a:endParaRPr lang="en-US"/>
           </a:p>
@@ -10521,7 +10521,7 @@
           <a:p>
             <a:fld id="{CC52B196-69F7-5B49-9E8F-65111842FC39}" type="datetimeFigureOut">
               <a:rPr lang="en-US" smtClean="0"/>
-              <a:t>1/19/2019</a:t>
+              <a:t>6/2/2019</a:t>
             </a:fld>
             <a:endParaRPr lang="en-US"/>
           </a:p>
@@ -10634,7 +10634,7 @@
           <a:p>
             <a:fld id="{CC52B196-69F7-5B49-9E8F-65111842FC39}" type="datetimeFigureOut">
               <a:rPr lang="en-US" smtClean="0"/>
-              <a:t>1/19/2019</a:t>
+              <a:t>6/2/2019</a:t>
             </a:fld>
             <a:endParaRPr lang="en-US"/>
           </a:p>
@@ -10945,7 +10945,7 @@
           <a:p>
             <a:fld id="{CC52B196-69F7-5B49-9E8F-65111842FC39}" type="datetimeFigureOut">
               <a:rPr lang="en-US" smtClean="0"/>
-              <a:t>1/19/2019</a:t>
+              <a:t>6/2/2019</a:t>
             </a:fld>
             <a:endParaRPr lang="en-US"/>
           </a:p>
@@ -11233,7 +11233,7 @@
           <a:p>
             <a:fld id="{CC52B196-69F7-5B49-9E8F-65111842FC39}" type="datetimeFigureOut">
               <a:rPr lang="en-US" smtClean="0"/>
-              <a:t>1/19/2019</a:t>
+              <a:t>6/2/2019</a:t>
             </a:fld>
             <a:endParaRPr lang="en-US"/>
           </a:p>
@@ -11474,7 +11474,7 @@
           <a:p>
             <a:fld id="{CC52B196-69F7-5B49-9E8F-65111842FC39}" type="datetimeFigureOut">
               <a:rPr lang="en-US" smtClean="0"/>
-              <a:t>1/19/2019</a:t>
+              <a:t>6/2/2019</a:t>
             </a:fld>
             <a:endParaRPr lang="en-US"/>
           </a:p>
@@ -14263,7 +14263,7 @@
         <p:spPr>
           <a:xfrm>
             <a:off x="553170" y="2426818"/>
-            <a:ext cx="5012711" cy="3997637"/>
+            <a:ext cx="5331558" cy="3997637"/>
           </a:xfrm>
           <a:prstGeom prst="rect">
             <a:avLst/>
@@ -14344,7 +14344,7 @@
         </p:blipFill>
         <p:spPr>
           <a:xfrm>
-            <a:off x="6449313" y="2740198"/>
+            <a:off x="6307274" y="2918181"/>
             <a:ext cx="5742687" cy="3014909"/>
           </a:xfrm>
           <a:prstGeom prst="rect">
